--- a/Teacher/选修3-1/pictures/pictures.pptx
+++ b/Teacher/选修3-1/pictures/pictures.pptx
@@ -10,6 +10,8 @@
     <p:sldId id="259" r:id="rId4"/>
     <p:sldId id="260" r:id="rId5"/>
     <p:sldId id="258" r:id="rId6"/>
+    <p:sldId id="261" r:id="rId7"/>
+    <p:sldId id="262" r:id="rId8"/>
   </p:sldIdLst>
   <p:sldSz cx="12192000" cy="6858000"/>
   <p:notesSz cx="6858000" cy="9144000"/>
@@ -263,7 +265,7 @@
           <a:p>
             <a:fld id="{D02A42A2-4E5D-294D-8B4F-940B3377311C}" type="datetimeFigureOut">
               <a:rPr lang="en-US" smtClean="0"/>
-              <a:t>4/27/24</a:t>
+              <a:t>4/30/24</a:t>
             </a:fld>
             <a:endParaRPr lang="en-US"/>
           </a:p>
@@ -461,7 +463,7 @@
           <a:p>
             <a:fld id="{D02A42A2-4E5D-294D-8B4F-940B3377311C}" type="datetimeFigureOut">
               <a:rPr lang="en-US" smtClean="0"/>
-              <a:t>4/27/24</a:t>
+              <a:t>4/30/24</a:t>
             </a:fld>
             <a:endParaRPr lang="en-US"/>
           </a:p>
@@ -669,7 +671,7 @@
           <a:p>
             <a:fld id="{D02A42A2-4E5D-294D-8B4F-940B3377311C}" type="datetimeFigureOut">
               <a:rPr lang="en-US" smtClean="0"/>
-              <a:t>4/27/24</a:t>
+              <a:t>4/30/24</a:t>
             </a:fld>
             <a:endParaRPr lang="en-US"/>
           </a:p>
@@ -867,7 +869,7 @@
           <a:p>
             <a:fld id="{D02A42A2-4E5D-294D-8B4F-940B3377311C}" type="datetimeFigureOut">
               <a:rPr lang="en-US" smtClean="0"/>
-              <a:t>4/27/24</a:t>
+              <a:t>4/30/24</a:t>
             </a:fld>
             <a:endParaRPr lang="en-US"/>
           </a:p>
@@ -1142,7 +1144,7 @@
           <a:p>
             <a:fld id="{D02A42A2-4E5D-294D-8B4F-940B3377311C}" type="datetimeFigureOut">
               <a:rPr lang="en-US" smtClean="0"/>
-              <a:t>4/27/24</a:t>
+              <a:t>4/30/24</a:t>
             </a:fld>
             <a:endParaRPr lang="en-US"/>
           </a:p>
@@ -1407,7 +1409,7 @@
           <a:p>
             <a:fld id="{D02A42A2-4E5D-294D-8B4F-940B3377311C}" type="datetimeFigureOut">
               <a:rPr lang="en-US" smtClean="0"/>
-              <a:t>4/27/24</a:t>
+              <a:t>4/30/24</a:t>
             </a:fld>
             <a:endParaRPr lang="en-US"/>
           </a:p>
@@ -1819,7 +1821,7 @@
           <a:p>
             <a:fld id="{D02A42A2-4E5D-294D-8B4F-940B3377311C}" type="datetimeFigureOut">
               <a:rPr lang="en-US" smtClean="0"/>
-              <a:t>4/27/24</a:t>
+              <a:t>4/30/24</a:t>
             </a:fld>
             <a:endParaRPr lang="en-US"/>
           </a:p>
@@ -1960,7 +1962,7 @@
           <a:p>
             <a:fld id="{D02A42A2-4E5D-294D-8B4F-940B3377311C}" type="datetimeFigureOut">
               <a:rPr lang="en-US" smtClean="0"/>
-              <a:t>4/27/24</a:t>
+              <a:t>4/30/24</a:t>
             </a:fld>
             <a:endParaRPr lang="en-US"/>
           </a:p>
@@ -2073,7 +2075,7 @@
           <a:p>
             <a:fld id="{D02A42A2-4E5D-294D-8B4F-940B3377311C}" type="datetimeFigureOut">
               <a:rPr lang="en-US" smtClean="0"/>
-              <a:t>4/27/24</a:t>
+              <a:t>4/30/24</a:t>
             </a:fld>
             <a:endParaRPr lang="en-US"/>
           </a:p>
@@ -2384,7 +2386,7 @@
           <a:p>
             <a:fld id="{D02A42A2-4E5D-294D-8B4F-940B3377311C}" type="datetimeFigureOut">
               <a:rPr lang="en-US" smtClean="0"/>
-              <a:t>4/27/24</a:t>
+              <a:t>4/30/24</a:t>
             </a:fld>
             <a:endParaRPr lang="en-US"/>
           </a:p>
@@ -2672,7 +2674,7 @@
           <a:p>
             <a:fld id="{D02A42A2-4E5D-294D-8B4F-940B3377311C}" type="datetimeFigureOut">
               <a:rPr lang="en-US" smtClean="0"/>
-              <a:t>4/27/24</a:t>
+              <a:t>4/30/24</a:t>
             </a:fld>
             <a:endParaRPr lang="en-US"/>
           </a:p>
@@ -2913,7 +2915,7 @@
           <a:p>
             <a:fld id="{D02A42A2-4E5D-294D-8B4F-940B3377311C}" type="datetimeFigureOut">
               <a:rPr lang="en-US" smtClean="0"/>
-              <a:t>4/27/24</a:t>
+              <a:t>4/30/24</a:t>
             </a:fld>
             <a:endParaRPr lang="en-US"/>
           </a:p>
@@ -4716,8 +4718,8 @@
           <a:chExt cx="0" cy="0"/>
         </a:xfrm>
       </p:grpSpPr>
-      <mc:AlternateContent xmlns:mc="http://schemas.openxmlformats.org/markup-compatibility/2006">
-        <mc:Choice xmlns:a14="http://schemas.microsoft.com/office/drawing/2010/main" Requires="a14">
+      <mc:AlternateContent xmlns:mc="http://schemas.openxmlformats.org/markup-compatibility/2006" xmlns:a14="http://schemas.microsoft.com/office/drawing/2010/main">
+        <mc:Choice Requires="a14">
           <p:sp>
             <p:nvSpPr>
               <p:cNvPr id="4" name="Rounded Rectangle 3">
@@ -4841,7 +4843,7 @@
             </p:txBody>
           </p:sp>
         </mc:Choice>
-        <mc:Fallback>
+        <mc:Fallback xmlns="">
           <p:sp>
             <p:nvSpPr>
               <p:cNvPr id="4" name="Rounded Rectangle 3">
@@ -4889,8 +4891,8 @@
           </p:sp>
         </mc:Fallback>
       </mc:AlternateContent>
-      <mc:AlternateContent xmlns:mc="http://schemas.openxmlformats.org/markup-compatibility/2006">
-        <mc:Choice xmlns:a14="http://schemas.microsoft.com/office/drawing/2010/main" Requires="a14">
+      <mc:AlternateContent xmlns:mc="http://schemas.openxmlformats.org/markup-compatibility/2006" xmlns:a14="http://schemas.microsoft.com/office/drawing/2010/main">
+        <mc:Choice Requires="a14">
           <p:sp>
             <p:nvSpPr>
               <p:cNvPr id="5" name="Rounded Rectangle 4">
@@ -5013,7 +5015,7 @@
             </p:txBody>
           </p:sp>
         </mc:Choice>
-        <mc:Fallback>
+        <mc:Fallback xmlns="">
           <p:sp>
             <p:nvSpPr>
               <p:cNvPr id="5" name="Rounded Rectangle 4">
@@ -5061,8 +5063,8 @@
           </p:sp>
         </mc:Fallback>
       </mc:AlternateContent>
-      <mc:AlternateContent xmlns:mc="http://schemas.openxmlformats.org/markup-compatibility/2006">
-        <mc:Choice xmlns:a14="http://schemas.microsoft.com/office/drawing/2010/main" Requires="a14">
+      <mc:AlternateContent xmlns:mc="http://schemas.openxmlformats.org/markup-compatibility/2006" xmlns:a14="http://schemas.microsoft.com/office/drawing/2010/main">
+        <mc:Choice Requires="a14">
           <p:sp>
             <p:nvSpPr>
               <p:cNvPr id="6" name="Rounded Rectangle 5">
@@ -5185,7 +5187,7 @@
             </p:txBody>
           </p:sp>
         </mc:Choice>
-        <mc:Fallback>
+        <mc:Fallback xmlns="">
           <p:sp>
             <p:nvSpPr>
               <p:cNvPr id="6" name="Rounded Rectangle 5">
@@ -5233,8 +5235,8 @@
           </p:sp>
         </mc:Fallback>
       </mc:AlternateContent>
-      <mc:AlternateContent xmlns:mc="http://schemas.openxmlformats.org/markup-compatibility/2006">
-        <mc:Choice xmlns:a14="http://schemas.microsoft.com/office/drawing/2010/main" Requires="a14">
+      <mc:AlternateContent xmlns:mc="http://schemas.openxmlformats.org/markup-compatibility/2006" xmlns:a14="http://schemas.microsoft.com/office/drawing/2010/main">
+        <mc:Choice Requires="a14">
           <p:sp>
             <p:nvSpPr>
               <p:cNvPr id="7" name="Rounded Rectangle 6">
@@ -5357,7 +5359,7 @@
             </p:txBody>
           </p:sp>
         </mc:Choice>
-        <mc:Fallback>
+        <mc:Fallback xmlns="">
           <p:sp>
             <p:nvSpPr>
               <p:cNvPr id="7" name="Rounded Rectangle 6">
@@ -5405,8 +5407,8 @@
           </p:sp>
         </mc:Fallback>
       </mc:AlternateContent>
-      <mc:AlternateContent xmlns:mc="http://schemas.openxmlformats.org/markup-compatibility/2006">
-        <mc:Choice xmlns:a14="http://schemas.microsoft.com/office/drawing/2010/main" Requires="a14">
+      <mc:AlternateContent xmlns:mc="http://schemas.openxmlformats.org/markup-compatibility/2006" xmlns:a14="http://schemas.microsoft.com/office/drawing/2010/main">
+        <mc:Choice Requires="a14">
           <p:sp>
             <p:nvSpPr>
               <p:cNvPr id="8" name="Rounded Rectangle 7">
@@ -5529,7 +5531,7 @@
             </p:txBody>
           </p:sp>
         </mc:Choice>
-        <mc:Fallback>
+        <mc:Fallback xmlns="">
           <p:sp>
             <p:nvSpPr>
               <p:cNvPr id="8" name="Rounded Rectangle 7">
@@ -5577,8 +5579,8 @@
           </p:sp>
         </mc:Fallback>
       </mc:AlternateContent>
-      <mc:AlternateContent xmlns:mc="http://schemas.openxmlformats.org/markup-compatibility/2006">
-        <mc:Choice xmlns:a14="http://schemas.microsoft.com/office/drawing/2010/main" Requires="a14">
+      <mc:AlternateContent xmlns:mc="http://schemas.openxmlformats.org/markup-compatibility/2006" xmlns:a14="http://schemas.microsoft.com/office/drawing/2010/main">
+        <mc:Choice Requires="a14">
           <p:sp>
             <p:nvSpPr>
               <p:cNvPr id="9" name="Rounded Rectangle 8">
@@ -5701,7 +5703,7 @@
             </p:txBody>
           </p:sp>
         </mc:Choice>
-        <mc:Fallback>
+        <mc:Fallback xmlns="">
           <p:sp>
             <p:nvSpPr>
               <p:cNvPr id="9" name="Rounded Rectangle 8">
@@ -5749,8 +5751,8 @@
           </p:sp>
         </mc:Fallback>
       </mc:AlternateContent>
-      <mc:AlternateContent xmlns:mc="http://schemas.openxmlformats.org/markup-compatibility/2006">
-        <mc:Choice xmlns:a14="http://schemas.microsoft.com/office/drawing/2010/main" Requires="a14">
+      <mc:AlternateContent xmlns:mc="http://schemas.openxmlformats.org/markup-compatibility/2006" xmlns:a14="http://schemas.microsoft.com/office/drawing/2010/main">
+        <mc:Choice Requires="a14">
           <p:sp>
             <p:nvSpPr>
               <p:cNvPr id="10" name="Rounded Rectangle 9">
@@ -5871,7 +5873,7 @@
             </p:txBody>
           </p:sp>
         </mc:Choice>
-        <mc:Fallback>
+        <mc:Fallback xmlns="">
           <p:sp>
             <p:nvSpPr>
               <p:cNvPr id="10" name="Rounded Rectangle 9">
@@ -5919,8 +5921,8 @@
           </p:sp>
         </mc:Fallback>
       </mc:AlternateContent>
-      <mc:AlternateContent xmlns:mc="http://schemas.openxmlformats.org/markup-compatibility/2006">
-        <mc:Choice xmlns:a14="http://schemas.microsoft.com/office/drawing/2010/main" Requires="a14">
+      <mc:AlternateContent xmlns:mc="http://schemas.openxmlformats.org/markup-compatibility/2006" xmlns:a14="http://schemas.microsoft.com/office/drawing/2010/main">
+        <mc:Choice Requires="a14">
           <p:sp>
             <p:nvSpPr>
               <p:cNvPr id="11" name="Rounded Rectangle 10">
@@ -6055,7 +6057,7 @@
             </p:txBody>
           </p:sp>
         </mc:Choice>
-        <mc:Fallback>
+        <mc:Fallback xmlns="">
           <p:sp>
             <p:nvSpPr>
               <p:cNvPr id="11" name="Rounded Rectangle 10">
@@ -6103,8 +6105,8 @@
           </p:sp>
         </mc:Fallback>
       </mc:AlternateContent>
-      <mc:AlternateContent xmlns:mc="http://schemas.openxmlformats.org/markup-compatibility/2006">
-        <mc:Choice xmlns:a14="http://schemas.microsoft.com/office/drawing/2010/main" Requires="a14">
+      <mc:AlternateContent xmlns:mc="http://schemas.openxmlformats.org/markup-compatibility/2006" xmlns:a14="http://schemas.microsoft.com/office/drawing/2010/main">
+        <mc:Choice Requires="a14">
           <p:sp>
             <p:nvSpPr>
               <p:cNvPr id="12" name="Rounded Rectangle 11">
@@ -6244,7 +6246,7 @@
             </p:txBody>
           </p:sp>
         </mc:Choice>
-        <mc:Fallback>
+        <mc:Fallback xmlns="">
           <p:sp>
             <p:nvSpPr>
               <p:cNvPr id="12" name="Rounded Rectangle 11">
@@ -6602,8 +6604,8 @@
           </a:fontRef>
         </p:style>
       </p:cxnSp>
-      <mc:AlternateContent xmlns:mc="http://schemas.openxmlformats.org/markup-compatibility/2006">
-        <mc:Choice xmlns:a14="http://schemas.microsoft.com/office/drawing/2010/main" Requires="a14">
+      <mc:AlternateContent xmlns:mc="http://schemas.openxmlformats.org/markup-compatibility/2006" xmlns:a14="http://schemas.microsoft.com/office/drawing/2010/main">
+        <mc:Choice Requires="a14">
           <p:sp>
             <p:nvSpPr>
               <p:cNvPr id="26" name="Left Arrow Callout 25">
@@ -6711,7 +6713,7 @@
             </p:txBody>
           </p:sp>
         </mc:Choice>
-        <mc:Fallback>
+        <mc:Fallback xmlns="">
           <p:sp>
             <p:nvSpPr>
               <p:cNvPr id="26" name="Left Arrow Callout 25">
@@ -6764,8 +6766,8 @@
           </p:sp>
         </mc:Fallback>
       </mc:AlternateContent>
-      <mc:AlternateContent xmlns:mc="http://schemas.openxmlformats.org/markup-compatibility/2006">
-        <mc:Choice xmlns:a14="http://schemas.microsoft.com/office/drawing/2010/main" Requires="a14">
+      <mc:AlternateContent xmlns:mc="http://schemas.openxmlformats.org/markup-compatibility/2006" xmlns:a14="http://schemas.microsoft.com/office/drawing/2010/main">
+        <mc:Choice Requires="a14">
           <p:sp>
             <p:nvSpPr>
               <p:cNvPr id="28" name="Left Arrow Callout 27">
@@ -6856,7 +6858,7 @@
             </p:txBody>
           </p:sp>
         </mc:Choice>
-        <mc:Fallback>
+        <mc:Fallback xmlns="">
           <p:sp>
             <p:nvSpPr>
               <p:cNvPr id="28" name="Left Arrow Callout 27">
@@ -6974,8 +6976,8 @@
           </a:p>
         </p:txBody>
       </p:sp>
-      <mc:AlternateContent xmlns:mc="http://schemas.openxmlformats.org/markup-compatibility/2006">
-        <mc:Choice xmlns:a14="http://schemas.microsoft.com/office/drawing/2010/main" Requires="a14">
+      <mc:AlternateContent xmlns:mc="http://schemas.openxmlformats.org/markup-compatibility/2006" xmlns:a14="http://schemas.microsoft.com/office/drawing/2010/main">
+        <mc:Choice Requires="a14">
           <p:sp>
             <p:nvSpPr>
               <p:cNvPr id="31" name="Left Arrow Callout 30">
@@ -7097,7 +7099,7 @@
             </p:txBody>
           </p:sp>
         </mc:Choice>
-        <mc:Fallback>
+        <mc:Fallback xmlns="">
           <p:sp>
             <p:nvSpPr>
               <p:cNvPr id="31" name="Left Arrow Callout 30">
@@ -7150,8 +7152,8 @@
           </p:sp>
         </mc:Fallback>
       </mc:AlternateContent>
-      <mc:AlternateContent xmlns:mc="http://schemas.openxmlformats.org/markup-compatibility/2006">
-        <mc:Choice xmlns:a14="http://schemas.microsoft.com/office/drawing/2010/main" Requires="a14">
+      <mc:AlternateContent xmlns:mc="http://schemas.openxmlformats.org/markup-compatibility/2006" xmlns:a14="http://schemas.microsoft.com/office/drawing/2010/main">
+        <mc:Choice Requires="a14">
           <p:sp>
             <p:nvSpPr>
               <p:cNvPr id="33" name="Left Arrow Callout 32">
@@ -7261,7 +7263,7 @@
             </p:txBody>
           </p:sp>
         </mc:Choice>
-        <mc:Fallback>
+        <mc:Fallback xmlns="">
           <p:sp>
             <p:nvSpPr>
               <p:cNvPr id="33" name="Left Arrow Callout 32">
@@ -7366,8 +7368,8 @@
           </a:p>
         </p:txBody>
       </p:sp>
-      <mc:AlternateContent xmlns:mc="http://schemas.openxmlformats.org/markup-compatibility/2006">
-        <mc:Choice xmlns:a14="http://schemas.microsoft.com/office/drawing/2010/main" Requires="a14">
+      <mc:AlternateContent xmlns:mc="http://schemas.openxmlformats.org/markup-compatibility/2006" xmlns:a14="http://schemas.microsoft.com/office/drawing/2010/main">
+        <mc:Choice Requires="a14">
           <p:sp>
             <p:nvSpPr>
               <p:cNvPr id="35" name="Left Arrow Callout 34">
@@ -7506,7 +7508,7 @@
             </p:txBody>
           </p:sp>
         </mc:Choice>
-        <mc:Fallback>
+        <mc:Fallback xmlns="">
           <p:sp>
             <p:nvSpPr>
               <p:cNvPr id="35" name="Left Arrow Callout 34">
@@ -7559,8 +7561,8 @@
           </p:sp>
         </mc:Fallback>
       </mc:AlternateContent>
-      <mc:AlternateContent xmlns:mc="http://schemas.openxmlformats.org/markup-compatibility/2006">
-        <mc:Choice xmlns:a14="http://schemas.microsoft.com/office/drawing/2010/main" Requires="a14">
+      <mc:AlternateContent xmlns:mc="http://schemas.openxmlformats.org/markup-compatibility/2006" xmlns:a14="http://schemas.microsoft.com/office/drawing/2010/main">
+        <mc:Choice Requires="a14">
           <p:sp>
             <p:nvSpPr>
               <p:cNvPr id="36" name="Rectangle 35">
@@ -7663,7 +7665,7 @@
             </p:txBody>
           </p:sp>
         </mc:Choice>
-        <mc:Fallback>
+        <mc:Fallback xmlns="">
           <p:sp>
             <p:nvSpPr>
               <p:cNvPr id="36" name="Rectangle 35">
@@ -7741,8 +7743,8 @@
           <a:chExt cx="0" cy="0"/>
         </a:xfrm>
       </p:grpSpPr>
-      <mc:AlternateContent xmlns:mc="http://schemas.openxmlformats.org/markup-compatibility/2006">
-        <mc:Choice xmlns:a14="http://schemas.microsoft.com/office/drawing/2010/main" Requires="a14">
+      <mc:AlternateContent xmlns:mc="http://schemas.openxmlformats.org/markup-compatibility/2006" xmlns:a14="http://schemas.microsoft.com/office/drawing/2010/main">
+        <mc:Choice Requires="a14">
           <p:sp>
             <p:nvSpPr>
               <p:cNvPr id="4" name="Rounded Rectangle 3">
@@ -7866,7 +7868,7 @@
             </p:txBody>
           </p:sp>
         </mc:Choice>
-        <mc:Fallback>
+        <mc:Fallback xmlns="">
           <p:sp>
             <p:nvSpPr>
               <p:cNvPr id="4" name="Rounded Rectangle 3">
@@ -7914,8 +7916,8 @@
           </p:sp>
         </mc:Fallback>
       </mc:AlternateContent>
-      <mc:AlternateContent xmlns:mc="http://schemas.openxmlformats.org/markup-compatibility/2006">
-        <mc:Choice xmlns:a14="http://schemas.microsoft.com/office/drawing/2010/main" Requires="a14">
+      <mc:AlternateContent xmlns:mc="http://schemas.openxmlformats.org/markup-compatibility/2006" xmlns:a14="http://schemas.microsoft.com/office/drawing/2010/main">
+        <mc:Choice Requires="a14">
           <p:sp>
             <p:nvSpPr>
               <p:cNvPr id="5" name="Rounded Rectangle 4">
@@ -8039,7 +8041,7 @@
             </p:txBody>
           </p:sp>
         </mc:Choice>
-        <mc:Fallback>
+        <mc:Fallback xmlns="">
           <p:sp>
             <p:nvSpPr>
               <p:cNvPr id="5" name="Rounded Rectangle 4">
@@ -8087,8 +8089,8 @@
           </p:sp>
         </mc:Fallback>
       </mc:AlternateContent>
-      <mc:AlternateContent xmlns:mc="http://schemas.openxmlformats.org/markup-compatibility/2006">
-        <mc:Choice xmlns:a14="http://schemas.microsoft.com/office/drawing/2010/main" Requires="a14">
+      <mc:AlternateContent xmlns:mc="http://schemas.openxmlformats.org/markup-compatibility/2006" xmlns:a14="http://schemas.microsoft.com/office/drawing/2010/main">
+        <mc:Choice Requires="a14">
           <p:sp>
             <p:nvSpPr>
               <p:cNvPr id="6" name="Rounded Rectangle 5">
@@ -8211,7 +8213,7 @@
             </p:txBody>
           </p:sp>
         </mc:Choice>
-        <mc:Fallback>
+        <mc:Fallback xmlns="">
           <p:sp>
             <p:nvSpPr>
               <p:cNvPr id="6" name="Rounded Rectangle 5">
@@ -8259,8 +8261,8 @@
           </p:sp>
         </mc:Fallback>
       </mc:AlternateContent>
-      <mc:AlternateContent xmlns:mc="http://schemas.openxmlformats.org/markup-compatibility/2006">
-        <mc:Choice xmlns:a14="http://schemas.microsoft.com/office/drawing/2010/main" Requires="a14">
+      <mc:AlternateContent xmlns:mc="http://schemas.openxmlformats.org/markup-compatibility/2006" xmlns:a14="http://schemas.microsoft.com/office/drawing/2010/main">
+        <mc:Choice Requires="a14">
           <p:sp>
             <p:nvSpPr>
               <p:cNvPr id="7" name="Rounded Rectangle 6">
@@ -8383,7 +8385,7 @@
             </p:txBody>
           </p:sp>
         </mc:Choice>
-        <mc:Fallback>
+        <mc:Fallback xmlns="">
           <p:sp>
             <p:nvSpPr>
               <p:cNvPr id="7" name="Rounded Rectangle 6">
@@ -8431,8 +8433,8 @@
           </p:sp>
         </mc:Fallback>
       </mc:AlternateContent>
-      <mc:AlternateContent xmlns:mc="http://schemas.openxmlformats.org/markup-compatibility/2006">
-        <mc:Choice xmlns:a14="http://schemas.microsoft.com/office/drawing/2010/main" Requires="a14">
+      <mc:AlternateContent xmlns:mc="http://schemas.openxmlformats.org/markup-compatibility/2006" xmlns:a14="http://schemas.microsoft.com/office/drawing/2010/main">
+        <mc:Choice Requires="a14">
           <p:sp>
             <p:nvSpPr>
               <p:cNvPr id="8" name="Rounded Rectangle 7">
@@ -8555,7 +8557,7 @@
             </p:txBody>
           </p:sp>
         </mc:Choice>
-        <mc:Fallback>
+        <mc:Fallback xmlns="">
           <p:sp>
             <p:nvSpPr>
               <p:cNvPr id="8" name="Rounded Rectangle 7">
@@ -8603,8 +8605,8 @@
           </p:sp>
         </mc:Fallback>
       </mc:AlternateContent>
-      <mc:AlternateContent xmlns:mc="http://schemas.openxmlformats.org/markup-compatibility/2006">
-        <mc:Choice xmlns:a14="http://schemas.microsoft.com/office/drawing/2010/main" Requires="a14">
+      <mc:AlternateContent xmlns:mc="http://schemas.openxmlformats.org/markup-compatibility/2006" xmlns:a14="http://schemas.microsoft.com/office/drawing/2010/main">
+        <mc:Choice Requires="a14">
           <p:sp>
             <p:nvSpPr>
               <p:cNvPr id="9" name="Rounded Rectangle 8">
@@ -8727,7 +8729,7 @@
             </p:txBody>
           </p:sp>
         </mc:Choice>
-        <mc:Fallback>
+        <mc:Fallback xmlns="">
           <p:sp>
             <p:nvSpPr>
               <p:cNvPr id="9" name="Rounded Rectangle 8">
@@ -8775,8 +8777,8 @@
           </p:sp>
         </mc:Fallback>
       </mc:AlternateContent>
-      <mc:AlternateContent xmlns:mc="http://schemas.openxmlformats.org/markup-compatibility/2006">
-        <mc:Choice xmlns:a14="http://schemas.microsoft.com/office/drawing/2010/main" Requires="a14">
+      <mc:AlternateContent xmlns:mc="http://schemas.openxmlformats.org/markup-compatibility/2006" xmlns:a14="http://schemas.microsoft.com/office/drawing/2010/main">
+        <mc:Choice Requires="a14">
           <p:sp>
             <p:nvSpPr>
               <p:cNvPr id="10" name="Rounded Rectangle 9">
@@ -8897,7 +8899,7 @@
             </p:txBody>
           </p:sp>
         </mc:Choice>
-        <mc:Fallback>
+        <mc:Fallback xmlns="">
           <p:sp>
             <p:nvSpPr>
               <p:cNvPr id="10" name="Rounded Rectangle 9">
@@ -8945,8 +8947,8 @@
           </p:sp>
         </mc:Fallback>
       </mc:AlternateContent>
-      <mc:AlternateContent xmlns:mc="http://schemas.openxmlformats.org/markup-compatibility/2006">
-        <mc:Choice xmlns:a14="http://schemas.microsoft.com/office/drawing/2010/main" Requires="a14">
+      <mc:AlternateContent xmlns:mc="http://schemas.openxmlformats.org/markup-compatibility/2006" xmlns:a14="http://schemas.microsoft.com/office/drawing/2010/main">
+        <mc:Choice Requires="a14">
           <p:sp>
             <p:nvSpPr>
               <p:cNvPr id="11" name="Rounded Rectangle 10">
@@ -9081,7 +9083,7 @@
             </p:txBody>
           </p:sp>
         </mc:Choice>
-        <mc:Fallback>
+        <mc:Fallback xmlns="">
           <p:sp>
             <p:nvSpPr>
               <p:cNvPr id="11" name="Rounded Rectangle 10">
@@ -9129,8 +9131,8 @@
           </p:sp>
         </mc:Fallback>
       </mc:AlternateContent>
-      <mc:AlternateContent xmlns:mc="http://schemas.openxmlformats.org/markup-compatibility/2006">
-        <mc:Choice xmlns:a14="http://schemas.microsoft.com/office/drawing/2010/main" Requires="a14">
+      <mc:AlternateContent xmlns:mc="http://schemas.openxmlformats.org/markup-compatibility/2006" xmlns:a14="http://schemas.microsoft.com/office/drawing/2010/main">
+        <mc:Choice Requires="a14">
           <p:sp>
             <p:nvSpPr>
               <p:cNvPr id="12" name="Rounded Rectangle 11">
@@ -9270,7 +9272,7 @@
             </p:txBody>
           </p:sp>
         </mc:Choice>
-        <mc:Fallback>
+        <mc:Fallback xmlns="">
           <p:sp>
             <p:nvSpPr>
               <p:cNvPr id="12" name="Rounded Rectangle 11">
@@ -9584,8 +9586,8 @@
           </a:fontRef>
         </p:style>
       </p:cxnSp>
-      <mc:AlternateContent xmlns:mc="http://schemas.openxmlformats.org/markup-compatibility/2006">
-        <mc:Choice xmlns:a14="http://schemas.microsoft.com/office/drawing/2010/main" Requires="a14">
+      <mc:AlternateContent xmlns:mc="http://schemas.openxmlformats.org/markup-compatibility/2006" xmlns:a14="http://schemas.microsoft.com/office/drawing/2010/main">
+        <mc:Choice Requires="a14">
           <p:sp>
             <p:nvSpPr>
               <p:cNvPr id="20" name="Left Arrow Callout 19">
@@ -9693,7 +9695,7 @@
             </p:txBody>
           </p:sp>
         </mc:Choice>
-        <mc:Fallback>
+        <mc:Fallback xmlns="">
           <p:sp>
             <p:nvSpPr>
               <p:cNvPr id="20" name="Left Arrow Callout 19">
@@ -9746,8 +9748,8 @@
           </p:sp>
         </mc:Fallback>
       </mc:AlternateContent>
-      <mc:AlternateContent xmlns:mc="http://schemas.openxmlformats.org/markup-compatibility/2006">
-        <mc:Choice xmlns:a14="http://schemas.microsoft.com/office/drawing/2010/main" Requires="a14">
+      <mc:AlternateContent xmlns:mc="http://schemas.openxmlformats.org/markup-compatibility/2006" xmlns:a14="http://schemas.microsoft.com/office/drawing/2010/main">
+        <mc:Choice Requires="a14">
           <p:sp>
             <p:nvSpPr>
               <p:cNvPr id="21" name="Left Arrow Callout 20">
@@ -9838,7 +9840,7 @@
             </p:txBody>
           </p:sp>
         </mc:Choice>
-        <mc:Fallback>
+        <mc:Fallback xmlns="">
           <p:sp>
             <p:nvSpPr>
               <p:cNvPr id="21" name="Left Arrow Callout 20">
@@ -9956,8 +9958,8 @@
           </a:p>
         </p:txBody>
       </p:sp>
-      <mc:AlternateContent xmlns:mc="http://schemas.openxmlformats.org/markup-compatibility/2006">
-        <mc:Choice xmlns:a14="http://schemas.microsoft.com/office/drawing/2010/main" Requires="a14">
+      <mc:AlternateContent xmlns:mc="http://schemas.openxmlformats.org/markup-compatibility/2006" xmlns:a14="http://schemas.microsoft.com/office/drawing/2010/main">
+        <mc:Choice Requires="a14">
           <p:sp>
             <p:nvSpPr>
               <p:cNvPr id="23" name="Left Arrow Callout 22">
@@ -10079,7 +10081,7 @@
             </p:txBody>
           </p:sp>
         </mc:Choice>
-        <mc:Fallback>
+        <mc:Fallback xmlns="">
           <p:sp>
             <p:nvSpPr>
               <p:cNvPr id="23" name="Left Arrow Callout 22">
@@ -10132,8 +10134,8 @@
           </p:sp>
         </mc:Fallback>
       </mc:AlternateContent>
-      <mc:AlternateContent xmlns:mc="http://schemas.openxmlformats.org/markup-compatibility/2006">
-        <mc:Choice xmlns:a14="http://schemas.microsoft.com/office/drawing/2010/main" Requires="a14">
+      <mc:AlternateContent xmlns:mc="http://schemas.openxmlformats.org/markup-compatibility/2006" xmlns:a14="http://schemas.microsoft.com/office/drawing/2010/main">
+        <mc:Choice Requires="a14">
           <p:sp>
             <p:nvSpPr>
               <p:cNvPr id="24" name="Left Arrow Callout 23">
@@ -10243,7 +10245,7 @@
             </p:txBody>
           </p:sp>
         </mc:Choice>
-        <mc:Fallback>
+        <mc:Fallback xmlns="">
           <p:sp>
             <p:nvSpPr>
               <p:cNvPr id="24" name="Left Arrow Callout 23">
@@ -10348,8 +10350,8 @@
           </a:p>
         </p:txBody>
       </p:sp>
-      <mc:AlternateContent xmlns:mc="http://schemas.openxmlformats.org/markup-compatibility/2006">
-        <mc:Choice xmlns:a14="http://schemas.microsoft.com/office/drawing/2010/main" Requires="a14">
+      <mc:AlternateContent xmlns:mc="http://schemas.openxmlformats.org/markup-compatibility/2006" xmlns:a14="http://schemas.microsoft.com/office/drawing/2010/main">
+        <mc:Choice Requires="a14">
           <p:sp>
             <p:nvSpPr>
               <p:cNvPr id="26" name="Left Arrow Callout 25">
@@ -10488,7 +10490,7 @@
             </p:txBody>
           </p:sp>
         </mc:Choice>
-        <mc:Fallback>
+        <mc:Fallback xmlns="">
           <p:sp>
             <p:nvSpPr>
               <p:cNvPr id="26" name="Left Arrow Callout 25">
@@ -10541,8 +10543,8 @@
           </p:sp>
         </mc:Fallback>
       </mc:AlternateContent>
-      <mc:AlternateContent xmlns:mc="http://schemas.openxmlformats.org/markup-compatibility/2006">
-        <mc:Choice xmlns:a14="http://schemas.microsoft.com/office/drawing/2010/main" Requires="a14">
+      <mc:AlternateContent xmlns:mc="http://schemas.openxmlformats.org/markup-compatibility/2006" xmlns:a14="http://schemas.microsoft.com/office/drawing/2010/main">
+        <mc:Choice Requires="a14">
           <p:sp>
             <p:nvSpPr>
               <p:cNvPr id="27" name="Rectangle 26">
@@ -10645,7 +10647,7 @@
             </p:txBody>
           </p:sp>
         </mc:Choice>
-        <mc:Fallback>
+        <mc:Fallback xmlns="">
           <p:sp>
             <p:nvSpPr>
               <p:cNvPr id="27" name="Rectangle 26">
@@ -10743,8 +10745,8 @@
             <a:chExt cx="9458790" cy="4872414"/>
           </a:xfrm>
         </p:grpSpPr>
-        <mc:AlternateContent xmlns:mc="http://schemas.openxmlformats.org/markup-compatibility/2006">
-          <mc:Choice xmlns:a14="http://schemas.microsoft.com/office/drawing/2010/main" Requires="a14">
+        <mc:AlternateContent xmlns:mc="http://schemas.openxmlformats.org/markup-compatibility/2006" xmlns:a14="http://schemas.microsoft.com/office/drawing/2010/main">
+          <mc:Choice Requires="a14">
             <p:sp>
               <p:nvSpPr>
                 <p:cNvPr id="4" name="Rounded Rectangle 3">
@@ -10868,7 +10870,7 @@
               </p:txBody>
             </p:sp>
           </mc:Choice>
-          <mc:Fallback>
+          <mc:Fallback xmlns="">
             <p:sp>
               <p:nvSpPr>
                 <p:cNvPr id="4" name="Rounded Rectangle 3">
@@ -10916,8 +10918,8 @@
             </p:sp>
           </mc:Fallback>
         </mc:AlternateContent>
-        <mc:AlternateContent xmlns:mc="http://schemas.openxmlformats.org/markup-compatibility/2006">
-          <mc:Choice xmlns:a14="http://schemas.microsoft.com/office/drawing/2010/main" Requires="a14">
+        <mc:AlternateContent xmlns:mc="http://schemas.openxmlformats.org/markup-compatibility/2006" xmlns:a14="http://schemas.microsoft.com/office/drawing/2010/main">
+          <mc:Choice Requires="a14">
             <p:sp>
               <p:nvSpPr>
                 <p:cNvPr id="5" name="Rounded Rectangle 4">
@@ -11041,7 +11043,7 @@
               </p:txBody>
             </p:sp>
           </mc:Choice>
-          <mc:Fallback>
+          <mc:Fallback xmlns="">
             <p:sp>
               <p:nvSpPr>
                 <p:cNvPr id="5" name="Rounded Rectangle 4">
@@ -11089,8 +11091,8 @@
             </p:sp>
           </mc:Fallback>
         </mc:AlternateContent>
-        <mc:AlternateContent xmlns:mc="http://schemas.openxmlformats.org/markup-compatibility/2006">
-          <mc:Choice xmlns:a14="http://schemas.microsoft.com/office/drawing/2010/main" Requires="a14">
+        <mc:AlternateContent xmlns:mc="http://schemas.openxmlformats.org/markup-compatibility/2006" xmlns:a14="http://schemas.microsoft.com/office/drawing/2010/main">
+          <mc:Choice Requires="a14">
             <p:sp>
               <p:nvSpPr>
                 <p:cNvPr id="6" name="Rounded Rectangle 5">
@@ -11213,7 +11215,7 @@
               </p:txBody>
             </p:sp>
           </mc:Choice>
-          <mc:Fallback>
+          <mc:Fallback xmlns="">
             <p:sp>
               <p:nvSpPr>
                 <p:cNvPr id="6" name="Rounded Rectangle 5">
@@ -11261,8 +11263,8 @@
             </p:sp>
           </mc:Fallback>
         </mc:AlternateContent>
-        <mc:AlternateContent xmlns:mc="http://schemas.openxmlformats.org/markup-compatibility/2006">
-          <mc:Choice xmlns:a14="http://schemas.microsoft.com/office/drawing/2010/main" Requires="a14">
+        <mc:AlternateContent xmlns:mc="http://schemas.openxmlformats.org/markup-compatibility/2006" xmlns:a14="http://schemas.microsoft.com/office/drawing/2010/main">
+          <mc:Choice Requires="a14">
             <p:sp>
               <p:nvSpPr>
                 <p:cNvPr id="7" name="Rounded Rectangle 6">
@@ -11385,7 +11387,7 @@
               </p:txBody>
             </p:sp>
           </mc:Choice>
-          <mc:Fallback>
+          <mc:Fallback xmlns="">
             <p:sp>
               <p:nvSpPr>
                 <p:cNvPr id="7" name="Rounded Rectangle 6">
@@ -11433,8 +11435,8 @@
             </p:sp>
           </mc:Fallback>
         </mc:AlternateContent>
-        <mc:AlternateContent xmlns:mc="http://schemas.openxmlformats.org/markup-compatibility/2006">
-          <mc:Choice xmlns:a14="http://schemas.microsoft.com/office/drawing/2010/main" Requires="a14">
+        <mc:AlternateContent xmlns:mc="http://schemas.openxmlformats.org/markup-compatibility/2006" xmlns:a14="http://schemas.microsoft.com/office/drawing/2010/main">
+          <mc:Choice Requires="a14">
             <p:sp>
               <p:nvSpPr>
                 <p:cNvPr id="8" name="Rounded Rectangle 7">
@@ -11557,7 +11559,7 @@
               </p:txBody>
             </p:sp>
           </mc:Choice>
-          <mc:Fallback>
+          <mc:Fallback xmlns="">
             <p:sp>
               <p:nvSpPr>
                 <p:cNvPr id="8" name="Rounded Rectangle 7">
@@ -11605,8 +11607,8 @@
             </p:sp>
           </mc:Fallback>
         </mc:AlternateContent>
-        <mc:AlternateContent xmlns:mc="http://schemas.openxmlformats.org/markup-compatibility/2006">
-          <mc:Choice xmlns:a14="http://schemas.microsoft.com/office/drawing/2010/main" Requires="a14">
+        <mc:AlternateContent xmlns:mc="http://schemas.openxmlformats.org/markup-compatibility/2006" xmlns:a14="http://schemas.microsoft.com/office/drawing/2010/main">
+          <mc:Choice Requires="a14">
             <p:sp>
               <p:nvSpPr>
                 <p:cNvPr id="9" name="Rounded Rectangle 8">
@@ -11729,7 +11731,7 @@
               </p:txBody>
             </p:sp>
           </mc:Choice>
-          <mc:Fallback>
+          <mc:Fallback xmlns="">
             <p:sp>
               <p:nvSpPr>
                 <p:cNvPr id="9" name="Rounded Rectangle 8">
@@ -11777,8 +11779,8 @@
             </p:sp>
           </mc:Fallback>
         </mc:AlternateContent>
-        <mc:AlternateContent xmlns:mc="http://schemas.openxmlformats.org/markup-compatibility/2006">
-          <mc:Choice xmlns:a14="http://schemas.microsoft.com/office/drawing/2010/main" Requires="a14">
+        <mc:AlternateContent xmlns:mc="http://schemas.openxmlformats.org/markup-compatibility/2006" xmlns:a14="http://schemas.microsoft.com/office/drawing/2010/main">
+          <mc:Choice Requires="a14">
             <p:sp>
               <p:nvSpPr>
                 <p:cNvPr id="10" name="Rounded Rectangle 9">
@@ -11899,7 +11901,7 @@
               </p:txBody>
             </p:sp>
           </mc:Choice>
-          <mc:Fallback>
+          <mc:Fallback xmlns="">
             <p:sp>
               <p:nvSpPr>
                 <p:cNvPr id="10" name="Rounded Rectangle 9">
@@ -11947,8 +11949,8 @@
             </p:sp>
           </mc:Fallback>
         </mc:AlternateContent>
-        <mc:AlternateContent xmlns:mc="http://schemas.openxmlformats.org/markup-compatibility/2006">
-          <mc:Choice xmlns:a14="http://schemas.microsoft.com/office/drawing/2010/main" Requires="a14">
+        <mc:AlternateContent xmlns:mc="http://schemas.openxmlformats.org/markup-compatibility/2006" xmlns:a14="http://schemas.microsoft.com/office/drawing/2010/main">
+          <mc:Choice Requires="a14">
             <p:sp>
               <p:nvSpPr>
                 <p:cNvPr id="11" name="Rounded Rectangle 10">
@@ -12083,7 +12085,7 @@
               </p:txBody>
             </p:sp>
           </mc:Choice>
-          <mc:Fallback>
+          <mc:Fallback xmlns="">
             <p:sp>
               <p:nvSpPr>
                 <p:cNvPr id="11" name="Rounded Rectangle 10">
@@ -12131,8 +12133,8 @@
             </p:sp>
           </mc:Fallback>
         </mc:AlternateContent>
-        <mc:AlternateContent xmlns:mc="http://schemas.openxmlformats.org/markup-compatibility/2006">
-          <mc:Choice xmlns:a14="http://schemas.microsoft.com/office/drawing/2010/main" Requires="a14">
+        <mc:AlternateContent xmlns:mc="http://schemas.openxmlformats.org/markup-compatibility/2006" xmlns:a14="http://schemas.microsoft.com/office/drawing/2010/main">
+          <mc:Choice Requires="a14">
             <p:sp>
               <p:nvSpPr>
                 <p:cNvPr id="12" name="Rounded Rectangle 11">
@@ -12272,7 +12274,7 @@
               </p:txBody>
             </p:sp>
           </mc:Choice>
-          <mc:Fallback>
+          <mc:Fallback xmlns="">
             <p:sp>
               <p:nvSpPr>
                 <p:cNvPr id="12" name="Rounded Rectangle 11">
@@ -12586,8 +12588,8 @@
             </a:fontRef>
           </p:style>
         </p:cxnSp>
-        <mc:AlternateContent xmlns:mc="http://schemas.openxmlformats.org/markup-compatibility/2006">
-          <mc:Choice xmlns:a14="http://schemas.microsoft.com/office/drawing/2010/main" Requires="a14">
+        <mc:AlternateContent xmlns:mc="http://schemas.openxmlformats.org/markup-compatibility/2006" xmlns:a14="http://schemas.microsoft.com/office/drawing/2010/main">
+          <mc:Choice Requires="a14">
             <p:sp>
               <p:nvSpPr>
                 <p:cNvPr id="19" name="Left Arrow Callout 18">
@@ -12695,7 +12697,7 @@
               </p:txBody>
             </p:sp>
           </mc:Choice>
-          <mc:Fallback>
+          <mc:Fallback xmlns="">
             <p:sp>
               <p:nvSpPr>
                 <p:cNvPr id="19" name="Left Arrow Callout 18">
@@ -12748,8 +12750,8 @@
             </p:sp>
           </mc:Fallback>
         </mc:AlternateContent>
-        <mc:AlternateContent xmlns:mc="http://schemas.openxmlformats.org/markup-compatibility/2006">
-          <mc:Choice xmlns:a14="http://schemas.microsoft.com/office/drawing/2010/main" Requires="a14">
+        <mc:AlternateContent xmlns:mc="http://schemas.openxmlformats.org/markup-compatibility/2006" xmlns:a14="http://schemas.microsoft.com/office/drawing/2010/main">
+          <mc:Choice Requires="a14">
             <p:sp>
               <p:nvSpPr>
                 <p:cNvPr id="20" name="Left Arrow Callout 19">
@@ -12840,7 +12842,7 @@
               </p:txBody>
             </p:sp>
           </mc:Choice>
-          <mc:Fallback>
+          <mc:Fallback xmlns="">
             <p:sp>
               <p:nvSpPr>
                 <p:cNvPr id="20" name="Left Arrow Callout 19">
@@ -12958,8 +12960,8 @@
             </a:p>
           </p:txBody>
         </p:sp>
-        <mc:AlternateContent xmlns:mc="http://schemas.openxmlformats.org/markup-compatibility/2006">
-          <mc:Choice xmlns:a14="http://schemas.microsoft.com/office/drawing/2010/main" Requires="a14">
+        <mc:AlternateContent xmlns:mc="http://schemas.openxmlformats.org/markup-compatibility/2006" xmlns:a14="http://schemas.microsoft.com/office/drawing/2010/main">
+          <mc:Choice Requires="a14">
             <p:sp>
               <p:nvSpPr>
                 <p:cNvPr id="22" name="Left Arrow Callout 21">
@@ -13081,7 +13083,7 @@
               </p:txBody>
             </p:sp>
           </mc:Choice>
-          <mc:Fallback>
+          <mc:Fallback xmlns="">
             <p:sp>
               <p:nvSpPr>
                 <p:cNvPr id="22" name="Left Arrow Callout 21">
@@ -13134,8 +13136,8 @@
             </p:sp>
           </mc:Fallback>
         </mc:AlternateContent>
-        <mc:AlternateContent xmlns:mc="http://schemas.openxmlformats.org/markup-compatibility/2006">
-          <mc:Choice xmlns:a14="http://schemas.microsoft.com/office/drawing/2010/main" Requires="a14">
+        <mc:AlternateContent xmlns:mc="http://schemas.openxmlformats.org/markup-compatibility/2006" xmlns:a14="http://schemas.microsoft.com/office/drawing/2010/main">
+          <mc:Choice Requires="a14">
             <p:sp>
               <p:nvSpPr>
                 <p:cNvPr id="23" name="Left Arrow Callout 22">
@@ -13245,7 +13247,7 @@
               </p:txBody>
             </p:sp>
           </mc:Choice>
-          <mc:Fallback>
+          <mc:Fallback xmlns="">
             <p:sp>
               <p:nvSpPr>
                 <p:cNvPr id="23" name="Left Arrow Callout 22">
@@ -13350,8 +13352,8 @@
             </a:p>
           </p:txBody>
         </p:sp>
-        <mc:AlternateContent xmlns:mc="http://schemas.openxmlformats.org/markup-compatibility/2006">
-          <mc:Choice xmlns:a14="http://schemas.microsoft.com/office/drawing/2010/main" Requires="a14">
+        <mc:AlternateContent xmlns:mc="http://schemas.openxmlformats.org/markup-compatibility/2006" xmlns:a14="http://schemas.microsoft.com/office/drawing/2010/main">
+          <mc:Choice Requires="a14">
             <p:sp>
               <p:nvSpPr>
                 <p:cNvPr id="25" name="Left Arrow Callout 24">
@@ -13490,7 +13492,7 @@
               </p:txBody>
             </p:sp>
           </mc:Choice>
-          <mc:Fallback>
+          <mc:Fallback xmlns="">
             <p:sp>
               <p:nvSpPr>
                 <p:cNvPr id="25" name="Left Arrow Callout 24">
@@ -13543,8 +13545,8 @@
             </p:sp>
           </mc:Fallback>
         </mc:AlternateContent>
-        <mc:AlternateContent xmlns:mc="http://schemas.openxmlformats.org/markup-compatibility/2006">
-          <mc:Choice xmlns:a14="http://schemas.microsoft.com/office/drawing/2010/main" Requires="a14">
+        <mc:AlternateContent xmlns:mc="http://schemas.openxmlformats.org/markup-compatibility/2006" xmlns:a14="http://schemas.microsoft.com/office/drawing/2010/main">
+          <mc:Choice Requires="a14">
             <p:sp>
               <p:nvSpPr>
                 <p:cNvPr id="26" name="Rectangle 25">
@@ -13647,7 +13649,7 @@
               </p:txBody>
             </p:sp>
           </mc:Choice>
-          <mc:Fallback>
+          <mc:Fallback xmlns="">
             <p:sp>
               <p:nvSpPr>
                 <p:cNvPr id="26" name="Rectangle 25">
@@ -13746,8 +13748,8 @@
             <a:chExt cx="9458790" cy="4872414"/>
           </a:xfrm>
         </p:grpSpPr>
-        <mc:AlternateContent xmlns:mc="http://schemas.openxmlformats.org/markup-compatibility/2006">
-          <mc:Choice xmlns:a14="http://schemas.microsoft.com/office/drawing/2010/main" Requires="a14">
+        <mc:AlternateContent xmlns:mc="http://schemas.openxmlformats.org/markup-compatibility/2006" xmlns:a14="http://schemas.microsoft.com/office/drawing/2010/main">
+          <mc:Choice Requires="a14">
             <p:sp>
               <p:nvSpPr>
                 <p:cNvPr id="4" name="Rounded Rectangle 3">
@@ -13871,7 +13873,7 @@
               </p:txBody>
             </p:sp>
           </mc:Choice>
-          <mc:Fallback>
+          <mc:Fallback xmlns="">
             <p:sp>
               <p:nvSpPr>
                 <p:cNvPr id="4" name="Rounded Rectangle 3">
@@ -13919,8 +13921,8 @@
             </p:sp>
           </mc:Fallback>
         </mc:AlternateContent>
-        <mc:AlternateContent xmlns:mc="http://schemas.openxmlformats.org/markup-compatibility/2006">
-          <mc:Choice xmlns:a14="http://schemas.microsoft.com/office/drawing/2010/main" Requires="a14">
+        <mc:AlternateContent xmlns:mc="http://schemas.openxmlformats.org/markup-compatibility/2006" xmlns:a14="http://schemas.microsoft.com/office/drawing/2010/main">
+          <mc:Choice Requires="a14">
             <p:sp>
               <p:nvSpPr>
                 <p:cNvPr id="5" name="Rounded Rectangle 4">
@@ -14043,7 +14045,7 @@
               </p:txBody>
             </p:sp>
           </mc:Choice>
-          <mc:Fallback>
+          <mc:Fallback xmlns="">
             <p:sp>
               <p:nvSpPr>
                 <p:cNvPr id="5" name="Rounded Rectangle 4">
@@ -14091,8 +14093,8 @@
             </p:sp>
           </mc:Fallback>
         </mc:AlternateContent>
-        <mc:AlternateContent xmlns:mc="http://schemas.openxmlformats.org/markup-compatibility/2006">
-          <mc:Choice xmlns:a14="http://schemas.microsoft.com/office/drawing/2010/main" Requires="a14">
+        <mc:AlternateContent xmlns:mc="http://schemas.openxmlformats.org/markup-compatibility/2006" xmlns:a14="http://schemas.microsoft.com/office/drawing/2010/main">
+          <mc:Choice Requires="a14">
             <p:sp>
               <p:nvSpPr>
                 <p:cNvPr id="6" name="Rounded Rectangle 5">
@@ -14215,7 +14217,7 @@
               </p:txBody>
             </p:sp>
           </mc:Choice>
-          <mc:Fallback>
+          <mc:Fallback xmlns="">
             <p:sp>
               <p:nvSpPr>
                 <p:cNvPr id="6" name="Rounded Rectangle 5">
@@ -14263,8 +14265,8 @@
             </p:sp>
           </mc:Fallback>
         </mc:AlternateContent>
-        <mc:AlternateContent xmlns:mc="http://schemas.openxmlformats.org/markup-compatibility/2006">
-          <mc:Choice xmlns:a14="http://schemas.microsoft.com/office/drawing/2010/main" Requires="a14">
+        <mc:AlternateContent xmlns:mc="http://schemas.openxmlformats.org/markup-compatibility/2006" xmlns:a14="http://schemas.microsoft.com/office/drawing/2010/main">
+          <mc:Choice Requires="a14">
             <p:sp>
               <p:nvSpPr>
                 <p:cNvPr id="7" name="Rounded Rectangle 6">
@@ -14387,7 +14389,7 @@
               </p:txBody>
             </p:sp>
           </mc:Choice>
-          <mc:Fallback>
+          <mc:Fallback xmlns="">
             <p:sp>
               <p:nvSpPr>
                 <p:cNvPr id="7" name="Rounded Rectangle 6">
@@ -14435,8 +14437,8 @@
             </p:sp>
           </mc:Fallback>
         </mc:AlternateContent>
-        <mc:AlternateContent xmlns:mc="http://schemas.openxmlformats.org/markup-compatibility/2006">
-          <mc:Choice xmlns:a14="http://schemas.microsoft.com/office/drawing/2010/main" Requires="a14">
+        <mc:AlternateContent xmlns:mc="http://schemas.openxmlformats.org/markup-compatibility/2006" xmlns:a14="http://schemas.microsoft.com/office/drawing/2010/main">
+          <mc:Choice Requires="a14">
             <p:sp>
               <p:nvSpPr>
                 <p:cNvPr id="8" name="Rounded Rectangle 7">
@@ -14559,7 +14561,7 @@
               </p:txBody>
             </p:sp>
           </mc:Choice>
-          <mc:Fallback>
+          <mc:Fallback xmlns="">
             <p:sp>
               <p:nvSpPr>
                 <p:cNvPr id="8" name="Rounded Rectangle 7">
@@ -14607,8 +14609,8 @@
             </p:sp>
           </mc:Fallback>
         </mc:AlternateContent>
-        <mc:AlternateContent xmlns:mc="http://schemas.openxmlformats.org/markup-compatibility/2006">
-          <mc:Choice xmlns:a14="http://schemas.microsoft.com/office/drawing/2010/main" Requires="a14">
+        <mc:AlternateContent xmlns:mc="http://schemas.openxmlformats.org/markup-compatibility/2006" xmlns:a14="http://schemas.microsoft.com/office/drawing/2010/main">
+          <mc:Choice Requires="a14">
             <p:sp>
               <p:nvSpPr>
                 <p:cNvPr id="9" name="Rounded Rectangle 8">
@@ -14731,7 +14733,7 @@
               </p:txBody>
             </p:sp>
           </mc:Choice>
-          <mc:Fallback>
+          <mc:Fallback xmlns="">
             <p:sp>
               <p:nvSpPr>
                 <p:cNvPr id="9" name="Rounded Rectangle 8">
@@ -14779,8 +14781,8 @@
             </p:sp>
           </mc:Fallback>
         </mc:AlternateContent>
-        <mc:AlternateContent xmlns:mc="http://schemas.openxmlformats.org/markup-compatibility/2006">
-          <mc:Choice xmlns:a14="http://schemas.microsoft.com/office/drawing/2010/main" Requires="a14">
+        <mc:AlternateContent xmlns:mc="http://schemas.openxmlformats.org/markup-compatibility/2006" xmlns:a14="http://schemas.microsoft.com/office/drawing/2010/main">
+          <mc:Choice Requires="a14">
             <p:sp>
               <p:nvSpPr>
                 <p:cNvPr id="10" name="Rounded Rectangle 9">
@@ -14901,7 +14903,7 @@
               </p:txBody>
             </p:sp>
           </mc:Choice>
-          <mc:Fallback>
+          <mc:Fallback xmlns="">
             <p:sp>
               <p:nvSpPr>
                 <p:cNvPr id="10" name="Rounded Rectangle 9">
@@ -14949,8 +14951,8 @@
             </p:sp>
           </mc:Fallback>
         </mc:AlternateContent>
-        <mc:AlternateContent xmlns:mc="http://schemas.openxmlformats.org/markup-compatibility/2006">
-          <mc:Choice xmlns:a14="http://schemas.microsoft.com/office/drawing/2010/main" Requires="a14">
+        <mc:AlternateContent xmlns:mc="http://schemas.openxmlformats.org/markup-compatibility/2006" xmlns:a14="http://schemas.microsoft.com/office/drawing/2010/main">
+          <mc:Choice Requires="a14">
             <p:sp>
               <p:nvSpPr>
                 <p:cNvPr id="11" name="Rounded Rectangle 10">
@@ -15085,7 +15087,7 @@
               </p:txBody>
             </p:sp>
           </mc:Choice>
-          <mc:Fallback>
+          <mc:Fallback xmlns="">
             <p:sp>
               <p:nvSpPr>
                 <p:cNvPr id="11" name="Rounded Rectangle 10">
@@ -15133,8 +15135,8 @@
             </p:sp>
           </mc:Fallback>
         </mc:AlternateContent>
-        <mc:AlternateContent xmlns:mc="http://schemas.openxmlformats.org/markup-compatibility/2006">
-          <mc:Choice xmlns:a14="http://schemas.microsoft.com/office/drawing/2010/main" Requires="a14">
+        <mc:AlternateContent xmlns:mc="http://schemas.openxmlformats.org/markup-compatibility/2006" xmlns:a14="http://schemas.microsoft.com/office/drawing/2010/main">
+          <mc:Choice Requires="a14">
             <p:sp>
               <p:nvSpPr>
                 <p:cNvPr id="12" name="Rounded Rectangle 11">
@@ -15274,7 +15276,7 @@
               </p:txBody>
             </p:sp>
           </mc:Choice>
-          <mc:Fallback>
+          <mc:Fallback xmlns="">
             <p:sp>
               <p:nvSpPr>
                 <p:cNvPr id="12" name="Rounded Rectangle 11">
@@ -15632,8 +15634,8 @@
             </a:fontRef>
           </p:style>
         </p:cxnSp>
-        <mc:AlternateContent xmlns:mc="http://schemas.openxmlformats.org/markup-compatibility/2006">
-          <mc:Choice xmlns:a14="http://schemas.microsoft.com/office/drawing/2010/main" Requires="a14">
+        <mc:AlternateContent xmlns:mc="http://schemas.openxmlformats.org/markup-compatibility/2006" xmlns:a14="http://schemas.microsoft.com/office/drawing/2010/main">
+          <mc:Choice Requires="a14">
             <p:sp>
               <p:nvSpPr>
                 <p:cNvPr id="20" name="Left Arrow Callout 19">
@@ -15741,7 +15743,7 @@
               </p:txBody>
             </p:sp>
           </mc:Choice>
-          <mc:Fallback>
+          <mc:Fallback xmlns="">
             <p:sp>
               <p:nvSpPr>
                 <p:cNvPr id="20" name="Left Arrow Callout 19">
@@ -15794,8 +15796,8 @@
             </p:sp>
           </mc:Fallback>
         </mc:AlternateContent>
-        <mc:AlternateContent xmlns:mc="http://schemas.openxmlformats.org/markup-compatibility/2006">
-          <mc:Choice xmlns:a14="http://schemas.microsoft.com/office/drawing/2010/main" Requires="a14">
+        <mc:AlternateContent xmlns:mc="http://schemas.openxmlformats.org/markup-compatibility/2006" xmlns:a14="http://schemas.microsoft.com/office/drawing/2010/main">
+          <mc:Choice Requires="a14">
             <p:sp>
               <p:nvSpPr>
                 <p:cNvPr id="21" name="Left Arrow Callout 20">
@@ -15886,7 +15888,7 @@
               </p:txBody>
             </p:sp>
           </mc:Choice>
-          <mc:Fallback>
+          <mc:Fallback xmlns="">
             <p:sp>
               <p:nvSpPr>
                 <p:cNvPr id="21" name="Left Arrow Callout 20">
@@ -16004,8 +16006,8 @@
             </a:p>
           </p:txBody>
         </p:sp>
-        <mc:AlternateContent xmlns:mc="http://schemas.openxmlformats.org/markup-compatibility/2006">
-          <mc:Choice xmlns:a14="http://schemas.microsoft.com/office/drawing/2010/main" Requires="a14">
+        <mc:AlternateContent xmlns:mc="http://schemas.openxmlformats.org/markup-compatibility/2006" xmlns:a14="http://schemas.microsoft.com/office/drawing/2010/main">
+          <mc:Choice Requires="a14">
             <p:sp>
               <p:nvSpPr>
                 <p:cNvPr id="23" name="Left Arrow Callout 22">
@@ -16127,7 +16129,7 @@
               </p:txBody>
             </p:sp>
           </mc:Choice>
-          <mc:Fallback>
+          <mc:Fallback xmlns="">
             <p:sp>
               <p:nvSpPr>
                 <p:cNvPr id="23" name="Left Arrow Callout 22">
@@ -16180,8 +16182,8 @@
             </p:sp>
           </mc:Fallback>
         </mc:AlternateContent>
-        <mc:AlternateContent xmlns:mc="http://schemas.openxmlformats.org/markup-compatibility/2006">
-          <mc:Choice xmlns:a14="http://schemas.microsoft.com/office/drawing/2010/main" Requires="a14">
+        <mc:AlternateContent xmlns:mc="http://schemas.openxmlformats.org/markup-compatibility/2006" xmlns:a14="http://schemas.microsoft.com/office/drawing/2010/main">
+          <mc:Choice Requires="a14">
             <p:sp>
               <p:nvSpPr>
                 <p:cNvPr id="24" name="Left Arrow Callout 23">
@@ -16291,7 +16293,7 @@
               </p:txBody>
             </p:sp>
           </mc:Choice>
-          <mc:Fallback>
+          <mc:Fallback xmlns="">
             <p:sp>
               <p:nvSpPr>
                 <p:cNvPr id="24" name="Left Arrow Callout 23">
@@ -16396,8 +16398,8 @@
             </a:p>
           </p:txBody>
         </p:sp>
-        <mc:AlternateContent xmlns:mc="http://schemas.openxmlformats.org/markup-compatibility/2006">
-          <mc:Choice xmlns:a14="http://schemas.microsoft.com/office/drawing/2010/main" Requires="a14">
+        <mc:AlternateContent xmlns:mc="http://schemas.openxmlformats.org/markup-compatibility/2006" xmlns:a14="http://schemas.microsoft.com/office/drawing/2010/main">
+          <mc:Choice Requires="a14">
             <p:sp>
               <p:nvSpPr>
                 <p:cNvPr id="26" name="Left Arrow Callout 25">
@@ -16536,7 +16538,7 @@
               </p:txBody>
             </p:sp>
           </mc:Choice>
-          <mc:Fallback>
+          <mc:Fallback xmlns="">
             <p:sp>
               <p:nvSpPr>
                 <p:cNvPr id="26" name="Left Arrow Callout 25">
@@ -16589,8 +16591,8 @@
             </p:sp>
           </mc:Fallback>
         </mc:AlternateContent>
-        <mc:AlternateContent xmlns:mc="http://schemas.openxmlformats.org/markup-compatibility/2006">
-          <mc:Choice xmlns:a14="http://schemas.microsoft.com/office/drawing/2010/main" Requires="a14">
+        <mc:AlternateContent xmlns:mc="http://schemas.openxmlformats.org/markup-compatibility/2006" xmlns:a14="http://schemas.microsoft.com/office/drawing/2010/main">
+          <mc:Choice Requires="a14">
             <p:sp>
               <p:nvSpPr>
                 <p:cNvPr id="27" name="Rectangle 26">
@@ -16693,7 +16695,7 @@
               </p:txBody>
             </p:sp>
           </mc:Choice>
-          <mc:Fallback>
+          <mc:Fallback xmlns="">
             <p:sp>
               <p:nvSpPr>
                 <p:cNvPr id="27" name="Rectangle 26">
@@ -16746,6 +16748,1624 @@
     <p:extLst>
       <p:ext uri="{BB962C8B-B14F-4D97-AF65-F5344CB8AC3E}">
         <p14:creationId xmlns:p14="http://schemas.microsoft.com/office/powerpoint/2010/main" val="2412737346"/>
+      </p:ext>
+    </p:extLst>
+  </p:cSld>
+  <p:clrMapOvr>
+    <a:masterClrMapping/>
+  </p:clrMapOvr>
+</p:sld>
+</file>
+
+<file path=ppt/slides/slide6.xml><?xml version="1.0" encoding="utf-8"?>
+<p:sld xmlns:a="http://schemas.openxmlformats.org/drawingml/2006/main" xmlns:r="http://schemas.openxmlformats.org/officeDocument/2006/relationships" xmlns:p="http://schemas.openxmlformats.org/presentationml/2006/main">
+  <p:cSld>
+    <p:spTree>
+      <p:nvGrpSpPr>
+        <p:cNvPr id="1" name=""/>
+        <p:cNvGrpSpPr/>
+        <p:nvPr/>
+      </p:nvGrpSpPr>
+      <p:grpSpPr>
+        <a:xfrm>
+          <a:off x="0" y="0"/>
+          <a:ext cx="0" cy="0"/>
+          <a:chOff x="0" y="0"/>
+          <a:chExt cx="0" cy="0"/>
+        </a:xfrm>
+      </p:grpSpPr>
+      <p:grpSp>
+        <p:nvGrpSpPr>
+          <p:cNvPr id="12" name="Group 11">
+            <a:extLst>
+              <a:ext uri="{FF2B5EF4-FFF2-40B4-BE49-F238E27FC236}">
+                <a16:creationId xmlns:a16="http://schemas.microsoft.com/office/drawing/2014/main" id="{FEFC6DD1-F6A4-62F9-224E-EE7E22C9997B}"/>
+              </a:ext>
+            </a:extLst>
+          </p:cNvPr>
+          <p:cNvGrpSpPr/>
+          <p:nvPr/>
+        </p:nvGrpSpPr>
+        <p:grpSpPr>
+          <a:xfrm>
+            <a:off x="3171656" y="2500321"/>
+            <a:ext cx="6709954" cy="2969082"/>
+            <a:chOff x="3171656" y="2500321"/>
+            <a:chExt cx="6709954" cy="2969082"/>
+          </a:xfrm>
+        </p:grpSpPr>
+        <p:grpSp>
+          <p:nvGrpSpPr>
+            <p:cNvPr id="21" name="Group 20">
+              <a:extLst>
+                <a:ext uri="{FF2B5EF4-FFF2-40B4-BE49-F238E27FC236}">
+                  <a16:creationId xmlns:a16="http://schemas.microsoft.com/office/drawing/2014/main" id="{602284E6-D03D-9036-6E62-FD7BDCF2BF65}"/>
+                </a:ext>
+              </a:extLst>
+            </p:cNvPr>
+            <p:cNvGrpSpPr/>
+            <p:nvPr/>
+          </p:nvGrpSpPr>
+          <p:grpSpPr>
+            <a:xfrm>
+              <a:off x="3171656" y="2500321"/>
+              <a:ext cx="6709954" cy="2969082"/>
+              <a:chOff x="3171656" y="2500321"/>
+              <a:chExt cx="6709954" cy="2969082"/>
+            </a:xfrm>
+          </p:grpSpPr>
+          <p:grpSp>
+            <p:nvGrpSpPr>
+              <p:cNvPr id="9" name="Group 8">
+                <a:extLst>
+                  <a:ext uri="{FF2B5EF4-FFF2-40B4-BE49-F238E27FC236}">
+                    <a16:creationId xmlns:a16="http://schemas.microsoft.com/office/drawing/2014/main" id="{970945FA-2BFC-5F2B-50E2-F39F89B97E80}"/>
+                  </a:ext>
+                </a:extLst>
+              </p:cNvPr>
+              <p:cNvGrpSpPr/>
+              <p:nvPr/>
+            </p:nvGrpSpPr>
+            <p:grpSpPr>
+              <a:xfrm>
+                <a:off x="3171656" y="2500321"/>
+                <a:ext cx="1463040" cy="1477319"/>
+                <a:chOff x="4347313" y="2500321"/>
+                <a:chExt cx="1463040" cy="1477319"/>
+              </a:xfrm>
+            </p:grpSpPr>
+            <mc:AlternateContent xmlns:mc="http://schemas.openxmlformats.org/markup-compatibility/2006" xmlns:a14="http://schemas.microsoft.com/office/drawing/2010/main">
+              <mc:Choice Requires="a14">
+                <p:sp>
+                  <p:nvSpPr>
+                    <p:cNvPr id="5" name="Rounded Rectangle 4">
+                      <a:extLst>
+                        <a:ext uri="{FF2B5EF4-FFF2-40B4-BE49-F238E27FC236}">
+                          <a16:creationId xmlns:a16="http://schemas.microsoft.com/office/drawing/2014/main" id="{E896815B-0314-E521-2331-C3AE78E5ECDE}"/>
+                        </a:ext>
+                      </a:extLst>
+                    </p:cNvPr>
+                    <p:cNvSpPr>
+                      <a:spLocks noChangeAspect="1"/>
+                    </p:cNvSpPr>
+                    <p:nvPr/>
+                  </p:nvSpPr>
+                  <p:spPr>
+                    <a:xfrm>
+                      <a:off x="4347313" y="3429000"/>
+                      <a:ext cx="1463040" cy="548640"/>
+                    </a:xfrm>
+                    <a:prstGeom prst="roundRect">
+                      <a:avLst/>
+                    </a:prstGeom>
+                    <a:solidFill>
+                      <a:schemeClr val="accent1">
+                        <a:alpha val="80000"/>
+                      </a:schemeClr>
+                    </a:solidFill>
+                    <a:ln w="25400">
+                      <a:noFill/>
+                    </a:ln>
+                  </p:spPr>
+                  <p:style>
+                    <a:lnRef idx="2">
+                      <a:schemeClr val="accent1">
+                        <a:shade val="15000"/>
+                      </a:schemeClr>
+                    </a:lnRef>
+                    <a:fillRef idx="1">
+                      <a:schemeClr val="accent1"/>
+                    </a:fillRef>
+                    <a:effectRef idx="0">
+                      <a:schemeClr val="accent1"/>
+                    </a:effectRef>
+                    <a:fontRef idx="minor">
+                      <a:schemeClr val="lt1"/>
+                    </a:fontRef>
+                  </p:style>
+                  <p:txBody>
+                    <a:bodyPr rtlCol="0" anchor="ctr"/>
+                    <a:lstStyle/>
+                    <a:p>
+                      <a:pPr algn="ctr"/>
+                      <a14:m>
+                        <m:oMathPara xmlns:m="http://schemas.openxmlformats.org/officeDocument/2006/math">
+                          <m:oMathParaPr>
+                            <m:jc m:val="centerGroup"/>
+                          </m:oMathParaPr>
+                          <m:oMath xmlns:m="http://schemas.openxmlformats.org/officeDocument/2006/math">
+                            <m:r>
+                              <a:rPr lang="en-US" sz="2000" i="1">
+                                <a:latin typeface="Cambria Math" panose="02040503050406030204" pitchFamily="18" charset="0"/>
+                              </a:rPr>
+                              <m:t>开心</m:t>
+                            </m:r>
+                          </m:oMath>
+                        </m:oMathPara>
+                      </a14:m>
+                      <a:endParaRPr lang="en-US" sz="2000" dirty="0"/>
+                    </a:p>
+                  </p:txBody>
+                </p:sp>
+              </mc:Choice>
+              <mc:Fallback xmlns="">
+                <p:sp>
+                  <p:nvSpPr>
+                    <p:cNvPr id="5" name="Rounded Rectangle 4">
+                      <a:extLst>
+                        <a:ext uri="{FF2B5EF4-FFF2-40B4-BE49-F238E27FC236}">
+                          <a16:creationId xmlns:a16="http://schemas.microsoft.com/office/drawing/2014/main" id="{E896815B-0314-E521-2331-C3AE78E5ECDE}"/>
+                        </a:ext>
+                      </a:extLst>
+                    </p:cNvPr>
+                    <p:cNvSpPr>
+                      <a:spLocks noRot="1" noChangeAspect="1" noMove="1" noResize="1" noEditPoints="1" noAdjustHandles="1" noChangeArrowheads="1" noChangeShapeType="1" noTextEdit="1"/>
+                    </p:cNvSpPr>
+                    <p:nvPr/>
+                  </p:nvSpPr>
+                  <p:spPr>
+                    <a:xfrm>
+                      <a:off x="4347313" y="3429000"/>
+                      <a:ext cx="1463040" cy="548640"/>
+                    </a:xfrm>
+                    <a:prstGeom prst="roundRect">
+                      <a:avLst/>
+                    </a:prstGeom>
+                    <a:blipFill>
+                      <a:blip r:embed="rId2"/>
+                      <a:stretch>
+                        <a:fillRect/>
+                      </a:stretch>
+                    </a:blipFill>
+                    <a:ln w="25400">
+                      <a:noFill/>
+                    </a:ln>
+                  </p:spPr>
+                  <p:txBody>
+                    <a:bodyPr/>
+                    <a:lstStyle/>
+                    <a:p>
+                      <a:r>
+                        <a:rPr lang="en-US">
+                          <a:noFill/>
+                        </a:rPr>
+                        <a:t> </a:t>
+                      </a:r>
+                    </a:p>
+                  </p:txBody>
+                </p:sp>
+              </mc:Fallback>
+            </mc:AlternateContent>
+            <mc:AlternateContent xmlns:mc="http://schemas.openxmlformats.org/markup-compatibility/2006" xmlns:a14="http://schemas.microsoft.com/office/drawing/2010/main">
+              <mc:Choice Requires="a14">
+                <p:sp>
+                  <p:nvSpPr>
+                    <p:cNvPr id="6" name="Left Arrow Callout 5">
+                      <a:extLst>
+                        <a:ext uri="{FF2B5EF4-FFF2-40B4-BE49-F238E27FC236}">
+                          <a16:creationId xmlns:a16="http://schemas.microsoft.com/office/drawing/2014/main" id="{40A3D50B-1119-5E75-F1AD-DB7352158A8F}"/>
+                        </a:ext>
+                      </a:extLst>
+                    </p:cNvPr>
+                    <p:cNvSpPr>
+                      <a:spLocks/>
+                    </p:cNvSpPr>
+                    <p:nvPr/>
+                  </p:nvSpPr>
+                  <p:spPr>
+                    <a:xfrm rot="-5400000">
+                      <a:off x="4614493" y="2378018"/>
+                      <a:ext cx="928679" cy="1173285"/>
+                    </a:xfrm>
+                    <a:prstGeom prst="leftArrowCallout">
+                      <a:avLst>
+                        <a:gd name="adj1" fmla="val 18070"/>
+                        <a:gd name="adj2" fmla="val 18586"/>
+                        <a:gd name="adj3" fmla="val 29517"/>
+                        <a:gd name="adj4" fmla="val 41919"/>
+                      </a:avLst>
+                    </a:prstGeom>
+                    <a:solidFill>
+                      <a:schemeClr val="accent2">
+                        <a:lumMod val="75000"/>
+                        <a:alpha val="80000"/>
+                      </a:schemeClr>
+                    </a:solidFill>
+                    <a:ln>
+                      <a:noFill/>
+                    </a:ln>
+                  </p:spPr>
+                  <p:style>
+                    <a:lnRef idx="2">
+                      <a:schemeClr val="accent1">
+                        <a:shade val="15000"/>
+                      </a:schemeClr>
+                    </a:lnRef>
+                    <a:fillRef idx="1">
+                      <a:schemeClr val="accent1"/>
+                    </a:fillRef>
+                    <a:effectRef idx="0">
+                      <a:schemeClr val="accent1"/>
+                    </a:effectRef>
+                    <a:fontRef idx="minor">
+                      <a:schemeClr val="lt1"/>
+                    </a:fontRef>
+                  </p:style>
+                  <p:txBody>
+                    <a:bodyPr vert="vert" rtlCol="0" anchor="ctr"/>
+                    <a:lstStyle/>
+                    <a:p>
+                      <a:pPr algn="ctr"/>
+                      <a14:m>
+                        <m:oMathPara xmlns:m="http://schemas.openxmlformats.org/officeDocument/2006/math">
+                          <m:oMathParaPr>
+                            <m:jc m:val="centerGroup"/>
+                          </m:oMathParaPr>
+                          <m:oMath xmlns:m="http://schemas.openxmlformats.org/officeDocument/2006/math">
+                            <m:r>
+                              <a:rPr lang="en-US" i="1" smtClean="0">
+                                <a:latin typeface="Cambria Math" panose="02040503050406030204" pitchFamily="18" charset="0"/>
+                              </a:rPr>
+                              <m:t>状态</m:t>
+                            </m:r>
+                            <m:r>
+                              <a:rPr lang="en-US" b="0" i="1" smtClean="0">
+                                <a:latin typeface="Cambria Math" panose="02040503050406030204" pitchFamily="18" charset="0"/>
+                              </a:rPr>
+                              <m:t>𝐴</m:t>
+                            </m:r>
+                          </m:oMath>
+                        </m:oMathPara>
+                      </a14:m>
+                      <a:endParaRPr lang="en-US" dirty="0"/>
+                    </a:p>
+                  </p:txBody>
+                </p:sp>
+              </mc:Choice>
+              <mc:Fallback xmlns="">
+                <p:sp>
+                  <p:nvSpPr>
+                    <p:cNvPr id="6" name="Left Arrow Callout 5">
+                      <a:extLst>
+                        <a:ext uri="{FF2B5EF4-FFF2-40B4-BE49-F238E27FC236}">
+                          <a16:creationId xmlns:a16="http://schemas.microsoft.com/office/drawing/2014/main" id="{40A3D50B-1119-5E75-F1AD-DB7352158A8F}"/>
+                        </a:ext>
+                      </a:extLst>
+                    </p:cNvPr>
+                    <p:cNvSpPr>
+                      <a:spLocks noRot="1" noChangeAspect="1" noMove="1" noResize="1" noEditPoints="1" noAdjustHandles="1" noChangeArrowheads="1" noChangeShapeType="1" noTextEdit="1"/>
+                    </p:cNvSpPr>
+                    <p:nvPr/>
+                  </p:nvSpPr>
+                  <p:spPr>
+                    <a:xfrm rot="-5400000">
+                      <a:off x="4614493" y="2378018"/>
+                      <a:ext cx="928679" cy="1173285"/>
+                    </a:xfrm>
+                    <a:prstGeom prst="leftArrowCallout">
+                      <a:avLst>
+                        <a:gd name="adj1" fmla="val 18070"/>
+                        <a:gd name="adj2" fmla="val 18586"/>
+                        <a:gd name="adj3" fmla="val 29517"/>
+                        <a:gd name="adj4" fmla="val 41919"/>
+                      </a:avLst>
+                    </a:prstGeom>
+                    <a:blipFill>
+                      <a:blip r:embed="rId3"/>
+                      <a:stretch>
+                        <a:fillRect/>
+                      </a:stretch>
+                    </a:blipFill>
+                    <a:ln>
+                      <a:noFill/>
+                    </a:ln>
+                  </p:spPr>
+                  <p:txBody>
+                    <a:bodyPr/>
+                    <a:lstStyle/>
+                    <a:p>
+                      <a:r>
+                        <a:rPr lang="en-US">
+                          <a:noFill/>
+                        </a:rPr>
+                        <a:t> </a:t>
+                      </a:r>
+                    </a:p>
+                  </p:txBody>
+                </p:sp>
+              </mc:Fallback>
+            </mc:AlternateContent>
+          </p:grpSp>
+          <p:grpSp>
+            <p:nvGrpSpPr>
+              <p:cNvPr id="10" name="Group 9">
+                <a:extLst>
+                  <a:ext uri="{FF2B5EF4-FFF2-40B4-BE49-F238E27FC236}">
+                    <a16:creationId xmlns:a16="http://schemas.microsoft.com/office/drawing/2014/main" id="{E5AF7C11-BBAA-1C08-7E7D-48E844D5B74D}"/>
+                  </a:ext>
+                </a:extLst>
+              </p:cNvPr>
+              <p:cNvGrpSpPr/>
+              <p:nvPr/>
+            </p:nvGrpSpPr>
+            <p:grpSpPr>
+              <a:xfrm>
+                <a:off x="8418570" y="2500321"/>
+                <a:ext cx="1463040" cy="1477319"/>
+                <a:chOff x="8418570" y="2500321"/>
+                <a:chExt cx="1463040" cy="1477319"/>
+              </a:xfrm>
+            </p:grpSpPr>
+            <mc:AlternateContent xmlns:mc="http://schemas.openxmlformats.org/markup-compatibility/2006" xmlns:a14="http://schemas.microsoft.com/office/drawing/2010/main">
+              <mc:Choice Requires="a14">
+                <p:sp>
+                  <p:nvSpPr>
+                    <p:cNvPr id="7" name="Rounded Rectangle 6">
+                      <a:extLst>
+                        <a:ext uri="{FF2B5EF4-FFF2-40B4-BE49-F238E27FC236}">
+                          <a16:creationId xmlns:a16="http://schemas.microsoft.com/office/drawing/2014/main" id="{FAD9AE59-4049-6153-52EA-BDE79A5B152D}"/>
+                        </a:ext>
+                      </a:extLst>
+                    </p:cNvPr>
+                    <p:cNvSpPr>
+                      <a:spLocks noChangeAspect="1"/>
+                    </p:cNvSpPr>
+                    <p:nvPr/>
+                  </p:nvSpPr>
+                  <p:spPr>
+                    <a:xfrm>
+                      <a:off x="8418570" y="3429000"/>
+                      <a:ext cx="1463040" cy="548640"/>
+                    </a:xfrm>
+                    <a:prstGeom prst="roundRect">
+                      <a:avLst/>
+                    </a:prstGeom>
+                    <a:solidFill>
+                      <a:schemeClr val="accent1">
+                        <a:alpha val="80000"/>
+                      </a:schemeClr>
+                    </a:solidFill>
+                    <a:ln w="25400">
+                      <a:noFill/>
+                    </a:ln>
+                  </p:spPr>
+                  <p:style>
+                    <a:lnRef idx="2">
+                      <a:schemeClr val="accent1">
+                        <a:shade val="15000"/>
+                      </a:schemeClr>
+                    </a:lnRef>
+                    <a:fillRef idx="1">
+                      <a:schemeClr val="accent1"/>
+                    </a:fillRef>
+                    <a:effectRef idx="0">
+                      <a:schemeClr val="accent1"/>
+                    </a:effectRef>
+                    <a:fontRef idx="minor">
+                      <a:schemeClr val="lt1"/>
+                    </a:fontRef>
+                  </p:style>
+                  <p:txBody>
+                    <a:bodyPr rtlCol="0" anchor="ctr"/>
+                    <a:lstStyle/>
+                    <a:p>
+                      <a:pPr algn="ctr"/>
+                      <a14:m>
+                        <m:oMathPara xmlns:m="http://schemas.openxmlformats.org/officeDocument/2006/math">
+                          <m:oMathParaPr>
+                            <m:jc m:val="centerGroup"/>
+                          </m:oMathParaPr>
+                          <m:oMath xmlns:m="http://schemas.openxmlformats.org/officeDocument/2006/math">
+                            <m:r>
+                              <a:rPr lang="en-US" sz="2000" i="1">
+                                <a:latin typeface="Cambria Math" panose="02040503050406030204" pitchFamily="18" charset="0"/>
+                              </a:rPr>
+                              <m:t>难过</m:t>
+                            </m:r>
+                          </m:oMath>
+                        </m:oMathPara>
+                      </a14:m>
+                      <a:endParaRPr lang="en-US" sz="2000" dirty="0"/>
+                    </a:p>
+                  </p:txBody>
+                </p:sp>
+              </mc:Choice>
+              <mc:Fallback xmlns="">
+                <p:sp>
+                  <p:nvSpPr>
+                    <p:cNvPr id="7" name="Rounded Rectangle 6">
+                      <a:extLst>
+                        <a:ext uri="{FF2B5EF4-FFF2-40B4-BE49-F238E27FC236}">
+                          <a16:creationId xmlns:a16="http://schemas.microsoft.com/office/drawing/2014/main" id="{FAD9AE59-4049-6153-52EA-BDE79A5B152D}"/>
+                        </a:ext>
+                      </a:extLst>
+                    </p:cNvPr>
+                    <p:cNvSpPr>
+                      <a:spLocks noRot="1" noChangeAspect="1" noMove="1" noResize="1" noEditPoints="1" noAdjustHandles="1" noChangeArrowheads="1" noChangeShapeType="1" noTextEdit="1"/>
+                    </p:cNvSpPr>
+                    <p:nvPr/>
+                  </p:nvSpPr>
+                  <p:spPr>
+                    <a:xfrm>
+                      <a:off x="8418570" y="3429000"/>
+                      <a:ext cx="1463040" cy="548640"/>
+                    </a:xfrm>
+                    <a:prstGeom prst="roundRect">
+                      <a:avLst/>
+                    </a:prstGeom>
+                    <a:blipFill>
+                      <a:blip r:embed="rId4"/>
+                      <a:stretch>
+                        <a:fillRect/>
+                      </a:stretch>
+                    </a:blipFill>
+                    <a:ln w="25400">
+                      <a:noFill/>
+                    </a:ln>
+                  </p:spPr>
+                  <p:txBody>
+                    <a:bodyPr/>
+                    <a:lstStyle/>
+                    <a:p>
+                      <a:r>
+                        <a:rPr lang="en-US">
+                          <a:noFill/>
+                        </a:rPr>
+                        <a:t> </a:t>
+                      </a:r>
+                    </a:p>
+                  </p:txBody>
+                </p:sp>
+              </mc:Fallback>
+            </mc:AlternateContent>
+            <mc:AlternateContent xmlns:mc="http://schemas.openxmlformats.org/markup-compatibility/2006" xmlns:a14="http://schemas.microsoft.com/office/drawing/2010/main">
+              <mc:Choice Requires="a14">
+                <p:sp>
+                  <p:nvSpPr>
+                    <p:cNvPr id="8" name="Left Arrow Callout 7">
+                      <a:extLst>
+                        <a:ext uri="{FF2B5EF4-FFF2-40B4-BE49-F238E27FC236}">
+                          <a16:creationId xmlns:a16="http://schemas.microsoft.com/office/drawing/2014/main" id="{D99EE361-2246-8BA3-126E-5A19C28DEEE8}"/>
+                        </a:ext>
+                      </a:extLst>
+                    </p:cNvPr>
+                    <p:cNvSpPr>
+                      <a:spLocks/>
+                    </p:cNvSpPr>
+                    <p:nvPr/>
+                  </p:nvSpPr>
+                  <p:spPr>
+                    <a:xfrm rot="-5400000">
+                      <a:off x="8685750" y="2378018"/>
+                      <a:ext cx="928679" cy="1173285"/>
+                    </a:xfrm>
+                    <a:prstGeom prst="leftArrowCallout">
+                      <a:avLst>
+                        <a:gd name="adj1" fmla="val 18070"/>
+                        <a:gd name="adj2" fmla="val 18586"/>
+                        <a:gd name="adj3" fmla="val 29517"/>
+                        <a:gd name="adj4" fmla="val 41919"/>
+                      </a:avLst>
+                    </a:prstGeom>
+                    <a:solidFill>
+                      <a:schemeClr val="accent2">
+                        <a:lumMod val="75000"/>
+                        <a:alpha val="80000"/>
+                      </a:schemeClr>
+                    </a:solidFill>
+                    <a:ln>
+                      <a:noFill/>
+                    </a:ln>
+                  </p:spPr>
+                  <p:style>
+                    <a:lnRef idx="2">
+                      <a:schemeClr val="accent1">
+                        <a:shade val="15000"/>
+                      </a:schemeClr>
+                    </a:lnRef>
+                    <a:fillRef idx="1">
+                      <a:schemeClr val="accent1"/>
+                    </a:fillRef>
+                    <a:effectRef idx="0">
+                      <a:schemeClr val="accent1"/>
+                    </a:effectRef>
+                    <a:fontRef idx="minor">
+                      <a:schemeClr val="lt1"/>
+                    </a:fontRef>
+                  </p:style>
+                  <p:txBody>
+                    <a:bodyPr vert="vert" rtlCol="0" anchor="ctr"/>
+                    <a:lstStyle/>
+                    <a:p>
+                      <a:pPr algn="ctr"/>
+                      <a14:m>
+                        <m:oMathPara xmlns:m="http://schemas.openxmlformats.org/officeDocument/2006/math">
+                          <m:oMathParaPr>
+                            <m:jc m:val="centerGroup"/>
+                          </m:oMathParaPr>
+                          <m:oMath xmlns:m="http://schemas.openxmlformats.org/officeDocument/2006/math">
+                            <m:r>
+                              <a:rPr lang="en-US" i="1" smtClean="0">
+                                <a:latin typeface="Cambria Math" panose="02040503050406030204" pitchFamily="18" charset="0"/>
+                              </a:rPr>
+                              <m:t>状态</m:t>
+                            </m:r>
+                            <m:r>
+                              <a:rPr lang="en-US" b="0" i="1" smtClean="0">
+                                <a:latin typeface="Cambria Math" panose="02040503050406030204" pitchFamily="18" charset="0"/>
+                              </a:rPr>
+                              <m:t>𝐵</m:t>
+                            </m:r>
+                          </m:oMath>
+                        </m:oMathPara>
+                      </a14:m>
+                      <a:endParaRPr lang="en-US" dirty="0"/>
+                    </a:p>
+                  </p:txBody>
+                </p:sp>
+              </mc:Choice>
+              <mc:Fallback xmlns="">
+                <p:sp>
+                  <p:nvSpPr>
+                    <p:cNvPr id="8" name="Left Arrow Callout 7">
+                      <a:extLst>
+                        <a:ext uri="{FF2B5EF4-FFF2-40B4-BE49-F238E27FC236}">
+                          <a16:creationId xmlns:a16="http://schemas.microsoft.com/office/drawing/2014/main" id="{D99EE361-2246-8BA3-126E-5A19C28DEEE8}"/>
+                        </a:ext>
+                      </a:extLst>
+                    </p:cNvPr>
+                    <p:cNvSpPr>
+                      <a:spLocks noRot="1" noChangeAspect="1" noMove="1" noResize="1" noEditPoints="1" noAdjustHandles="1" noChangeArrowheads="1" noChangeShapeType="1" noTextEdit="1"/>
+                    </p:cNvSpPr>
+                    <p:nvPr/>
+                  </p:nvSpPr>
+                  <p:spPr>
+                    <a:xfrm rot="-5400000">
+                      <a:off x="8685750" y="2378018"/>
+                      <a:ext cx="928679" cy="1173285"/>
+                    </a:xfrm>
+                    <a:prstGeom prst="leftArrowCallout">
+                      <a:avLst>
+                        <a:gd name="adj1" fmla="val 18070"/>
+                        <a:gd name="adj2" fmla="val 18586"/>
+                        <a:gd name="adj3" fmla="val 29517"/>
+                        <a:gd name="adj4" fmla="val 41919"/>
+                      </a:avLst>
+                    </a:prstGeom>
+                    <a:blipFill>
+                      <a:blip r:embed="rId5"/>
+                      <a:stretch>
+                        <a:fillRect/>
+                      </a:stretch>
+                    </a:blipFill>
+                    <a:ln>
+                      <a:noFill/>
+                    </a:ln>
+                  </p:spPr>
+                  <p:txBody>
+                    <a:bodyPr/>
+                    <a:lstStyle/>
+                    <a:p>
+                      <a:r>
+                        <a:rPr lang="en-US">
+                          <a:noFill/>
+                        </a:rPr>
+                        <a:t> </a:t>
+                      </a:r>
+                    </a:p>
+                  </p:txBody>
+                </p:sp>
+              </mc:Fallback>
+            </mc:AlternateContent>
+          </p:grpSp>
+          <mc:AlternateContent xmlns:mc="http://schemas.openxmlformats.org/markup-compatibility/2006" xmlns:a14="http://schemas.microsoft.com/office/drawing/2010/main">
+            <mc:Choice Requires="a14">
+              <p:sp>
+                <p:nvSpPr>
+                  <p:cNvPr id="14" name="Left Arrow Callout 13">
+                    <a:extLst>
+                      <a:ext uri="{FF2B5EF4-FFF2-40B4-BE49-F238E27FC236}">
+                        <a16:creationId xmlns:a16="http://schemas.microsoft.com/office/drawing/2014/main" id="{13BD3838-6A0C-9704-91C2-A9E49ACFB4EB}"/>
+                      </a:ext>
+                    </a:extLst>
+                  </p:cNvPr>
+                  <p:cNvSpPr>
+                    <a:spLocks noChangeAspect="1"/>
+                  </p:cNvSpPr>
+                  <p:nvPr/>
+                </p:nvSpPr>
+                <p:spPr>
+                  <a:xfrm rot="21600000">
+                    <a:off x="4779573" y="3429000"/>
+                    <a:ext cx="1712330" cy="548640"/>
+                  </a:xfrm>
+                  <a:prstGeom prst="leftArrowCallout">
+                    <a:avLst>
+                      <a:gd name="adj1" fmla="val 18070"/>
+                      <a:gd name="adj2" fmla="val 18586"/>
+                      <a:gd name="adj3" fmla="val 29517"/>
+                      <a:gd name="adj4" fmla="val 69938"/>
+                    </a:avLst>
+                  </a:prstGeom>
+                  <a:solidFill>
+                    <a:schemeClr val="accent2">
+                      <a:lumMod val="75000"/>
+                      <a:alpha val="80000"/>
+                    </a:schemeClr>
+                  </a:solidFill>
+                  <a:ln>
+                    <a:noFill/>
+                  </a:ln>
+                </p:spPr>
+                <p:style>
+                  <a:lnRef idx="2">
+                    <a:schemeClr val="accent1">
+                      <a:shade val="15000"/>
+                    </a:schemeClr>
+                  </a:lnRef>
+                  <a:fillRef idx="1">
+                    <a:schemeClr val="accent1"/>
+                  </a:fillRef>
+                  <a:effectRef idx="0">
+                    <a:schemeClr val="accent1"/>
+                  </a:effectRef>
+                  <a:fontRef idx="minor">
+                    <a:schemeClr val="lt1"/>
+                  </a:fontRef>
+                </p:style>
+                <p:txBody>
+                  <a:bodyPr vert="horz" rtlCol="0" anchor="ctr"/>
+                  <a:lstStyle/>
+                  <a:p>
+                    <a:pPr algn="ctr"/>
+                    <a14:m>
+                      <m:oMathPara xmlns:m="http://schemas.openxmlformats.org/officeDocument/2006/math">
+                        <m:oMathParaPr>
+                          <m:jc m:val="centerGroup"/>
+                        </m:oMathParaPr>
+                        <m:oMath xmlns:m="http://schemas.openxmlformats.org/officeDocument/2006/math">
+                          <m:r>
+                            <a:rPr lang="en-US" i="1" smtClean="0">
+                              <a:latin typeface="Cambria Math" panose="02040503050406030204" pitchFamily="18" charset="0"/>
+                            </a:rPr>
+                            <m:t>外部</m:t>
+                          </m:r>
+                          <m:r>
+                            <a:rPr lang="en-US" i="1">
+                              <a:latin typeface="Cambria Math" panose="02040503050406030204" pitchFamily="18" charset="0"/>
+                            </a:rPr>
+                            <m:t>事件</m:t>
+                          </m:r>
+                        </m:oMath>
+                      </m:oMathPara>
+                    </a14:m>
+                    <a:endParaRPr lang="en-US" dirty="0"/>
+                  </a:p>
+                </p:txBody>
+              </p:sp>
+            </mc:Choice>
+            <mc:Fallback xmlns="">
+              <p:sp>
+                <p:nvSpPr>
+                  <p:cNvPr id="14" name="Left Arrow Callout 13">
+                    <a:extLst>
+                      <a:ext uri="{FF2B5EF4-FFF2-40B4-BE49-F238E27FC236}">
+                        <a16:creationId xmlns:a16="http://schemas.microsoft.com/office/drawing/2014/main" id="{13BD3838-6A0C-9704-91C2-A9E49ACFB4EB}"/>
+                      </a:ext>
+                    </a:extLst>
+                  </p:cNvPr>
+                  <p:cNvSpPr>
+                    <a:spLocks noRot="1" noChangeAspect="1" noMove="1" noResize="1" noEditPoints="1" noAdjustHandles="1" noChangeArrowheads="1" noChangeShapeType="1" noTextEdit="1"/>
+                  </p:cNvSpPr>
+                  <p:nvPr/>
+                </p:nvSpPr>
+                <p:spPr>
+                  <a:xfrm rot="21600000">
+                    <a:off x="4779573" y="3429000"/>
+                    <a:ext cx="1712330" cy="548640"/>
+                  </a:xfrm>
+                  <a:prstGeom prst="leftArrowCallout">
+                    <a:avLst>
+                      <a:gd name="adj1" fmla="val 18070"/>
+                      <a:gd name="adj2" fmla="val 18586"/>
+                      <a:gd name="adj3" fmla="val 29517"/>
+                      <a:gd name="adj4" fmla="val 69938"/>
+                    </a:avLst>
+                  </a:prstGeom>
+                  <a:blipFill>
+                    <a:blip r:embed="rId6"/>
+                    <a:stretch>
+                      <a:fillRect/>
+                    </a:stretch>
+                  </a:blipFill>
+                  <a:ln>
+                    <a:noFill/>
+                  </a:ln>
+                </p:spPr>
+                <p:txBody>
+                  <a:bodyPr/>
+                  <a:lstStyle/>
+                  <a:p>
+                    <a:r>
+                      <a:rPr lang="en-US">
+                        <a:noFill/>
+                      </a:rPr>
+                      <a:t> </a:t>
+                    </a:r>
+                  </a:p>
+                </p:txBody>
+              </p:sp>
+            </mc:Fallback>
+          </mc:AlternateContent>
+          <p:sp>
+            <p:nvSpPr>
+              <p:cNvPr id="18" name="Right Bracket 17">
+                <a:extLst>
+                  <a:ext uri="{FF2B5EF4-FFF2-40B4-BE49-F238E27FC236}">
+                    <a16:creationId xmlns:a16="http://schemas.microsoft.com/office/drawing/2014/main" id="{A1619055-5752-651A-EF30-DC0FD419185E}"/>
+                  </a:ext>
+                </a:extLst>
+              </p:cNvPr>
+              <p:cNvSpPr/>
+              <p:nvPr/>
+            </p:nvSpPr>
+            <p:spPr>
+              <a:xfrm>
+                <a:off x="6464253" y="3048960"/>
+                <a:ext cx="292866" cy="2420443"/>
+              </a:xfrm>
+              <a:prstGeom prst="rightBracket">
+                <a:avLst/>
+              </a:prstGeom>
+              <a:ln w="25400">
+                <a:solidFill>
+                  <a:schemeClr val="tx1"/>
+                </a:solidFill>
+              </a:ln>
+            </p:spPr>
+            <p:style>
+              <a:lnRef idx="2">
+                <a:schemeClr val="accent1"/>
+              </a:lnRef>
+              <a:fillRef idx="0">
+                <a:schemeClr val="accent1"/>
+              </a:fillRef>
+              <a:effectRef idx="1">
+                <a:schemeClr val="accent1"/>
+              </a:effectRef>
+              <a:fontRef idx="minor">
+                <a:schemeClr val="tx1"/>
+              </a:fontRef>
+            </p:style>
+            <p:txBody>
+              <a:bodyPr rtlCol="0" anchor="ctr"/>
+              <a:lstStyle/>
+              <a:p>
+                <a:pPr algn="ctr"/>
+                <a:endParaRPr lang="en-US"/>
+              </a:p>
+            </p:txBody>
+          </p:sp>
+          <mc:AlternateContent xmlns:mc="http://schemas.openxmlformats.org/markup-compatibility/2006" xmlns:a14="http://schemas.microsoft.com/office/drawing/2010/main">
+            <mc:Choice Requires="a14">
+              <p:sp>
+                <p:nvSpPr>
+                  <p:cNvPr id="19" name="Rounded Rectangle 18">
+                    <a:extLst>
+                      <a:ext uri="{FF2B5EF4-FFF2-40B4-BE49-F238E27FC236}">
+                        <a16:creationId xmlns:a16="http://schemas.microsoft.com/office/drawing/2014/main" id="{7B262CEC-681A-3ABE-0FC3-0D162A80E00B}"/>
+                      </a:ext>
+                    </a:extLst>
+                  </p:cNvPr>
+                  <p:cNvSpPr>
+                    <a:spLocks noChangeAspect="1"/>
+                  </p:cNvSpPr>
+                  <p:nvPr/>
+                </p:nvSpPr>
+                <p:spPr>
+                  <a:xfrm>
+                    <a:off x="5308270" y="4040650"/>
+                    <a:ext cx="1183633" cy="408551"/>
+                  </a:xfrm>
+                  <a:prstGeom prst="roundRect">
+                    <a:avLst>
+                      <a:gd name="adj" fmla="val 50000"/>
+                    </a:avLst>
+                  </a:prstGeom>
+                  <a:solidFill>
+                    <a:schemeClr val="accent1">
+                      <a:alpha val="80000"/>
+                    </a:schemeClr>
+                  </a:solidFill>
+                  <a:ln w="25400">
+                    <a:noFill/>
+                  </a:ln>
+                </p:spPr>
+                <p:style>
+                  <a:lnRef idx="2">
+                    <a:schemeClr val="accent1">
+                      <a:shade val="15000"/>
+                    </a:schemeClr>
+                  </a:lnRef>
+                  <a:fillRef idx="1">
+                    <a:schemeClr val="accent1"/>
+                  </a:fillRef>
+                  <a:effectRef idx="0">
+                    <a:schemeClr val="accent1"/>
+                  </a:effectRef>
+                  <a:fontRef idx="minor">
+                    <a:schemeClr val="lt1"/>
+                  </a:fontRef>
+                </p:style>
+                <p:txBody>
+                  <a:bodyPr rtlCol="0" anchor="ctr"/>
+                  <a:lstStyle/>
+                  <a:p>
+                    <a:pPr algn="ctr"/>
+                    <a14:m>
+                      <m:oMathPara xmlns:m="http://schemas.openxmlformats.org/officeDocument/2006/math">
+                        <m:oMathParaPr>
+                          <m:jc m:val="centerGroup"/>
+                        </m:oMathParaPr>
+                        <m:oMath xmlns:m="http://schemas.openxmlformats.org/officeDocument/2006/math">
+                          <m:r>
+                            <a:rPr lang="zh-CN" altLang="en-US" sz="1400" b="0" i="1" smtClean="0">
+                              <a:latin typeface="Cambria Math" panose="02040503050406030204" pitchFamily="18" charset="0"/>
+                            </a:rPr>
+                            <m:t>（</m:t>
+                          </m:r>
+                          <m:r>
+                            <a:rPr lang="en-US" altLang="zh-CN" sz="1400" b="0" i="1" smtClean="0">
+                              <a:latin typeface="Cambria Math" panose="02040503050406030204" pitchFamily="18" charset="0"/>
+                            </a:rPr>
+                            <m:t>−</m:t>
+                          </m:r>
+                          <m:r>
+                            <a:rPr lang="zh-CN" altLang="en-US" sz="1400" b="0" i="1" smtClean="0">
+                              <a:latin typeface="Cambria Math" panose="02040503050406030204" pitchFamily="18" charset="0"/>
+                            </a:rPr>
+                            <m:t>）</m:t>
+                          </m:r>
+                          <m:r>
+                            <a:rPr lang="en-US" sz="1400" i="1">
+                              <a:latin typeface="Cambria Math" panose="02040503050406030204" pitchFamily="18" charset="0"/>
+                            </a:rPr>
+                            <m:t>摔跤</m:t>
+                          </m:r>
+                        </m:oMath>
+                      </m:oMathPara>
+                    </a14:m>
+                    <a:endParaRPr lang="en-US" sz="1400" dirty="0"/>
+                  </a:p>
+                </p:txBody>
+              </p:sp>
+            </mc:Choice>
+            <mc:Fallback xmlns="">
+              <p:sp>
+                <p:nvSpPr>
+                  <p:cNvPr id="19" name="Rounded Rectangle 18">
+                    <a:extLst>
+                      <a:ext uri="{FF2B5EF4-FFF2-40B4-BE49-F238E27FC236}">
+                        <a16:creationId xmlns:a16="http://schemas.microsoft.com/office/drawing/2014/main" id="{7B262CEC-681A-3ABE-0FC3-0D162A80E00B}"/>
+                      </a:ext>
+                    </a:extLst>
+                  </p:cNvPr>
+                  <p:cNvSpPr>
+                    <a:spLocks noRot="1" noChangeAspect="1" noMove="1" noResize="1" noEditPoints="1" noAdjustHandles="1" noChangeArrowheads="1" noChangeShapeType="1" noTextEdit="1"/>
+                  </p:cNvSpPr>
+                  <p:nvPr/>
+                </p:nvSpPr>
+                <p:spPr>
+                  <a:xfrm>
+                    <a:off x="5308270" y="4040650"/>
+                    <a:ext cx="1183633" cy="408551"/>
+                  </a:xfrm>
+                  <a:prstGeom prst="roundRect">
+                    <a:avLst>
+                      <a:gd name="adj" fmla="val 50000"/>
+                    </a:avLst>
+                  </a:prstGeom>
+                  <a:blipFill>
+                    <a:blip r:embed="rId7"/>
+                    <a:stretch>
+                      <a:fillRect/>
+                    </a:stretch>
+                  </a:blipFill>
+                  <a:ln w="25400">
+                    <a:noFill/>
+                  </a:ln>
+                </p:spPr>
+                <p:txBody>
+                  <a:bodyPr/>
+                  <a:lstStyle/>
+                  <a:p>
+                    <a:r>
+                      <a:rPr lang="en-US">
+                        <a:noFill/>
+                      </a:rPr>
+                      <a:t> </a:t>
+                    </a:r>
+                  </a:p>
+                </p:txBody>
+              </p:sp>
+            </mc:Fallback>
+          </mc:AlternateContent>
+          <p:sp>
+            <p:nvSpPr>
+              <p:cNvPr id="20" name="Equal 19">
+                <a:extLst>
+                  <a:ext uri="{FF2B5EF4-FFF2-40B4-BE49-F238E27FC236}">
+                    <a16:creationId xmlns:a16="http://schemas.microsoft.com/office/drawing/2014/main" id="{27C24031-6C72-0F7D-CFA6-59FF68F4E7DA}"/>
+                  </a:ext>
+                </a:extLst>
+              </p:cNvPr>
+              <p:cNvSpPr/>
+              <p:nvPr/>
+            </p:nvSpPr>
+            <p:spPr>
+              <a:xfrm>
+                <a:off x="7008144" y="3429000"/>
+                <a:ext cx="989070" cy="528637"/>
+              </a:xfrm>
+              <a:prstGeom prst="mathEqual">
+                <a:avLst/>
+              </a:prstGeom>
+              <a:solidFill>
+                <a:schemeClr val="tx1">
+                  <a:alpha val="50000"/>
+                </a:schemeClr>
+              </a:solidFill>
+              <a:ln>
+                <a:noFill/>
+              </a:ln>
+            </p:spPr>
+            <p:style>
+              <a:lnRef idx="2">
+                <a:schemeClr val="accent1">
+                  <a:shade val="15000"/>
+                </a:schemeClr>
+              </a:lnRef>
+              <a:fillRef idx="1">
+                <a:schemeClr val="accent1"/>
+              </a:fillRef>
+              <a:effectRef idx="0">
+                <a:schemeClr val="accent1"/>
+              </a:effectRef>
+              <a:fontRef idx="minor">
+                <a:schemeClr val="lt1"/>
+              </a:fontRef>
+            </p:style>
+            <p:txBody>
+              <a:bodyPr rtlCol="0" anchor="ctr"/>
+              <a:lstStyle/>
+              <a:p>
+                <a:pPr algn="ctr"/>
+                <a:endParaRPr lang="en-US">
+                  <a:solidFill>
+                    <a:schemeClr val="tx1"/>
+                  </a:solidFill>
+                </a:endParaRPr>
+              </a:p>
+            </p:txBody>
+          </p:sp>
+        </p:grpSp>
+        <mc:AlternateContent xmlns:mc="http://schemas.openxmlformats.org/markup-compatibility/2006" xmlns:a14="http://schemas.microsoft.com/office/drawing/2010/main">
+          <mc:Choice Requires="a14">
+            <p:sp>
+              <p:nvSpPr>
+                <p:cNvPr id="4" name="Rounded Rectangle 3">
+                  <a:extLst>
+                    <a:ext uri="{FF2B5EF4-FFF2-40B4-BE49-F238E27FC236}">
+                      <a16:creationId xmlns:a16="http://schemas.microsoft.com/office/drawing/2014/main" id="{AC231E6D-EB79-7D8D-29FF-8171F9D53270}"/>
+                    </a:ext>
+                  </a:extLst>
+                </p:cNvPr>
+                <p:cNvSpPr>
+                  <a:spLocks noChangeAspect="1"/>
+                </p:cNvSpPr>
+                <p:nvPr/>
+              </p:nvSpPr>
+              <p:spPr>
+                <a:xfrm>
+                  <a:off x="5308269" y="4550750"/>
+                  <a:ext cx="1183633" cy="408551"/>
+                </a:xfrm>
+                <a:prstGeom prst="roundRect">
+                  <a:avLst>
+                    <a:gd name="adj" fmla="val 50000"/>
+                  </a:avLst>
+                </a:prstGeom>
+                <a:solidFill>
+                  <a:schemeClr val="accent1">
+                    <a:alpha val="80000"/>
+                  </a:schemeClr>
+                </a:solidFill>
+                <a:ln w="25400">
+                  <a:noFill/>
+                </a:ln>
+              </p:spPr>
+              <p:style>
+                <a:lnRef idx="2">
+                  <a:schemeClr val="accent1">
+                    <a:shade val="15000"/>
+                  </a:schemeClr>
+                </a:lnRef>
+                <a:fillRef idx="1">
+                  <a:schemeClr val="accent1"/>
+                </a:fillRef>
+                <a:effectRef idx="0">
+                  <a:schemeClr val="accent1"/>
+                </a:effectRef>
+                <a:fontRef idx="minor">
+                  <a:schemeClr val="lt1"/>
+                </a:fontRef>
+              </p:style>
+              <p:txBody>
+                <a:bodyPr rtlCol="0" anchor="ctr"/>
+                <a:lstStyle/>
+                <a:p>
+                  <a:pPr algn="ctr"/>
+                  <a14:m>
+                    <m:oMathPara xmlns:m="http://schemas.openxmlformats.org/officeDocument/2006/math">
+                      <m:oMathParaPr>
+                        <m:jc m:val="centerGroup"/>
+                      </m:oMathParaPr>
+                      <m:oMath xmlns:m="http://schemas.openxmlformats.org/officeDocument/2006/math">
+                        <m:r>
+                          <a:rPr lang="zh-CN" altLang="en-US" sz="1400" b="0" i="1" smtClean="0">
+                            <a:latin typeface="Cambria Math" panose="02040503050406030204" pitchFamily="18" charset="0"/>
+                          </a:rPr>
+                          <m:t>（</m:t>
+                        </m:r>
+                        <m:r>
+                          <a:rPr lang="en-US" altLang="zh-CN" sz="1400" b="0" i="1" smtClean="0">
+                            <a:latin typeface="Cambria Math" panose="02040503050406030204" pitchFamily="18" charset="0"/>
+                          </a:rPr>
+                          <m:t>+</m:t>
+                        </m:r>
+                        <m:r>
+                          <a:rPr lang="zh-CN" altLang="en-US" sz="1400" b="0" i="1" smtClean="0">
+                            <a:latin typeface="Cambria Math" panose="02040503050406030204" pitchFamily="18" charset="0"/>
+                          </a:rPr>
+                          <m:t>）</m:t>
+                        </m:r>
+                        <m:r>
+                          <a:rPr lang="zh-CN" altLang="en-US" sz="1400" i="1">
+                            <a:latin typeface="Cambria Math" panose="02040503050406030204" pitchFamily="18" charset="0"/>
+                          </a:rPr>
+                          <m:t>捡钱</m:t>
+                        </m:r>
+                      </m:oMath>
+                    </m:oMathPara>
+                  </a14:m>
+                  <a:endParaRPr lang="en-US" sz="1400" dirty="0"/>
+                </a:p>
+              </p:txBody>
+            </p:sp>
+          </mc:Choice>
+          <mc:Fallback xmlns="">
+            <p:sp>
+              <p:nvSpPr>
+                <p:cNvPr id="4" name="Rounded Rectangle 3">
+                  <a:extLst>
+                    <a:ext uri="{FF2B5EF4-FFF2-40B4-BE49-F238E27FC236}">
+                      <a16:creationId xmlns:a16="http://schemas.microsoft.com/office/drawing/2014/main" id="{AC231E6D-EB79-7D8D-29FF-8171F9D53270}"/>
+                    </a:ext>
+                  </a:extLst>
+                </p:cNvPr>
+                <p:cNvSpPr>
+                  <a:spLocks noRot="1" noChangeAspect="1" noMove="1" noResize="1" noEditPoints="1" noAdjustHandles="1" noChangeArrowheads="1" noChangeShapeType="1" noTextEdit="1"/>
+                </p:cNvSpPr>
+                <p:nvPr/>
+              </p:nvSpPr>
+              <p:spPr>
+                <a:xfrm>
+                  <a:off x="5308269" y="4550750"/>
+                  <a:ext cx="1183633" cy="408551"/>
+                </a:xfrm>
+                <a:prstGeom prst="roundRect">
+                  <a:avLst>
+                    <a:gd name="adj" fmla="val 50000"/>
+                  </a:avLst>
+                </a:prstGeom>
+                <a:blipFill>
+                  <a:blip r:embed="rId8"/>
+                  <a:stretch>
+                    <a:fillRect/>
+                  </a:stretch>
+                </a:blipFill>
+                <a:ln w="25400">
+                  <a:noFill/>
+                </a:ln>
+              </p:spPr>
+              <p:txBody>
+                <a:bodyPr/>
+                <a:lstStyle/>
+                <a:p>
+                  <a:r>
+                    <a:rPr lang="en-US">
+                      <a:noFill/>
+                    </a:rPr>
+                    <a:t> </a:t>
+                  </a:r>
+                </a:p>
+              </p:txBody>
+            </p:sp>
+          </mc:Fallback>
+        </mc:AlternateContent>
+        <mc:AlternateContent xmlns:mc="http://schemas.openxmlformats.org/markup-compatibility/2006" xmlns:a14="http://schemas.microsoft.com/office/drawing/2010/main">
+          <mc:Choice Requires="a14">
+            <p:sp>
+              <p:nvSpPr>
+                <p:cNvPr id="11" name="Rounded Rectangle 10">
+                  <a:extLst>
+                    <a:ext uri="{FF2B5EF4-FFF2-40B4-BE49-F238E27FC236}">
+                      <a16:creationId xmlns:a16="http://schemas.microsoft.com/office/drawing/2014/main" id="{B41006CA-490C-1285-5E0A-7AB02D46F246}"/>
+                    </a:ext>
+                  </a:extLst>
+                </p:cNvPr>
+                <p:cNvSpPr>
+                  <a:spLocks noChangeAspect="1"/>
+                </p:cNvSpPr>
+                <p:nvPr/>
+              </p:nvSpPr>
+              <p:spPr>
+                <a:xfrm>
+                  <a:off x="5308268" y="5060850"/>
+                  <a:ext cx="1183633" cy="408551"/>
+                </a:xfrm>
+                <a:prstGeom prst="roundRect">
+                  <a:avLst>
+                    <a:gd name="adj" fmla="val 50000"/>
+                  </a:avLst>
+                </a:prstGeom>
+                <a:solidFill>
+                  <a:schemeClr val="accent1">
+                    <a:alpha val="80000"/>
+                  </a:schemeClr>
+                </a:solidFill>
+                <a:ln w="25400">
+                  <a:noFill/>
+                </a:ln>
+              </p:spPr>
+              <p:style>
+                <a:lnRef idx="2">
+                  <a:schemeClr val="accent1">
+                    <a:shade val="15000"/>
+                  </a:schemeClr>
+                </a:lnRef>
+                <a:fillRef idx="1">
+                  <a:schemeClr val="accent1"/>
+                </a:fillRef>
+                <a:effectRef idx="0">
+                  <a:schemeClr val="accent1"/>
+                </a:effectRef>
+                <a:fontRef idx="minor">
+                  <a:schemeClr val="lt1"/>
+                </a:fontRef>
+              </p:style>
+              <p:txBody>
+                <a:bodyPr rtlCol="0" anchor="ctr"/>
+                <a:lstStyle/>
+                <a:p>
+                  <a:pPr algn="ctr"/>
+                  <a14:m>
+                    <m:oMathPara xmlns:m="http://schemas.openxmlformats.org/officeDocument/2006/math">
+                      <m:oMathParaPr>
+                        <m:jc m:val="centerGroup"/>
+                      </m:oMathParaPr>
+                      <m:oMath xmlns:m="http://schemas.openxmlformats.org/officeDocument/2006/math">
+                        <m:r>
+                          <a:rPr lang="zh-CN" altLang="en-US" sz="1400" b="0" i="1" smtClean="0">
+                            <a:latin typeface="Cambria Math" panose="02040503050406030204" pitchFamily="18" charset="0"/>
+                          </a:rPr>
+                          <m:t>（</m:t>
+                        </m:r>
+                        <m:r>
+                          <a:rPr lang="en-US" altLang="zh-CN" sz="1400" b="0" i="1" smtClean="0">
+                            <a:latin typeface="Cambria Math" panose="02040503050406030204" pitchFamily="18" charset="0"/>
+                          </a:rPr>
+                          <m:t>−</m:t>
+                        </m:r>
+                        <m:r>
+                          <a:rPr lang="zh-CN" altLang="en-US" sz="1400" b="0" i="1" smtClean="0">
+                            <a:latin typeface="Cambria Math" panose="02040503050406030204" pitchFamily="18" charset="0"/>
+                          </a:rPr>
+                          <m:t>）</m:t>
+                        </m:r>
+                        <m:r>
+                          <a:rPr lang="zh-CN" altLang="en-US" sz="1400" i="1">
+                            <a:latin typeface="Cambria Math" panose="02040503050406030204" pitchFamily="18" charset="0"/>
+                          </a:rPr>
+                          <m:t>受</m:t>
+                        </m:r>
+                        <m:r>
+                          <a:rPr lang="zh-CN" altLang="en-US" sz="1400" i="1" smtClean="0">
+                            <a:latin typeface="Cambria Math" panose="02040503050406030204" pitchFamily="18" charset="0"/>
+                          </a:rPr>
+                          <m:t>批</m:t>
+                        </m:r>
+                      </m:oMath>
+                    </m:oMathPara>
+                  </a14:m>
+                  <a:endParaRPr lang="en-US" sz="1400" dirty="0"/>
+                </a:p>
+              </p:txBody>
+            </p:sp>
+          </mc:Choice>
+          <mc:Fallback xmlns="">
+            <p:sp>
+              <p:nvSpPr>
+                <p:cNvPr id="11" name="Rounded Rectangle 10">
+                  <a:extLst>
+                    <a:ext uri="{FF2B5EF4-FFF2-40B4-BE49-F238E27FC236}">
+                      <a16:creationId xmlns:a16="http://schemas.microsoft.com/office/drawing/2014/main" id="{B41006CA-490C-1285-5E0A-7AB02D46F246}"/>
+                    </a:ext>
+                  </a:extLst>
+                </p:cNvPr>
+                <p:cNvSpPr>
+                  <a:spLocks noRot="1" noChangeAspect="1" noMove="1" noResize="1" noEditPoints="1" noAdjustHandles="1" noChangeArrowheads="1" noChangeShapeType="1" noTextEdit="1"/>
+                </p:cNvSpPr>
+                <p:nvPr/>
+              </p:nvSpPr>
+              <p:spPr>
+                <a:xfrm>
+                  <a:off x="5308268" y="5060850"/>
+                  <a:ext cx="1183633" cy="408551"/>
+                </a:xfrm>
+                <a:prstGeom prst="roundRect">
+                  <a:avLst>
+                    <a:gd name="adj" fmla="val 50000"/>
+                  </a:avLst>
+                </a:prstGeom>
+                <a:blipFill>
+                  <a:blip r:embed="rId9"/>
+                  <a:stretch>
+                    <a:fillRect/>
+                  </a:stretch>
+                </a:blipFill>
+                <a:ln w="25400">
+                  <a:noFill/>
+                </a:ln>
+              </p:spPr>
+              <p:txBody>
+                <a:bodyPr/>
+                <a:lstStyle/>
+                <a:p>
+                  <a:r>
+                    <a:rPr lang="en-US">
+                      <a:noFill/>
+                    </a:rPr>
+                    <a:t> </a:t>
+                  </a:r>
+                </a:p>
+              </p:txBody>
+            </p:sp>
+          </mc:Fallback>
+        </mc:AlternateContent>
+      </p:grpSp>
+    </p:spTree>
+    <p:extLst>
+      <p:ext uri="{BB962C8B-B14F-4D97-AF65-F5344CB8AC3E}">
+        <p14:creationId xmlns:p14="http://schemas.microsoft.com/office/powerpoint/2010/main" val="4252781504"/>
+      </p:ext>
+    </p:extLst>
+  </p:cSld>
+  <p:clrMapOvr>
+    <a:masterClrMapping/>
+  </p:clrMapOvr>
+</p:sld>
+</file>
+
+<file path=ppt/slides/slide7.xml><?xml version="1.0" encoding="utf-8"?>
+<p:sld xmlns:a="http://schemas.openxmlformats.org/drawingml/2006/main" xmlns:r="http://schemas.openxmlformats.org/officeDocument/2006/relationships" xmlns:p="http://schemas.openxmlformats.org/presentationml/2006/main">
+  <p:cSld>
+    <p:spTree>
+      <p:nvGrpSpPr>
+        <p:cNvPr id="1" name=""/>
+        <p:cNvGrpSpPr/>
+        <p:nvPr/>
+      </p:nvGrpSpPr>
+      <p:grpSpPr>
+        <a:xfrm>
+          <a:off x="0" y="0"/>
+          <a:ext cx="0" cy="0"/>
+          <a:chOff x="0" y="0"/>
+          <a:chExt cx="0" cy="0"/>
+        </a:xfrm>
+      </p:grpSpPr>
+      <p:grpSp>
+        <p:nvGrpSpPr>
+          <p:cNvPr id="11" name="Group 10">
+            <a:extLst>
+              <a:ext uri="{FF2B5EF4-FFF2-40B4-BE49-F238E27FC236}">
+                <a16:creationId xmlns:a16="http://schemas.microsoft.com/office/drawing/2014/main" id="{FCEED12D-BC2D-2FB4-A72B-245DEEB50028}"/>
+              </a:ext>
+            </a:extLst>
+          </p:cNvPr>
+          <p:cNvGrpSpPr/>
+          <p:nvPr/>
+        </p:nvGrpSpPr>
+        <p:grpSpPr>
+          <a:xfrm>
+            <a:off x="4263239" y="1187960"/>
+            <a:ext cx="2203861" cy="1704868"/>
+            <a:chOff x="4263239" y="1187960"/>
+            <a:chExt cx="2203861" cy="1704868"/>
+          </a:xfrm>
+        </p:grpSpPr>
+        <p:sp>
+          <p:nvSpPr>
+            <p:cNvPr id="4" name="Right Triangle 3">
+              <a:extLst>
+                <a:ext uri="{FF2B5EF4-FFF2-40B4-BE49-F238E27FC236}">
+                  <a16:creationId xmlns:a16="http://schemas.microsoft.com/office/drawing/2014/main" id="{53026853-C541-0AC3-47EC-F41B85950B13}"/>
+                </a:ext>
+              </a:extLst>
+            </p:cNvPr>
+            <p:cNvSpPr>
+              <a:spLocks noChangeAspect="1"/>
+            </p:cNvSpPr>
+            <p:nvPr/>
+          </p:nvSpPr>
+          <p:spPr>
+            <a:xfrm>
+              <a:off x="4263239" y="1246908"/>
+              <a:ext cx="2203861" cy="1645920"/>
+            </a:xfrm>
+            <a:prstGeom prst="rtTriangle">
+              <a:avLst/>
+            </a:prstGeom>
+            <a:noFill/>
+            <a:ln w="25400"/>
+          </p:spPr>
+          <p:style>
+            <a:lnRef idx="2">
+              <a:schemeClr val="accent1">
+                <a:shade val="15000"/>
+              </a:schemeClr>
+            </a:lnRef>
+            <a:fillRef idx="1">
+              <a:schemeClr val="accent1"/>
+            </a:fillRef>
+            <a:effectRef idx="0">
+              <a:schemeClr val="accent1"/>
+            </a:effectRef>
+            <a:fontRef idx="minor">
+              <a:schemeClr val="lt1"/>
+            </a:fontRef>
+          </p:style>
+          <p:txBody>
+            <a:bodyPr rtlCol="0" anchor="ctr"/>
+            <a:lstStyle/>
+            <a:p>
+              <a:pPr algn="ctr"/>
+              <a:endParaRPr lang="en-US"/>
+            </a:p>
+          </p:txBody>
+        </p:sp>
+        <p:sp>
+          <p:nvSpPr>
+            <p:cNvPr id="5" name="Rectangle 4">
+              <a:extLst>
+                <a:ext uri="{FF2B5EF4-FFF2-40B4-BE49-F238E27FC236}">
+                  <a16:creationId xmlns:a16="http://schemas.microsoft.com/office/drawing/2014/main" id="{AF675A2A-E764-A17B-4677-CD931AFAF34B}"/>
+                </a:ext>
+              </a:extLst>
+            </p:cNvPr>
+            <p:cNvSpPr>
+              <a:spLocks noChangeAspect="1"/>
+            </p:cNvSpPr>
+            <p:nvPr/>
+          </p:nvSpPr>
+          <p:spPr>
+            <a:xfrm rot="2220000">
+              <a:off x="4280972" y="1187960"/>
+              <a:ext cx="370449" cy="182880"/>
+            </a:xfrm>
+            <a:prstGeom prst="rect">
+              <a:avLst/>
+            </a:prstGeom>
+            <a:noFill/>
+            <a:ln w="25400"/>
+          </p:spPr>
+          <p:style>
+            <a:lnRef idx="2">
+              <a:schemeClr val="accent1">
+                <a:shade val="15000"/>
+              </a:schemeClr>
+            </a:lnRef>
+            <a:fillRef idx="1">
+              <a:schemeClr val="accent1"/>
+            </a:fillRef>
+            <a:effectRef idx="0">
+              <a:schemeClr val="accent1"/>
+            </a:effectRef>
+            <a:fontRef idx="minor">
+              <a:schemeClr val="lt1"/>
+            </a:fontRef>
+          </p:style>
+          <p:txBody>
+            <a:bodyPr rtlCol="0" anchor="ctr"/>
+            <a:lstStyle/>
+            <a:p>
+              <a:pPr algn="ctr"/>
+              <a:endParaRPr lang="en-US"/>
+            </a:p>
+          </p:txBody>
+        </p:sp>
+        <p:sp>
+          <p:nvSpPr>
+            <p:cNvPr id="9" name="Circular Arrow 8">
+              <a:extLst>
+                <a:ext uri="{FF2B5EF4-FFF2-40B4-BE49-F238E27FC236}">
+                  <a16:creationId xmlns:a16="http://schemas.microsoft.com/office/drawing/2014/main" id="{A4759CD8-9277-25DF-86AD-FF02C23C4A7C}"/>
+                </a:ext>
+              </a:extLst>
+            </p:cNvPr>
+            <p:cNvSpPr/>
+            <p:nvPr/>
+          </p:nvSpPr>
+          <p:spPr>
+            <a:xfrm rot="-4320000">
+              <a:off x="5976619" y="2659271"/>
+              <a:ext cx="228441" cy="219093"/>
+            </a:xfrm>
+            <a:prstGeom prst="circularArrow">
+              <a:avLst/>
+            </a:prstGeom>
+            <a:noFill/>
+            <a:ln w="9525" cmpd="sng"/>
+          </p:spPr>
+          <p:style>
+            <a:lnRef idx="2">
+              <a:schemeClr val="accent1">
+                <a:shade val="15000"/>
+              </a:schemeClr>
+            </a:lnRef>
+            <a:fillRef idx="1">
+              <a:schemeClr val="accent1"/>
+            </a:fillRef>
+            <a:effectRef idx="0">
+              <a:schemeClr val="accent1"/>
+            </a:effectRef>
+            <a:fontRef idx="minor">
+              <a:schemeClr val="lt1"/>
+            </a:fontRef>
+          </p:style>
+          <p:txBody>
+            <a:bodyPr rtlCol="0" anchor="ctr"/>
+            <a:lstStyle/>
+            <a:p>
+              <a:pPr algn="ctr"/>
+              <a:endParaRPr lang="en-US">
+                <a:solidFill>
+                  <a:schemeClr val="tx1"/>
+                </a:solidFill>
+              </a:endParaRPr>
+            </a:p>
+          </p:txBody>
+        </p:sp>
+        <mc:AlternateContent xmlns:mc="http://schemas.openxmlformats.org/markup-compatibility/2006">
+          <mc:Choice xmlns:a14="http://schemas.microsoft.com/office/drawing/2010/main" Requires="a14">
+            <p:sp>
+              <p:nvSpPr>
+                <p:cNvPr id="10" name="TextBox 9">
+                  <a:extLst>
+                    <a:ext uri="{FF2B5EF4-FFF2-40B4-BE49-F238E27FC236}">
+                      <a16:creationId xmlns:a16="http://schemas.microsoft.com/office/drawing/2014/main" id="{AB9AE236-4742-E088-DE00-EF064191B4AE}"/>
+                    </a:ext>
+                  </a:extLst>
+                </p:cNvPr>
+                <p:cNvSpPr txBox="1"/>
+                <p:nvPr/>
+              </p:nvSpPr>
+              <p:spPr>
+                <a:xfrm>
+                  <a:off x="5738541" y="2626335"/>
+                  <a:ext cx="352298" cy="215444"/>
+                </a:xfrm>
+                <a:prstGeom prst="rect">
+                  <a:avLst/>
+                </a:prstGeom>
+                <a:noFill/>
+              </p:spPr>
+              <p:txBody>
+                <a:bodyPr wrap="square" rtlCol="0">
+                  <a:spAutoFit/>
+                </a:bodyPr>
+                <a:lstStyle/>
+                <a:p>
+                  <a:r>
+                    <a:rPr lang="en-US" sz="800" dirty="0"/>
+                    <a:t>37</a:t>
+                  </a:r>
+                  <a14:m>
+                    <m:oMath xmlns:m="http://schemas.openxmlformats.org/officeDocument/2006/math">
+                      <m:r>
+                        <a:rPr lang="en-US" sz="800" i="1" smtClean="0">
+                          <a:latin typeface="Cambria Math" panose="02040503050406030204" pitchFamily="18" charset="0"/>
+                          <a:ea typeface="Cambria Math" panose="02040503050406030204" pitchFamily="18" charset="0"/>
+                        </a:rPr>
+                        <m:t>°</m:t>
+                      </m:r>
+                    </m:oMath>
+                  </a14:m>
+                  <a:endParaRPr lang="en-US" sz="800" dirty="0"/>
+                </a:p>
+              </p:txBody>
+            </p:sp>
+          </mc:Choice>
+          <mc:Fallback>
+            <p:sp>
+              <p:nvSpPr>
+                <p:cNvPr id="10" name="TextBox 9">
+                  <a:extLst>
+                    <a:ext uri="{FF2B5EF4-FFF2-40B4-BE49-F238E27FC236}">
+                      <a16:creationId xmlns:a16="http://schemas.microsoft.com/office/drawing/2014/main" id="{AB9AE236-4742-E088-DE00-EF064191B4AE}"/>
+                    </a:ext>
+                  </a:extLst>
+                </p:cNvPr>
+                <p:cNvSpPr txBox="1">
+                  <a:spLocks noRot="1" noChangeAspect="1" noMove="1" noResize="1" noEditPoints="1" noAdjustHandles="1" noChangeArrowheads="1" noChangeShapeType="1" noTextEdit="1"/>
+                </p:cNvSpPr>
+                <p:nvPr/>
+              </p:nvSpPr>
+              <p:spPr>
+                <a:xfrm>
+                  <a:off x="5738541" y="2626335"/>
+                  <a:ext cx="352298" cy="215444"/>
+                </a:xfrm>
+                <a:prstGeom prst="rect">
+                  <a:avLst/>
+                </a:prstGeom>
+                <a:blipFill>
+                  <a:blip r:embed="rId2"/>
+                  <a:stretch>
+                    <a:fillRect b="-5556"/>
+                  </a:stretch>
+                </a:blipFill>
+              </p:spPr>
+              <p:txBody>
+                <a:bodyPr/>
+                <a:lstStyle/>
+                <a:p>
+                  <a:r>
+                    <a:rPr lang="en-US">
+                      <a:noFill/>
+                    </a:rPr>
+                    <a:t> </a:t>
+                  </a:r>
+                </a:p>
+              </p:txBody>
+            </p:sp>
+          </mc:Fallback>
+        </mc:AlternateContent>
+      </p:grpSp>
+    </p:spTree>
+    <p:extLst>
+      <p:ext uri="{BB962C8B-B14F-4D97-AF65-F5344CB8AC3E}">
+        <p14:creationId xmlns:p14="http://schemas.microsoft.com/office/powerpoint/2010/main" val="2695993342"/>
       </p:ext>
     </p:extLst>
   </p:cSld>

--- a/Teacher/选修3-1/pictures/pictures.pptx
+++ b/Teacher/选修3-1/pictures/pictures.pptx
@@ -12,6 +12,7 @@
     <p:sldId id="258" r:id="rId6"/>
     <p:sldId id="261" r:id="rId7"/>
     <p:sldId id="262" r:id="rId8"/>
+    <p:sldId id="263" r:id="rId9"/>
   </p:sldIdLst>
   <p:sldSz cx="12192000" cy="6858000"/>
   <p:notesSz cx="6858000" cy="9144000"/>
@@ -265,7 +266,7 @@
           <a:p>
             <a:fld id="{D02A42A2-4E5D-294D-8B4F-940B3377311C}" type="datetimeFigureOut">
               <a:rPr lang="en-US" smtClean="0"/>
-              <a:t>4/30/24</a:t>
+              <a:t>5/3/24</a:t>
             </a:fld>
             <a:endParaRPr lang="en-US"/>
           </a:p>
@@ -463,7 +464,7 @@
           <a:p>
             <a:fld id="{D02A42A2-4E5D-294D-8B4F-940B3377311C}" type="datetimeFigureOut">
               <a:rPr lang="en-US" smtClean="0"/>
-              <a:t>4/30/24</a:t>
+              <a:t>5/3/24</a:t>
             </a:fld>
             <a:endParaRPr lang="en-US"/>
           </a:p>
@@ -671,7 +672,7 @@
           <a:p>
             <a:fld id="{D02A42A2-4E5D-294D-8B4F-940B3377311C}" type="datetimeFigureOut">
               <a:rPr lang="en-US" smtClean="0"/>
-              <a:t>4/30/24</a:t>
+              <a:t>5/3/24</a:t>
             </a:fld>
             <a:endParaRPr lang="en-US"/>
           </a:p>
@@ -869,7 +870,7 @@
           <a:p>
             <a:fld id="{D02A42A2-4E5D-294D-8B4F-940B3377311C}" type="datetimeFigureOut">
               <a:rPr lang="en-US" smtClean="0"/>
-              <a:t>4/30/24</a:t>
+              <a:t>5/3/24</a:t>
             </a:fld>
             <a:endParaRPr lang="en-US"/>
           </a:p>
@@ -1144,7 +1145,7 @@
           <a:p>
             <a:fld id="{D02A42A2-4E5D-294D-8B4F-940B3377311C}" type="datetimeFigureOut">
               <a:rPr lang="en-US" smtClean="0"/>
-              <a:t>4/30/24</a:t>
+              <a:t>5/3/24</a:t>
             </a:fld>
             <a:endParaRPr lang="en-US"/>
           </a:p>
@@ -1409,7 +1410,7 @@
           <a:p>
             <a:fld id="{D02A42A2-4E5D-294D-8B4F-940B3377311C}" type="datetimeFigureOut">
               <a:rPr lang="en-US" smtClean="0"/>
-              <a:t>4/30/24</a:t>
+              <a:t>5/3/24</a:t>
             </a:fld>
             <a:endParaRPr lang="en-US"/>
           </a:p>
@@ -1821,7 +1822,7 @@
           <a:p>
             <a:fld id="{D02A42A2-4E5D-294D-8B4F-940B3377311C}" type="datetimeFigureOut">
               <a:rPr lang="en-US" smtClean="0"/>
-              <a:t>4/30/24</a:t>
+              <a:t>5/3/24</a:t>
             </a:fld>
             <a:endParaRPr lang="en-US"/>
           </a:p>
@@ -1962,7 +1963,7 @@
           <a:p>
             <a:fld id="{D02A42A2-4E5D-294D-8B4F-940B3377311C}" type="datetimeFigureOut">
               <a:rPr lang="en-US" smtClean="0"/>
-              <a:t>4/30/24</a:t>
+              <a:t>5/3/24</a:t>
             </a:fld>
             <a:endParaRPr lang="en-US"/>
           </a:p>
@@ -2075,7 +2076,7 @@
           <a:p>
             <a:fld id="{D02A42A2-4E5D-294D-8B4F-940B3377311C}" type="datetimeFigureOut">
               <a:rPr lang="en-US" smtClean="0"/>
-              <a:t>4/30/24</a:t>
+              <a:t>5/3/24</a:t>
             </a:fld>
             <a:endParaRPr lang="en-US"/>
           </a:p>
@@ -2386,7 +2387,7 @@
           <a:p>
             <a:fld id="{D02A42A2-4E5D-294D-8B4F-940B3377311C}" type="datetimeFigureOut">
               <a:rPr lang="en-US" smtClean="0"/>
-              <a:t>4/30/24</a:t>
+              <a:t>5/3/24</a:t>
             </a:fld>
             <a:endParaRPr lang="en-US"/>
           </a:p>
@@ -2674,7 +2675,7 @@
           <a:p>
             <a:fld id="{D02A42A2-4E5D-294D-8B4F-940B3377311C}" type="datetimeFigureOut">
               <a:rPr lang="en-US" smtClean="0"/>
-              <a:t>4/30/24</a:t>
+              <a:t>5/3/24</a:t>
             </a:fld>
             <a:endParaRPr lang="en-US"/>
           </a:p>
@@ -2915,7 +2916,7 @@
           <a:p>
             <a:fld id="{D02A42A2-4E5D-294D-8B4F-940B3377311C}" type="datetimeFigureOut">
               <a:rPr lang="en-US" smtClean="0"/>
-              <a:t>4/30/24</a:t>
+              <a:t>5/3/24</a:t>
             </a:fld>
             <a:endParaRPr lang="en-US"/>
           </a:p>
@@ -18160,7 +18161,7 @@
             <a:lstStyle/>
             <a:p>
               <a:pPr algn="ctr"/>
-              <a:endParaRPr lang="en-US"/>
+              <a:endParaRPr lang="en-US" dirty="0"/>
             </a:p>
           </p:txBody>
         </p:sp>
@@ -18366,6 +18367,1622 @@
     <p:extLst>
       <p:ext uri="{BB962C8B-B14F-4D97-AF65-F5344CB8AC3E}">
         <p14:creationId xmlns:p14="http://schemas.microsoft.com/office/powerpoint/2010/main" val="2695993342"/>
+      </p:ext>
+    </p:extLst>
+  </p:cSld>
+  <p:clrMapOvr>
+    <a:masterClrMapping/>
+  </p:clrMapOvr>
+</p:sld>
+</file>
+
+<file path=ppt/slides/slide8.xml><?xml version="1.0" encoding="utf-8"?>
+<p:sld xmlns:a="http://schemas.openxmlformats.org/drawingml/2006/main" xmlns:r="http://schemas.openxmlformats.org/officeDocument/2006/relationships" xmlns:p="http://schemas.openxmlformats.org/presentationml/2006/main">
+  <p:cSld>
+    <p:spTree>
+      <p:nvGrpSpPr>
+        <p:cNvPr id="1" name=""/>
+        <p:cNvGrpSpPr/>
+        <p:nvPr/>
+      </p:nvGrpSpPr>
+      <p:grpSpPr>
+        <a:xfrm>
+          <a:off x="0" y="0"/>
+          <a:ext cx="0" cy="0"/>
+          <a:chOff x="0" y="0"/>
+          <a:chExt cx="0" cy="0"/>
+        </a:xfrm>
+      </p:grpSpPr>
+      <p:grpSp>
+        <p:nvGrpSpPr>
+          <p:cNvPr id="38" name="Group 37">
+            <a:extLst>
+              <a:ext uri="{FF2B5EF4-FFF2-40B4-BE49-F238E27FC236}">
+                <a16:creationId xmlns:a16="http://schemas.microsoft.com/office/drawing/2014/main" id="{ECD036A2-DA31-B83B-4B75-94F433CB5FA4}"/>
+              </a:ext>
+            </a:extLst>
+          </p:cNvPr>
+          <p:cNvGrpSpPr/>
+          <p:nvPr/>
+        </p:nvGrpSpPr>
+        <p:grpSpPr>
+          <a:xfrm>
+            <a:off x="2452786" y="247710"/>
+            <a:ext cx="5896129" cy="5122943"/>
+            <a:chOff x="2452786" y="247710"/>
+            <a:chExt cx="5896129" cy="5122943"/>
+          </a:xfrm>
+        </p:grpSpPr>
+        <p:cxnSp>
+          <p:nvCxnSpPr>
+            <p:cNvPr id="5" name="Straight Arrow Connector 4">
+              <a:extLst>
+                <a:ext uri="{FF2B5EF4-FFF2-40B4-BE49-F238E27FC236}">
+                  <a16:creationId xmlns:a16="http://schemas.microsoft.com/office/drawing/2014/main" id="{40E4EC60-9172-843F-B50F-0B39EDF795A4}"/>
+                </a:ext>
+              </a:extLst>
+            </p:cNvPr>
+            <p:cNvCxnSpPr/>
+            <p:nvPr/>
+          </p:nvCxnSpPr>
+          <p:spPr>
+            <a:xfrm>
+              <a:off x="2481943" y="3538847"/>
+              <a:ext cx="4572000" cy="0"/>
+            </a:xfrm>
+            <a:prstGeom prst="straightConnector1">
+              <a:avLst/>
+            </a:prstGeom>
+            <a:ln w="34925">
+              <a:solidFill>
+                <a:schemeClr val="tx1"/>
+              </a:solidFill>
+              <a:tailEnd type="triangle"/>
+            </a:ln>
+          </p:spPr>
+          <p:style>
+            <a:lnRef idx="2">
+              <a:schemeClr val="accent1"/>
+            </a:lnRef>
+            <a:fillRef idx="0">
+              <a:schemeClr val="accent1"/>
+            </a:fillRef>
+            <a:effectRef idx="1">
+              <a:schemeClr val="accent1"/>
+            </a:effectRef>
+            <a:fontRef idx="minor">
+              <a:schemeClr val="tx1"/>
+            </a:fontRef>
+          </p:style>
+        </p:cxnSp>
+        <p:cxnSp>
+          <p:nvCxnSpPr>
+            <p:cNvPr id="6" name="Straight Arrow Connector 5">
+              <a:extLst>
+                <a:ext uri="{FF2B5EF4-FFF2-40B4-BE49-F238E27FC236}">
+                  <a16:creationId xmlns:a16="http://schemas.microsoft.com/office/drawing/2014/main" id="{EE4C1DB4-3E55-1F24-A88B-817628D9195F}"/>
+                </a:ext>
+              </a:extLst>
+            </p:cNvPr>
+            <p:cNvCxnSpPr>
+              <a:cxnSpLocks/>
+            </p:cNvCxnSpPr>
+            <p:nvPr/>
+          </p:nvCxnSpPr>
+          <p:spPr>
+            <a:xfrm flipV="1">
+              <a:off x="4600303" y="1143000"/>
+              <a:ext cx="0" cy="4227653"/>
+            </a:xfrm>
+            <a:prstGeom prst="straightConnector1">
+              <a:avLst/>
+            </a:prstGeom>
+            <a:ln w="34925">
+              <a:solidFill>
+                <a:schemeClr val="tx1"/>
+              </a:solidFill>
+              <a:tailEnd type="triangle"/>
+            </a:ln>
+          </p:spPr>
+          <p:style>
+            <a:lnRef idx="2">
+              <a:schemeClr val="accent1"/>
+            </a:lnRef>
+            <a:fillRef idx="0">
+              <a:schemeClr val="accent1"/>
+            </a:fillRef>
+            <a:effectRef idx="1">
+              <a:schemeClr val="accent1"/>
+            </a:effectRef>
+            <a:fontRef idx="minor">
+              <a:schemeClr val="tx1"/>
+            </a:fontRef>
+          </p:style>
+        </p:cxnSp>
+        <p:cxnSp>
+          <p:nvCxnSpPr>
+            <p:cNvPr id="8" name="Straight Connector 7">
+              <a:extLst>
+                <a:ext uri="{FF2B5EF4-FFF2-40B4-BE49-F238E27FC236}">
+                  <a16:creationId xmlns:a16="http://schemas.microsoft.com/office/drawing/2014/main" id="{87E026B6-AA3D-F430-ED0F-F54270813D6D}"/>
+                </a:ext>
+              </a:extLst>
+            </p:cNvPr>
+            <p:cNvCxnSpPr>
+              <a:cxnSpLocks/>
+            </p:cNvCxnSpPr>
+            <p:nvPr/>
+          </p:nvCxnSpPr>
+          <p:spPr>
+            <a:xfrm flipV="1">
+              <a:off x="4600303" y="2865120"/>
+              <a:ext cx="2453640" cy="673727"/>
+            </a:xfrm>
+            <a:prstGeom prst="line">
+              <a:avLst/>
+            </a:prstGeom>
+            <a:ln w="38100"/>
+          </p:spPr>
+          <p:style>
+            <a:lnRef idx="2">
+              <a:schemeClr val="dk1"/>
+            </a:lnRef>
+            <a:fillRef idx="0">
+              <a:schemeClr val="dk1"/>
+            </a:fillRef>
+            <a:effectRef idx="1">
+              <a:schemeClr val="dk1"/>
+            </a:effectRef>
+            <a:fontRef idx="minor">
+              <a:schemeClr val="tx1"/>
+            </a:fontRef>
+          </p:style>
+        </p:cxnSp>
+        <p:sp>
+          <p:nvSpPr>
+            <p:cNvPr id="10" name="Circular Arrow 9">
+              <a:extLst>
+                <a:ext uri="{FF2B5EF4-FFF2-40B4-BE49-F238E27FC236}">
+                  <a16:creationId xmlns:a16="http://schemas.microsoft.com/office/drawing/2014/main" id="{E38BB76D-D95C-2DEE-3AF5-90DD6FF1B3D6}"/>
+                </a:ext>
+              </a:extLst>
+            </p:cNvPr>
+            <p:cNvSpPr/>
+            <p:nvPr/>
+          </p:nvSpPr>
+          <p:spPr>
+            <a:xfrm rot="6000000">
+              <a:off x="5247038" y="3320035"/>
+              <a:ext cx="228441" cy="219093"/>
+            </a:xfrm>
+            <a:prstGeom prst="circularArrow">
+              <a:avLst/>
+            </a:prstGeom>
+            <a:noFill/>
+            <a:ln w="9525" cmpd="sng"/>
+          </p:spPr>
+          <p:style>
+            <a:lnRef idx="2">
+              <a:schemeClr val="accent1">
+                <a:shade val="15000"/>
+              </a:schemeClr>
+            </a:lnRef>
+            <a:fillRef idx="1">
+              <a:schemeClr val="accent1"/>
+            </a:fillRef>
+            <a:effectRef idx="0">
+              <a:schemeClr val="accent1"/>
+            </a:effectRef>
+            <a:fontRef idx="minor">
+              <a:schemeClr val="lt1"/>
+            </a:fontRef>
+          </p:style>
+          <p:txBody>
+            <a:bodyPr rtlCol="0" anchor="ctr"/>
+            <a:lstStyle/>
+            <a:p>
+              <a:pPr algn="ctr"/>
+              <a:endParaRPr lang="en-US">
+                <a:solidFill>
+                  <a:schemeClr val="tx1"/>
+                </a:solidFill>
+              </a:endParaRPr>
+            </a:p>
+          </p:txBody>
+        </p:sp>
+        <mc:AlternateContent xmlns:mc="http://schemas.openxmlformats.org/markup-compatibility/2006">
+          <mc:Choice xmlns:a14="http://schemas.microsoft.com/office/drawing/2010/main" Requires="a14">
+            <p:sp>
+              <p:nvSpPr>
+                <p:cNvPr id="11" name="TextBox 10">
+                  <a:extLst>
+                    <a:ext uri="{FF2B5EF4-FFF2-40B4-BE49-F238E27FC236}">
+                      <a16:creationId xmlns:a16="http://schemas.microsoft.com/office/drawing/2014/main" id="{67F11AA8-4B21-2F4F-56DD-8195FA74BB97}"/>
+                    </a:ext>
+                  </a:extLst>
+                </p:cNvPr>
+                <p:cNvSpPr txBox="1"/>
+                <p:nvPr/>
+              </p:nvSpPr>
+              <p:spPr>
+                <a:xfrm>
+                  <a:off x="5495596" y="3261848"/>
+                  <a:ext cx="183062" cy="276999"/>
+                </a:xfrm>
+                <a:prstGeom prst="rect">
+                  <a:avLst/>
+                </a:prstGeom>
+                <a:noFill/>
+              </p:spPr>
+              <p:txBody>
+                <a:bodyPr wrap="none" lIns="0" tIns="0" rIns="0" bIns="0" rtlCol="0">
+                  <a:spAutoFit/>
+                </a:bodyPr>
+                <a:lstStyle/>
+                <a:p>
+                  <a14:m>
+                    <m:oMathPara xmlns:m="http://schemas.openxmlformats.org/officeDocument/2006/math">
+                      <m:oMathParaPr>
+                        <m:jc m:val="centerGroup"/>
+                      </m:oMathParaPr>
+                      <m:oMath xmlns:m="http://schemas.openxmlformats.org/officeDocument/2006/math">
+                        <m:r>
+                          <a:rPr lang="en-US" i="1" smtClean="0">
+                            <a:latin typeface="Cambria Math" panose="02040503050406030204" pitchFamily="18" charset="0"/>
+                            <a:ea typeface="Cambria Math" panose="02040503050406030204" pitchFamily="18" charset="0"/>
+                          </a:rPr>
+                          <m:t>𝜃</m:t>
+                        </m:r>
+                      </m:oMath>
+                    </m:oMathPara>
+                  </a14:m>
+                  <a:endParaRPr lang="en-US" dirty="0"/>
+                </a:p>
+              </p:txBody>
+            </p:sp>
+          </mc:Choice>
+          <mc:Fallback>
+            <p:sp>
+              <p:nvSpPr>
+                <p:cNvPr id="11" name="TextBox 10">
+                  <a:extLst>
+                    <a:ext uri="{FF2B5EF4-FFF2-40B4-BE49-F238E27FC236}">
+                      <a16:creationId xmlns:a16="http://schemas.microsoft.com/office/drawing/2014/main" id="{67F11AA8-4B21-2F4F-56DD-8195FA74BB97}"/>
+                    </a:ext>
+                  </a:extLst>
+                </p:cNvPr>
+                <p:cNvSpPr txBox="1">
+                  <a:spLocks noRot="1" noChangeAspect="1" noMove="1" noResize="1" noEditPoints="1" noAdjustHandles="1" noChangeArrowheads="1" noChangeShapeType="1" noTextEdit="1"/>
+                </p:cNvSpPr>
+                <p:nvPr/>
+              </p:nvSpPr>
+              <p:spPr>
+                <a:xfrm>
+                  <a:off x="5495596" y="3261848"/>
+                  <a:ext cx="183062" cy="276999"/>
+                </a:xfrm>
+                <a:prstGeom prst="rect">
+                  <a:avLst/>
+                </a:prstGeom>
+                <a:blipFill>
+                  <a:blip r:embed="rId2"/>
+                  <a:stretch>
+                    <a:fillRect l="-25000" r="-18750" b="-4348"/>
+                  </a:stretch>
+                </a:blipFill>
+              </p:spPr>
+              <p:txBody>
+                <a:bodyPr/>
+                <a:lstStyle/>
+                <a:p>
+                  <a:r>
+                    <a:rPr lang="en-US">
+                      <a:noFill/>
+                    </a:rPr>
+                    <a:t> </a:t>
+                  </a:r>
+                </a:p>
+              </p:txBody>
+            </p:sp>
+          </mc:Fallback>
+        </mc:AlternateContent>
+        <p:grpSp>
+          <p:nvGrpSpPr>
+            <p:cNvPr id="15" name="Group 14">
+              <a:extLst>
+                <a:ext uri="{FF2B5EF4-FFF2-40B4-BE49-F238E27FC236}">
+                  <a16:creationId xmlns:a16="http://schemas.microsoft.com/office/drawing/2014/main" id="{205914F5-1EC7-FA7D-4ED3-E5FB92ADE693}"/>
+                </a:ext>
+              </a:extLst>
+            </p:cNvPr>
+            <p:cNvGrpSpPr/>
+            <p:nvPr/>
+          </p:nvGrpSpPr>
+          <p:grpSpPr>
+            <a:xfrm>
+              <a:off x="3141573" y="1673822"/>
+              <a:ext cx="228600" cy="228600"/>
+              <a:chOff x="5475941" y="2066604"/>
+              <a:chExt cx="228600" cy="228600"/>
+            </a:xfrm>
+          </p:grpSpPr>
+          <p:sp>
+            <p:nvSpPr>
+              <p:cNvPr id="13" name="Rectangle 12">
+                <a:extLst>
+                  <a:ext uri="{FF2B5EF4-FFF2-40B4-BE49-F238E27FC236}">
+                    <a16:creationId xmlns:a16="http://schemas.microsoft.com/office/drawing/2014/main" id="{E50D4535-1A94-A8C5-AC27-78EE21DA2038}"/>
+                  </a:ext>
+                </a:extLst>
+              </p:cNvPr>
+              <p:cNvSpPr/>
+              <p:nvPr/>
+            </p:nvSpPr>
+            <p:spPr>
+              <a:xfrm>
+                <a:off x="5576525" y="2066604"/>
+                <a:ext cx="27432" cy="228600"/>
+              </a:xfrm>
+              <a:prstGeom prst="rect">
+                <a:avLst/>
+              </a:prstGeom>
+              <a:solidFill>
+                <a:schemeClr val="tx1"/>
+              </a:solidFill>
+              <a:ln>
+                <a:noFill/>
+              </a:ln>
+            </p:spPr>
+            <p:style>
+              <a:lnRef idx="2">
+                <a:schemeClr val="accent1">
+                  <a:shade val="15000"/>
+                </a:schemeClr>
+              </a:lnRef>
+              <a:fillRef idx="1">
+                <a:schemeClr val="accent1"/>
+              </a:fillRef>
+              <a:effectRef idx="0">
+                <a:schemeClr val="accent1"/>
+              </a:effectRef>
+              <a:fontRef idx="minor">
+                <a:schemeClr val="lt1"/>
+              </a:fontRef>
+            </p:style>
+            <p:txBody>
+              <a:bodyPr rtlCol="0" anchor="ctr"/>
+              <a:lstStyle/>
+              <a:p>
+                <a:pPr algn="ctr"/>
+                <a:endParaRPr lang="en-US" dirty="0"/>
+              </a:p>
+            </p:txBody>
+          </p:sp>
+          <p:sp>
+            <p:nvSpPr>
+              <p:cNvPr id="14" name="Rectangle 13">
+                <a:extLst>
+                  <a:ext uri="{FF2B5EF4-FFF2-40B4-BE49-F238E27FC236}">
+                    <a16:creationId xmlns:a16="http://schemas.microsoft.com/office/drawing/2014/main" id="{DBBC6939-9686-8B58-55BB-F1B1C53114E1}"/>
+                  </a:ext>
+                </a:extLst>
+              </p:cNvPr>
+              <p:cNvSpPr/>
+              <p:nvPr/>
+            </p:nvSpPr>
+            <p:spPr>
+              <a:xfrm rot="5400000">
+                <a:off x="5576525" y="2066604"/>
+                <a:ext cx="27432" cy="228600"/>
+              </a:xfrm>
+              <a:prstGeom prst="rect">
+                <a:avLst/>
+              </a:prstGeom>
+              <a:solidFill>
+                <a:schemeClr val="tx1"/>
+              </a:solidFill>
+              <a:ln>
+                <a:noFill/>
+              </a:ln>
+            </p:spPr>
+            <p:style>
+              <a:lnRef idx="2">
+                <a:schemeClr val="accent1">
+                  <a:shade val="15000"/>
+                </a:schemeClr>
+              </a:lnRef>
+              <a:fillRef idx="1">
+                <a:schemeClr val="accent1"/>
+              </a:fillRef>
+              <a:effectRef idx="0">
+                <a:schemeClr val="accent1"/>
+              </a:effectRef>
+              <a:fontRef idx="minor">
+                <a:schemeClr val="lt1"/>
+              </a:fontRef>
+            </p:style>
+            <p:txBody>
+              <a:bodyPr rtlCol="0" anchor="ctr"/>
+              <a:lstStyle/>
+              <a:p>
+                <a:pPr algn="ctr"/>
+                <a:endParaRPr lang="en-US"/>
+              </a:p>
+            </p:txBody>
+          </p:sp>
+        </p:grpSp>
+        <p:grpSp>
+          <p:nvGrpSpPr>
+            <p:cNvPr id="22" name="Group 21">
+              <a:extLst>
+                <a:ext uri="{FF2B5EF4-FFF2-40B4-BE49-F238E27FC236}">
+                  <a16:creationId xmlns:a16="http://schemas.microsoft.com/office/drawing/2014/main" id="{1131C0D0-D2FB-A080-69BA-9BACE772F349}"/>
+                </a:ext>
+              </a:extLst>
+            </p:cNvPr>
+            <p:cNvGrpSpPr/>
+            <p:nvPr/>
+          </p:nvGrpSpPr>
+          <p:grpSpPr>
+            <a:xfrm>
+              <a:off x="5702420" y="1673822"/>
+              <a:ext cx="228600" cy="228600"/>
+              <a:chOff x="5475941" y="2066604"/>
+              <a:chExt cx="228600" cy="228600"/>
+            </a:xfrm>
+          </p:grpSpPr>
+          <p:sp>
+            <p:nvSpPr>
+              <p:cNvPr id="23" name="Rectangle 22">
+                <a:extLst>
+                  <a:ext uri="{FF2B5EF4-FFF2-40B4-BE49-F238E27FC236}">
+                    <a16:creationId xmlns:a16="http://schemas.microsoft.com/office/drawing/2014/main" id="{17626956-7F13-7D26-D81E-6A9A01539131}"/>
+                  </a:ext>
+                </a:extLst>
+              </p:cNvPr>
+              <p:cNvSpPr/>
+              <p:nvPr/>
+            </p:nvSpPr>
+            <p:spPr>
+              <a:xfrm>
+                <a:off x="5576525" y="2066604"/>
+                <a:ext cx="27432" cy="228600"/>
+              </a:xfrm>
+              <a:prstGeom prst="rect">
+                <a:avLst/>
+              </a:prstGeom>
+              <a:solidFill>
+                <a:schemeClr val="tx1"/>
+              </a:solidFill>
+              <a:ln>
+                <a:noFill/>
+              </a:ln>
+            </p:spPr>
+            <p:style>
+              <a:lnRef idx="2">
+                <a:schemeClr val="accent1">
+                  <a:shade val="15000"/>
+                </a:schemeClr>
+              </a:lnRef>
+              <a:fillRef idx="1">
+                <a:schemeClr val="accent1"/>
+              </a:fillRef>
+              <a:effectRef idx="0">
+                <a:schemeClr val="accent1"/>
+              </a:effectRef>
+              <a:fontRef idx="minor">
+                <a:schemeClr val="lt1"/>
+              </a:fontRef>
+            </p:style>
+            <p:txBody>
+              <a:bodyPr rtlCol="0" anchor="ctr"/>
+              <a:lstStyle/>
+              <a:p>
+                <a:pPr algn="ctr"/>
+                <a:endParaRPr lang="en-US" dirty="0"/>
+              </a:p>
+            </p:txBody>
+          </p:sp>
+          <p:sp>
+            <p:nvSpPr>
+              <p:cNvPr id="24" name="Rectangle 23">
+                <a:extLst>
+                  <a:ext uri="{FF2B5EF4-FFF2-40B4-BE49-F238E27FC236}">
+                    <a16:creationId xmlns:a16="http://schemas.microsoft.com/office/drawing/2014/main" id="{721568BE-74D9-C337-7D61-8C097D30D03C}"/>
+                  </a:ext>
+                </a:extLst>
+              </p:cNvPr>
+              <p:cNvSpPr/>
+              <p:nvPr/>
+            </p:nvSpPr>
+            <p:spPr>
+              <a:xfrm rot="5400000">
+                <a:off x="5576525" y="2066604"/>
+                <a:ext cx="27432" cy="228600"/>
+              </a:xfrm>
+              <a:prstGeom prst="rect">
+                <a:avLst/>
+              </a:prstGeom>
+              <a:solidFill>
+                <a:schemeClr val="tx1"/>
+              </a:solidFill>
+              <a:ln>
+                <a:noFill/>
+              </a:ln>
+            </p:spPr>
+            <p:style>
+              <a:lnRef idx="2">
+                <a:schemeClr val="accent1">
+                  <a:shade val="15000"/>
+                </a:schemeClr>
+              </a:lnRef>
+              <a:fillRef idx="1">
+                <a:schemeClr val="accent1"/>
+              </a:fillRef>
+              <a:effectRef idx="0">
+                <a:schemeClr val="accent1"/>
+              </a:effectRef>
+              <a:fontRef idx="minor">
+                <a:schemeClr val="lt1"/>
+              </a:fontRef>
+            </p:style>
+            <p:txBody>
+              <a:bodyPr rtlCol="0" anchor="ctr"/>
+              <a:lstStyle/>
+              <a:p>
+                <a:pPr algn="ctr"/>
+                <a:endParaRPr lang="en-US"/>
+              </a:p>
+            </p:txBody>
+          </p:sp>
+        </p:grpSp>
+        <p:grpSp>
+          <p:nvGrpSpPr>
+            <p:cNvPr id="25" name="Group 24">
+              <a:extLst>
+                <a:ext uri="{FF2B5EF4-FFF2-40B4-BE49-F238E27FC236}">
+                  <a16:creationId xmlns:a16="http://schemas.microsoft.com/office/drawing/2014/main" id="{4684E235-BEC2-7B31-7186-8FD4716B0DDC}"/>
+                </a:ext>
+              </a:extLst>
+            </p:cNvPr>
+            <p:cNvGrpSpPr/>
+            <p:nvPr/>
+          </p:nvGrpSpPr>
+          <p:grpSpPr>
+            <a:xfrm>
+              <a:off x="5729850" y="4854681"/>
+              <a:ext cx="228600" cy="228600"/>
+              <a:chOff x="5475941" y="2066604"/>
+              <a:chExt cx="228600" cy="228600"/>
+            </a:xfrm>
+          </p:grpSpPr>
+          <p:sp>
+            <p:nvSpPr>
+              <p:cNvPr id="26" name="Rectangle 25">
+                <a:extLst>
+                  <a:ext uri="{FF2B5EF4-FFF2-40B4-BE49-F238E27FC236}">
+                    <a16:creationId xmlns:a16="http://schemas.microsoft.com/office/drawing/2014/main" id="{4E55C97C-3645-F887-DE47-8CCE392790F8}"/>
+                  </a:ext>
+                </a:extLst>
+              </p:cNvPr>
+              <p:cNvSpPr/>
+              <p:nvPr/>
+            </p:nvSpPr>
+            <p:spPr>
+              <a:xfrm>
+                <a:off x="5576525" y="2066604"/>
+                <a:ext cx="27432" cy="228600"/>
+              </a:xfrm>
+              <a:prstGeom prst="rect">
+                <a:avLst/>
+              </a:prstGeom>
+              <a:solidFill>
+                <a:schemeClr val="tx1"/>
+              </a:solidFill>
+              <a:ln>
+                <a:noFill/>
+              </a:ln>
+            </p:spPr>
+            <p:style>
+              <a:lnRef idx="2">
+                <a:schemeClr val="accent1">
+                  <a:shade val="15000"/>
+                </a:schemeClr>
+              </a:lnRef>
+              <a:fillRef idx="1">
+                <a:schemeClr val="accent1"/>
+              </a:fillRef>
+              <a:effectRef idx="0">
+                <a:schemeClr val="accent1"/>
+              </a:effectRef>
+              <a:fontRef idx="minor">
+                <a:schemeClr val="lt1"/>
+              </a:fontRef>
+            </p:style>
+            <p:txBody>
+              <a:bodyPr rtlCol="0" anchor="ctr"/>
+              <a:lstStyle/>
+              <a:p>
+                <a:pPr algn="ctr"/>
+                <a:endParaRPr lang="en-US"/>
+              </a:p>
+            </p:txBody>
+          </p:sp>
+          <p:sp>
+            <p:nvSpPr>
+              <p:cNvPr id="27" name="Rectangle 26">
+                <a:extLst>
+                  <a:ext uri="{FF2B5EF4-FFF2-40B4-BE49-F238E27FC236}">
+                    <a16:creationId xmlns:a16="http://schemas.microsoft.com/office/drawing/2014/main" id="{86F34078-7692-7C55-CF10-8C9DBB9060DC}"/>
+                  </a:ext>
+                </a:extLst>
+              </p:cNvPr>
+              <p:cNvSpPr/>
+              <p:nvPr/>
+            </p:nvSpPr>
+            <p:spPr>
+              <a:xfrm rot="5400000">
+                <a:off x="5576525" y="2066604"/>
+                <a:ext cx="27432" cy="228600"/>
+              </a:xfrm>
+              <a:prstGeom prst="rect">
+                <a:avLst/>
+              </a:prstGeom>
+              <a:solidFill>
+                <a:schemeClr val="tx1"/>
+              </a:solidFill>
+              <a:ln>
+                <a:noFill/>
+              </a:ln>
+            </p:spPr>
+            <p:style>
+              <a:lnRef idx="2">
+                <a:schemeClr val="accent1">
+                  <a:shade val="15000"/>
+                </a:schemeClr>
+              </a:lnRef>
+              <a:fillRef idx="1">
+                <a:schemeClr val="accent1"/>
+              </a:fillRef>
+              <a:effectRef idx="0">
+                <a:schemeClr val="accent1"/>
+              </a:effectRef>
+              <a:fontRef idx="minor">
+                <a:schemeClr val="lt1"/>
+              </a:fontRef>
+            </p:style>
+            <p:txBody>
+              <a:bodyPr rtlCol="0" anchor="ctr"/>
+              <a:lstStyle/>
+              <a:p>
+                <a:pPr algn="ctr"/>
+                <a:endParaRPr lang="en-US" dirty="0"/>
+              </a:p>
+            </p:txBody>
+          </p:sp>
+        </p:grpSp>
+        <p:sp>
+          <p:nvSpPr>
+            <p:cNvPr id="28" name="Right Brace 27">
+              <a:extLst>
+                <a:ext uri="{FF2B5EF4-FFF2-40B4-BE49-F238E27FC236}">
+                  <a16:creationId xmlns:a16="http://schemas.microsoft.com/office/drawing/2014/main" id="{7CEFFC61-BBDF-74F7-7748-C663DF1295C5}"/>
+                </a:ext>
+              </a:extLst>
+            </p:cNvPr>
+            <p:cNvSpPr/>
+            <p:nvPr/>
+          </p:nvSpPr>
+          <p:spPr>
+            <a:xfrm rot="16200000">
+              <a:off x="4298565" y="-305533"/>
+              <a:ext cx="475462" cy="2560849"/>
+            </a:xfrm>
+            <a:prstGeom prst="rightBrace">
+              <a:avLst/>
+            </a:prstGeom>
+            <a:ln w="25400">
+              <a:solidFill>
+                <a:schemeClr val="tx1"/>
+              </a:solidFill>
+            </a:ln>
+          </p:spPr>
+          <p:style>
+            <a:lnRef idx="2">
+              <a:schemeClr val="accent1"/>
+            </a:lnRef>
+            <a:fillRef idx="0">
+              <a:schemeClr val="accent1"/>
+            </a:fillRef>
+            <a:effectRef idx="1">
+              <a:schemeClr val="accent1"/>
+            </a:effectRef>
+            <a:fontRef idx="minor">
+              <a:schemeClr val="tx1"/>
+            </a:fontRef>
+          </p:style>
+          <p:txBody>
+            <a:bodyPr rtlCol="0" anchor="ctr"/>
+            <a:lstStyle/>
+            <a:p>
+              <a:pPr algn="ctr"/>
+              <a:endParaRPr lang="en-US"/>
+            </a:p>
+          </p:txBody>
+        </p:sp>
+        <mc:AlternateContent xmlns:mc="http://schemas.openxmlformats.org/markup-compatibility/2006">
+          <mc:Choice xmlns:a14="http://schemas.microsoft.com/office/drawing/2010/main" Requires="a14">
+            <p:sp>
+              <p:nvSpPr>
+                <p:cNvPr id="29" name="TextBox 28">
+                  <a:extLst>
+                    <a:ext uri="{FF2B5EF4-FFF2-40B4-BE49-F238E27FC236}">
+                      <a16:creationId xmlns:a16="http://schemas.microsoft.com/office/drawing/2014/main" id="{F0ECDFD9-0C4C-FE23-F75B-6C421C40EC02}"/>
+                    </a:ext>
+                  </a:extLst>
+                </p:cNvPr>
+                <p:cNvSpPr txBox="1"/>
+                <p:nvPr/>
+              </p:nvSpPr>
+              <p:spPr>
+                <a:xfrm>
+                  <a:off x="4304751" y="247710"/>
+                  <a:ext cx="565604" cy="430887"/>
+                </a:xfrm>
+                <a:prstGeom prst="rect">
+                  <a:avLst/>
+                </a:prstGeom>
+                <a:noFill/>
+              </p:spPr>
+              <p:txBody>
+                <a:bodyPr wrap="none" lIns="0" tIns="0" rIns="0" bIns="0" rtlCol="0">
+                  <a:spAutoFit/>
+                </a:bodyPr>
+                <a:lstStyle/>
+                <a:p>
+                  <a14:m>
+                    <m:oMathPara xmlns:m="http://schemas.openxmlformats.org/officeDocument/2006/math">
+                      <m:oMathParaPr>
+                        <m:jc m:val="centerGroup"/>
+                      </m:oMathParaPr>
+                      <m:oMath xmlns:m="http://schemas.openxmlformats.org/officeDocument/2006/math">
+                        <m:r>
+                          <a:rPr lang="en-US" sz="2800" b="0" i="1" smtClean="0">
+                            <a:latin typeface="Cambria Math" panose="02040503050406030204" pitchFamily="18" charset="0"/>
+                          </a:rPr>
+                          <m:t>𝑠𝑖𝑛</m:t>
+                        </m:r>
+                      </m:oMath>
+                    </m:oMathPara>
+                  </a14:m>
+                  <a:endParaRPr lang="en-US" dirty="0"/>
+                </a:p>
+              </p:txBody>
+            </p:sp>
+          </mc:Choice>
+          <mc:Fallback>
+            <p:sp>
+              <p:nvSpPr>
+                <p:cNvPr id="29" name="TextBox 28">
+                  <a:extLst>
+                    <a:ext uri="{FF2B5EF4-FFF2-40B4-BE49-F238E27FC236}">
+                      <a16:creationId xmlns:a16="http://schemas.microsoft.com/office/drawing/2014/main" id="{F0ECDFD9-0C4C-FE23-F75B-6C421C40EC02}"/>
+                    </a:ext>
+                  </a:extLst>
+                </p:cNvPr>
+                <p:cNvSpPr txBox="1">
+                  <a:spLocks noRot="1" noChangeAspect="1" noMove="1" noResize="1" noEditPoints="1" noAdjustHandles="1" noChangeArrowheads="1" noChangeShapeType="1" noTextEdit="1"/>
+                </p:cNvSpPr>
+                <p:nvPr/>
+              </p:nvSpPr>
+              <p:spPr>
+                <a:xfrm>
+                  <a:off x="4304751" y="247710"/>
+                  <a:ext cx="565604" cy="430887"/>
+                </a:xfrm>
+                <a:prstGeom prst="rect">
+                  <a:avLst/>
+                </a:prstGeom>
+                <a:blipFill>
+                  <a:blip r:embed="rId3"/>
+                  <a:stretch>
+                    <a:fillRect l="-13043" r="-13043" b="-2857"/>
+                  </a:stretch>
+                </a:blipFill>
+              </p:spPr>
+              <p:txBody>
+                <a:bodyPr/>
+                <a:lstStyle/>
+                <a:p>
+                  <a:r>
+                    <a:rPr lang="en-US">
+                      <a:noFill/>
+                    </a:rPr>
+                    <a:t> </a:t>
+                  </a:r>
+                </a:p>
+              </p:txBody>
+            </p:sp>
+          </mc:Fallback>
+        </mc:AlternateContent>
+        <p:sp>
+          <p:nvSpPr>
+            <p:cNvPr id="30" name="Right Brace 29">
+              <a:extLst>
+                <a:ext uri="{FF2B5EF4-FFF2-40B4-BE49-F238E27FC236}">
+                  <a16:creationId xmlns:a16="http://schemas.microsoft.com/office/drawing/2014/main" id="{44A392E3-DBBA-A7FB-4A6E-B8D4DEDC1826}"/>
+                </a:ext>
+              </a:extLst>
+            </p:cNvPr>
+            <p:cNvSpPr>
+              <a:spLocks noChangeAspect="1"/>
+            </p:cNvSpPr>
+            <p:nvPr/>
+          </p:nvSpPr>
+          <p:spPr>
+            <a:xfrm>
+              <a:off x="7091437" y="1858715"/>
+              <a:ext cx="582455" cy="3153426"/>
+            </a:xfrm>
+            <a:prstGeom prst="rightBrace">
+              <a:avLst>
+                <a:gd name="adj1" fmla="val 8333"/>
+                <a:gd name="adj2" fmla="val 53866"/>
+              </a:avLst>
+            </a:prstGeom>
+            <a:ln w="25400">
+              <a:solidFill>
+                <a:schemeClr val="tx1"/>
+              </a:solidFill>
+            </a:ln>
+          </p:spPr>
+          <p:style>
+            <a:lnRef idx="2">
+              <a:schemeClr val="accent1"/>
+            </a:lnRef>
+            <a:fillRef idx="0">
+              <a:schemeClr val="accent1"/>
+            </a:fillRef>
+            <a:effectRef idx="1">
+              <a:schemeClr val="accent1"/>
+            </a:effectRef>
+            <a:fontRef idx="minor">
+              <a:schemeClr val="tx1"/>
+            </a:fontRef>
+          </p:style>
+          <p:txBody>
+            <a:bodyPr rtlCol="0" anchor="ctr"/>
+            <a:lstStyle/>
+            <a:p>
+              <a:pPr algn="ctr"/>
+              <a:endParaRPr lang="en-US"/>
+            </a:p>
+          </p:txBody>
+        </p:sp>
+        <mc:AlternateContent xmlns:mc="http://schemas.openxmlformats.org/markup-compatibility/2006">
+          <mc:Choice xmlns:a14="http://schemas.microsoft.com/office/drawing/2010/main" Requires="a14">
+            <p:sp>
+              <p:nvSpPr>
+                <p:cNvPr id="31" name="TextBox 30">
+                  <a:extLst>
+                    <a:ext uri="{FF2B5EF4-FFF2-40B4-BE49-F238E27FC236}">
+                      <a16:creationId xmlns:a16="http://schemas.microsoft.com/office/drawing/2014/main" id="{A1631DCE-FD84-8D18-D42A-0E257976F02B}"/>
+                    </a:ext>
+                  </a:extLst>
+                </p:cNvPr>
+                <p:cNvSpPr txBox="1">
+                  <a:spLocks noChangeAspect="1"/>
+                </p:cNvSpPr>
+                <p:nvPr/>
+              </p:nvSpPr>
+              <p:spPr>
+                <a:xfrm>
+                  <a:off x="7746827" y="3323403"/>
+                  <a:ext cx="602088" cy="430887"/>
+                </a:xfrm>
+                <a:prstGeom prst="rect">
+                  <a:avLst/>
+                </a:prstGeom>
+                <a:noFill/>
+              </p:spPr>
+              <p:txBody>
+                <a:bodyPr wrap="none" lIns="0" tIns="0" rIns="0" bIns="0" rtlCol="0">
+                  <a:spAutoFit/>
+                </a:bodyPr>
+                <a:lstStyle/>
+                <a:p>
+                  <a14:m>
+                    <m:oMathPara xmlns:m="http://schemas.openxmlformats.org/officeDocument/2006/math">
+                      <m:oMathParaPr>
+                        <m:jc m:val="centerGroup"/>
+                      </m:oMathParaPr>
+                      <m:oMath xmlns:m="http://schemas.openxmlformats.org/officeDocument/2006/math">
+                        <m:r>
+                          <a:rPr lang="en-US" sz="2800" b="0" i="1" smtClean="0">
+                            <a:latin typeface="Cambria Math" panose="02040503050406030204" pitchFamily="18" charset="0"/>
+                          </a:rPr>
+                          <m:t>𝑐𝑜𝑠</m:t>
+                        </m:r>
+                      </m:oMath>
+                    </m:oMathPara>
+                  </a14:m>
+                  <a:endParaRPr lang="en-US" sz="2800" dirty="0"/>
+                </a:p>
+              </p:txBody>
+            </p:sp>
+          </mc:Choice>
+          <mc:Fallback>
+            <p:sp>
+              <p:nvSpPr>
+                <p:cNvPr id="31" name="TextBox 30">
+                  <a:extLst>
+                    <a:ext uri="{FF2B5EF4-FFF2-40B4-BE49-F238E27FC236}">
+                      <a16:creationId xmlns:a16="http://schemas.microsoft.com/office/drawing/2014/main" id="{A1631DCE-FD84-8D18-D42A-0E257976F02B}"/>
+                    </a:ext>
+                  </a:extLst>
+                </p:cNvPr>
+                <p:cNvSpPr txBox="1">
+                  <a:spLocks noRot="1" noChangeAspect="1" noMove="1" noResize="1" noEditPoints="1" noAdjustHandles="1" noChangeArrowheads="1" noChangeShapeType="1" noTextEdit="1"/>
+                </p:cNvSpPr>
+                <p:nvPr/>
+              </p:nvSpPr>
+              <p:spPr>
+                <a:xfrm>
+                  <a:off x="7746827" y="3323403"/>
+                  <a:ext cx="602088" cy="430887"/>
+                </a:xfrm>
+                <a:prstGeom prst="rect">
+                  <a:avLst/>
+                </a:prstGeom>
+                <a:blipFill>
+                  <a:blip r:embed="rId4"/>
+                  <a:stretch>
+                    <a:fillRect l="-8333" r="-6250"/>
+                  </a:stretch>
+                </a:blipFill>
+              </p:spPr>
+              <p:txBody>
+                <a:bodyPr/>
+                <a:lstStyle/>
+                <a:p>
+                  <a:r>
+                    <a:rPr lang="en-US">
+                      <a:noFill/>
+                    </a:rPr>
+                    <a:t> </a:t>
+                  </a:r>
+                </a:p>
+              </p:txBody>
+            </p:sp>
+          </mc:Fallback>
+        </mc:AlternateContent>
+        <p:sp>
+          <p:nvSpPr>
+            <p:cNvPr id="34" name="TextBox 33">
+              <a:extLst>
+                <a:ext uri="{FF2B5EF4-FFF2-40B4-BE49-F238E27FC236}">
+                  <a16:creationId xmlns:a16="http://schemas.microsoft.com/office/drawing/2014/main" id="{9D58223A-935D-1E89-ABCF-3EBE862790AB}"/>
+                </a:ext>
+              </a:extLst>
+            </p:cNvPr>
+            <p:cNvSpPr txBox="1"/>
+            <p:nvPr/>
+          </p:nvSpPr>
+          <p:spPr>
+            <a:xfrm>
+              <a:off x="3457853" y="2724930"/>
+              <a:ext cx="2576753" cy="338554"/>
+            </a:xfrm>
+            <a:prstGeom prst="rect">
+              <a:avLst/>
+            </a:prstGeom>
+            <a:noFill/>
+          </p:spPr>
+          <p:txBody>
+            <a:bodyPr wrap="square" rtlCol="0">
+              <a:spAutoFit/>
+            </a:bodyPr>
+            <a:lstStyle/>
+            <a:p>
+              <a:r>
+                <a:rPr lang="en-US" sz="1600" dirty="0"/>
+                <a:t>奇变偶不变;符号看象限</a:t>
+              </a:r>
+            </a:p>
+          </p:txBody>
+        </p:sp>
+        <mc:AlternateContent xmlns:mc="http://schemas.openxmlformats.org/markup-compatibility/2006">
+          <mc:Choice xmlns:a14="http://schemas.microsoft.com/office/drawing/2010/main" Requires="a14">
+            <p:sp>
+              <p:nvSpPr>
+                <p:cNvPr id="35" name="TextBox 34">
+                  <a:extLst>
+                    <a:ext uri="{FF2B5EF4-FFF2-40B4-BE49-F238E27FC236}">
+                      <a16:creationId xmlns:a16="http://schemas.microsoft.com/office/drawing/2014/main" id="{AD742970-A782-B717-9879-D234905B1775}"/>
+                    </a:ext>
+                  </a:extLst>
+                </p:cNvPr>
+                <p:cNvSpPr txBox="1"/>
+                <p:nvPr/>
+              </p:nvSpPr>
+              <p:spPr>
+                <a:xfrm>
+                  <a:off x="3138105" y="2177730"/>
+                  <a:ext cx="2858218" cy="531812"/>
+                </a:xfrm>
+                <a:prstGeom prst="rect">
+                  <a:avLst/>
+                </a:prstGeom>
+                <a:noFill/>
+              </p:spPr>
+              <p:txBody>
+                <a:bodyPr wrap="none" lIns="0" tIns="0" rIns="0" bIns="0" rtlCol="0">
+                  <a:spAutoFit/>
+                </a:bodyPr>
+                <a:lstStyle/>
+                <a:p>
+                  <a14:m>
+                    <m:oMathPara xmlns:m="http://schemas.openxmlformats.org/officeDocument/2006/math">
+                      <m:oMathParaPr>
+                        <m:jc m:val="centerGroup"/>
+                      </m:oMathParaPr>
+                      <m:oMath xmlns:m="http://schemas.openxmlformats.org/officeDocument/2006/math">
+                        <m:func>
+                          <m:funcPr>
+                            <m:ctrlPr>
+                              <a:rPr lang="en-US" b="0" i="1" smtClean="0">
+                                <a:latin typeface="Cambria Math" panose="02040503050406030204" pitchFamily="18" charset="0"/>
+                              </a:rPr>
+                            </m:ctrlPr>
+                          </m:funcPr>
+                          <m:fName>
+                            <m:r>
+                              <m:rPr>
+                                <m:sty m:val="p"/>
+                              </m:rPr>
+                              <a:rPr lang="en-US" b="0" i="0" smtClean="0">
+                                <a:latin typeface="Cambria Math" panose="02040503050406030204" pitchFamily="18" charset="0"/>
+                              </a:rPr>
+                              <m:t>sin</m:t>
+                            </m:r>
+                          </m:fName>
+                          <m:e>
+                            <m:d>
+                              <m:dPr>
+                                <m:ctrlPr>
+                                  <a:rPr lang="en-US" b="0" i="1" smtClean="0">
+                                    <a:latin typeface="Cambria Math" panose="02040503050406030204" pitchFamily="18" charset="0"/>
+                                  </a:rPr>
+                                </m:ctrlPr>
+                              </m:dPr>
+                              <m:e>
+                                <m:r>
+                                  <a:rPr lang="en-US" b="0" i="1" smtClean="0">
+                                    <a:latin typeface="Cambria Math" panose="02040503050406030204" pitchFamily="18" charset="0"/>
+                                    <a:ea typeface="Cambria Math" panose="02040503050406030204" pitchFamily="18" charset="0"/>
+                                  </a:rPr>
+                                  <m:t>𝜃</m:t>
+                                </m:r>
+                                <m:r>
+                                  <a:rPr lang="en-US" b="0" i="1" smtClean="0">
+                                    <a:latin typeface="Cambria Math" panose="02040503050406030204" pitchFamily="18" charset="0"/>
+                                    <a:ea typeface="Cambria Math" panose="02040503050406030204" pitchFamily="18" charset="0"/>
+                                  </a:rPr>
+                                  <m:t>+</m:t>
+                                </m:r>
+                                <m:f>
+                                  <m:fPr>
+                                    <m:ctrlPr>
+                                      <a:rPr lang="en-US" b="0" i="1" smtClean="0">
+                                        <a:latin typeface="Cambria Math" panose="02040503050406030204" pitchFamily="18" charset="0"/>
+                                        <a:ea typeface="Cambria Math" panose="02040503050406030204" pitchFamily="18" charset="0"/>
+                                      </a:rPr>
+                                    </m:ctrlPr>
+                                  </m:fPr>
+                                  <m:num>
+                                    <m:r>
+                                      <a:rPr lang="en-US" b="0" i="1" smtClean="0">
+                                        <a:latin typeface="Cambria Math" panose="02040503050406030204" pitchFamily="18" charset="0"/>
+                                        <a:ea typeface="Cambria Math" panose="02040503050406030204" pitchFamily="18" charset="0"/>
+                                      </a:rPr>
+                                      <m:t>𝑘</m:t>
+                                    </m:r>
+                                    <m:r>
+                                      <a:rPr lang="en-US" b="0" i="1" smtClean="0">
+                                        <a:latin typeface="Cambria Math" panose="02040503050406030204" pitchFamily="18" charset="0"/>
+                                        <a:ea typeface="Cambria Math" panose="02040503050406030204" pitchFamily="18" charset="0"/>
+                                      </a:rPr>
+                                      <m:t>𝜋</m:t>
+                                    </m:r>
+                                  </m:num>
+                                  <m:den>
+                                    <m:r>
+                                      <a:rPr lang="en-US" b="0" i="1" smtClean="0">
+                                        <a:latin typeface="Cambria Math" panose="02040503050406030204" pitchFamily="18" charset="0"/>
+                                        <a:ea typeface="Cambria Math" panose="02040503050406030204" pitchFamily="18" charset="0"/>
+                                      </a:rPr>
+                                      <m:t>2</m:t>
+                                    </m:r>
+                                  </m:den>
+                                </m:f>
+                              </m:e>
+                            </m:d>
+                          </m:e>
+                        </m:func>
+                        <m:r>
+                          <a:rPr lang="en-US" b="0" i="1" smtClean="0">
+                            <a:latin typeface="Cambria Math" panose="02040503050406030204" pitchFamily="18" charset="0"/>
+                            <a:ea typeface="Cambria Math" panose="02040503050406030204" pitchFamily="18" charset="0"/>
+                          </a:rPr>
+                          <m:t> </m:t>
+                        </m:r>
+                        <m:r>
+                          <a:rPr lang="en-US" b="0" i="1" smtClean="0">
+                            <a:latin typeface="Cambria Math" panose="02040503050406030204" pitchFamily="18" charset="0"/>
+                            <a:ea typeface="Cambria Math" panose="02040503050406030204" pitchFamily="18" charset="0"/>
+                          </a:rPr>
+                          <m:t>𝑜𝑟</m:t>
+                        </m:r>
+                        <m:r>
+                          <a:rPr lang="en-US" b="0" i="1" smtClean="0">
+                            <a:latin typeface="Cambria Math" panose="02040503050406030204" pitchFamily="18" charset="0"/>
+                            <a:ea typeface="Cambria Math" panose="02040503050406030204" pitchFamily="18" charset="0"/>
+                          </a:rPr>
+                          <m:t> </m:t>
+                        </m:r>
+                        <m:r>
+                          <m:rPr>
+                            <m:sty m:val="p"/>
+                          </m:rPr>
+                          <a:rPr lang="en-US" b="0" i="0" smtClean="0">
+                            <a:latin typeface="Cambria Math" panose="02040503050406030204" pitchFamily="18" charset="0"/>
+                            <a:ea typeface="Cambria Math" panose="02040503050406030204" pitchFamily="18" charset="0"/>
+                          </a:rPr>
+                          <m:t>cos</m:t>
+                        </m:r>
+                        <m:r>
+                          <a:rPr lang="en-US" b="0" i="1" smtClean="0">
+                            <a:latin typeface="Cambria Math" panose="02040503050406030204" pitchFamily="18" charset="0"/>
+                            <a:ea typeface="Cambria Math" panose="02040503050406030204" pitchFamily="18" charset="0"/>
+                          </a:rPr>
+                          <m:t>⁡(</m:t>
+                        </m:r>
+                        <m:r>
+                          <a:rPr lang="en-US" i="1">
+                            <a:latin typeface="Cambria Math" panose="02040503050406030204" pitchFamily="18" charset="0"/>
+                            <a:ea typeface="Cambria Math" panose="02040503050406030204" pitchFamily="18" charset="0"/>
+                          </a:rPr>
+                          <m:t>𝜃</m:t>
+                        </m:r>
+                        <m:r>
+                          <a:rPr lang="en-US" i="1">
+                            <a:latin typeface="Cambria Math" panose="02040503050406030204" pitchFamily="18" charset="0"/>
+                            <a:ea typeface="Cambria Math" panose="02040503050406030204" pitchFamily="18" charset="0"/>
+                          </a:rPr>
+                          <m:t>+</m:t>
+                        </m:r>
+                        <m:f>
+                          <m:fPr>
+                            <m:ctrlPr>
+                              <a:rPr lang="en-US" i="1">
+                                <a:latin typeface="Cambria Math" panose="02040503050406030204" pitchFamily="18" charset="0"/>
+                                <a:ea typeface="Cambria Math" panose="02040503050406030204" pitchFamily="18" charset="0"/>
+                              </a:rPr>
+                            </m:ctrlPr>
+                          </m:fPr>
+                          <m:num>
+                            <m:r>
+                              <a:rPr lang="en-US" i="1">
+                                <a:latin typeface="Cambria Math" panose="02040503050406030204" pitchFamily="18" charset="0"/>
+                                <a:ea typeface="Cambria Math" panose="02040503050406030204" pitchFamily="18" charset="0"/>
+                              </a:rPr>
+                              <m:t>𝑘</m:t>
+                            </m:r>
+                            <m:r>
+                              <a:rPr lang="en-US" i="1">
+                                <a:latin typeface="Cambria Math" panose="02040503050406030204" pitchFamily="18" charset="0"/>
+                                <a:ea typeface="Cambria Math" panose="02040503050406030204" pitchFamily="18" charset="0"/>
+                              </a:rPr>
+                              <m:t>𝜋</m:t>
+                            </m:r>
+                          </m:num>
+                          <m:den>
+                            <m:r>
+                              <a:rPr lang="en-US" i="1">
+                                <a:latin typeface="Cambria Math" panose="02040503050406030204" pitchFamily="18" charset="0"/>
+                                <a:ea typeface="Cambria Math" panose="02040503050406030204" pitchFamily="18" charset="0"/>
+                              </a:rPr>
+                              <m:t>2</m:t>
+                            </m:r>
+                          </m:den>
+                        </m:f>
+                        <m:r>
+                          <a:rPr lang="en-US" b="0" i="1" smtClean="0">
+                            <a:latin typeface="Cambria Math" panose="02040503050406030204" pitchFamily="18" charset="0"/>
+                            <a:ea typeface="Cambria Math" panose="02040503050406030204" pitchFamily="18" charset="0"/>
+                          </a:rPr>
+                          <m:t>)</m:t>
+                        </m:r>
+                      </m:oMath>
+                    </m:oMathPara>
+                  </a14:m>
+                  <a:endParaRPr lang="en-US" dirty="0"/>
+                </a:p>
+              </p:txBody>
+            </p:sp>
+          </mc:Choice>
+          <mc:Fallback>
+            <p:sp>
+              <p:nvSpPr>
+                <p:cNvPr id="35" name="TextBox 34">
+                  <a:extLst>
+                    <a:ext uri="{FF2B5EF4-FFF2-40B4-BE49-F238E27FC236}">
+                      <a16:creationId xmlns:a16="http://schemas.microsoft.com/office/drawing/2014/main" id="{AD742970-A782-B717-9879-D234905B1775}"/>
+                    </a:ext>
+                  </a:extLst>
+                </p:cNvPr>
+                <p:cNvSpPr txBox="1">
+                  <a:spLocks noRot="1" noChangeAspect="1" noMove="1" noResize="1" noEditPoints="1" noAdjustHandles="1" noChangeArrowheads="1" noChangeShapeType="1" noTextEdit="1"/>
+                </p:cNvSpPr>
+                <p:nvPr/>
+              </p:nvSpPr>
+              <p:spPr>
+                <a:xfrm>
+                  <a:off x="3138105" y="2177730"/>
+                  <a:ext cx="2858218" cy="531812"/>
+                </a:xfrm>
+                <a:prstGeom prst="rect">
+                  <a:avLst/>
+                </a:prstGeom>
+                <a:blipFill>
+                  <a:blip r:embed="rId5"/>
+                  <a:stretch>
+                    <a:fillRect l="-1770" t="-2326" r="-2655" b="-11628"/>
+                  </a:stretch>
+                </a:blipFill>
+              </p:spPr>
+              <p:txBody>
+                <a:bodyPr/>
+                <a:lstStyle/>
+                <a:p>
+                  <a:r>
+                    <a:rPr lang="en-US">
+                      <a:noFill/>
+                    </a:rPr>
+                    <a:t> </a:t>
+                  </a:r>
+                </a:p>
+              </p:txBody>
+            </p:sp>
+          </mc:Fallback>
+        </mc:AlternateContent>
+        <mc:AlternateContent xmlns:mc="http://schemas.openxmlformats.org/markup-compatibility/2006">
+          <mc:Choice xmlns:a14="http://schemas.microsoft.com/office/drawing/2010/main" Requires="a14">
+            <p:sp>
+              <p:nvSpPr>
+                <p:cNvPr id="37" name="TextBox 36">
+                  <a:extLst>
+                    <a:ext uri="{FF2B5EF4-FFF2-40B4-BE49-F238E27FC236}">
+                      <a16:creationId xmlns:a16="http://schemas.microsoft.com/office/drawing/2014/main" id="{25E37F9D-723F-2C43-96F0-09F0814524AA}"/>
+                    </a:ext>
+                  </a:extLst>
+                </p:cNvPr>
+                <p:cNvSpPr txBox="1"/>
+                <p:nvPr/>
+              </p:nvSpPr>
+              <p:spPr>
+                <a:xfrm>
+                  <a:off x="2452786" y="3733403"/>
+                  <a:ext cx="2035942" cy="714042"/>
+                </a:xfrm>
+                <a:prstGeom prst="rect">
+                  <a:avLst/>
+                </a:prstGeom>
+                <a:noFill/>
+              </p:spPr>
+              <p:txBody>
+                <a:bodyPr wrap="none" lIns="0" tIns="0" rIns="0" bIns="0" rtlCol="0">
+                  <a:spAutoFit/>
+                </a:bodyPr>
+                <a:lstStyle/>
+                <a:p>
+                  <a14:m>
+                    <m:oMathPara xmlns:m="http://schemas.openxmlformats.org/officeDocument/2006/math">
+                      <m:oMathParaPr>
+                        <m:jc m:val="centerGroup"/>
+                      </m:oMathParaPr>
+                      <m:oMath xmlns:m="http://schemas.openxmlformats.org/officeDocument/2006/math">
+                        <m:func>
+                          <m:funcPr>
+                            <m:ctrlPr>
+                              <a:rPr lang="en-US" sz="1600" b="0" i="1" smtClean="0">
+                                <a:latin typeface="Cambria Math" panose="02040503050406030204" pitchFamily="18" charset="0"/>
+                              </a:rPr>
+                            </m:ctrlPr>
+                          </m:funcPr>
+                          <m:fName>
+                            <m:r>
+                              <m:rPr>
+                                <m:sty m:val="p"/>
+                              </m:rPr>
+                              <a:rPr lang="en-US" sz="1600" b="0" i="0" smtClean="0">
+                                <a:latin typeface="Cambria Math" panose="02040503050406030204" pitchFamily="18" charset="0"/>
+                              </a:rPr>
+                              <m:t>sin</m:t>
+                            </m:r>
+                          </m:fName>
+                          <m:e>
+                            <m:d>
+                              <m:dPr>
+                                <m:ctrlPr>
+                                  <a:rPr lang="en-US" sz="1600" b="0" i="1" smtClean="0">
+                                    <a:latin typeface="Cambria Math" panose="02040503050406030204" pitchFamily="18" charset="0"/>
+                                  </a:rPr>
+                                </m:ctrlPr>
+                              </m:dPr>
+                              <m:e>
+                                <m:r>
+                                  <a:rPr lang="en-US" sz="1600" b="0" i="1" smtClean="0">
+                                    <a:latin typeface="Cambria Math" panose="02040503050406030204" pitchFamily="18" charset="0"/>
+                                    <a:ea typeface="Cambria Math" panose="02040503050406030204" pitchFamily="18" charset="0"/>
+                                  </a:rPr>
+                                  <m:t>𝜃</m:t>
+                                </m:r>
+                                <m:r>
+                                  <a:rPr lang="en-US" sz="1600" b="0" i="1" smtClean="0">
+                                    <a:latin typeface="Cambria Math" panose="02040503050406030204" pitchFamily="18" charset="0"/>
+                                    <a:ea typeface="Cambria Math" panose="02040503050406030204" pitchFamily="18" charset="0"/>
+                                  </a:rPr>
+                                  <m:t>−</m:t>
+                                </m:r>
+                                <m:r>
+                                  <a:rPr lang="en-US" sz="1600" b="0" i="1" smtClean="0">
+                                    <a:latin typeface="Cambria Math" panose="02040503050406030204" pitchFamily="18" charset="0"/>
+                                    <a:ea typeface="Cambria Math" panose="02040503050406030204" pitchFamily="18" charset="0"/>
+                                  </a:rPr>
+                                  <m:t>𝜋</m:t>
+                                </m:r>
+                              </m:e>
+                            </m:d>
+                          </m:e>
+                        </m:func>
+                        <m:r>
+                          <a:rPr lang="en-US" sz="1600" b="0" i="1" smtClean="0">
+                            <a:latin typeface="Cambria Math" panose="02040503050406030204" pitchFamily="18" charset="0"/>
+                            <a:ea typeface="Cambria Math" panose="02040503050406030204" pitchFamily="18" charset="0"/>
+                          </a:rPr>
+                          <m:t>=−</m:t>
+                        </m:r>
+                        <m:func>
+                          <m:funcPr>
+                            <m:ctrlPr>
+                              <a:rPr lang="en-US" sz="1600" b="0" i="1" smtClean="0">
+                                <a:latin typeface="Cambria Math" panose="02040503050406030204" pitchFamily="18" charset="0"/>
+                                <a:ea typeface="Cambria Math" panose="02040503050406030204" pitchFamily="18" charset="0"/>
+                              </a:rPr>
+                            </m:ctrlPr>
+                          </m:funcPr>
+                          <m:fName>
+                            <m:r>
+                              <m:rPr>
+                                <m:sty m:val="p"/>
+                              </m:rPr>
+                              <a:rPr lang="en-US" sz="1600" b="0" i="0" smtClean="0">
+                                <a:latin typeface="Cambria Math" panose="02040503050406030204" pitchFamily="18" charset="0"/>
+                                <a:ea typeface="Cambria Math" panose="02040503050406030204" pitchFamily="18" charset="0"/>
+                              </a:rPr>
+                              <m:t>sin</m:t>
+                            </m:r>
+                          </m:fName>
+                          <m:e>
+                            <m:d>
+                              <m:dPr>
+                                <m:ctrlPr>
+                                  <a:rPr lang="en-US" sz="1600" b="0" i="1" smtClean="0">
+                                    <a:latin typeface="Cambria Math" panose="02040503050406030204" pitchFamily="18" charset="0"/>
+                                    <a:ea typeface="Cambria Math" panose="02040503050406030204" pitchFamily="18" charset="0"/>
+                                  </a:rPr>
+                                </m:ctrlPr>
+                              </m:dPr>
+                              <m:e>
+                                <m:r>
+                                  <a:rPr lang="en-US" sz="1600" b="0" i="1" smtClean="0">
+                                    <a:latin typeface="Cambria Math" panose="02040503050406030204" pitchFamily="18" charset="0"/>
+                                    <a:ea typeface="Cambria Math" panose="02040503050406030204" pitchFamily="18" charset="0"/>
+                                  </a:rPr>
+                                  <m:t>𝜃</m:t>
+                                </m:r>
+                              </m:e>
+                            </m:d>
+                          </m:e>
+                        </m:func>
+                      </m:oMath>
+                    </m:oMathPara>
+                  </a14:m>
+                  <a:endParaRPr lang="en-US" sz="1600" b="0" dirty="0">
+                    <a:ea typeface="Cambria Math" panose="02040503050406030204" pitchFamily="18" charset="0"/>
+                  </a:endParaRPr>
+                </a:p>
+                <a:p>
+                  <a14:m>
+                    <m:oMathPara xmlns:m="http://schemas.openxmlformats.org/officeDocument/2006/math">
+                      <m:oMathParaPr>
+                        <m:jc m:val="centerGroup"/>
+                      </m:oMathParaPr>
+                      <m:oMath xmlns:m="http://schemas.openxmlformats.org/officeDocument/2006/math">
+                        <m:func>
+                          <m:funcPr>
+                            <m:ctrlPr>
+                              <a:rPr lang="en-US" sz="1600" b="0" i="1" smtClean="0">
+                                <a:latin typeface="Cambria Math" panose="02040503050406030204" pitchFamily="18" charset="0"/>
+                              </a:rPr>
+                            </m:ctrlPr>
+                          </m:funcPr>
+                          <m:fName>
+                            <m:r>
+                              <m:rPr>
+                                <m:sty m:val="p"/>
+                              </m:rPr>
+                              <a:rPr lang="en-US" sz="1600" b="0" i="0" smtClean="0">
+                                <a:latin typeface="Cambria Math" panose="02040503050406030204" pitchFamily="18" charset="0"/>
+                              </a:rPr>
+                              <m:t>cos</m:t>
+                            </m:r>
+                          </m:fName>
+                          <m:e>
+                            <m:d>
+                              <m:dPr>
+                                <m:ctrlPr>
+                                  <a:rPr lang="en-US" sz="1600" b="0" i="1" smtClean="0">
+                                    <a:latin typeface="Cambria Math" panose="02040503050406030204" pitchFamily="18" charset="0"/>
+                                  </a:rPr>
+                                </m:ctrlPr>
+                              </m:dPr>
+                              <m:e>
+                                <m:r>
+                                  <a:rPr lang="en-US" sz="1600" b="0" i="1" smtClean="0">
+                                    <a:latin typeface="Cambria Math" panose="02040503050406030204" pitchFamily="18" charset="0"/>
+                                  </a:rPr>
+                                  <m:t>𝜃</m:t>
+                                </m:r>
+                                <m:r>
+                                  <a:rPr lang="en-US" sz="1600" b="0" i="1" smtClean="0">
+                                    <a:latin typeface="Cambria Math" panose="02040503050406030204" pitchFamily="18" charset="0"/>
+                                  </a:rPr>
+                                  <m:t>+</m:t>
+                                </m:r>
+                                <m:f>
+                                  <m:fPr>
+                                    <m:ctrlPr>
+                                      <a:rPr lang="en-US" sz="1600" b="0" i="1" smtClean="0">
+                                        <a:latin typeface="Cambria Math" panose="02040503050406030204" pitchFamily="18" charset="0"/>
+                                      </a:rPr>
+                                    </m:ctrlPr>
+                                  </m:fPr>
+                                  <m:num>
+                                    <m:r>
+                                      <a:rPr lang="en-US" sz="1600" b="0" i="1" smtClean="0">
+                                        <a:latin typeface="Cambria Math" panose="02040503050406030204" pitchFamily="18" charset="0"/>
+                                      </a:rPr>
+                                      <m:t>3</m:t>
+                                    </m:r>
+                                    <m:r>
+                                      <a:rPr lang="en-US" sz="1600" b="0" i="1" smtClean="0">
+                                        <a:latin typeface="Cambria Math" panose="02040503050406030204" pitchFamily="18" charset="0"/>
+                                      </a:rPr>
+                                      <m:t>𝜋</m:t>
+                                    </m:r>
+                                  </m:num>
+                                  <m:den>
+                                    <m:r>
+                                      <a:rPr lang="en-US" sz="1600" b="0" i="1" smtClean="0">
+                                        <a:latin typeface="Cambria Math" panose="02040503050406030204" pitchFamily="18" charset="0"/>
+                                      </a:rPr>
+                                      <m:t>2</m:t>
+                                    </m:r>
+                                  </m:den>
+                                </m:f>
+                                <m:r>
+                                  <a:rPr lang="en-US" sz="1600" b="0" i="1" smtClean="0">
+                                    <a:latin typeface="Cambria Math" panose="02040503050406030204" pitchFamily="18" charset="0"/>
+                                  </a:rPr>
+                                  <m:t> </m:t>
+                                </m:r>
+                              </m:e>
+                            </m:d>
+                          </m:e>
+                        </m:func>
+                        <m:r>
+                          <a:rPr lang="en-US" sz="1600" b="0" i="1" smtClean="0">
+                            <a:latin typeface="Cambria Math" panose="02040503050406030204" pitchFamily="18" charset="0"/>
+                          </a:rPr>
+                          <m:t>=</m:t>
+                        </m:r>
+                        <m:r>
+                          <m:rPr>
+                            <m:sty m:val="p"/>
+                          </m:rPr>
+                          <a:rPr lang="en-US" sz="1600" b="0" i="0" smtClean="0">
+                            <a:latin typeface="Cambria Math" panose="02040503050406030204" pitchFamily="18" charset="0"/>
+                          </a:rPr>
+                          <m:t>sin</m:t>
+                        </m:r>
+                        <m:r>
+                          <a:rPr lang="en-US" sz="1600" b="0" i="1" smtClean="0">
+                            <a:latin typeface="Cambria Math" panose="02040503050406030204" pitchFamily="18" charset="0"/>
+                          </a:rPr>
+                          <m:t>⁡(</m:t>
+                        </m:r>
+                        <m:r>
+                          <a:rPr lang="en-US" sz="1600" b="0" i="1" smtClean="0">
+                            <a:latin typeface="Cambria Math" panose="02040503050406030204" pitchFamily="18" charset="0"/>
+                          </a:rPr>
+                          <m:t>𝜃</m:t>
+                        </m:r>
+                        <m:r>
+                          <a:rPr lang="en-US" sz="1600" b="0" i="1" smtClean="0">
+                            <a:latin typeface="Cambria Math" panose="02040503050406030204" pitchFamily="18" charset="0"/>
+                          </a:rPr>
+                          <m:t>)</m:t>
+                        </m:r>
+                      </m:oMath>
+                    </m:oMathPara>
+                  </a14:m>
+                  <a:endParaRPr lang="en-US" sz="1600" dirty="0"/>
+                </a:p>
+              </p:txBody>
+            </p:sp>
+          </mc:Choice>
+          <mc:Fallback>
+            <p:sp>
+              <p:nvSpPr>
+                <p:cNvPr id="37" name="TextBox 36">
+                  <a:extLst>
+                    <a:ext uri="{FF2B5EF4-FFF2-40B4-BE49-F238E27FC236}">
+                      <a16:creationId xmlns:a16="http://schemas.microsoft.com/office/drawing/2014/main" id="{25E37F9D-723F-2C43-96F0-09F0814524AA}"/>
+                    </a:ext>
+                  </a:extLst>
+                </p:cNvPr>
+                <p:cNvSpPr txBox="1">
+                  <a:spLocks noRot="1" noChangeAspect="1" noMove="1" noResize="1" noEditPoints="1" noAdjustHandles="1" noChangeArrowheads="1" noChangeShapeType="1" noTextEdit="1"/>
+                </p:cNvSpPr>
+                <p:nvPr/>
+              </p:nvSpPr>
+              <p:spPr>
+                <a:xfrm>
+                  <a:off x="2452786" y="3733403"/>
+                  <a:ext cx="2035942" cy="714042"/>
+                </a:xfrm>
+                <a:prstGeom prst="rect">
+                  <a:avLst/>
+                </a:prstGeom>
+                <a:blipFill>
+                  <a:blip r:embed="rId6"/>
+                  <a:stretch>
+                    <a:fillRect l="-617" r="-3086" b="-5172"/>
+                  </a:stretch>
+                </a:blipFill>
+              </p:spPr>
+              <p:txBody>
+                <a:bodyPr/>
+                <a:lstStyle/>
+                <a:p>
+                  <a:r>
+                    <a:rPr lang="en-US">
+                      <a:noFill/>
+                    </a:rPr>
+                    <a:t> </a:t>
+                  </a:r>
+                </a:p>
+              </p:txBody>
+            </p:sp>
+          </mc:Fallback>
+        </mc:AlternateContent>
+      </p:grpSp>
+    </p:spTree>
+    <p:extLst>
+      <p:ext uri="{BB962C8B-B14F-4D97-AF65-F5344CB8AC3E}">
+        <p14:creationId xmlns:p14="http://schemas.microsoft.com/office/powerpoint/2010/main" val="2352066285"/>
       </p:ext>
     </p:extLst>
   </p:cSld>

--- a/Teacher/选修3-1/pictures/pictures.pptx
+++ b/Teacher/选修3-1/pictures/pictures.pptx
@@ -266,7 +266,7 @@
           <a:p>
             <a:fld id="{D02A42A2-4E5D-294D-8B4F-940B3377311C}" type="datetimeFigureOut">
               <a:rPr lang="en-US" smtClean="0"/>
-              <a:t>5/3/24</a:t>
+              <a:t>5/25/24</a:t>
             </a:fld>
             <a:endParaRPr lang="en-US"/>
           </a:p>
@@ -464,7 +464,7 @@
           <a:p>
             <a:fld id="{D02A42A2-4E5D-294D-8B4F-940B3377311C}" type="datetimeFigureOut">
               <a:rPr lang="en-US" smtClean="0"/>
-              <a:t>5/3/24</a:t>
+              <a:t>5/25/24</a:t>
             </a:fld>
             <a:endParaRPr lang="en-US"/>
           </a:p>
@@ -672,7 +672,7 @@
           <a:p>
             <a:fld id="{D02A42A2-4E5D-294D-8B4F-940B3377311C}" type="datetimeFigureOut">
               <a:rPr lang="en-US" smtClean="0"/>
-              <a:t>5/3/24</a:t>
+              <a:t>5/25/24</a:t>
             </a:fld>
             <a:endParaRPr lang="en-US"/>
           </a:p>
@@ -870,7 +870,7 @@
           <a:p>
             <a:fld id="{D02A42A2-4E5D-294D-8B4F-940B3377311C}" type="datetimeFigureOut">
               <a:rPr lang="en-US" smtClean="0"/>
-              <a:t>5/3/24</a:t>
+              <a:t>5/25/24</a:t>
             </a:fld>
             <a:endParaRPr lang="en-US"/>
           </a:p>
@@ -1145,7 +1145,7 @@
           <a:p>
             <a:fld id="{D02A42A2-4E5D-294D-8B4F-940B3377311C}" type="datetimeFigureOut">
               <a:rPr lang="en-US" smtClean="0"/>
-              <a:t>5/3/24</a:t>
+              <a:t>5/25/24</a:t>
             </a:fld>
             <a:endParaRPr lang="en-US"/>
           </a:p>
@@ -1410,7 +1410,7 @@
           <a:p>
             <a:fld id="{D02A42A2-4E5D-294D-8B4F-940B3377311C}" type="datetimeFigureOut">
               <a:rPr lang="en-US" smtClean="0"/>
-              <a:t>5/3/24</a:t>
+              <a:t>5/25/24</a:t>
             </a:fld>
             <a:endParaRPr lang="en-US"/>
           </a:p>
@@ -1822,7 +1822,7 @@
           <a:p>
             <a:fld id="{D02A42A2-4E5D-294D-8B4F-940B3377311C}" type="datetimeFigureOut">
               <a:rPr lang="en-US" smtClean="0"/>
-              <a:t>5/3/24</a:t>
+              <a:t>5/25/24</a:t>
             </a:fld>
             <a:endParaRPr lang="en-US"/>
           </a:p>
@@ -1963,7 +1963,7 @@
           <a:p>
             <a:fld id="{D02A42A2-4E5D-294D-8B4F-940B3377311C}" type="datetimeFigureOut">
               <a:rPr lang="en-US" smtClean="0"/>
-              <a:t>5/3/24</a:t>
+              <a:t>5/25/24</a:t>
             </a:fld>
             <a:endParaRPr lang="en-US"/>
           </a:p>
@@ -2076,7 +2076,7 @@
           <a:p>
             <a:fld id="{D02A42A2-4E5D-294D-8B4F-940B3377311C}" type="datetimeFigureOut">
               <a:rPr lang="en-US" smtClean="0"/>
-              <a:t>5/3/24</a:t>
+              <a:t>5/25/24</a:t>
             </a:fld>
             <a:endParaRPr lang="en-US"/>
           </a:p>
@@ -2387,7 +2387,7 @@
           <a:p>
             <a:fld id="{D02A42A2-4E5D-294D-8B4F-940B3377311C}" type="datetimeFigureOut">
               <a:rPr lang="en-US" smtClean="0"/>
-              <a:t>5/3/24</a:t>
+              <a:t>5/25/24</a:t>
             </a:fld>
             <a:endParaRPr lang="en-US"/>
           </a:p>
@@ -2675,7 +2675,7 @@
           <a:p>
             <a:fld id="{D02A42A2-4E5D-294D-8B4F-940B3377311C}" type="datetimeFigureOut">
               <a:rPr lang="en-US" smtClean="0"/>
-              <a:t>5/3/24</a:t>
+              <a:t>5/25/24</a:t>
             </a:fld>
             <a:endParaRPr lang="en-US"/>
           </a:p>
@@ -2916,7 +2916,7 @@
           <a:p>
             <a:fld id="{D02A42A2-4E5D-294D-8B4F-940B3377311C}" type="datetimeFigureOut">
               <a:rPr lang="en-US" smtClean="0"/>
-              <a:t>5/3/24</a:t>
+              <a:t>5/25/24</a:t>
             </a:fld>
             <a:endParaRPr lang="en-US"/>
           </a:p>
@@ -13731,10 +13731,10 @@
       </p:grpSpPr>
       <p:grpSp>
         <p:nvGrpSpPr>
-          <p:cNvPr id="28" name="Group 27">
+          <p:cNvPr id="29" name="Group 28">
             <a:extLst>
               <a:ext uri="{FF2B5EF4-FFF2-40B4-BE49-F238E27FC236}">
-                <a16:creationId xmlns:a16="http://schemas.microsoft.com/office/drawing/2014/main" id="{DA626C44-13F3-E28B-36C7-77635C485BA8}"/>
+                <a16:creationId xmlns:a16="http://schemas.microsoft.com/office/drawing/2014/main" id="{55AFD9CD-406F-56A5-84D5-F9238C7B445D}"/>
               </a:ext>
             </a:extLst>
           </p:cNvPr>
@@ -13745,70 +13745,1118 @@
           <a:xfrm>
             <a:off x="1366605" y="992793"/>
             <a:ext cx="9458790" cy="4872414"/>
-            <a:chOff x="2411635" y="280493"/>
+            <a:chOff x="1366605" y="992793"/>
             <a:chExt cx="9458790" cy="4872414"/>
           </a:xfrm>
         </p:grpSpPr>
-        <mc:AlternateContent xmlns:mc="http://schemas.openxmlformats.org/markup-compatibility/2006" xmlns:a14="http://schemas.microsoft.com/office/drawing/2010/main">
-          <mc:Choice Requires="a14">
-            <p:sp>
-              <p:nvSpPr>
-                <p:cNvPr id="4" name="Rounded Rectangle 3">
-                  <a:extLst>
-                    <a:ext uri="{FF2B5EF4-FFF2-40B4-BE49-F238E27FC236}">
-                      <a16:creationId xmlns:a16="http://schemas.microsoft.com/office/drawing/2014/main" id="{C307720C-D3E9-8DD5-1BE9-3D3B0DCBCD09}"/>
-                    </a:ext>
-                  </a:extLst>
-                </p:cNvPr>
-                <p:cNvSpPr>
-                  <a:spLocks noChangeAspect="1"/>
-                </p:cNvSpPr>
-                <p:nvPr/>
-              </p:nvSpPr>
-              <p:spPr>
-                <a:xfrm>
-                  <a:off x="5076885" y="2002416"/>
-                  <a:ext cx="1463040" cy="548640"/>
-                </a:xfrm>
-                <a:prstGeom prst="roundRect">
-                  <a:avLst/>
-                </a:prstGeom>
-                <a:solidFill>
-                  <a:schemeClr val="accent2">
-                    <a:lumMod val="75000"/>
-                    <a:alpha val="80000"/>
-                  </a:schemeClr>
-                </a:solidFill>
-                <a:ln w="25400">
-                  <a:noFill/>
-                </a:ln>
-              </p:spPr>
-              <p:style>
-                <a:lnRef idx="2">
-                  <a:schemeClr val="accent1">
-                    <a:shade val="15000"/>
-                  </a:schemeClr>
-                </a:lnRef>
-                <a:fillRef idx="1">
-                  <a:schemeClr val="accent1"/>
-                </a:fillRef>
-                <a:effectRef idx="0">
-                  <a:schemeClr val="accent1"/>
-                </a:effectRef>
-                <a:fontRef idx="minor">
-                  <a:schemeClr val="lt1"/>
-                </a:fontRef>
-              </p:style>
-              <p:txBody>
-                <a:bodyPr rtlCol="0" anchor="ctr"/>
-                <a:lstStyle/>
-                <a:p>
-                  <a:pPr algn="ctr"/>
-                  <a14:m>
-                    <m:oMathPara xmlns:m="http://schemas.openxmlformats.org/officeDocument/2006/math">
-                      <m:oMathParaPr>
-                        <m:jc m:val="centerGroup"/>
-                      </m:oMathParaPr>
+        <p:grpSp>
+          <p:nvGrpSpPr>
+            <p:cNvPr id="28" name="Group 27">
+              <a:extLst>
+                <a:ext uri="{FF2B5EF4-FFF2-40B4-BE49-F238E27FC236}">
+                  <a16:creationId xmlns:a16="http://schemas.microsoft.com/office/drawing/2014/main" id="{DA626C44-13F3-E28B-36C7-77635C485BA8}"/>
+                </a:ext>
+              </a:extLst>
+            </p:cNvPr>
+            <p:cNvGrpSpPr/>
+            <p:nvPr/>
+          </p:nvGrpSpPr>
+          <p:grpSpPr>
+            <a:xfrm>
+              <a:off x="1366605" y="992793"/>
+              <a:ext cx="9458790" cy="4872414"/>
+              <a:chOff x="2411635" y="280493"/>
+              <a:chExt cx="9458790" cy="4872414"/>
+            </a:xfrm>
+          </p:grpSpPr>
+          <mc:AlternateContent xmlns:mc="http://schemas.openxmlformats.org/markup-compatibility/2006" xmlns:a14="http://schemas.microsoft.com/office/drawing/2010/main">
+            <mc:Choice Requires="a14">
+              <p:sp>
+                <p:nvSpPr>
+                  <p:cNvPr id="4" name="Rounded Rectangle 3">
+                    <a:extLst>
+                      <a:ext uri="{FF2B5EF4-FFF2-40B4-BE49-F238E27FC236}">
+                        <a16:creationId xmlns:a16="http://schemas.microsoft.com/office/drawing/2014/main" id="{C307720C-D3E9-8DD5-1BE9-3D3B0DCBCD09}"/>
+                      </a:ext>
+                    </a:extLst>
+                  </p:cNvPr>
+                  <p:cNvSpPr>
+                    <a:spLocks noChangeAspect="1"/>
+                  </p:cNvSpPr>
+                  <p:nvPr/>
+                </p:nvSpPr>
+                <p:spPr>
+                  <a:xfrm>
+                    <a:off x="5076885" y="2002416"/>
+                    <a:ext cx="1463040" cy="548640"/>
+                  </a:xfrm>
+                  <a:prstGeom prst="roundRect">
+                    <a:avLst/>
+                  </a:prstGeom>
+                  <a:solidFill>
+                    <a:schemeClr val="accent2">
+                      <a:lumMod val="75000"/>
+                      <a:alpha val="80000"/>
+                    </a:schemeClr>
+                  </a:solidFill>
+                  <a:ln w="25400">
+                    <a:noFill/>
+                  </a:ln>
+                </p:spPr>
+                <p:style>
+                  <a:lnRef idx="2">
+                    <a:schemeClr val="accent1">
+                      <a:shade val="15000"/>
+                    </a:schemeClr>
+                  </a:lnRef>
+                  <a:fillRef idx="1">
+                    <a:schemeClr val="accent1"/>
+                  </a:fillRef>
+                  <a:effectRef idx="0">
+                    <a:schemeClr val="accent1"/>
+                  </a:effectRef>
+                  <a:fontRef idx="minor">
+                    <a:schemeClr val="lt1"/>
+                  </a:fontRef>
+                </p:style>
+                <p:txBody>
+                  <a:bodyPr rtlCol="0" anchor="ctr"/>
+                  <a:lstStyle/>
+                  <a:p>
+                    <a:pPr algn="ctr"/>
+                    <a14:m>
+                      <m:oMathPara xmlns:m="http://schemas.openxmlformats.org/officeDocument/2006/math">
+                        <m:oMathParaPr>
+                          <m:jc m:val="centerGroup"/>
+                        </m:oMathParaPr>
+                        <m:oMath xmlns:m="http://schemas.openxmlformats.org/officeDocument/2006/math">
+                          <m:sSub>
+                            <m:sSubPr>
+                              <m:ctrlPr>
+                                <a:rPr lang="en-US" sz="2000" b="0" i="1" smtClean="0">
+                                  <a:latin typeface="Cambria Math" panose="02040503050406030204" pitchFamily="18" charset="0"/>
+                                </a:rPr>
+                              </m:ctrlPr>
+                            </m:sSubPr>
+                            <m:e>
+                              <m:r>
+                                <a:rPr lang="en-US" sz="2000" b="0" i="1" smtClean="0">
+                                  <a:latin typeface="Cambria Math" panose="02040503050406030204" pitchFamily="18" charset="0"/>
+                                </a:rPr>
+                                <m:t>𝑓</m:t>
+                              </m:r>
+                            </m:e>
+                            <m:sub>
+                              <m:r>
+                                <a:rPr lang="en-US" sz="2000" b="0" i="1" smtClean="0">
+                                  <a:latin typeface="Cambria Math" panose="02040503050406030204" pitchFamily="18" charset="0"/>
+                                </a:rPr>
+                                <m:t>1</m:t>
+                              </m:r>
+                            </m:sub>
+                          </m:sSub>
+                          <m:r>
+                            <a:rPr lang="en-US" sz="2000" b="0" i="1" smtClean="0">
+                              <a:latin typeface="Cambria Math" panose="02040503050406030204" pitchFamily="18" charset="0"/>
+                            </a:rPr>
+                            <m:t>&gt;</m:t>
+                          </m:r>
+                          <m:sSub>
+                            <m:sSubPr>
+                              <m:ctrlPr>
+                                <a:rPr lang="en-US" sz="2000" b="0" i="1" smtClean="0">
+                                  <a:latin typeface="Cambria Math" panose="02040503050406030204" pitchFamily="18" charset="0"/>
+                                </a:rPr>
+                              </m:ctrlPr>
+                            </m:sSubPr>
+                            <m:e>
+                              <m:r>
+                                <a:rPr lang="en-US" sz="2000" b="0" i="1" smtClean="0">
+                                  <a:latin typeface="Cambria Math" panose="02040503050406030204" pitchFamily="18" charset="0"/>
+                                </a:rPr>
+                                <m:t>𝑓</m:t>
+                              </m:r>
+                            </m:e>
+                            <m:sub>
+                              <m:r>
+                                <a:rPr lang="en-US" sz="2000" b="0" i="1" smtClean="0">
+                                  <a:latin typeface="Cambria Math" panose="02040503050406030204" pitchFamily="18" charset="0"/>
+                                </a:rPr>
+                                <m:t>2</m:t>
+                              </m:r>
+                            </m:sub>
+                          </m:sSub>
+                        </m:oMath>
+                      </m:oMathPara>
+                    </a14:m>
+                    <a:endParaRPr lang="en-US" sz="2000" dirty="0"/>
+                  </a:p>
+                </p:txBody>
+              </p:sp>
+            </mc:Choice>
+            <mc:Fallback xmlns="">
+              <p:sp>
+                <p:nvSpPr>
+                  <p:cNvPr id="4" name="Rounded Rectangle 3">
+                    <a:extLst>
+                      <a:ext uri="{FF2B5EF4-FFF2-40B4-BE49-F238E27FC236}">
+                        <a16:creationId xmlns:a16="http://schemas.microsoft.com/office/drawing/2014/main" id="{C307720C-D3E9-8DD5-1BE9-3D3B0DCBCD09}"/>
+                      </a:ext>
+                    </a:extLst>
+                  </p:cNvPr>
+                  <p:cNvSpPr>
+                    <a:spLocks noRot="1" noChangeAspect="1" noMove="1" noResize="1" noEditPoints="1" noAdjustHandles="1" noChangeArrowheads="1" noChangeShapeType="1" noTextEdit="1"/>
+                  </p:cNvSpPr>
+                  <p:nvPr/>
+                </p:nvSpPr>
+                <p:spPr>
+                  <a:xfrm>
+                    <a:off x="5076885" y="2002416"/>
+                    <a:ext cx="1463040" cy="548640"/>
+                  </a:xfrm>
+                  <a:prstGeom prst="roundRect">
+                    <a:avLst/>
+                  </a:prstGeom>
+                  <a:blipFill>
+                    <a:blip r:embed="rId2"/>
+                    <a:stretch>
+                      <a:fillRect/>
+                    </a:stretch>
+                  </a:blipFill>
+                  <a:ln w="25400">
+                    <a:noFill/>
+                  </a:ln>
+                </p:spPr>
+                <p:txBody>
+                  <a:bodyPr/>
+                  <a:lstStyle/>
+                  <a:p>
+                    <a:r>
+                      <a:rPr lang="en-US">
+                        <a:noFill/>
+                      </a:rPr>
+                      <a:t> </a:t>
+                    </a:r>
+                  </a:p>
+                </p:txBody>
+              </p:sp>
+            </mc:Fallback>
+          </mc:AlternateContent>
+          <mc:AlternateContent xmlns:mc="http://schemas.openxmlformats.org/markup-compatibility/2006" xmlns:a14="http://schemas.microsoft.com/office/drawing/2010/main">
+            <mc:Choice Requires="a14">
+              <p:sp>
+                <p:nvSpPr>
+                  <p:cNvPr id="5" name="Rounded Rectangle 4">
+                    <a:extLst>
+                      <a:ext uri="{FF2B5EF4-FFF2-40B4-BE49-F238E27FC236}">
+                        <a16:creationId xmlns:a16="http://schemas.microsoft.com/office/drawing/2014/main" id="{C30EE7DA-125E-8608-C30F-3290FA1CEB1F}"/>
+                      </a:ext>
+                    </a:extLst>
+                  </p:cNvPr>
+                  <p:cNvSpPr>
+                    <a:spLocks noChangeAspect="1"/>
+                  </p:cNvSpPr>
+                  <p:nvPr/>
+                </p:nvSpPr>
+                <p:spPr>
+                  <a:xfrm>
+                    <a:off x="7742135" y="2002416"/>
+                    <a:ext cx="1463040" cy="548640"/>
+                  </a:xfrm>
+                  <a:prstGeom prst="roundRect">
+                    <a:avLst/>
+                  </a:prstGeom>
+                  <a:solidFill>
+                    <a:schemeClr val="accent1">
+                      <a:alpha val="80000"/>
+                    </a:schemeClr>
+                  </a:solidFill>
+                  <a:ln w="25400">
+                    <a:noFill/>
+                  </a:ln>
+                </p:spPr>
+                <p:style>
+                  <a:lnRef idx="2">
+                    <a:schemeClr val="accent1">
+                      <a:shade val="15000"/>
+                    </a:schemeClr>
+                  </a:lnRef>
+                  <a:fillRef idx="1">
+                    <a:schemeClr val="accent1"/>
+                  </a:fillRef>
+                  <a:effectRef idx="0">
+                    <a:schemeClr val="accent1"/>
+                  </a:effectRef>
+                  <a:fontRef idx="minor">
+                    <a:schemeClr val="lt1"/>
+                  </a:fontRef>
+                </p:style>
+                <p:txBody>
+                  <a:bodyPr rtlCol="0" anchor="ctr"/>
+                  <a:lstStyle/>
+                  <a:p>
+                    <a:pPr algn="ctr"/>
+                    <a14:m>
+                      <m:oMathPara xmlns:m="http://schemas.openxmlformats.org/officeDocument/2006/math">
+                        <m:oMathParaPr>
+                          <m:jc m:val="centerGroup"/>
+                        </m:oMathParaPr>
+                        <m:oMath xmlns:m="http://schemas.openxmlformats.org/officeDocument/2006/math">
+                          <m:sSub>
+                            <m:sSubPr>
+                              <m:ctrlPr>
+                                <a:rPr lang="en-US" sz="2000" b="0" i="1" smtClean="0">
+                                  <a:latin typeface="Cambria Math" panose="02040503050406030204" pitchFamily="18" charset="0"/>
+                                </a:rPr>
+                              </m:ctrlPr>
+                            </m:sSubPr>
+                            <m:e>
+                              <m:r>
+                                <a:rPr lang="en-US" sz="2000" b="0" i="1" smtClean="0">
+                                  <a:latin typeface="Cambria Math" panose="02040503050406030204" pitchFamily="18" charset="0"/>
+                                </a:rPr>
+                                <m:t>𝑛</m:t>
+                              </m:r>
+                            </m:e>
+                            <m:sub>
+                              <m:r>
+                                <a:rPr lang="en-US" sz="2000" b="0" i="1" smtClean="0">
+                                  <a:latin typeface="Cambria Math" panose="02040503050406030204" pitchFamily="18" charset="0"/>
+                                </a:rPr>
+                                <m:t>1</m:t>
+                              </m:r>
+                            </m:sub>
+                          </m:sSub>
+                          <m:r>
+                            <a:rPr lang="en-US" sz="2000" b="0" i="1" smtClean="0">
+                              <a:latin typeface="Cambria Math" panose="02040503050406030204" pitchFamily="18" charset="0"/>
+                            </a:rPr>
+                            <m:t>&gt;</m:t>
+                          </m:r>
+                          <m:sSub>
+                            <m:sSubPr>
+                              <m:ctrlPr>
+                                <a:rPr lang="en-US" sz="2000" b="0" i="1" smtClean="0">
+                                  <a:latin typeface="Cambria Math" panose="02040503050406030204" pitchFamily="18" charset="0"/>
+                                </a:rPr>
+                              </m:ctrlPr>
+                            </m:sSubPr>
+                            <m:e>
+                              <m:r>
+                                <a:rPr lang="en-US" sz="2000" b="0" i="1" smtClean="0">
+                                  <a:latin typeface="Cambria Math" panose="02040503050406030204" pitchFamily="18" charset="0"/>
+                                </a:rPr>
+                                <m:t>𝑛</m:t>
+                              </m:r>
+                            </m:e>
+                            <m:sub>
+                              <m:r>
+                                <a:rPr lang="en-US" sz="2000" b="0" i="1" smtClean="0">
+                                  <a:latin typeface="Cambria Math" panose="02040503050406030204" pitchFamily="18" charset="0"/>
+                                </a:rPr>
+                                <m:t>2</m:t>
+                              </m:r>
+                            </m:sub>
+                          </m:sSub>
+                        </m:oMath>
+                      </m:oMathPara>
+                    </a14:m>
+                    <a:endParaRPr lang="en-US" sz="2000" dirty="0"/>
+                  </a:p>
+                </p:txBody>
+              </p:sp>
+            </mc:Choice>
+            <mc:Fallback xmlns="">
+              <p:sp>
+                <p:nvSpPr>
+                  <p:cNvPr id="5" name="Rounded Rectangle 4">
+                    <a:extLst>
+                      <a:ext uri="{FF2B5EF4-FFF2-40B4-BE49-F238E27FC236}">
+                        <a16:creationId xmlns:a16="http://schemas.microsoft.com/office/drawing/2014/main" id="{C30EE7DA-125E-8608-C30F-3290FA1CEB1F}"/>
+                      </a:ext>
+                    </a:extLst>
+                  </p:cNvPr>
+                  <p:cNvSpPr>
+                    <a:spLocks noRot="1" noChangeAspect="1" noMove="1" noResize="1" noEditPoints="1" noAdjustHandles="1" noChangeArrowheads="1" noChangeShapeType="1" noTextEdit="1"/>
+                  </p:cNvSpPr>
+                  <p:nvPr/>
+                </p:nvSpPr>
+                <p:spPr>
+                  <a:xfrm>
+                    <a:off x="7742135" y="2002416"/>
+                    <a:ext cx="1463040" cy="548640"/>
+                  </a:xfrm>
+                  <a:prstGeom prst="roundRect">
+                    <a:avLst/>
+                  </a:prstGeom>
+                  <a:blipFill>
+                    <a:blip r:embed="rId3"/>
+                    <a:stretch>
+                      <a:fillRect/>
+                    </a:stretch>
+                  </a:blipFill>
+                  <a:ln w="25400">
+                    <a:noFill/>
+                  </a:ln>
+                </p:spPr>
+                <p:txBody>
+                  <a:bodyPr/>
+                  <a:lstStyle/>
+                  <a:p>
+                    <a:r>
+                      <a:rPr lang="en-US">
+                        <a:noFill/>
+                      </a:rPr>
+                      <a:t> </a:t>
+                    </a:r>
+                  </a:p>
+                </p:txBody>
+              </p:sp>
+            </mc:Fallback>
+          </mc:AlternateContent>
+          <mc:AlternateContent xmlns:mc="http://schemas.openxmlformats.org/markup-compatibility/2006" xmlns:a14="http://schemas.microsoft.com/office/drawing/2010/main">
+            <mc:Choice Requires="a14">
+              <p:sp>
+                <p:nvSpPr>
+                  <p:cNvPr id="6" name="Rounded Rectangle 5">
+                    <a:extLst>
+                      <a:ext uri="{FF2B5EF4-FFF2-40B4-BE49-F238E27FC236}">
+                        <a16:creationId xmlns:a16="http://schemas.microsoft.com/office/drawing/2014/main" id="{DD69C4D6-BFD7-B61D-A34C-352ED1C1D3E5}"/>
+                      </a:ext>
+                    </a:extLst>
+                  </p:cNvPr>
+                  <p:cNvSpPr>
+                    <a:spLocks noChangeAspect="1"/>
+                  </p:cNvSpPr>
+                  <p:nvPr/>
+                </p:nvSpPr>
+                <p:spPr>
+                  <a:xfrm>
+                    <a:off x="10407385" y="2002416"/>
+                    <a:ext cx="1463040" cy="548640"/>
+                  </a:xfrm>
+                  <a:prstGeom prst="roundRect">
+                    <a:avLst/>
+                  </a:prstGeom>
+                  <a:solidFill>
+                    <a:schemeClr val="accent1">
+                      <a:alpha val="80000"/>
+                    </a:schemeClr>
+                  </a:solidFill>
+                  <a:ln w="25400">
+                    <a:noFill/>
+                  </a:ln>
+                </p:spPr>
+                <p:style>
+                  <a:lnRef idx="2">
+                    <a:schemeClr val="accent1">
+                      <a:shade val="15000"/>
+                    </a:schemeClr>
+                  </a:lnRef>
+                  <a:fillRef idx="1">
+                    <a:schemeClr val="accent1"/>
+                  </a:fillRef>
+                  <a:effectRef idx="0">
+                    <a:schemeClr val="accent1"/>
+                  </a:effectRef>
+                  <a:fontRef idx="minor">
+                    <a:schemeClr val="lt1"/>
+                  </a:fontRef>
+                </p:style>
+                <p:txBody>
+                  <a:bodyPr rtlCol="0" anchor="ctr"/>
+                  <a:lstStyle/>
+                  <a:p>
+                    <a:pPr algn="ctr"/>
+                    <a14:m>
+                      <m:oMathPara xmlns:m="http://schemas.openxmlformats.org/officeDocument/2006/math">
+                        <m:oMathParaPr>
+                          <m:jc m:val="centerGroup"/>
+                        </m:oMathParaPr>
+                        <m:oMath xmlns:m="http://schemas.openxmlformats.org/officeDocument/2006/math">
+                          <m:sSub>
+                            <m:sSubPr>
+                              <m:ctrlPr>
+                                <a:rPr lang="en-US" sz="2000" b="0" i="1" smtClean="0">
+                                  <a:latin typeface="Cambria Math" panose="02040503050406030204" pitchFamily="18" charset="0"/>
+                                </a:rPr>
+                              </m:ctrlPr>
+                            </m:sSubPr>
+                            <m:e>
+                              <m:r>
+                                <a:rPr lang="en-US" sz="2000" b="0" i="1" smtClean="0">
+                                  <a:latin typeface="Cambria Math" panose="02040503050406030204" pitchFamily="18" charset="0"/>
+                                </a:rPr>
+                                <m:t>𝑣</m:t>
+                              </m:r>
+                            </m:e>
+                            <m:sub>
+                              <m:r>
+                                <a:rPr lang="en-US" sz="2000" b="0" i="1" smtClean="0">
+                                  <a:latin typeface="Cambria Math" panose="02040503050406030204" pitchFamily="18" charset="0"/>
+                                </a:rPr>
+                                <m:t>1</m:t>
+                              </m:r>
+                            </m:sub>
+                          </m:sSub>
+                          <m:r>
+                            <a:rPr lang="en-US" sz="2000" b="0" i="1" smtClean="0">
+                              <a:latin typeface="Cambria Math" panose="02040503050406030204" pitchFamily="18" charset="0"/>
+                            </a:rPr>
+                            <m:t>&lt;</m:t>
+                          </m:r>
+                          <m:sSub>
+                            <m:sSubPr>
+                              <m:ctrlPr>
+                                <a:rPr lang="en-US" sz="2000" b="0" i="1" smtClean="0">
+                                  <a:latin typeface="Cambria Math" panose="02040503050406030204" pitchFamily="18" charset="0"/>
+                                </a:rPr>
+                              </m:ctrlPr>
+                            </m:sSubPr>
+                            <m:e>
+                              <m:r>
+                                <a:rPr lang="en-US" sz="2000" b="0" i="1" smtClean="0">
+                                  <a:latin typeface="Cambria Math" panose="02040503050406030204" pitchFamily="18" charset="0"/>
+                                </a:rPr>
+                                <m:t>𝑣</m:t>
+                              </m:r>
+                            </m:e>
+                            <m:sub>
+                              <m:r>
+                                <a:rPr lang="en-US" sz="2000" b="0" i="1" smtClean="0">
+                                  <a:latin typeface="Cambria Math" panose="02040503050406030204" pitchFamily="18" charset="0"/>
+                                </a:rPr>
+                                <m:t>2</m:t>
+                              </m:r>
+                            </m:sub>
+                          </m:sSub>
+                        </m:oMath>
+                      </m:oMathPara>
+                    </a14:m>
+                    <a:endParaRPr lang="en-US" sz="2000" dirty="0"/>
+                  </a:p>
+                </p:txBody>
+              </p:sp>
+            </mc:Choice>
+            <mc:Fallback xmlns="">
+              <p:sp>
+                <p:nvSpPr>
+                  <p:cNvPr id="6" name="Rounded Rectangle 5">
+                    <a:extLst>
+                      <a:ext uri="{FF2B5EF4-FFF2-40B4-BE49-F238E27FC236}">
+                        <a16:creationId xmlns:a16="http://schemas.microsoft.com/office/drawing/2014/main" id="{DD69C4D6-BFD7-B61D-A34C-352ED1C1D3E5}"/>
+                      </a:ext>
+                    </a:extLst>
+                  </p:cNvPr>
+                  <p:cNvSpPr>
+                    <a:spLocks noRot="1" noChangeAspect="1" noMove="1" noResize="1" noEditPoints="1" noAdjustHandles="1" noChangeArrowheads="1" noChangeShapeType="1" noTextEdit="1"/>
+                  </p:cNvSpPr>
+                  <p:nvPr/>
+                </p:nvSpPr>
+                <p:spPr>
+                  <a:xfrm>
+                    <a:off x="10407385" y="2002416"/>
+                    <a:ext cx="1463040" cy="548640"/>
+                  </a:xfrm>
+                  <a:prstGeom prst="roundRect">
+                    <a:avLst/>
+                  </a:prstGeom>
+                  <a:blipFill>
+                    <a:blip r:embed="rId4"/>
+                    <a:stretch>
+                      <a:fillRect/>
+                    </a:stretch>
+                  </a:blipFill>
+                  <a:ln w="25400">
+                    <a:noFill/>
+                  </a:ln>
+                </p:spPr>
+                <p:txBody>
+                  <a:bodyPr/>
+                  <a:lstStyle/>
+                  <a:p>
+                    <a:r>
+                      <a:rPr lang="en-US">
+                        <a:noFill/>
+                      </a:rPr>
+                      <a:t> </a:t>
+                    </a:r>
+                  </a:p>
+                </p:txBody>
+              </p:sp>
+            </mc:Fallback>
+          </mc:AlternateContent>
+          <mc:AlternateContent xmlns:mc="http://schemas.openxmlformats.org/markup-compatibility/2006" xmlns:a14="http://schemas.microsoft.com/office/drawing/2010/main">
+            <mc:Choice Requires="a14">
+              <p:sp>
+                <p:nvSpPr>
+                  <p:cNvPr id="7" name="Rounded Rectangle 6">
+                    <a:extLst>
+                      <a:ext uri="{FF2B5EF4-FFF2-40B4-BE49-F238E27FC236}">
+                        <a16:creationId xmlns:a16="http://schemas.microsoft.com/office/drawing/2014/main" id="{03E3798F-9274-4F2F-8CD8-AA75BF3E69C1}"/>
+                      </a:ext>
+                    </a:extLst>
+                  </p:cNvPr>
+                  <p:cNvSpPr>
+                    <a:spLocks noChangeAspect="1"/>
+                  </p:cNvSpPr>
+                  <p:nvPr/>
+                </p:nvSpPr>
+                <p:spPr>
+                  <a:xfrm>
+                    <a:off x="7742135" y="3724339"/>
+                    <a:ext cx="1463040" cy="548640"/>
+                  </a:xfrm>
+                  <a:prstGeom prst="roundRect">
+                    <a:avLst/>
+                  </a:prstGeom>
+                  <a:solidFill>
+                    <a:schemeClr val="accent1">
+                      <a:alpha val="80000"/>
+                    </a:schemeClr>
+                  </a:solidFill>
+                  <a:ln w="25400">
+                    <a:noFill/>
+                  </a:ln>
+                </p:spPr>
+                <p:style>
+                  <a:lnRef idx="2">
+                    <a:schemeClr val="accent1">
+                      <a:shade val="15000"/>
+                    </a:schemeClr>
+                  </a:lnRef>
+                  <a:fillRef idx="1">
+                    <a:schemeClr val="accent1"/>
+                  </a:fillRef>
+                  <a:effectRef idx="0">
+                    <a:schemeClr val="accent1"/>
+                  </a:effectRef>
+                  <a:fontRef idx="minor">
+                    <a:schemeClr val="lt1"/>
+                  </a:fontRef>
+                </p:style>
+                <p:txBody>
+                  <a:bodyPr rtlCol="0" anchor="ctr"/>
+                  <a:lstStyle/>
+                  <a:p>
+                    <a:pPr algn="ctr"/>
+                    <a14:m>
+                      <m:oMathPara xmlns:m="http://schemas.openxmlformats.org/officeDocument/2006/math">
+                        <m:oMathParaPr>
+                          <m:jc m:val="centerGroup"/>
+                        </m:oMathParaPr>
+                        <m:oMath xmlns:m="http://schemas.openxmlformats.org/officeDocument/2006/math">
+                          <m:sSub>
+                            <m:sSubPr>
+                              <m:ctrlPr>
+                                <a:rPr lang="en-US" sz="2000" b="0" i="1" smtClean="0">
+                                  <a:latin typeface="Cambria Math" panose="02040503050406030204" pitchFamily="18" charset="0"/>
+                                </a:rPr>
+                              </m:ctrlPr>
+                            </m:sSubPr>
+                            <m:e>
+                              <m:r>
+                                <a:rPr lang="en-US" sz="2000" b="0" i="1" smtClean="0">
+                                  <a:latin typeface="Cambria Math" panose="02040503050406030204" pitchFamily="18" charset="0"/>
+                                </a:rPr>
+                                <m:t>𝜆</m:t>
+                              </m:r>
+                            </m:e>
+                            <m:sub>
+                              <m:r>
+                                <a:rPr lang="en-US" sz="2000" b="0" i="1" smtClean="0">
+                                  <a:latin typeface="Cambria Math" panose="02040503050406030204" pitchFamily="18" charset="0"/>
+                                </a:rPr>
+                                <m:t>1</m:t>
+                              </m:r>
+                            </m:sub>
+                          </m:sSub>
+                          <m:r>
+                            <a:rPr lang="en-US" sz="2000" b="0" i="1" smtClean="0">
+                              <a:latin typeface="Cambria Math" panose="02040503050406030204" pitchFamily="18" charset="0"/>
+                            </a:rPr>
+                            <m:t>&lt;</m:t>
+                          </m:r>
+                          <m:sSub>
+                            <m:sSubPr>
+                              <m:ctrlPr>
+                                <a:rPr lang="en-US" sz="2000" b="0" i="1" smtClean="0">
+                                  <a:latin typeface="Cambria Math" panose="02040503050406030204" pitchFamily="18" charset="0"/>
+                                </a:rPr>
+                              </m:ctrlPr>
+                            </m:sSubPr>
+                            <m:e>
+                              <m:r>
+                                <a:rPr lang="en-US" sz="2000" b="0" i="1" smtClean="0">
+                                  <a:latin typeface="Cambria Math" panose="02040503050406030204" pitchFamily="18" charset="0"/>
+                                </a:rPr>
+                                <m:t>𝜆</m:t>
+                              </m:r>
+                            </m:e>
+                            <m:sub>
+                              <m:r>
+                                <a:rPr lang="en-US" sz="2000" b="0" i="1" smtClean="0">
+                                  <a:latin typeface="Cambria Math" panose="02040503050406030204" pitchFamily="18" charset="0"/>
+                                </a:rPr>
+                                <m:t>2</m:t>
+                              </m:r>
+                            </m:sub>
+                          </m:sSub>
+                        </m:oMath>
+                      </m:oMathPara>
+                    </a14:m>
+                    <a:endParaRPr lang="en-US" sz="2000" dirty="0"/>
+                  </a:p>
+                </p:txBody>
+              </p:sp>
+            </mc:Choice>
+            <mc:Fallback xmlns="">
+              <p:sp>
+                <p:nvSpPr>
+                  <p:cNvPr id="7" name="Rounded Rectangle 6">
+                    <a:extLst>
+                      <a:ext uri="{FF2B5EF4-FFF2-40B4-BE49-F238E27FC236}">
+                        <a16:creationId xmlns:a16="http://schemas.microsoft.com/office/drawing/2014/main" id="{03E3798F-9274-4F2F-8CD8-AA75BF3E69C1}"/>
+                      </a:ext>
+                    </a:extLst>
+                  </p:cNvPr>
+                  <p:cNvSpPr>
+                    <a:spLocks noRot="1" noChangeAspect="1" noMove="1" noResize="1" noEditPoints="1" noAdjustHandles="1" noChangeArrowheads="1" noChangeShapeType="1" noTextEdit="1"/>
+                  </p:cNvSpPr>
+                  <p:nvPr/>
+                </p:nvSpPr>
+                <p:spPr>
+                  <a:xfrm>
+                    <a:off x="7742135" y="3724339"/>
+                    <a:ext cx="1463040" cy="548640"/>
+                  </a:xfrm>
+                  <a:prstGeom prst="roundRect">
+                    <a:avLst/>
+                  </a:prstGeom>
+                  <a:blipFill>
+                    <a:blip r:embed="rId5"/>
+                    <a:stretch>
+                      <a:fillRect/>
+                    </a:stretch>
+                  </a:blipFill>
+                  <a:ln w="25400">
+                    <a:noFill/>
+                  </a:ln>
+                </p:spPr>
+                <p:txBody>
+                  <a:bodyPr/>
+                  <a:lstStyle/>
+                  <a:p>
+                    <a:r>
+                      <a:rPr lang="en-US">
+                        <a:noFill/>
+                      </a:rPr>
+                      <a:t> </a:t>
+                    </a:r>
+                  </a:p>
+                </p:txBody>
+              </p:sp>
+            </mc:Fallback>
+          </mc:AlternateContent>
+          <mc:AlternateContent xmlns:mc="http://schemas.openxmlformats.org/markup-compatibility/2006" xmlns:a14="http://schemas.microsoft.com/office/drawing/2010/main">
+            <mc:Choice Requires="a14">
+              <p:sp>
+                <p:nvSpPr>
+                  <p:cNvPr id="8" name="Rounded Rectangle 7">
+                    <a:extLst>
+                      <a:ext uri="{FF2B5EF4-FFF2-40B4-BE49-F238E27FC236}">
+                        <a16:creationId xmlns:a16="http://schemas.microsoft.com/office/drawing/2014/main" id="{26D9913C-9096-61F5-CF35-E5FDCDC0BD6B}"/>
+                      </a:ext>
+                    </a:extLst>
+                  </p:cNvPr>
+                  <p:cNvSpPr>
+                    <a:spLocks noChangeAspect="1"/>
+                  </p:cNvSpPr>
+                  <p:nvPr/>
+                </p:nvSpPr>
+                <p:spPr>
+                  <a:xfrm>
+                    <a:off x="7742135" y="280493"/>
+                    <a:ext cx="1463040" cy="548640"/>
+                  </a:xfrm>
+                  <a:prstGeom prst="roundRect">
+                    <a:avLst/>
+                  </a:prstGeom>
+                  <a:solidFill>
+                    <a:schemeClr val="accent1">
+                      <a:alpha val="80000"/>
+                    </a:schemeClr>
+                  </a:solidFill>
+                  <a:ln w="25400">
+                    <a:noFill/>
+                  </a:ln>
+                </p:spPr>
+                <p:style>
+                  <a:lnRef idx="2">
+                    <a:schemeClr val="accent1">
+                      <a:shade val="15000"/>
+                    </a:schemeClr>
+                  </a:lnRef>
+                  <a:fillRef idx="1">
+                    <a:schemeClr val="accent1"/>
+                  </a:fillRef>
+                  <a:effectRef idx="0">
+                    <a:schemeClr val="accent1"/>
+                  </a:effectRef>
+                  <a:fontRef idx="minor">
+                    <a:schemeClr val="lt1"/>
+                  </a:fontRef>
+                </p:style>
+                <p:txBody>
+                  <a:bodyPr rtlCol="0" anchor="ctr"/>
+                  <a:lstStyle/>
+                  <a:p>
+                    <a:pPr algn="ctr"/>
+                    <a14:m>
+                      <m:oMathPara xmlns:m="http://schemas.openxmlformats.org/officeDocument/2006/math">
+                        <m:oMathParaPr>
+                          <m:jc m:val="centerGroup"/>
+                        </m:oMathParaPr>
+                        <m:oMath xmlns:m="http://schemas.openxmlformats.org/officeDocument/2006/math">
+                          <m:sSub>
+                            <m:sSubPr>
+                              <m:ctrlPr>
+                                <a:rPr lang="en-US" sz="2000" b="0" i="1" smtClean="0">
+                                  <a:latin typeface="Cambria Math" panose="02040503050406030204" pitchFamily="18" charset="0"/>
+                                </a:rPr>
+                              </m:ctrlPr>
+                            </m:sSubPr>
+                            <m:e>
+                              <m:r>
+                                <a:rPr lang="en-US" sz="2000" b="0" i="1" smtClean="0">
+                                  <a:latin typeface="Cambria Math" panose="02040503050406030204" pitchFamily="18" charset="0"/>
+                                </a:rPr>
+                                <m:t>𝐶</m:t>
+                              </m:r>
+                            </m:e>
+                            <m:sub>
+                              <m:r>
+                                <a:rPr lang="en-US" sz="2000" b="0" i="1" smtClean="0">
+                                  <a:latin typeface="Cambria Math" panose="02040503050406030204" pitchFamily="18" charset="0"/>
+                                </a:rPr>
+                                <m:t>1</m:t>
+                              </m:r>
+                            </m:sub>
+                          </m:sSub>
+                          <m:r>
+                            <a:rPr lang="en-US" sz="2000" b="0" i="1" smtClean="0">
+                              <a:latin typeface="Cambria Math" panose="02040503050406030204" pitchFamily="18" charset="0"/>
+                            </a:rPr>
+                            <m:t>&gt;</m:t>
+                          </m:r>
+                          <m:sSub>
+                            <m:sSubPr>
+                              <m:ctrlPr>
+                                <a:rPr lang="en-US" sz="2000" b="0" i="1" smtClean="0">
+                                  <a:latin typeface="Cambria Math" panose="02040503050406030204" pitchFamily="18" charset="0"/>
+                                </a:rPr>
+                              </m:ctrlPr>
+                            </m:sSubPr>
+                            <m:e>
+                              <m:r>
+                                <a:rPr lang="en-US" sz="2000" b="0" i="1" smtClean="0">
+                                  <a:latin typeface="Cambria Math" panose="02040503050406030204" pitchFamily="18" charset="0"/>
+                                </a:rPr>
+                                <m:t>𝐶</m:t>
+                              </m:r>
+                            </m:e>
+                            <m:sub>
+                              <m:r>
+                                <a:rPr lang="en-US" sz="2000" b="0" i="1" smtClean="0">
+                                  <a:latin typeface="Cambria Math" panose="02040503050406030204" pitchFamily="18" charset="0"/>
+                                </a:rPr>
+                                <m:t>2</m:t>
+                              </m:r>
+                            </m:sub>
+                          </m:sSub>
+                        </m:oMath>
+                      </m:oMathPara>
+                    </a14:m>
+                    <a:endParaRPr lang="en-US" sz="2000" dirty="0"/>
+                  </a:p>
+                </p:txBody>
+              </p:sp>
+            </mc:Choice>
+            <mc:Fallback xmlns="">
+              <p:sp>
+                <p:nvSpPr>
+                  <p:cNvPr id="8" name="Rounded Rectangle 7">
+                    <a:extLst>
+                      <a:ext uri="{FF2B5EF4-FFF2-40B4-BE49-F238E27FC236}">
+                        <a16:creationId xmlns:a16="http://schemas.microsoft.com/office/drawing/2014/main" id="{26D9913C-9096-61F5-CF35-E5FDCDC0BD6B}"/>
+                      </a:ext>
+                    </a:extLst>
+                  </p:cNvPr>
+                  <p:cNvSpPr>
+                    <a:spLocks noRot="1" noChangeAspect="1" noMove="1" noResize="1" noEditPoints="1" noAdjustHandles="1" noChangeArrowheads="1" noChangeShapeType="1" noTextEdit="1"/>
+                  </p:cNvSpPr>
+                  <p:nvPr/>
+                </p:nvSpPr>
+                <p:spPr>
+                  <a:xfrm>
+                    <a:off x="7742135" y="280493"/>
+                    <a:ext cx="1463040" cy="548640"/>
+                  </a:xfrm>
+                  <a:prstGeom prst="roundRect">
+                    <a:avLst/>
+                  </a:prstGeom>
+                  <a:blipFill>
+                    <a:blip r:embed="rId6"/>
+                    <a:stretch>
+                      <a:fillRect/>
+                    </a:stretch>
+                  </a:blipFill>
+                  <a:ln w="25400">
+                    <a:noFill/>
+                  </a:ln>
+                </p:spPr>
+                <p:txBody>
+                  <a:bodyPr/>
+                  <a:lstStyle/>
+                  <a:p>
+                    <a:r>
+                      <a:rPr lang="en-US">
+                        <a:noFill/>
+                      </a:rPr>
+                      <a:t> </a:t>
+                    </a:r>
+                  </a:p>
+                </p:txBody>
+              </p:sp>
+            </mc:Fallback>
+          </mc:AlternateContent>
+          <mc:AlternateContent xmlns:mc="http://schemas.openxmlformats.org/markup-compatibility/2006" xmlns:a14="http://schemas.microsoft.com/office/drawing/2010/main">
+            <mc:Choice Requires="a14">
+              <p:sp>
+                <p:nvSpPr>
+                  <p:cNvPr id="9" name="Rounded Rectangle 8">
+                    <a:extLst>
+                      <a:ext uri="{FF2B5EF4-FFF2-40B4-BE49-F238E27FC236}">
+                        <a16:creationId xmlns:a16="http://schemas.microsoft.com/office/drawing/2014/main" id="{7BB766CB-094C-2626-4CBB-2D696D8AFDC9}"/>
+                      </a:ext>
+                    </a:extLst>
+                  </p:cNvPr>
+                  <p:cNvSpPr>
+                    <a:spLocks noChangeAspect="1"/>
+                  </p:cNvSpPr>
+                  <p:nvPr/>
+                </p:nvSpPr>
+                <p:spPr>
+                  <a:xfrm>
+                    <a:off x="10407385" y="3724339"/>
+                    <a:ext cx="1463040" cy="548640"/>
+                  </a:xfrm>
+                  <a:prstGeom prst="roundRect">
+                    <a:avLst/>
+                  </a:prstGeom>
+                  <a:solidFill>
+                    <a:schemeClr val="accent1">
+                      <a:alpha val="80000"/>
+                    </a:schemeClr>
+                  </a:solidFill>
+                  <a:ln w="25400">
+                    <a:noFill/>
+                  </a:ln>
+                </p:spPr>
+                <p:style>
+                  <a:lnRef idx="2">
+                    <a:schemeClr val="accent1">
+                      <a:shade val="15000"/>
+                    </a:schemeClr>
+                  </a:lnRef>
+                  <a:fillRef idx="1">
+                    <a:schemeClr val="accent1"/>
+                  </a:fillRef>
+                  <a:effectRef idx="0">
+                    <a:schemeClr val="accent1"/>
+                  </a:effectRef>
+                  <a:fontRef idx="minor">
+                    <a:schemeClr val="lt1"/>
+                  </a:fontRef>
+                </p:style>
+                <p:txBody>
+                  <a:bodyPr rtlCol="0" anchor="ctr"/>
+                  <a:lstStyle/>
+                  <a:p>
+                    <a:pPr algn="ctr"/>
+                    <a14:m>
+                      <m:oMathPara xmlns:m="http://schemas.openxmlformats.org/officeDocument/2006/math">
+                        <m:oMathParaPr>
+                          <m:jc m:val="centerGroup"/>
+                        </m:oMathParaPr>
+                        <m:oMath xmlns:m="http://schemas.openxmlformats.org/officeDocument/2006/math">
+                          <m:sSub>
+                            <m:sSubPr>
+                              <m:ctrlPr>
+                                <a:rPr lang="en-US" sz="2000" b="0" i="1" smtClean="0">
+                                  <a:latin typeface="Cambria Math" panose="02040503050406030204" pitchFamily="18" charset="0"/>
+                                </a:rPr>
+                              </m:ctrlPr>
+                            </m:sSubPr>
+                            <m:e>
+                              <m:r>
+                                <a:rPr lang="en-US" sz="2000" b="0" i="1" smtClean="0">
+                                  <a:latin typeface="Cambria Math" panose="02040503050406030204" pitchFamily="18" charset="0"/>
+                                </a:rPr>
+                                <m:t>𝑝</m:t>
+                              </m:r>
+                            </m:e>
+                            <m:sub>
+                              <m:r>
+                                <a:rPr lang="en-US" sz="2000" b="0" i="1" smtClean="0">
+                                  <a:latin typeface="Cambria Math" panose="02040503050406030204" pitchFamily="18" charset="0"/>
+                                </a:rPr>
+                                <m:t>1</m:t>
+                              </m:r>
+                            </m:sub>
+                          </m:sSub>
+                          <m:r>
+                            <a:rPr lang="en-US" sz="2000" b="0" i="1" smtClean="0">
+                              <a:latin typeface="Cambria Math" panose="02040503050406030204" pitchFamily="18" charset="0"/>
+                            </a:rPr>
+                            <m:t>&gt;</m:t>
+                          </m:r>
+                          <m:sSub>
+                            <m:sSubPr>
+                              <m:ctrlPr>
+                                <a:rPr lang="en-US" sz="2000" b="0" i="1" smtClean="0">
+                                  <a:latin typeface="Cambria Math" panose="02040503050406030204" pitchFamily="18" charset="0"/>
+                                </a:rPr>
+                              </m:ctrlPr>
+                            </m:sSubPr>
+                            <m:e>
+                              <m:r>
+                                <a:rPr lang="en-US" sz="2000" b="0" i="1" smtClean="0">
+                                  <a:latin typeface="Cambria Math" panose="02040503050406030204" pitchFamily="18" charset="0"/>
+                                </a:rPr>
+                                <m:t>𝑝</m:t>
+                              </m:r>
+                            </m:e>
+                            <m:sub>
+                              <m:r>
+                                <a:rPr lang="en-US" sz="2000" b="0" i="1" smtClean="0">
+                                  <a:latin typeface="Cambria Math" panose="02040503050406030204" pitchFamily="18" charset="0"/>
+                                </a:rPr>
+                                <m:t>2</m:t>
+                              </m:r>
+                            </m:sub>
+                          </m:sSub>
+                        </m:oMath>
+                      </m:oMathPara>
+                    </a14:m>
+                    <a:endParaRPr lang="en-US" sz="2000" dirty="0"/>
+                  </a:p>
+                </p:txBody>
+              </p:sp>
+            </mc:Choice>
+            <mc:Fallback xmlns="">
+              <p:sp>
+                <p:nvSpPr>
+                  <p:cNvPr id="9" name="Rounded Rectangle 8">
+                    <a:extLst>
+                      <a:ext uri="{FF2B5EF4-FFF2-40B4-BE49-F238E27FC236}">
+                        <a16:creationId xmlns:a16="http://schemas.microsoft.com/office/drawing/2014/main" id="{7BB766CB-094C-2626-4CBB-2D696D8AFDC9}"/>
+                      </a:ext>
+                    </a:extLst>
+                  </p:cNvPr>
+                  <p:cNvSpPr>
+                    <a:spLocks noRot="1" noChangeAspect="1" noMove="1" noResize="1" noEditPoints="1" noAdjustHandles="1" noChangeArrowheads="1" noChangeShapeType="1" noTextEdit="1"/>
+                  </p:cNvSpPr>
+                  <p:nvPr/>
+                </p:nvSpPr>
+                <p:spPr>
+                  <a:xfrm>
+                    <a:off x="10407385" y="3724339"/>
+                    <a:ext cx="1463040" cy="548640"/>
+                  </a:xfrm>
+                  <a:prstGeom prst="roundRect">
+                    <a:avLst/>
+                  </a:prstGeom>
+                  <a:blipFill>
+                    <a:blip r:embed="rId7"/>
+                    <a:stretch>
+                      <a:fillRect/>
+                    </a:stretch>
+                  </a:blipFill>
+                  <a:ln w="25400">
+                    <a:noFill/>
+                  </a:ln>
+                </p:spPr>
+                <p:txBody>
+                  <a:bodyPr/>
+                  <a:lstStyle/>
+                  <a:p>
+                    <a:r>
+                      <a:rPr lang="en-US">
+                        <a:noFill/>
+                      </a:rPr>
+                      <a:t> </a:t>
+                    </a:r>
+                  </a:p>
+                </p:txBody>
+              </p:sp>
+            </mc:Fallback>
+          </mc:AlternateContent>
+          <mc:AlternateContent xmlns:mc="http://schemas.openxmlformats.org/markup-compatibility/2006" xmlns:a14="http://schemas.microsoft.com/office/drawing/2010/main">
+            <mc:Choice Requires="a14">
+              <p:sp>
+                <p:nvSpPr>
+                  <p:cNvPr id="10" name="Rounded Rectangle 9">
+                    <a:extLst>
+                      <a:ext uri="{FF2B5EF4-FFF2-40B4-BE49-F238E27FC236}">
+                        <a16:creationId xmlns:a16="http://schemas.microsoft.com/office/drawing/2014/main" id="{4EDEEB6E-EF71-A791-2118-31DD6BEC8B62}"/>
+                      </a:ext>
+                    </a:extLst>
+                  </p:cNvPr>
+                  <p:cNvSpPr>
+                    <a:spLocks noChangeAspect="1"/>
+                  </p:cNvSpPr>
+                  <p:nvPr/>
+                </p:nvSpPr>
+                <p:spPr>
+                  <a:xfrm>
+                    <a:off x="2411635" y="2002416"/>
+                    <a:ext cx="1463040" cy="548640"/>
+                  </a:xfrm>
+                  <a:prstGeom prst="roundRect">
+                    <a:avLst/>
+                  </a:prstGeom>
+                  <a:solidFill>
+                    <a:schemeClr val="accent1">
+                      <a:alpha val="80000"/>
+                    </a:schemeClr>
+                  </a:solidFill>
+                  <a:ln w="25400">
+                    <a:noFill/>
+                  </a:ln>
+                </p:spPr>
+                <p:style>
+                  <a:lnRef idx="2">
+                    <a:schemeClr val="accent1">
+                      <a:shade val="15000"/>
+                    </a:schemeClr>
+                  </a:lnRef>
+                  <a:fillRef idx="1">
+                    <a:schemeClr val="accent1"/>
+                  </a:fillRef>
+                  <a:effectRef idx="0">
+                    <a:schemeClr val="accent1"/>
+                  </a:effectRef>
+                  <a:fontRef idx="minor">
+                    <a:schemeClr val="lt1"/>
+                  </a:fontRef>
+                </p:style>
+                <p:txBody>
+                  <a:bodyPr rtlCol="0" anchor="ctr"/>
+                  <a:lstStyle/>
+                  <a:p>
+                    <a:pPr algn="ctr"/>
+                    <a14:m>
                       <m:oMath xmlns:m="http://schemas.openxmlformats.org/officeDocument/2006/math">
                         <m:sSub>
                           <m:sSubPr>
@@ -13823,7 +14871,7 @@
                               <a:rPr lang="en-US" sz="2000" b="0" i="1" smtClean="0">
                                 <a:latin typeface="Cambria Math" panose="02040503050406030204" pitchFamily="18" charset="0"/>
                               </a:rPr>
-                              <m:t>𝑓</m:t>
+                              <m:t>𝜀</m:t>
                             </m:r>
                           </m:e>
                           <m:sub>
@@ -13854,7 +14902,7 @@
                               <a:rPr lang="en-US" sz="2000" b="0" i="1" smtClean="0">
                                 <a:latin typeface="Cambria Math" panose="02040503050406030204" pitchFamily="18" charset="0"/>
                               </a:rPr>
-                              <m:t>𝑓</m:t>
+                              <m:t>𝜀</m:t>
                             </m:r>
                           </m:e>
                           <m:sub>
@@ -13867,2154 +14915,1865 @@
                           </m:sub>
                         </m:sSub>
                       </m:oMath>
-                    </m:oMathPara>
-                  </a14:m>
-                  <a:endParaRPr lang="en-US" sz="2000" dirty="0"/>
-                </a:p>
-              </p:txBody>
-            </p:sp>
-          </mc:Choice>
-          <mc:Fallback xmlns="">
-            <p:sp>
-              <p:nvSpPr>
-                <p:cNvPr id="4" name="Rounded Rectangle 3">
-                  <a:extLst>
-                    <a:ext uri="{FF2B5EF4-FFF2-40B4-BE49-F238E27FC236}">
-                      <a16:creationId xmlns:a16="http://schemas.microsoft.com/office/drawing/2014/main" id="{C307720C-D3E9-8DD5-1BE9-3D3B0DCBCD09}"/>
-                    </a:ext>
-                  </a:extLst>
-                </p:cNvPr>
-                <p:cNvSpPr>
-                  <a:spLocks noRot="1" noChangeAspect="1" noMove="1" noResize="1" noEditPoints="1" noAdjustHandles="1" noChangeArrowheads="1" noChangeShapeType="1" noTextEdit="1"/>
-                </p:cNvSpPr>
-                <p:nvPr/>
-              </p:nvSpPr>
-              <p:spPr>
-                <a:xfrm>
-                  <a:off x="5076885" y="2002416"/>
-                  <a:ext cx="1463040" cy="548640"/>
-                </a:xfrm>
-                <a:prstGeom prst="roundRect">
-                  <a:avLst/>
-                </a:prstGeom>
-                <a:blipFill>
-                  <a:blip r:embed="rId2"/>
-                  <a:stretch>
-                    <a:fillRect/>
-                  </a:stretch>
-                </a:blipFill>
-                <a:ln w="25400">
-                  <a:noFill/>
-                </a:ln>
-              </p:spPr>
-              <p:txBody>
-                <a:bodyPr/>
-                <a:lstStyle/>
-                <a:p>
-                  <a:r>
-                    <a:rPr lang="en-US">
-                      <a:noFill/>
-                    </a:rPr>
-                    <a:t> </a:t>
-                  </a:r>
-                </a:p>
-              </p:txBody>
-            </p:sp>
-          </mc:Fallback>
-        </mc:AlternateContent>
-        <mc:AlternateContent xmlns:mc="http://schemas.openxmlformats.org/markup-compatibility/2006" xmlns:a14="http://schemas.microsoft.com/office/drawing/2010/main">
-          <mc:Choice Requires="a14">
-            <p:sp>
-              <p:nvSpPr>
-                <p:cNvPr id="5" name="Rounded Rectangle 4">
-                  <a:extLst>
-                    <a:ext uri="{FF2B5EF4-FFF2-40B4-BE49-F238E27FC236}">
-                      <a16:creationId xmlns:a16="http://schemas.microsoft.com/office/drawing/2014/main" id="{C30EE7DA-125E-8608-C30F-3290FA1CEB1F}"/>
-                    </a:ext>
-                  </a:extLst>
-                </p:cNvPr>
-                <p:cNvSpPr>
-                  <a:spLocks noChangeAspect="1"/>
-                </p:cNvSpPr>
-                <p:nvPr/>
-              </p:nvSpPr>
-              <p:spPr>
-                <a:xfrm>
-                  <a:off x="7742135" y="2002416"/>
-                  <a:ext cx="1463040" cy="548640"/>
-                </a:xfrm>
-                <a:prstGeom prst="roundRect">
-                  <a:avLst/>
-                </a:prstGeom>
-                <a:solidFill>
-                  <a:schemeClr val="accent1">
-                    <a:alpha val="80000"/>
-                  </a:schemeClr>
-                </a:solidFill>
-                <a:ln w="25400">
-                  <a:noFill/>
-                </a:ln>
-              </p:spPr>
-              <p:style>
-                <a:lnRef idx="2">
-                  <a:schemeClr val="accent1">
-                    <a:shade val="15000"/>
-                  </a:schemeClr>
-                </a:lnRef>
-                <a:fillRef idx="1">
-                  <a:schemeClr val="accent1"/>
-                </a:fillRef>
-                <a:effectRef idx="0">
-                  <a:schemeClr val="accent1"/>
-                </a:effectRef>
-                <a:fontRef idx="minor">
-                  <a:schemeClr val="lt1"/>
-                </a:fontRef>
-              </p:style>
-              <p:txBody>
-                <a:bodyPr rtlCol="0" anchor="ctr"/>
-                <a:lstStyle/>
-                <a:p>
-                  <a:pPr algn="ctr"/>
-                  <a14:m>
-                    <m:oMathPara xmlns:m="http://schemas.openxmlformats.org/officeDocument/2006/math">
-                      <m:oMathParaPr>
-                        <m:jc m:val="centerGroup"/>
-                      </m:oMathParaPr>
-                      <m:oMath xmlns:m="http://schemas.openxmlformats.org/officeDocument/2006/math">
-                        <m:sSub>
-                          <m:sSubPr>
-                            <m:ctrlPr>
-                              <a:rPr lang="en-US" sz="2000" b="0" i="1" smtClean="0">
-                                <a:latin typeface="Cambria Math" panose="02040503050406030204" pitchFamily="18" charset="0"/>
-                              </a:rPr>
-                            </m:ctrlPr>
-                          </m:sSubPr>
-                          <m:e>
-                            <m:r>
-                              <a:rPr lang="en-US" sz="2000" b="0" i="1" smtClean="0">
-                                <a:latin typeface="Cambria Math" panose="02040503050406030204" pitchFamily="18" charset="0"/>
-                              </a:rPr>
-                              <m:t>𝑛</m:t>
-                            </m:r>
-                          </m:e>
-                          <m:sub>
-                            <m:r>
-                              <a:rPr lang="en-US" sz="2000" b="0" i="1" smtClean="0">
-                                <a:latin typeface="Cambria Math" panose="02040503050406030204" pitchFamily="18" charset="0"/>
-                              </a:rPr>
-                              <m:t>1</m:t>
-                            </m:r>
-                          </m:sub>
-                        </m:sSub>
-                        <m:r>
-                          <a:rPr lang="en-US" sz="2000" b="0" i="1" smtClean="0">
-                            <a:latin typeface="Cambria Math" panose="02040503050406030204" pitchFamily="18" charset="0"/>
-                          </a:rPr>
-                          <m:t>&gt;</m:t>
-                        </m:r>
-                        <m:sSub>
-                          <m:sSubPr>
-                            <m:ctrlPr>
-                              <a:rPr lang="en-US" sz="2000" b="0" i="1" smtClean="0">
-                                <a:latin typeface="Cambria Math" panose="02040503050406030204" pitchFamily="18" charset="0"/>
-                              </a:rPr>
-                            </m:ctrlPr>
-                          </m:sSubPr>
-                          <m:e>
-                            <m:r>
-                              <a:rPr lang="en-US" sz="2000" b="0" i="1" smtClean="0">
-                                <a:latin typeface="Cambria Math" panose="02040503050406030204" pitchFamily="18" charset="0"/>
-                              </a:rPr>
-                              <m:t>𝑛</m:t>
-                            </m:r>
-                          </m:e>
-                          <m:sub>
-                            <m:r>
-                              <a:rPr lang="en-US" sz="2000" b="0" i="1" smtClean="0">
-                                <a:latin typeface="Cambria Math" panose="02040503050406030204" pitchFamily="18" charset="0"/>
-                              </a:rPr>
-                              <m:t>2</m:t>
-                            </m:r>
-                          </m:sub>
-                        </m:sSub>
-                      </m:oMath>
-                    </m:oMathPara>
-                  </a14:m>
-                  <a:endParaRPr lang="en-US" sz="2000" dirty="0"/>
-                </a:p>
-              </p:txBody>
-            </p:sp>
-          </mc:Choice>
-          <mc:Fallback xmlns="">
-            <p:sp>
-              <p:nvSpPr>
-                <p:cNvPr id="5" name="Rounded Rectangle 4">
-                  <a:extLst>
-                    <a:ext uri="{FF2B5EF4-FFF2-40B4-BE49-F238E27FC236}">
-                      <a16:creationId xmlns:a16="http://schemas.microsoft.com/office/drawing/2014/main" id="{C30EE7DA-125E-8608-C30F-3290FA1CEB1F}"/>
-                    </a:ext>
-                  </a:extLst>
-                </p:cNvPr>
-                <p:cNvSpPr>
-                  <a:spLocks noRot="1" noChangeAspect="1" noMove="1" noResize="1" noEditPoints="1" noAdjustHandles="1" noChangeArrowheads="1" noChangeShapeType="1" noTextEdit="1"/>
-                </p:cNvSpPr>
-                <p:nvPr/>
-              </p:nvSpPr>
-              <p:spPr>
-                <a:xfrm>
-                  <a:off x="7742135" y="2002416"/>
-                  <a:ext cx="1463040" cy="548640"/>
-                </a:xfrm>
-                <a:prstGeom prst="roundRect">
-                  <a:avLst/>
-                </a:prstGeom>
-                <a:blipFill>
-                  <a:blip r:embed="rId3"/>
-                  <a:stretch>
-                    <a:fillRect/>
-                  </a:stretch>
-                </a:blipFill>
-                <a:ln w="25400">
-                  <a:noFill/>
-                </a:ln>
-              </p:spPr>
-              <p:txBody>
-                <a:bodyPr/>
-                <a:lstStyle/>
-                <a:p>
-                  <a:r>
-                    <a:rPr lang="en-US">
-                      <a:noFill/>
-                    </a:rPr>
-                    <a:t> </a:t>
-                  </a:r>
-                </a:p>
-              </p:txBody>
-            </p:sp>
-          </mc:Fallback>
-        </mc:AlternateContent>
-        <mc:AlternateContent xmlns:mc="http://schemas.openxmlformats.org/markup-compatibility/2006" xmlns:a14="http://schemas.microsoft.com/office/drawing/2010/main">
-          <mc:Choice Requires="a14">
-            <p:sp>
-              <p:nvSpPr>
-                <p:cNvPr id="6" name="Rounded Rectangle 5">
-                  <a:extLst>
-                    <a:ext uri="{FF2B5EF4-FFF2-40B4-BE49-F238E27FC236}">
-                      <a16:creationId xmlns:a16="http://schemas.microsoft.com/office/drawing/2014/main" id="{DD69C4D6-BFD7-B61D-A34C-352ED1C1D3E5}"/>
-                    </a:ext>
-                  </a:extLst>
-                </p:cNvPr>
-                <p:cNvSpPr>
-                  <a:spLocks noChangeAspect="1"/>
-                </p:cNvSpPr>
-                <p:nvPr/>
-              </p:nvSpPr>
-              <p:spPr>
-                <a:xfrm>
-                  <a:off x="10407385" y="2002416"/>
-                  <a:ext cx="1463040" cy="548640"/>
-                </a:xfrm>
-                <a:prstGeom prst="roundRect">
-                  <a:avLst/>
-                </a:prstGeom>
-                <a:solidFill>
-                  <a:schemeClr val="accent1">
-                    <a:alpha val="80000"/>
-                  </a:schemeClr>
-                </a:solidFill>
-                <a:ln w="25400">
-                  <a:noFill/>
-                </a:ln>
-              </p:spPr>
-              <p:style>
-                <a:lnRef idx="2">
-                  <a:schemeClr val="accent1">
-                    <a:shade val="15000"/>
-                  </a:schemeClr>
-                </a:lnRef>
-                <a:fillRef idx="1">
-                  <a:schemeClr val="accent1"/>
-                </a:fillRef>
-                <a:effectRef idx="0">
-                  <a:schemeClr val="accent1"/>
-                </a:effectRef>
-                <a:fontRef idx="minor">
-                  <a:schemeClr val="lt1"/>
-                </a:fontRef>
-              </p:style>
-              <p:txBody>
-                <a:bodyPr rtlCol="0" anchor="ctr"/>
-                <a:lstStyle/>
-                <a:p>
-                  <a:pPr algn="ctr"/>
-                  <a14:m>
-                    <m:oMathPara xmlns:m="http://schemas.openxmlformats.org/officeDocument/2006/math">
-                      <m:oMathParaPr>
-                        <m:jc m:val="centerGroup"/>
-                      </m:oMathParaPr>
-                      <m:oMath xmlns:m="http://schemas.openxmlformats.org/officeDocument/2006/math">
-                        <m:sSub>
-                          <m:sSubPr>
-                            <m:ctrlPr>
-                              <a:rPr lang="en-US" sz="2000" b="0" i="1" smtClean="0">
-                                <a:latin typeface="Cambria Math" panose="02040503050406030204" pitchFamily="18" charset="0"/>
-                              </a:rPr>
-                            </m:ctrlPr>
-                          </m:sSubPr>
-                          <m:e>
-                            <m:r>
-                              <a:rPr lang="en-US" sz="2000" b="0" i="1" smtClean="0">
-                                <a:latin typeface="Cambria Math" panose="02040503050406030204" pitchFamily="18" charset="0"/>
-                              </a:rPr>
-                              <m:t>𝑣</m:t>
-                            </m:r>
-                          </m:e>
-                          <m:sub>
-                            <m:r>
-                              <a:rPr lang="en-US" sz="2000" b="0" i="1" smtClean="0">
-                                <a:latin typeface="Cambria Math" panose="02040503050406030204" pitchFamily="18" charset="0"/>
-                              </a:rPr>
-                              <m:t>1</m:t>
-                            </m:r>
-                          </m:sub>
-                        </m:sSub>
-                        <m:r>
-                          <a:rPr lang="en-US" sz="2000" b="0" i="1" smtClean="0">
-                            <a:latin typeface="Cambria Math" panose="02040503050406030204" pitchFamily="18" charset="0"/>
-                          </a:rPr>
-                          <m:t>&lt;</m:t>
-                        </m:r>
-                        <m:sSub>
-                          <m:sSubPr>
-                            <m:ctrlPr>
-                              <a:rPr lang="en-US" sz="2000" b="0" i="1" smtClean="0">
-                                <a:latin typeface="Cambria Math" panose="02040503050406030204" pitchFamily="18" charset="0"/>
-                              </a:rPr>
-                            </m:ctrlPr>
-                          </m:sSubPr>
-                          <m:e>
-                            <m:r>
-                              <a:rPr lang="en-US" sz="2000" b="0" i="1" smtClean="0">
-                                <a:latin typeface="Cambria Math" panose="02040503050406030204" pitchFamily="18" charset="0"/>
-                              </a:rPr>
-                              <m:t>𝑣</m:t>
-                            </m:r>
-                          </m:e>
-                          <m:sub>
-                            <m:r>
-                              <a:rPr lang="en-US" sz="2000" b="0" i="1" smtClean="0">
-                                <a:latin typeface="Cambria Math" panose="02040503050406030204" pitchFamily="18" charset="0"/>
-                              </a:rPr>
-                              <m:t>2</m:t>
-                            </m:r>
-                          </m:sub>
-                        </m:sSub>
-                      </m:oMath>
-                    </m:oMathPara>
-                  </a14:m>
-                  <a:endParaRPr lang="en-US" sz="2000" dirty="0"/>
-                </a:p>
-              </p:txBody>
-            </p:sp>
-          </mc:Choice>
-          <mc:Fallback xmlns="">
-            <p:sp>
-              <p:nvSpPr>
-                <p:cNvPr id="6" name="Rounded Rectangle 5">
-                  <a:extLst>
-                    <a:ext uri="{FF2B5EF4-FFF2-40B4-BE49-F238E27FC236}">
-                      <a16:creationId xmlns:a16="http://schemas.microsoft.com/office/drawing/2014/main" id="{DD69C4D6-BFD7-B61D-A34C-352ED1C1D3E5}"/>
-                    </a:ext>
-                  </a:extLst>
-                </p:cNvPr>
-                <p:cNvSpPr>
-                  <a:spLocks noRot="1" noChangeAspect="1" noMove="1" noResize="1" noEditPoints="1" noAdjustHandles="1" noChangeArrowheads="1" noChangeShapeType="1" noTextEdit="1"/>
-                </p:cNvSpPr>
-                <p:nvPr/>
-              </p:nvSpPr>
-              <p:spPr>
-                <a:xfrm>
-                  <a:off x="10407385" y="2002416"/>
-                  <a:ext cx="1463040" cy="548640"/>
-                </a:xfrm>
-                <a:prstGeom prst="roundRect">
-                  <a:avLst/>
-                </a:prstGeom>
-                <a:blipFill>
-                  <a:blip r:embed="rId4"/>
-                  <a:stretch>
-                    <a:fillRect/>
-                  </a:stretch>
-                </a:blipFill>
-                <a:ln w="25400">
-                  <a:noFill/>
-                </a:ln>
-              </p:spPr>
-              <p:txBody>
-                <a:bodyPr/>
-                <a:lstStyle/>
-                <a:p>
-                  <a:r>
-                    <a:rPr lang="en-US">
-                      <a:noFill/>
-                    </a:rPr>
-                    <a:t> </a:t>
-                  </a:r>
-                </a:p>
-              </p:txBody>
-            </p:sp>
-          </mc:Fallback>
-        </mc:AlternateContent>
-        <mc:AlternateContent xmlns:mc="http://schemas.openxmlformats.org/markup-compatibility/2006" xmlns:a14="http://schemas.microsoft.com/office/drawing/2010/main">
-          <mc:Choice Requires="a14">
-            <p:sp>
-              <p:nvSpPr>
-                <p:cNvPr id="7" name="Rounded Rectangle 6">
-                  <a:extLst>
-                    <a:ext uri="{FF2B5EF4-FFF2-40B4-BE49-F238E27FC236}">
-                      <a16:creationId xmlns:a16="http://schemas.microsoft.com/office/drawing/2014/main" id="{03E3798F-9274-4F2F-8CD8-AA75BF3E69C1}"/>
-                    </a:ext>
-                  </a:extLst>
-                </p:cNvPr>
-                <p:cNvSpPr>
-                  <a:spLocks noChangeAspect="1"/>
-                </p:cNvSpPr>
-                <p:nvPr/>
-              </p:nvSpPr>
-              <p:spPr>
-                <a:xfrm>
-                  <a:off x="7742135" y="3724339"/>
-                  <a:ext cx="1463040" cy="548640"/>
-                </a:xfrm>
-                <a:prstGeom prst="roundRect">
-                  <a:avLst/>
-                </a:prstGeom>
-                <a:solidFill>
-                  <a:schemeClr val="accent1">
-                    <a:alpha val="80000"/>
-                  </a:schemeClr>
-                </a:solidFill>
-                <a:ln w="25400">
-                  <a:noFill/>
-                </a:ln>
-              </p:spPr>
-              <p:style>
-                <a:lnRef idx="2">
-                  <a:schemeClr val="accent1">
-                    <a:shade val="15000"/>
-                  </a:schemeClr>
-                </a:lnRef>
-                <a:fillRef idx="1">
-                  <a:schemeClr val="accent1"/>
-                </a:fillRef>
-                <a:effectRef idx="0">
-                  <a:schemeClr val="accent1"/>
-                </a:effectRef>
-                <a:fontRef idx="minor">
-                  <a:schemeClr val="lt1"/>
-                </a:fontRef>
-              </p:style>
-              <p:txBody>
-                <a:bodyPr rtlCol="0" anchor="ctr"/>
-                <a:lstStyle/>
-                <a:p>
-                  <a:pPr algn="ctr"/>
-                  <a14:m>
-                    <m:oMathPara xmlns:m="http://schemas.openxmlformats.org/officeDocument/2006/math">
-                      <m:oMathParaPr>
-                        <m:jc m:val="centerGroup"/>
-                      </m:oMathParaPr>
-                      <m:oMath xmlns:m="http://schemas.openxmlformats.org/officeDocument/2006/math">
-                        <m:sSub>
-                          <m:sSubPr>
-                            <m:ctrlPr>
-                              <a:rPr lang="en-US" sz="2000" b="0" i="1" smtClean="0">
-                                <a:latin typeface="Cambria Math" panose="02040503050406030204" pitchFamily="18" charset="0"/>
-                              </a:rPr>
-                            </m:ctrlPr>
-                          </m:sSubPr>
-                          <m:e>
-                            <m:r>
-                              <a:rPr lang="en-US" sz="2000" b="0" i="1" smtClean="0">
-                                <a:latin typeface="Cambria Math" panose="02040503050406030204" pitchFamily="18" charset="0"/>
-                              </a:rPr>
-                              <m:t>𝜆</m:t>
-                            </m:r>
-                          </m:e>
-                          <m:sub>
-                            <m:r>
-                              <a:rPr lang="en-US" sz="2000" b="0" i="1" smtClean="0">
-                                <a:latin typeface="Cambria Math" panose="02040503050406030204" pitchFamily="18" charset="0"/>
-                              </a:rPr>
-                              <m:t>1</m:t>
-                            </m:r>
-                          </m:sub>
-                        </m:sSub>
-                        <m:r>
-                          <a:rPr lang="en-US" sz="2000" b="0" i="1" smtClean="0">
-                            <a:latin typeface="Cambria Math" panose="02040503050406030204" pitchFamily="18" charset="0"/>
-                          </a:rPr>
-                          <m:t>&lt;</m:t>
-                        </m:r>
-                        <m:sSub>
-                          <m:sSubPr>
-                            <m:ctrlPr>
-                              <a:rPr lang="en-US" sz="2000" b="0" i="1" smtClean="0">
-                                <a:latin typeface="Cambria Math" panose="02040503050406030204" pitchFamily="18" charset="0"/>
-                              </a:rPr>
-                            </m:ctrlPr>
-                          </m:sSubPr>
-                          <m:e>
-                            <m:r>
-                              <a:rPr lang="en-US" sz="2000" b="0" i="1" smtClean="0">
-                                <a:latin typeface="Cambria Math" panose="02040503050406030204" pitchFamily="18" charset="0"/>
-                              </a:rPr>
-                              <m:t>𝜆</m:t>
-                            </m:r>
-                          </m:e>
-                          <m:sub>
-                            <m:r>
-                              <a:rPr lang="en-US" sz="2000" b="0" i="1" smtClean="0">
-                                <a:latin typeface="Cambria Math" panose="02040503050406030204" pitchFamily="18" charset="0"/>
-                              </a:rPr>
-                              <m:t>2</m:t>
-                            </m:r>
-                          </m:sub>
-                        </m:sSub>
-                      </m:oMath>
-                    </m:oMathPara>
-                  </a14:m>
-                  <a:endParaRPr lang="en-US" sz="2000" dirty="0"/>
-                </a:p>
-              </p:txBody>
-            </p:sp>
-          </mc:Choice>
-          <mc:Fallback xmlns="">
-            <p:sp>
-              <p:nvSpPr>
-                <p:cNvPr id="7" name="Rounded Rectangle 6">
-                  <a:extLst>
-                    <a:ext uri="{FF2B5EF4-FFF2-40B4-BE49-F238E27FC236}">
-                      <a16:creationId xmlns:a16="http://schemas.microsoft.com/office/drawing/2014/main" id="{03E3798F-9274-4F2F-8CD8-AA75BF3E69C1}"/>
-                    </a:ext>
-                  </a:extLst>
-                </p:cNvPr>
-                <p:cNvSpPr>
-                  <a:spLocks noRot="1" noChangeAspect="1" noMove="1" noResize="1" noEditPoints="1" noAdjustHandles="1" noChangeArrowheads="1" noChangeShapeType="1" noTextEdit="1"/>
-                </p:cNvSpPr>
-                <p:nvPr/>
-              </p:nvSpPr>
-              <p:spPr>
-                <a:xfrm>
-                  <a:off x="7742135" y="3724339"/>
-                  <a:ext cx="1463040" cy="548640"/>
-                </a:xfrm>
-                <a:prstGeom prst="roundRect">
-                  <a:avLst/>
-                </a:prstGeom>
-                <a:blipFill>
-                  <a:blip r:embed="rId5"/>
-                  <a:stretch>
-                    <a:fillRect/>
-                  </a:stretch>
-                </a:blipFill>
-                <a:ln w="25400">
-                  <a:noFill/>
-                </a:ln>
-              </p:spPr>
-              <p:txBody>
-                <a:bodyPr/>
-                <a:lstStyle/>
-                <a:p>
-                  <a:r>
-                    <a:rPr lang="en-US">
-                      <a:noFill/>
-                    </a:rPr>
-                    <a:t> </a:t>
-                  </a:r>
-                </a:p>
-              </p:txBody>
-            </p:sp>
-          </mc:Fallback>
-        </mc:AlternateContent>
-        <mc:AlternateContent xmlns:mc="http://schemas.openxmlformats.org/markup-compatibility/2006" xmlns:a14="http://schemas.microsoft.com/office/drawing/2010/main">
-          <mc:Choice Requires="a14">
-            <p:sp>
-              <p:nvSpPr>
-                <p:cNvPr id="8" name="Rounded Rectangle 7">
-                  <a:extLst>
-                    <a:ext uri="{FF2B5EF4-FFF2-40B4-BE49-F238E27FC236}">
-                      <a16:creationId xmlns:a16="http://schemas.microsoft.com/office/drawing/2014/main" id="{26D9913C-9096-61F5-CF35-E5FDCDC0BD6B}"/>
-                    </a:ext>
-                  </a:extLst>
-                </p:cNvPr>
-                <p:cNvSpPr>
-                  <a:spLocks noChangeAspect="1"/>
-                </p:cNvSpPr>
-                <p:nvPr/>
-              </p:nvSpPr>
-              <p:spPr>
-                <a:xfrm>
-                  <a:off x="7742135" y="280493"/>
-                  <a:ext cx="1463040" cy="548640"/>
-                </a:xfrm>
-                <a:prstGeom prst="roundRect">
-                  <a:avLst/>
-                </a:prstGeom>
-                <a:solidFill>
-                  <a:schemeClr val="accent1">
-                    <a:alpha val="80000"/>
-                  </a:schemeClr>
-                </a:solidFill>
-                <a:ln w="25400">
-                  <a:noFill/>
-                </a:ln>
-              </p:spPr>
-              <p:style>
-                <a:lnRef idx="2">
-                  <a:schemeClr val="accent1">
-                    <a:shade val="15000"/>
-                  </a:schemeClr>
-                </a:lnRef>
-                <a:fillRef idx="1">
-                  <a:schemeClr val="accent1"/>
-                </a:fillRef>
-                <a:effectRef idx="0">
-                  <a:schemeClr val="accent1"/>
-                </a:effectRef>
-                <a:fontRef idx="minor">
-                  <a:schemeClr val="lt1"/>
-                </a:fontRef>
-              </p:style>
-              <p:txBody>
-                <a:bodyPr rtlCol="0" anchor="ctr"/>
-                <a:lstStyle/>
-                <a:p>
-                  <a:pPr algn="ctr"/>
-                  <a14:m>
-                    <m:oMathPara xmlns:m="http://schemas.openxmlformats.org/officeDocument/2006/math">
-                      <m:oMathParaPr>
-                        <m:jc m:val="centerGroup"/>
-                      </m:oMathParaPr>
-                      <m:oMath xmlns:m="http://schemas.openxmlformats.org/officeDocument/2006/math">
-                        <m:sSub>
-                          <m:sSubPr>
-                            <m:ctrlPr>
-                              <a:rPr lang="en-US" sz="2000" b="0" i="1" smtClean="0">
-                                <a:latin typeface="Cambria Math" panose="02040503050406030204" pitchFamily="18" charset="0"/>
-                              </a:rPr>
-                            </m:ctrlPr>
-                          </m:sSubPr>
-                          <m:e>
-                            <m:r>
-                              <a:rPr lang="en-US" sz="2000" b="0" i="1" smtClean="0">
-                                <a:latin typeface="Cambria Math" panose="02040503050406030204" pitchFamily="18" charset="0"/>
-                              </a:rPr>
-                              <m:t>𝐶</m:t>
-                            </m:r>
-                          </m:e>
-                          <m:sub>
-                            <m:r>
-                              <a:rPr lang="en-US" sz="2000" b="0" i="1" smtClean="0">
-                                <a:latin typeface="Cambria Math" panose="02040503050406030204" pitchFamily="18" charset="0"/>
-                              </a:rPr>
-                              <m:t>1</m:t>
-                            </m:r>
-                          </m:sub>
-                        </m:sSub>
-                        <m:r>
-                          <a:rPr lang="en-US" sz="2000" b="0" i="1" smtClean="0">
-                            <a:latin typeface="Cambria Math" panose="02040503050406030204" pitchFamily="18" charset="0"/>
-                          </a:rPr>
-                          <m:t>&gt;</m:t>
-                        </m:r>
-                        <m:sSub>
-                          <m:sSubPr>
-                            <m:ctrlPr>
-                              <a:rPr lang="en-US" sz="2000" b="0" i="1" smtClean="0">
-                                <a:latin typeface="Cambria Math" panose="02040503050406030204" pitchFamily="18" charset="0"/>
-                              </a:rPr>
-                            </m:ctrlPr>
-                          </m:sSubPr>
-                          <m:e>
-                            <m:r>
-                              <a:rPr lang="en-US" sz="2000" b="0" i="1" smtClean="0">
-                                <a:latin typeface="Cambria Math" panose="02040503050406030204" pitchFamily="18" charset="0"/>
-                              </a:rPr>
-                              <m:t>𝐶</m:t>
-                            </m:r>
-                          </m:e>
-                          <m:sub>
-                            <m:r>
-                              <a:rPr lang="en-US" sz="2000" b="0" i="1" smtClean="0">
-                                <a:latin typeface="Cambria Math" panose="02040503050406030204" pitchFamily="18" charset="0"/>
-                              </a:rPr>
-                              <m:t>2</m:t>
-                            </m:r>
-                          </m:sub>
-                        </m:sSub>
-                      </m:oMath>
-                    </m:oMathPara>
-                  </a14:m>
-                  <a:endParaRPr lang="en-US" sz="2000" dirty="0"/>
-                </a:p>
-              </p:txBody>
-            </p:sp>
-          </mc:Choice>
-          <mc:Fallback xmlns="">
-            <p:sp>
-              <p:nvSpPr>
-                <p:cNvPr id="8" name="Rounded Rectangle 7">
-                  <a:extLst>
-                    <a:ext uri="{FF2B5EF4-FFF2-40B4-BE49-F238E27FC236}">
-                      <a16:creationId xmlns:a16="http://schemas.microsoft.com/office/drawing/2014/main" id="{26D9913C-9096-61F5-CF35-E5FDCDC0BD6B}"/>
-                    </a:ext>
-                  </a:extLst>
-                </p:cNvPr>
-                <p:cNvSpPr>
-                  <a:spLocks noRot="1" noChangeAspect="1" noMove="1" noResize="1" noEditPoints="1" noAdjustHandles="1" noChangeArrowheads="1" noChangeShapeType="1" noTextEdit="1"/>
-                </p:cNvSpPr>
-                <p:nvPr/>
-              </p:nvSpPr>
-              <p:spPr>
-                <a:xfrm>
-                  <a:off x="7742135" y="280493"/>
-                  <a:ext cx="1463040" cy="548640"/>
-                </a:xfrm>
-                <a:prstGeom prst="roundRect">
-                  <a:avLst/>
-                </a:prstGeom>
-                <a:blipFill>
-                  <a:blip r:embed="rId6"/>
-                  <a:stretch>
-                    <a:fillRect/>
-                  </a:stretch>
-                </a:blipFill>
-                <a:ln w="25400">
-                  <a:noFill/>
-                </a:ln>
-              </p:spPr>
-              <p:txBody>
-                <a:bodyPr/>
-                <a:lstStyle/>
-                <a:p>
-                  <a:r>
-                    <a:rPr lang="en-US">
-                      <a:noFill/>
-                    </a:rPr>
-                    <a:t> </a:t>
-                  </a:r>
-                </a:p>
-              </p:txBody>
-            </p:sp>
-          </mc:Fallback>
-        </mc:AlternateContent>
-        <mc:AlternateContent xmlns:mc="http://schemas.openxmlformats.org/markup-compatibility/2006" xmlns:a14="http://schemas.microsoft.com/office/drawing/2010/main">
-          <mc:Choice Requires="a14">
-            <p:sp>
-              <p:nvSpPr>
-                <p:cNvPr id="9" name="Rounded Rectangle 8">
-                  <a:extLst>
-                    <a:ext uri="{FF2B5EF4-FFF2-40B4-BE49-F238E27FC236}">
-                      <a16:creationId xmlns:a16="http://schemas.microsoft.com/office/drawing/2014/main" id="{7BB766CB-094C-2626-4CBB-2D696D8AFDC9}"/>
-                    </a:ext>
-                  </a:extLst>
-                </p:cNvPr>
-                <p:cNvSpPr>
-                  <a:spLocks noChangeAspect="1"/>
-                </p:cNvSpPr>
-                <p:nvPr/>
-              </p:nvSpPr>
-              <p:spPr>
-                <a:xfrm>
-                  <a:off x="10407385" y="3724339"/>
-                  <a:ext cx="1463040" cy="548640"/>
-                </a:xfrm>
-                <a:prstGeom prst="roundRect">
-                  <a:avLst/>
-                </a:prstGeom>
-                <a:solidFill>
-                  <a:schemeClr val="accent1">
-                    <a:alpha val="80000"/>
-                  </a:schemeClr>
-                </a:solidFill>
-                <a:ln w="25400">
-                  <a:noFill/>
-                </a:ln>
-              </p:spPr>
-              <p:style>
-                <a:lnRef idx="2">
-                  <a:schemeClr val="accent1">
-                    <a:shade val="15000"/>
-                  </a:schemeClr>
-                </a:lnRef>
-                <a:fillRef idx="1">
-                  <a:schemeClr val="accent1"/>
-                </a:fillRef>
-                <a:effectRef idx="0">
-                  <a:schemeClr val="accent1"/>
-                </a:effectRef>
-                <a:fontRef idx="minor">
-                  <a:schemeClr val="lt1"/>
-                </a:fontRef>
-              </p:style>
-              <p:txBody>
-                <a:bodyPr rtlCol="0" anchor="ctr"/>
-                <a:lstStyle/>
-                <a:p>
-                  <a:pPr algn="ctr"/>
-                  <a14:m>
-                    <m:oMathPara xmlns:m="http://schemas.openxmlformats.org/officeDocument/2006/math">
-                      <m:oMathParaPr>
-                        <m:jc m:val="centerGroup"/>
-                      </m:oMathParaPr>
-                      <m:oMath xmlns:m="http://schemas.openxmlformats.org/officeDocument/2006/math">
-                        <m:sSub>
-                          <m:sSubPr>
-                            <m:ctrlPr>
-                              <a:rPr lang="en-US" sz="2000" b="0" i="1" smtClean="0">
-                                <a:latin typeface="Cambria Math" panose="02040503050406030204" pitchFamily="18" charset="0"/>
-                              </a:rPr>
-                            </m:ctrlPr>
-                          </m:sSubPr>
-                          <m:e>
-                            <m:r>
-                              <a:rPr lang="en-US" sz="2000" b="0" i="1" smtClean="0">
-                                <a:latin typeface="Cambria Math" panose="02040503050406030204" pitchFamily="18" charset="0"/>
-                              </a:rPr>
-                              <m:t>𝑝</m:t>
-                            </m:r>
-                          </m:e>
-                          <m:sub>
-                            <m:r>
-                              <a:rPr lang="en-US" sz="2000" b="0" i="1" smtClean="0">
-                                <a:latin typeface="Cambria Math" panose="02040503050406030204" pitchFamily="18" charset="0"/>
-                              </a:rPr>
-                              <m:t>1</m:t>
-                            </m:r>
-                          </m:sub>
-                        </m:sSub>
-                        <m:r>
-                          <a:rPr lang="en-US" sz="2000" b="0" i="1" smtClean="0">
-                            <a:latin typeface="Cambria Math" panose="02040503050406030204" pitchFamily="18" charset="0"/>
-                          </a:rPr>
-                          <m:t>&gt;</m:t>
-                        </m:r>
-                        <m:sSub>
-                          <m:sSubPr>
-                            <m:ctrlPr>
-                              <a:rPr lang="en-US" sz="2000" b="0" i="1" smtClean="0">
-                                <a:latin typeface="Cambria Math" panose="02040503050406030204" pitchFamily="18" charset="0"/>
-                              </a:rPr>
-                            </m:ctrlPr>
-                          </m:sSubPr>
-                          <m:e>
-                            <m:r>
-                              <a:rPr lang="en-US" sz="2000" b="0" i="1" smtClean="0">
-                                <a:latin typeface="Cambria Math" panose="02040503050406030204" pitchFamily="18" charset="0"/>
-                              </a:rPr>
-                              <m:t>𝑝</m:t>
-                            </m:r>
-                          </m:e>
-                          <m:sub>
-                            <m:r>
-                              <a:rPr lang="en-US" sz="2000" b="0" i="1" smtClean="0">
-                                <a:latin typeface="Cambria Math" panose="02040503050406030204" pitchFamily="18" charset="0"/>
-                              </a:rPr>
-                              <m:t>2</m:t>
-                            </m:r>
-                          </m:sub>
-                        </m:sSub>
-                      </m:oMath>
-                    </m:oMathPara>
-                  </a14:m>
-                  <a:endParaRPr lang="en-US" sz="2000" dirty="0"/>
-                </a:p>
-              </p:txBody>
-            </p:sp>
-          </mc:Choice>
-          <mc:Fallback xmlns="">
-            <p:sp>
-              <p:nvSpPr>
-                <p:cNvPr id="9" name="Rounded Rectangle 8">
-                  <a:extLst>
-                    <a:ext uri="{FF2B5EF4-FFF2-40B4-BE49-F238E27FC236}">
-                      <a16:creationId xmlns:a16="http://schemas.microsoft.com/office/drawing/2014/main" id="{7BB766CB-094C-2626-4CBB-2D696D8AFDC9}"/>
-                    </a:ext>
-                  </a:extLst>
-                </p:cNvPr>
-                <p:cNvSpPr>
-                  <a:spLocks noRot="1" noChangeAspect="1" noMove="1" noResize="1" noEditPoints="1" noAdjustHandles="1" noChangeArrowheads="1" noChangeShapeType="1" noTextEdit="1"/>
-                </p:cNvSpPr>
-                <p:nvPr/>
-              </p:nvSpPr>
-              <p:spPr>
-                <a:xfrm>
-                  <a:off x="10407385" y="3724339"/>
-                  <a:ext cx="1463040" cy="548640"/>
-                </a:xfrm>
-                <a:prstGeom prst="roundRect">
-                  <a:avLst/>
-                </a:prstGeom>
-                <a:blipFill>
-                  <a:blip r:embed="rId7"/>
-                  <a:stretch>
-                    <a:fillRect/>
-                  </a:stretch>
-                </a:blipFill>
-                <a:ln w="25400">
-                  <a:noFill/>
-                </a:ln>
-              </p:spPr>
-              <p:txBody>
-                <a:bodyPr/>
-                <a:lstStyle/>
-                <a:p>
-                  <a:r>
-                    <a:rPr lang="en-US">
-                      <a:noFill/>
-                    </a:rPr>
-                    <a:t> </a:t>
-                  </a:r>
-                </a:p>
-              </p:txBody>
-            </p:sp>
-          </mc:Fallback>
-        </mc:AlternateContent>
-        <mc:AlternateContent xmlns:mc="http://schemas.openxmlformats.org/markup-compatibility/2006" xmlns:a14="http://schemas.microsoft.com/office/drawing/2010/main">
-          <mc:Choice Requires="a14">
-            <p:sp>
-              <p:nvSpPr>
-                <p:cNvPr id="10" name="Rounded Rectangle 9">
-                  <a:extLst>
-                    <a:ext uri="{FF2B5EF4-FFF2-40B4-BE49-F238E27FC236}">
-                      <a16:creationId xmlns:a16="http://schemas.microsoft.com/office/drawing/2014/main" id="{4EDEEB6E-EF71-A791-2118-31DD6BEC8B62}"/>
-                    </a:ext>
-                  </a:extLst>
-                </p:cNvPr>
-                <p:cNvSpPr>
-                  <a:spLocks noChangeAspect="1"/>
-                </p:cNvSpPr>
-                <p:nvPr/>
-              </p:nvSpPr>
-              <p:spPr>
-                <a:xfrm>
-                  <a:off x="2411635" y="2002416"/>
-                  <a:ext cx="1463040" cy="548640"/>
-                </a:xfrm>
-                <a:prstGeom prst="roundRect">
-                  <a:avLst/>
-                </a:prstGeom>
-                <a:solidFill>
-                  <a:schemeClr val="accent1">
-                    <a:alpha val="80000"/>
-                  </a:schemeClr>
-                </a:solidFill>
-                <a:ln w="25400">
-                  <a:noFill/>
-                </a:ln>
-              </p:spPr>
-              <p:style>
-                <a:lnRef idx="2">
-                  <a:schemeClr val="accent1">
-                    <a:shade val="15000"/>
-                  </a:schemeClr>
-                </a:lnRef>
-                <a:fillRef idx="1">
-                  <a:schemeClr val="accent1"/>
-                </a:fillRef>
-                <a:effectRef idx="0">
-                  <a:schemeClr val="accent1"/>
-                </a:effectRef>
-                <a:fontRef idx="minor">
-                  <a:schemeClr val="lt1"/>
-                </a:fontRef>
-              </p:style>
-              <p:txBody>
-                <a:bodyPr rtlCol="0" anchor="ctr"/>
-                <a:lstStyle/>
-                <a:p>
-                  <a:pPr algn="ctr"/>
-                  <a14:m>
-                    <m:oMath xmlns:m="http://schemas.openxmlformats.org/officeDocument/2006/math">
-                      <m:sSub>
-                        <m:sSubPr>
-                          <m:ctrlPr>
-                            <a:rPr lang="en-US" sz="2000" b="0" i="1" smtClean="0">
+                    </a14:m>
+                    <a:r>
+                      <a:rPr lang="en-US" sz="2000" dirty="0"/>
+                      <a:t> </a:t>
+                    </a:r>
+                  </a:p>
+                </p:txBody>
+              </p:sp>
+            </mc:Choice>
+            <mc:Fallback xmlns="">
+              <p:sp>
+                <p:nvSpPr>
+                  <p:cNvPr id="10" name="Rounded Rectangle 9">
+                    <a:extLst>
+                      <a:ext uri="{FF2B5EF4-FFF2-40B4-BE49-F238E27FC236}">
+                        <a16:creationId xmlns:a16="http://schemas.microsoft.com/office/drawing/2014/main" id="{4EDEEB6E-EF71-A791-2118-31DD6BEC8B62}"/>
+                      </a:ext>
+                    </a:extLst>
+                  </p:cNvPr>
+                  <p:cNvSpPr>
+                    <a:spLocks noRot="1" noChangeAspect="1" noMove="1" noResize="1" noEditPoints="1" noAdjustHandles="1" noChangeArrowheads="1" noChangeShapeType="1" noTextEdit="1"/>
+                  </p:cNvSpPr>
+                  <p:nvPr/>
+                </p:nvSpPr>
+                <p:spPr>
+                  <a:xfrm>
+                    <a:off x="2411635" y="2002416"/>
+                    <a:ext cx="1463040" cy="548640"/>
+                  </a:xfrm>
+                  <a:prstGeom prst="roundRect">
+                    <a:avLst/>
+                  </a:prstGeom>
+                  <a:blipFill>
+                    <a:blip r:embed="rId8"/>
+                    <a:stretch>
+                      <a:fillRect/>
+                    </a:stretch>
+                  </a:blipFill>
+                  <a:ln w="25400">
+                    <a:noFill/>
+                  </a:ln>
+                </p:spPr>
+                <p:txBody>
+                  <a:bodyPr/>
+                  <a:lstStyle/>
+                  <a:p>
+                    <a:r>
+                      <a:rPr lang="en-US">
+                        <a:noFill/>
+                      </a:rPr>
+                      <a:t> </a:t>
+                    </a:r>
+                  </a:p>
+                </p:txBody>
+              </p:sp>
+            </mc:Fallback>
+          </mc:AlternateContent>
+          <mc:AlternateContent xmlns:mc="http://schemas.openxmlformats.org/markup-compatibility/2006" xmlns:a14="http://schemas.microsoft.com/office/drawing/2010/main">
+            <mc:Choice Requires="a14">
+              <p:sp>
+                <p:nvSpPr>
+                  <p:cNvPr id="11" name="Rounded Rectangle 10">
+                    <a:extLst>
+                      <a:ext uri="{FF2B5EF4-FFF2-40B4-BE49-F238E27FC236}">
+                        <a16:creationId xmlns:a16="http://schemas.microsoft.com/office/drawing/2014/main" id="{6B9FD64E-886D-E7EA-74D8-FC43EFF0AEA8}"/>
+                      </a:ext>
+                    </a:extLst>
+                  </p:cNvPr>
+                  <p:cNvSpPr>
+                    <a:spLocks noChangeAspect="1"/>
+                  </p:cNvSpPr>
+                  <p:nvPr/>
+                </p:nvSpPr>
+                <p:spPr>
+                  <a:xfrm>
+                    <a:off x="2411635" y="3724339"/>
+                    <a:ext cx="1463040" cy="548640"/>
+                  </a:xfrm>
+                  <a:prstGeom prst="roundRect">
+                    <a:avLst/>
+                  </a:prstGeom>
+                  <a:solidFill>
+                    <a:schemeClr val="accent1">
+                      <a:alpha val="80000"/>
+                    </a:schemeClr>
+                  </a:solidFill>
+                  <a:ln w="25400">
+                    <a:noFill/>
+                  </a:ln>
+                </p:spPr>
+                <p:style>
+                  <a:lnRef idx="2">
+                    <a:schemeClr val="accent1">
+                      <a:shade val="15000"/>
+                    </a:schemeClr>
+                  </a:lnRef>
+                  <a:fillRef idx="1">
+                    <a:schemeClr val="accent1"/>
+                  </a:fillRef>
+                  <a:effectRef idx="0">
+                    <a:schemeClr val="accent1"/>
+                  </a:effectRef>
+                  <a:fontRef idx="minor">
+                    <a:schemeClr val="lt1"/>
+                  </a:fontRef>
+                </p:style>
+                <p:txBody>
+                  <a:bodyPr rtlCol="0" anchor="ctr"/>
+                  <a:lstStyle/>
+                  <a:p>
+                    <a:pPr algn="ctr"/>
+                    <a14:m>
+                      <m:oMathPara xmlns:m="http://schemas.openxmlformats.org/officeDocument/2006/math">
+                        <m:oMathParaPr>
+                          <m:jc m:val="centerGroup"/>
+                        </m:oMathParaPr>
+                        <m:oMath xmlns:m="http://schemas.openxmlformats.org/officeDocument/2006/math">
+                          <m:sSub>
+                            <m:sSubPr>
+                              <m:ctrlPr>
+                                <a:rPr lang="en-US" b="0" i="1" smtClean="0">
+                                  <a:latin typeface="Cambria Math" panose="02040503050406030204" pitchFamily="18" charset="0"/>
+                                </a:rPr>
+                              </m:ctrlPr>
+                            </m:sSubPr>
+                            <m:e>
+                              <m:r>
+                                <a:rPr lang="en-US" b="0" i="1" smtClean="0">
+                                  <a:latin typeface="Cambria Math" panose="02040503050406030204" pitchFamily="18" charset="0"/>
+                                </a:rPr>
+                                <m:t>𝐸</m:t>
+                              </m:r>
+                            </m:e>
+                            <m:sub>
+                              <m:r>
+                                <a:rPr lang="en-US" b="0" i="1" smtClean="0">
+                                  <a:latin typeface="Cambria Math" panose="02040503050406030204" pitchFamily="18" charset="0"/>
+                                </a:rPr>
+                                <m:t>𝑘</m:t>
+                              </m:r>
+                              <m:r>
+                                <a:rPr lang="en-US" b="0" i="1" smtClean="0">
+                                  <a:latin typeface="Cambria Math" panose="02040503050406030204" pitchFamily="18" charset="0"/>
+                                </a:rPr>
+                                <m:t>1</m:t>
+                              </m:r>
+                            </m:sub>
+                          </m:sSub>
+                          <m:r>
+                            <a:rPr lang="en-US" b="0" i="1" smtClean="0">
                               <a:latin typeface="Cambria Math" panose="02040503050406030204" pitchFamily="18" charset="0"/>
                             </a:rPr>
-                          </m:ctrlPr>
-                        </m:sSubPr>
-                        <m:e>
+                            <m:t>&gt;</m:t>
+                          </m:r>
+                          <m:sSub>
+                            <m:sSubPr>
+                              <m:ctrlPr>
+                                <a:rPr lang="en-US" b="0" i="1" smtClean="0">
+                                  <a:latin typeface="Cambria Math" panose="02040503050406030204" pitchFamily="18" charset="0"/>
+                                </a:rPr>
+                              </m:ctrlPr>
+                            </m:sSubPr>
+                            <m:e>
+                              <m:r>
+                                <a:rPr lang="en-US" b="0" i="1" smtClean="0">
+                                  <a:latin typeface="Cambria Math" panose="02040503050406030204" pitchFamily="18" charset="0"/>
+                                </a:rPr>
+                                <m:t>𝐸</m:t>
+                              </m:r>
+                            </m:e>
+                            <m:sub>
+                              <m:r>
+                                <a:rPr lang="en-US" b="0" i="1" smtClean="0">
+                                  <a:latin typeface="Cambria Math" panose="02040503050406030204" pitchFamily="18" charset="0"/>
+                                </a:rPr>
+                                <m:t>𝑘</m:t>
+                              </m:r>
+                              <m:r>
+                                <a:rPr lang="en-US" b="0" i="1" smtClean="0">
+                                  <a:latin typeface="Cambria Math" panose="02040503050406030204" pitchFamily="18" charset="0"/>
+                                </a:rPr>
+                                <m:t>2</m:t>
+                              </m:r>
+                            </m:sub>
+                          </m:sSub>
+                        </m:oMath>
+                      </m:oMathPara>
+                    </a14:m>
+                    <a:endParaRPr lang="en-US" dirty="0"/>
+                  </a:p>
+                </p:txBody>
+              </p:sp>
+            </mc:Choice>
+            <mc:Fallback xmlns="">
+              <p:sp>
+                <p:nvSpPr>
+                  <p:cNvPr id="11" name="Rounded Rectangle 10">
+                    <a:extLst>
+                      <a:ext uri="{FF2B5EF4-FFF2-40B4-BE49-F238E27FC236}">
+                        <a16:creationId xmlns:a16="http://schemas.microsoft.com/office/drawing/2014/main" id="{6B9FD64E-886D-E7EA-74D8-FC43EFF0AEA8}"/>
+                      </a:ext>
+                    </a:extLst>
+                  </p:cNvPr>
+                  <p:cNvSpPr>
+                    <a:spLocks noRot="1" noChangeAspect="1" noMove="1" noResize="1" noEditPoints="1" noAdjustHandles="1" noChangeArrowheads="1" noChangeShapeType="1" noTextEdit="1"/>
+                  </p:cNvSpPr>
+                  <p:nvPr/>
+                </p:nvSpPr>
+                <p:spPr>
+                  <a:xfrm>
+                    <a:off x="2411635" y="3724339"/>
+                    <a:ext cx="1463040" cy="548640"/>
+                  </a:xfrm>
+                  <a:prstGeom prst="roundRect">
+                    <a:avLst/>
+                  </a:prstGeom>
+                  <a:blipFill>
+                    <a:blip r:embed="rId9"/>
+                    <a:stretch>
+                      <a:fillRect/>
+                    </a:stretch>
+                  </a:blipFill>
+                  <a:ln w="25400">
+                    <a:noFill/>
+                  </a:ln>
+                </p:spPr>
+                <p:txBody>
+                  <a:bodyPr/>
+                  <a:lstStyle/>
+                  <a:p>
+                    <a:r>
+                      <a:rPr lang="en-US">
+                        <a:noFill/>
+                      </a:rPr>
+                      <a:t> </a:t>
+                    </a:r>
+                  </a:p>
+                </p:txBody>
+              </p:sp>
+            </mc:Fallback>
+          </mc:AlternateContent>
+          <mc:AlternateContent xmlns:mc="http://schemas.openxmlformats.org/markup-compatibility/2006" xmlns:a14="http://schemas.microsoft.com/office/drawing/2010/main">
+            <mc:Choice Requires="a14">
+              <p:sp>
+                <p:nvSpPr>
+                  <p:cNvPr id="12" name="Rounded Rectangle 11">
+                    <a:extLst>
+                      <a:ext uri="{FF2B5EF4-FFF2-40B4-BE49-F238E27FC236}">
+                        <a16:creationId xmlns:a16="http://schemas.microsoft.com/office/drawing/2014/main" id="{22D4228A-CB98-5066-0593-810A1B6042D1}"/>
+                      </a:ext>
+                    </a:extLst>
+                  </p:cNvPr>
+                  <p:cNvSpPr>
+                    <a:spLocks noChangeAspect="1"/>
+                  </p:cNvSpPr>
+                  <p:nvPr/>
+                </p:nvSpPr>
+                <p:spPr>
+                  <a:xfrm>
+                    <a:off x="5076885" y="3724339"/>
+                    <a:ext cx="1463040" cy="548640"/>
+                  </a:xfrm>
+                  <a:prstGeom prst="roundRect">
+                    <a:avLst/>
+                  </a:prstGeom>
+                  <a:solidFill>
+                    <a:schemeClr val="accent1">
+                      <a:alpha val="80000"/>
+                    </a:schemeClr>
+                  </a:solidFill>
+                  <a:ln w="25400">
+                    <a:noFill/>
+                  </a:ln>
+                </p:spPr>
+                <p:style>
+                  <a:lnRef idx="2">
+                    <a:schemeClr val="accent1">
+                      <a:shade val="15000"/>
+                    </a:schemeClr>
+                  </a:lnRef>
+                  <a:fillRef idx="1">
+                    <a:schemeClr val="accent1"/>
+                  </a:fillRef>
+                  <a:effectRef idx="0">
+                    <a:schemeClr val="accent1"/>
+                  </a:effectRef>
+                  <a:fontRef idx="minor">
+                    <a:schemeClr val="lt1"/>
+                  </a:fontRef>
+                </p:style>
+                <p:txBody>
+                  <a:bodyPr rtlCol="0" anchor="ctr"/>
+                  <a:lstStyle/>
+                  <a:p>
+                    <a:pPr algn="ctr"/>
+                    <a14:m>
+                      <m:oMathPara xmlns:m="http://schemas.openxmlformats.org/officeDocument/2006/math">
+                        <m:oMathParaPr>
+                          <m:jc m:val="centerGroup"/>
+                        </m:oMathParaPr>
+                        <m:oMath xmlns:m="http://schemas.openxmlformats.org/officeDocument/2006/math">
                           <m:r>
-                            <a:rPr lang="en-US" sz="2000" b="0" i="1" smtClean="0">
+                            <a:rPr lang="en-US" b="0" i="1" smtClean="0">
+                              <a:latin typeface="Cambria Math" panose="02040503050406030204" pitchFamily="18" charset="0"/>
+                              <a:ea typeface="Cambria Math" panose="02040503050406030204" pitchFamily="18" charset="0"/>
+                            </a:rPr>
+                            <m:t>∆</m:t>
+                          </m:r>
+                          <m:sSub>
+                            <m:sSubPr>
+                              <m:ctrlPr>
+                                <a:rPr lang="en-US" b="0" i="1" smtClean="0">
+                                  <a:latin typeface="Cambria Math" panose="02040503050406030204" pitchFamily="18" charset="0"/>
+                                  <a:ea typeface="Cambria Math" panose="02040503050406030204" pitchFamily="18" charset="0"/>
+                                </a:rPr>
+                              </m:ctrlPr>
+                            </m:sSubPr>
+                            <m:e>
+                              <m:r>
+                                <a:rPr lang="en-US" b="0" i="1" smtClean="0">
+                                  <a:latin typeface="Cambria Math" panose="02040503050406030204" pitchFamily="18" charset="0"/>
+                                  <a:ea typeface="Cambria Math" panose="02040503050406030204" pitchFamily="18" charset="0"/>
+                                </a:rPr>
+                                <m:t>𝑥</m:t>
+                              </m:r>
+                            </m:e>
+                            <m:sub>
+                              <m:r>
+                                <a:rPr lang="en-US" b="0" i="1" smtClean="0">
+                                  <a:latin typeface="Cambria Math" panose="02040503050406030204" pitchFamily="18" charset="0"/>
+                                  <a:ea typeface="Cambria Math" panose="02040503050406030204" pitchFamily="18" charset="0"/>
+                                </a:rPr>
+                                <m:t>1</m:t>
+                              </m:r>
+                            </m:sub>
+                          </m:sSub>
+                          <m:r>
+                            <a:rPr lang="en-US" b="0" i="1" smtClean="0">
+                              <a:latin typeface="Cambria Math" panose="02040503050406030204" pitchFamily="18" charset="0"/>
+                              <a:ea typeface="Cambria Math" panose="02040503050406030204" pitchFamily="18" charset="0"/>
+                            </a:rPr>
+                            <m:t>&lt;</m:t>
+                          </m:r>
+                          <m:r>
+                            <a:rPr lang="en-US" b="0" i="1" smtClean="0">
+                              <a:latin typeface="Cambria Math" panose="02040503050406030204" pitchFamily="18" charset="0"/>
+                            </a:rPr>
+                            <m:t>∆</m:t>
+                          </m:r>
+                          <m:sSub>
+                            <m:sSubPr>
+                              <m:ctrlPr>
+                                <a:rPr lang="en-US" b="0" i="1" smtClean="0">
+                                  <a:latin typeface="Cambria Math" panose="02040503050406030204" pitchFamily="18" charset="0"/>
+                                </a:rPr>
+                              </m:ctrlPr>
+                            </m:sSubPr>
+                            <m:e>
+                              <m:r>
+                                <a:rPr lang="en-US" b="0" i="1" smtClean="0">
+                                  <a:latin typeface="Cambria Math" panose="02040503050406030204" pitchFamily="18" charset="0"/>
+                                </a:rPr>
+                                <m:t>𝑥</m:t>
+                              </m:r>
+                            </m:e>
+                            <m:sub>
+                              <m:r>
+                                <a:rPr lang="en-US" b="0" i="1" smtClean="0">
+                                  <a:latin typeface="Cambria Math" panose="02040503050406030204" pitchFamily="18" charset="0"/>
+                                </a:rPr>
+                                <m:t>2</m:t>
+                              </m:r>
+                            </m:sub>
+                          </m:sSub>
+                        </m:oMath>
+                      </m:oMathPara>
+                    </a14:m>
+                    <a:endParaRPr lang="en-US" dirty="0"/>
+                  </a:p>
+                </p:txBody>
+              </p:sp>
+            </mc:Choice>
+            <mc:Fallback xmlns="">
+              <p:sp>
+                <p:nvSpPr>
+                  <p:cNvPr id="12" name="Rounded Rectangle 11">
+                    <a:extLst>
+                      <a:ext uri="{FF2B5EF4-FFF2-40B4-BE49-F238E27FC236}">
+                        <a16:creationId xmlns:a16="http://schemas.microsoft.com/office/drawing/2014/main" id="{22D4228A-CB98-5066-0593-810A1B6042D1}"/>
+                      </a:ext>
+                    </a:extLst>
+                  </p:cNvPr>
+                  <p:cNvSpPr>
+                    <a:spLocks noRot="1" noChangeAspect="1" noMove="1" noResize="1" noEditPoints="1" noAdjustHandles="1" noChangeArrowheads="1" noChangeShapeType="1" noTextEdit="1"/>
+                  </p:cNvSpPr>
+                  <p:nvPr/>
+                </p:nvSpPr>
+                <p:spPr>
+                  <a:xfrm>
+                    <a:off x="5076885" y="3724339"/>
+                    <a:ext cx="1463040" cy="548640"/>
+                  </a:xfrm>
+                  <a:prstGeom prst="roundRect">
+                    <a:avLst/>
+                  </a:prstGeom>
+                  <a:blipFill>
+                    <a:blip r:embed="rId10"/>
+                    <a:stretch>
+                      <a:fillRect/>
+                    </a:stretch>
+                  </a:blipFill>
+                  <a:ln w="25400">
+                    <a:noFill/>
+                  </a:ln>
+                </p:spPr>
+                <p:txBody>
+                  <a:bodyPr/>
+                  <a:lstStyle/>
+                  <a:p>
+                    <a:r>
+                      <a:rPr lang="en-US">
+                        <a:noFill/>
+                      </a:rPr>
+                      <a:t> </a:t>
+                    </a:r>
+                  </a:p>
+                </p:txBody>
+              </p:sp>
+            </mc:Fallback>
+          </mc:AlternateContent>
+          <p:cxnSp>
+            <p:nvCxnSpPr>
+              <p:cNvPr id="13" name="Straight Arrow Connector 12">
+                <a:extLst>
+                  <a:ext uri="{FF2B5EF4-FFF2-40B4-BE49-F238E27FC236}">
+                    <a16:creationId xmlns:a16="http://schemas.microsoft.com/office/drawing/2014/main" id="{AEA21AFD-5A4B-ACD4-03B5-C4CD82ED4F97}"/>
+                  </a:ext>
+                </a:extLst>
+              </p:cNvPr>
+              <p:cNvCxnSpPr>
+                <a:cxnSpLocks/>
+                <a:stCxn id="5" idx="0"/>
+                <a:endCxn id="8" idx="2"/>
+              </p:cNvCxnSpPr>
+              <p:nvPr/>
+            </p:nvCxnSpPr>
+            <p:spPr>
+              <a:xfrm flipV="1">
+                <a:off x="8473655" y="829133"/>
+                <a:ext cx="0" cy="1173283"/>
+              </a:xfrm>
+              <a:prstGeom prst="straightConnector1">
+                <a:avLst/>
+              </a:prstGeom>
+              <a:ln w="25400">
+                <a:solidFill>
+                  <a:schemeClr val="tx1"/>
+                </a:solidFill>
+                <a:tailEnd type="triangle"/>
+              </a:ln>
+            </p:spPr>
+            <p:style>
+              <a:lnRef idx="2">
+                <a:schemeClr val="accent1"/>
+              </a:lnRef>
+              <a:fillRef idx="0">
+                <a:schemeClr val="accent1"/>
+              </a:fillRef>
+              <a:effectRef idx="1">
+                <a:schemeClr val="accent1"/>
+              </a:effectRef>
+              <a:fontRef idx="minor">
+                <a:schemeClr val="tx1"/>
+              </a:fontRef>
+            </p:style>
+          </p:cxnSp>
+          <p:cxnSp>
+            <p:nvCxnSpPr>
+              <p:cNvPr id="14" name="Straight Arrow Connector 13">
+                <a:extLst>
+                  <a:ext uri="{FF2B5EF4-FFF2-40B4-BE49-F238E27FC236}">
+                    <a16:creationId xmlns:a16="http://schemas.microsoft.com/office/drawing/2014/main" id="{9372F1D9-3EB9-064C-4633-BFD29648DBB5}"/>
+                  </a:ext>
+                </a:extLst>
+              </p:cNvPr>
+              <p:cNvCxnSpPr>
+                <a:cxnSpLocks/>
+              </p:cNvCxnSpPr>
+              <p:nvPr/>
+            </p:nvCxnSpPr>
+            <p:spPr>
+              <a:xfrm rot="5400000" flipV="1">
+                <a:off x="7141030" y="1717864"/>
+                <a:ext cx="0" cy="1173283"/>
+              </a:xfrm>
+              <a:prstGeom prst="straightConnector1">
+                <a:avLst/>
+              </a:prstGeom>
+              <a:ln w="25400">
+                <a:solidFill>
+                  <a:schemeClr val="tx1"/>
+                </a:solidFill>
+                <a:headEnd type="triangle"/>
+                <a:tailEnd type="triangle"/>
+              </a:ln>
+            </p:spPr>
+            <p:style>
+              <a:lnRef idx="2">
+                <a:schemeClr val="accent1"/>
+              </a:lnRef>
+              <a:fillRef idx="0">
+                <a:schemeClr val="accent1"/>
+              </a:fillRef>
+              <a:effectRef idx="1">
+                <a:schemeClr val="accent1"/>
+              </a:effectRef>
+              <a:fontRef idx="minor">
+                <a:schemeClr val="tx1"/>
+              </a:fontRef>
+            </p:style>
+          </p:cxnSp>
+          <p:cxnSp>
+            <p:nvCxnSpPr>
+              <p:cNvPr id="15" name="Straight Arrow Connector 14">
+                <a:extLst>
+                  <a:ext uri="{FF2B5EF4-FFF2-40B4-BE49-F238E27FC236}">
+                    <a16:creationId xmlns:a16="http://schemas.microsoft.com/office/drawing/2014/main" id="{88303C9A-66EE-381E-B32A-8BD88D37F6FE}"/>
+                  </a:ext>
+                </a:extLst>
+              </p:cNvPr>
+              <p:cNvCxnSpPr>
+                <a:cxnSpLocks/>
+              </p:cNvCxnSpPr>
+              <p:nvPr/>
+            </p:nvCxnSpPr>
+            <p:spPr>
+              <a:xfrm rot="5400000" flipV="1">
+                <a:off x="9806280" y="1690095"/>
+                <a:ext cx="0" cy="1173283"/>
+              </a:xfrm>
+              <a:prstGeom prst="straightConnector1">
+                <a:avLst/>
+              </a:prstGeom>
+              <a:ln w="25400">
+                <a:solidFill>
+                  <a:schemeClr val="tx1"/>
+                </a:solidFill>
+                <a:tailEnd type="triangle"/>
+              </a:ln>
+            </p:spPr>
+            <p:style>
+              <a:lnRef idx="2">
+                <a:schemeClr val="accent1"/>
+              </a:lnRef>
+              <a:fillRef idx="0">
+                <a:schemeClr val="accent1"/>
+              </a:fillRef>
+              <a:effectRef idx="1">
+                <a:schemeClr val="accent1"/>
+              </a:effectRef>
+              <a:fontRef idx="minor">
+                <a:schemeClr val="tx1"/>
+              </a:fontRef>
+            </p:style>
+          </p:cxnSp>
+          <p:cxnSp>
+            <p:nvCxnSpPr>
+              <p:cNvPr id="16" name="Straight Arrow Connector 15">
+                <a:extLst>
+                  <a:ext uri="{FF2B5EF4-FFF2-40B4-BE49-F238E27FC236}">
+                    <a16:creationId xmlns:a16="http://schemas.microsoft.com/office/drawing/2014/main" id="{785C30FC-7327-2BBF-477F-CB335814D5CB}"/>
+                  </a:ext>
+                </a:extLst>
+              </p:cNvPr>
+              <p:cNvCxnSpPr>
+                <a:cxnSpLocks/>
+              </p:cNvCxnSpPr>
+              <p:nvPr/>
+            </p:nvCxnSpPr>
+            <p:spPr>
+              <a:xfrm rot="5400000" flipV="1">
+                <a:off x="9820744" y="3412018"/>
+                <a:ext cx="0" cy="1173283"/>
+              </a:xfrm>
+              <a:prstGeom prst="straightConnector1">
+                <a:avLst/>
+              </a:prstGeom>
+              <a:ln w="25400">
+                <a:solidFill>
+                  <a:schemeClr val="tx1"/>
+                </a:solidFill>
+                <a:tailEnd type="triangle"/>
+              </a:ln>
+            </p:spPr>
+            <p:style>
+              <a:lnRef idx="2">
+                <a:schemeClr val="accent1"/>
+              </a:lnRef>
+              <a:fillRef idx="0">
+                <a:schemeClr val="accent1"/>
+              </a:fillRef>
+              <a:effectRef idx="1">
+                <a:schemeClr val="accent1"/>
+              </a:effectRef>
+              <a:fontRef idx="minor">
+                <a:schemeClr val="tx1"/>
+              </a:fontRef>
+            </p:style>
+          </p:cxnSp>
+          <p:cxnSp>
+            <p:nvCxnSpPr>
+              <p:cNvPr id="17" name="Straight Arrow Connector 16">
+                <a:extLst>
+                  <a:ext uri="{FF2B5EF4-FFF2-40B4-BE49-F238E27FC236}">
+                    <a16:creationId xmlns:a16="http://schemas.microsoft.com/office/drawing/2014/main" id="{E39348CF-7D8F-7448-1E5E-66BE230A4F9F}"/>
+                  </a:ext>
+                </a:extLst>
+              </p:cNvPr>
+              <p:cNvCxnSpPr>
+                <a:cxnSpLocks/>
+              </p:cNvCxnSpPr>
+              <p:nvPr/>
+            </p:nvCxnSpPr>
+            <p:spPr>
+              <a:xfrm rot="16200000" flipV="1">
+                <a:off x="7126566" y="3412017"/>
+                <a:ext cx="0" cy="1173283"/>
+              </a:xfrm>
+              <a:prstGeom prst="straightConnector1">
+                <a:avLst/>
+              </a:prstGeom>
+              <a:ln w="25400">
+                <a:solidFill>
+                  <a:schemeClr val="tx1"/>
+                </a:solidFill>
+                <a:tailEnd type="triangle"/>
+              </a:ln>
+            </p:spPr>
+            <p:style>
+              <a:lnRef idx="2">
+                <a:schemeClr val="accent1"/>
+              </a:lnRef>
+              <a:fillRef idx="0">
+                <a:schemeClr val="accent1"/>
+              </a:fillRef>
+              <a:effectRef idx="1">
+                <a:schemeClr val="accent1"/>
+              </a:effectRef>
+              <a:fontRef idx="minor">
+                <a:schemeClr val="tx1"/>
+              </a:fontRef>
+            </p:style>
+          </p:cxnSp>
+          <p:cxnSp>
+            <p:nvCxnSpPr>
+              <p:cNvPr id="18" name="Straight Arrow Connector 17">
+                <a:extLst>
+                  <a:ext uri="{FF2B5EF4-FFF2-40B4-BE49-F238E27FC236}">
+                    <a16:creationId xmlns:a16="http://schemas.microsoft.com/office/drawing/2014/main" id="{C4CF611C-3F3B-572E-3002-6D43DADA1080}"/>
+                  </a:ext>
+                </a:extLst>
+              </p:cNvPr>
+              <p:cNvCxnSpPr>
+                <a:cxnSpLocks/>
+              </p:cNvCxnSpPr>
+              <p:nvPr/>
+            </p:nvCxnSpPr>
+            <p:spPr>
+              <a:xfrm rot="16200000" flipV="1">
+                <a:off x="4449867" y="1690093"/>
+                <a:ext cx="0" cy="1173283"/>
+              </a:xfrm>
+              <a:prstGeom prst="straightConnector1">
+                <a:avLst/>
+              </a:prstGeom>
+              <a:ln w="25400">
+                <a:solidFill>
+                  <a:schemeClr val="tx1"/>
+                </a:solidFill>
+                <a:tailEnd type="triangle"/>
+              </a:ln>
+            </p:spPr>
+            <p:style>
+              <a:lnRef idx="2">
+                <a:schemeClr val="accent1"/>
+              </a:lnRef>
+              <a:fillRef idx="0">
+                <a:schemeClr val="accent1"/>
+              </a:fillRef>
+              <a:effectRef idx="1">
+                <a:schemeClr val="accent1"/>
+              </a:effectRef>
+              <a:fontRef idx="minor">
+                <a:schemeClr val="tx1"/>
+              </a:fontRef>
+            </p:style>
+          </p:cxnSp>
+          <p:cxnSp>
+            <p:nvCxnSpPr>
+              <p:cNvPr id="19" name="Straight Arrow Connector 18">
+                <a:extLst>
+                  <a:ext uri="{FF2B5EF4-FFF2-40B4-BE49-F238E27FC236}">
+                    <a16:creationId xmlns:a16="http://schemas.microsoft.com/office/drawing/2014/main" id="{6C87813F-0282-1F88-E6A0-7DCE3907E4E6}"/>
+                  </a:ext>
+                </a:extLst>
+              </p:cNvPr>
+              <p:cNvCxnSpPr>
+                <a:cxnSpLocks/>
+              </p:cNvCxnSpPr>
+              <p:nvPr/>
+            </p:nvCxnSpPr>
+            <p:spPr>
+              <a:xfrm rot="10800000" flipV="1">
+                <a:off x="3127325" y="2551056"/>
+                <a:ext cx="0" cy="1173283"/>
+              </a:xfrm>
+              <a:prstGeom prst="straightConnector1">
+                <a:avLst/>
+              </a:prstGeom>
+              <a:ln w="25400">
+                <a:solidFill>
+                  <a:schemeClr val="tx1"/>
+                </a:solidFill>
+                <a:tailEnd type="triangle"/>
+              </a:ln>
+            </p:spPr>
+            <p:style>
+              <a:lnRef idx="2">
+                <a:schemeClr val="accent1"/>
+              </a:lnRef>
+              <a:fillRef idx="0">
+                <a:schemeClr val="accent1"/>
+              </a:fillRef>
+              <a:effectRef idx="1">
+                <a:schemeClr val="accent1"/>
+              </a:effectRef>
+              <a:fontRef idx="minor">
+                <a:schemeClr val="tx1"/>
+              </a:fontRef>
+            </p:style>
+          </p:cxnSp>
+          <mc:AlternateContent xmlns:mc="http://schemas.openxmlformats.org/markup-compatibility/2006" xmlns:a14="http://schemas.microsoft.com/office/drawing/2010/main">
+            <mc:Choice Requires="a14">
+              <p:sp>
+                <p:nvSpPr>
+                  <p:cNvPr id="20" name="Left Arrow Callout 19">
+                    <a:extLst>
+                      <a:ext uri="{FF2B5EF4-FFF2-40B4-BE49-F238E27FC236}">
+                        <a16:creationId xmlns:a16="http://schemas.microsoft.com/office/drawing/2014/main" id="{01DD3C3D-E277-7D5E-20E6-0DF55B230697}"/>
+                      </a:ext>
+                    </a:extLst>
+                  </p:cNvPr>
+                  <p:cNvSpPr/>
+                  <p:nvPr/>
+                </p:nvSpPr>
+                <p:spPr>
+                  <a:xfrm>
+                    <a:off x="8477855" y="1079175"/>
+                    <a:ext cx="1698384" cy="673198"/>
+                  </a:xfrm>
+                  <a:prstGeom prst="leftArrowCallout">
+                    <a:avLst>
+                      <a:gd name="adj1" fmla="val 18978"/>
+                      <a:gd name="adj2" fmla="val 25000"/>
+                      <a:gd name="adj3" fmla="val 29517"/>
+                      <a:gd name="adj4" fmla="val 73721"/>
+                    </a:avLst>
+                  </a:prstGeom>
+                  <a:solidFill>
+                    <a:schemeClr val="bg1">
+                      <a:lumMod val="50000"/>
+                      <a:alpha val="70276"/>
+                    </a:schemeClr>
+                  </a:solidFill>
+                  <a:ln>
+                    <a:noFill/>
+                  </a:ln>
+                </p:spPr>
+                <p:style>
+                  <a:lnRef idx="2">
+                    <a:schemeClr val="accent1">
+                      <a:shade val="15000"/>
+                    </a:schemeClr>
+                  </a:lnRef>
+                  <a:fillRef idx="1">
+                    <a:schemeClr val="accent1"/>
+                  </a:fillRef>
+                  <a:effectRef idx="0">
+                    <a:schemeClr val="accent1"/>
+                  </a:effectRef>
+                  <a:fontRef idx="minor">
+                    <a:schemeClr val="lt1"/>
+                  </a:fontRef>
+                </p:style>
+                <p:txBody>
+                  <a:bodyPr rtlCol="0" anchor="ctr"/>
+                  <a:lstStyle/>
+                  <a:p>
+                    <a:pPr algn="ctr"/>
+                    <a14:m>
+                      <m:oMathPara xmlns:m="http://schemas.openxmlformats.org/officeDocument/2006/math">
+                        <m:oMathParaPr>
+                          <m:jc m:val="centerGroup"/>
+                        </m:oMathParaPr>
+                        <m:oMath xmlns:m="http://schemas.openxmlformats.org/officeDocument/2006/math">
+                          <m:r>
+                            <a:rPr lang="en-US" b="0" i="1" smtClean="0">
+                              <a:latin typeface="Cambria Math" panose="02040503050406030204" pitchFamily="18" charset="0"/>
+                            </a:rPr>
+                            <m:t>𝑠𝑖𝑛𝐶</m:t>
+                          </m:r>
+                          <m:r>
+                            <a:rPr lang="en-US" b="0" i="1" smtClean="0">
+                              <a:latin typeface="Cambria Math" panose="02040503050406030204" pitchFamily="18" charset="0"/>
+                            </a:rPr>
+                            <m:t>=</m:t>
+                          </m:r>
+                          <m:f>
+                            <m:fPr>
+                              <m:ctrlPr>
+                                <a:rPr lang="en-US" b="0" i="1" smtClean="0">
+                                  <a:latin typeface="Cambria Math" panose="02040503050406030204" pitchFamily="18" charset="0"/>
+                                </a:rPr>
+                              </m:ctrlPr>
+                            </m:fPr>
+                            <m:num>
+                              <m:r>
+                                <a:rPr lang="en-US" b="0" i="1" smtClean="0">
+                                  <a:latin typeface="Cambria Math" panose="02040503050406030204" pitchFamily="18" charset="0"/>
+                                </a:rPr>
+                                <m:t>1</m:t>
+                              </m:r>
+                            </m:num>
+                            <m:den>
+                              <m:r>
+                                <a:rPr lang="en-US" b="0" i="1" smtClean="0">
+                                  <a:latin typeface="Cambria Math" panose="02040503050406030204" pitchFamily="18" charset="0"/>
+                                </a:rPr>
+                                <m:t>𝑛</m:t>
+                              </m:r>
+                            </m:den>
+                          </m:f>
+                        </m:oMath>
+                      </m:oMathPara>
+                    </a14:m>
+                    <a:endParaRPr lang="en-US" dirty="0"/>
+                  </a:p>
+                </p:txBody>
+              </p:sp>
+            </mc:Choice>
+            <mc:Fallback xmlns="">
+              <p:sp>
+                <p:nvSpPr>
+                  <p:cNvPr id="20" name="Left Arrow Callout 19">
+                    <a:extLst>
+                      <a:ext uri="{FF2B5EF4-FFF2-40B4-BE49-F238E27FC236}">
+                        <a16:creationId xmlns:a16="http://schemas.microsoft.com/office/drawing/2014/main" id="{01DD3C3D-E277-7D5E-20E6-0DF55B230697}"/>
+                      </a:ext>
+                    </a:extLst>
+                  </p:cNvPr>
+                  <p:cNvSpPr>
+                    <a:spLocks noRot="1" noChangeAspect="1" noMove="1" noResize="1" noEditPoints="1" noAdjustHandles="1" noChangeArrowheads="1" noChangeShapeType="1" noTextEdit="1"/>
+                  </p:cNvSpPr>
+                  <p:nvPr/>
+                </p:nvSpPr>
+                <p:spPr>
+                  <a:xfrm>
+                    <a:off x="8477855" y="1079175"/>
+                    <a:ext cx="1698384" cy="673198"/>
+                  </a:xfrm>
+                  <a:prstGeom prst="leftArrowCallout">
+                    <a:avLst>
+                      <a:gd name="adj1" fmla="val 18978"/>
+                      <a:gd name="adj2" fmla="val 25000"/>
+                      <a:gd name="adj3" fmla="val 29517"/>
+                      <a:gd name="adj4" fmla="val 73721"/>
+                    </a:avLst>
+                  </a:prstGeom>
+                  <a:blipFill>
+                    <a:blip r:embed="rId11"/>
+                    <a:stretch>
+                      <a:fillRect/>
+                    </a:stretch>
+                  </a:blipFill>
+                  <a:ln>
+                    <a:noFill/>
+                  </a:ln>
+                </p:spPr>
+                <p:txBody>
+                  <a:bodyPr/>
+                  <a:lstStyle/>
+                  <a:p>
+                    <a:r>
+                      <a:rPr lang="en-US">
+                        <a:noFill/>
+                      </a:rPr>
+                      <a:t> </a:t>
+                    </a:r>
+                  </a:p>
+                </p:txBody>
+              </p:sp>
+            </mc:Fallback>
+          </mc:AlternateContent>
+          <mc:AlternateContent xmlns:mc="http://schemas.openxmlformats.org/markup-compatibility/2006" xmlns:a14="http://schemas.microsoft.com/office/drawing/2010/main">
+            <mc:Choice Requires="a14">
+              <p:sp>
+                <p:nvSpPr>
+                  <p:cNvPr id="21" name="Left Arrow Callout 20">
+                    <a:extLst>
+                      <a:ext uri="{FF2B5EF4-FFF2-40B4-BE49-F238E27FC236}">
+                        <a16:creationId xmlns:a16="http://schemas.microsoft.com/office/drawing/2014/main" id="{8BFC762E-627E-A80F-C754-134F6C092F4F}"/>
+                      </a:ext>
+                    </a:extLst>
+                  </p:cNvPr>
+                  <p:cNvSpPr>
+                    <a:spLocks/>
+                  </p:cNvSpPr>
+                  <p:nvPr/>
+                </p:nvSpPr>
+                <p:spPr>
+                  <a:xfrm rot="-5400000">
+                    <a:off x="4011440" y="1103450"/>
+                    <a:ext cx="928679" cy="1173285"/>
+                  </a:xfrm>
+                  <a:prstGeom prst="leftArrowCallout">
+                    <a:avLst>
+                      <a:gd name="adj1" fmla="val 18070"/>
+                      <a:gd name="adj2" fmla="val 18586"/>
+                      <a:gd name="adj3" fmla="val 29517"/>
+                      <a:gd name="adj4" fmla="val 41919"/>
+                    </a:avLst>
+                  </a:prstGeom>
+                  <a:solidFill>
+                    <a:schemeClr val="bg1">
+                      <a:lumMod val="50000"/>
+                      <a:alpha val="70276"/>
+                    </a:schemeClr>
+                  </a:solidFill>
+                  <a:ln>
+                    <a:noFill/>
+                  </a:ln>
+                </p:spPr>
+                <p:style>
+                  <a:lnRef idx="2">
+                    <a:schemeClr val="accent1">
+                      <a:shade val="15000"/>
+                    </a:schemeClr>
+                  </a:lnRef>
+                  <a:fillRef idx="1">
+                    <a:schemeClr val="accent1"/>
+                  </a:fillRef>
+                  <a:effectRef idx="0">
+                    <a:schemeClr val="accent1"/>
+                  </a:effectRef>
+                  <a:fontRef idx="minor">
+                    <a:schemeClr val="lt1"/>
+                  </a:fontRef>
+                </p:style>
+                <p:txBody>
+                  <a:bodyPr vert="vert" rtlCol="0" anchor="ctr"/>
+                  <a:lstStyle/>
+                  <a:p>
+                    <a:pPr algn="ctr"/>
+                    <a14:m>
+                      <m:oMathPara xmlns:m="http://schemas.openxmlformats.org/officeDocument/2006/math">
+                        <m:oMathParaPr>
+                          <m:jc m:val="centerGroup"/>
+                        </m:oMathParaPr>
+                        <m:oMath xmlns:m="http://schemas.openxmlformats.org/officeDocument/2006/math">
+                          <m:r>
+                            <a:rPr lang="en-US" b="0" i="1" smtClean="0">
                               <a:latin typeface="Cambria Math" panose="02040503050406030204" pitchFamily="18" charset="0"/>
                             </a:rPr>
                             <m:t>𝜀</m:t>
                           </m:r>
-                        </m:e>
-                        <m:sub>
                           <m:r>
-                            <a:rPr lang="en-US" sz="2000" b="0" i="1" smtClean="0">
+                            <a:rPr lang="en-US" b="0" i="1" smtClean="0">
                               <a:latin typeface="Cambria Math" panose="02040503050406030204" pitchFamily="18" charset="0"/>
                             </a:rPr>
-                            <m:t>1</m:t>
+                            <m:t>=</m:t>
                           </m:r>
-                        </m:sub>
-                      </m:sSub>
-                      <m:r>
-                        <a:rPr lang="en-US" sz="2000" b="0" i="1" smtClean="0">
-                          <a:latin typeface="Cambria Math" panose="02040503050406030204" pitchFamily="18" charset="0"/>
-                        </a:rPr>
-                        <m:t>&gt;</m:t>
-                      </m:r>
-                      <m:sSub>
-                        <m:sSubPr>
-                          <m:ctrlPr>
-                            <a:rPr lang="en-US" sz="2000" b="0" i="1" smtClean="0">
+                          <m:r>
+                            <a:rPr lang="en-US" b="0" i="1" smtClean="0">
                               <a:latin typeface="Cambria Math" panose="02040503050406030204" pitchFamily="18" charset="0"/>
                             </a:rPr>
-                          </m:ctrlPr>
-                        </m:sSubPr>
-                        <m:e>
+                            <m:t>h𝑓</m:t>
+                          </m:r>
+                        </m:oMath>
+                      </m:oMathPara>
+                    </a14:m>
+                    <a:endParaRPr lang="en-US" dirty="0"/>
+                  </a:p>
+                </p:txBody>
+              </p:sp>
+            </mc:Choice>
+            <mc:Fallback xmlns="">
+              <p:sp>
+                <p:nvSpPr>
+                  <p:cNvPr id="21" name="Left Arrow Callout 20">
+                    <a:extLst>
+                      <a:ext uri="{FF2B5EF4-FFF2-40B4-BE49-F238E27FC236}">
+                        <a16:creationId xmlns:a16="http://schemas.microsoft.com/office/drawing/2014/main" id="{8BFC762E-627E-A80F-C754-134F6C092F4F}"/>
+                      </a:ext>
+                    </a:extLst>
+                  </p:cNvPr>
+                  <p:cNvSpPr>
+                    <a:spLocks noRot="1" noChangeAspect="1" noMove="1" noResize="1" noEditPoints="1" noAdjustHandles="1" noChangeArrowheads="1" noChangeShapeType="1" noTextEdit="1"/>
+                  </p:cNvSpPr>
+                  <p:nvPr/>
+                </p:nvSpPr>
+                <p:spPr>
+                  <a:xfrm rot="-5400000">
+                    <a:off x="4011440" y="1103450"/>
+                    <a:ext cx="928679" cy="1173285"/>
+                  </a:xfrm>
+                  <a:prstGeom prst="leftArrowCallout">
+                    <a:avLst>
+                      <a:gd name="adj1" fmla="val 18070"/>
+                      <a:gd name="adj2" fmla="val 18586"/>
+                      <a:gd name="adj3" fmla="val 29517"/>
+                      <a:gd name="adj4" fmla="val 41919"/>
+                    </a:avLst>
+                  </a:prstGeom>
+                  <a:blipFill>
+                    <a:blip r:embed="rId12"/>
+                    <a:stretch>
+                      <a:fillRect/>
+                    </a:stretch>
+                  </a:blipFill>
+                  <a:ln>
+                    <a:noFill/>
+                  </a:ln>
+                </p:spPr>
+                <p:txBody>
+                  <a:bodyPr/>
+                  <a:lstStyle/>
+                  <a:p>
+                    <a:r>
+                      <a:rPr lang="en-US">
+                        <a:noFill/>
+                      </a:rPr>
+                      <a:t> </a:t>
+                    </a:r>
+                  </a:p>
+                </p:txBody>
+              </p:sp>
+            </mc:Fallback>
+          </mc:AlternateContent>
+          <p:sp>
+            <p:nvSpPr>
+              <p:cNvPr id="22" name="Left Arrow Callout 21">
+                <a:extLst>
+                  <a:ext uri="{FF2B5EF4-FFF2-40B4-BE49-F238E27FC236}">
+                    <a16:creationId xmlns:a16="http://schemas.microsoft.com/office/drawing/2014/main" id="{AA733DE0-2E41-5563-BE42-2F8DF0B9F74C}"/>
+                  </a:ext>
+                </a:extLst>
+              </p:cNvPr>
+              <p:cNvSpPr>
+                <a:spLocks/>
+              </p:cNvSpPr>
+              <p:nvPr/>
+            </p:nvSpPr>
+            <p:spPr>
+              <a:xfrm rot="-5400000">
+                <a:off x="6710191" y="992072"/>
+                <a:ext cx="928679" cy="1396039"/>
+              </a:xfrm>
+              <a:prstGeom prst="leftArrowCallout">
+                <a:avLst>
+                  <a:gd name="adj1" fmla="val 18070"/>
+                  <a:gd name="adj2" fmla="val 18586"/>
+                  <a:gd name="adj3" fmla="val 29517"/>
+                  <a:gd name="adj4" fmla="val 43458"/>
+                </a:avLst>
+              </a:prstGeom>
+              <a:solidFill>
+                <a:schemeClr val="bg1">
+                  <a:lumMod val="50000"/>
+                  <a:alpha val="70276"/>
+                </a:schemeClr>
+              </a:solidFill>
+              <a:ln>
+                <a:noFill/>
+              </a:ln>
+            </p:spPr>
+            <p:style>
+              <a:lnRef idx="2">
+                <a:schemeClr val="accent1">
+                  <a:shade val="15000"/>
+                </a:schemeClr>
+              </a:lnRef>
+              <a:fillRef idx="1">
+                <a:schemeClr val="accent1"/>
+              </a:fillRef>
+              <a:effectRef idx="0">
+                <a:schemeClr val="accent1"/>
+              </a:effectRef>
+              <a:fontRef idx="minor">
+                <a:schemeClr val="lt1"/>
+              </a:fontRef>
+            </p:style>
+            <p:txBody>
+              <a:bodyPr vert="vert" rtlCol="0" anchor="ctr"/>
+              <a:lstStyle/>
+              <a:p>
+                <a:pPr algn="ctr"/>
+                <a:r>
+                  <a:rPr lang="en-US" sz="1400" dirty="0"/>
+                  <a:t>三棱镜分光结论</a:t>
+                </a:r>
+              </a:p>
+            </p:txBody>
+          </p:sp>
+          <mc:AlternateContent xmlns:mc="http://schemas.openxmlformats.org/markup-compatibility/2006" xmlns:a14="http://schemas.microsoft.com/office/drawing/2010/main">
+            <mc:Choice Requires="a14">
+              <p:sp>
+                <p:nvSpPr>
+                  <p:cNvPr id="23" name="Left Arrow Callout 22">
+                    <a:extLst>
+                      <a:ext uri="{FF2B5EF4-FFF2-40B4-BE49-F238E27FC236}">
+                        <a16:creationId xmlns:a16="http://schemas.microsoft.com/office/drawing/2014/main" id="{D5118B6C-422D-8D9A-34B8-D33203665BF6}"/>
+                      </a:ext>
+                    </a:extLst>
+                  </p:cNvPr>
+                  <p:cNvSpPr>
+                    <a:spLocks/>
+                  </p:cNvSpPr>
+                  <p:nvPr/>
+                </p:nvSpPr>
+                <p:spPr>
+                  <a:xfrm rot="5400000">
+                    <a:off x="6717398" y="3905416"/>
+                    <a:ext cx="1031940" cy="1463039"/>
+                  </a:xfrm>
+                  <a:prstGeom prst="leftArrowCallout">
+                    <a:avLst>
+                      <a:gd name="adj1" fmla="val 11350"/>
+                      <a:gd name="adj2" fmla="val 12986"/>
+                      <a:gd name="adj3" fmla="val 29517"/>
+                      <a:gd name="adj4" fmla="val 60818"/>
+                    </a:avLst>
+                  </a:prstGeom>
+                  <a:solidFill>
+                    <a:schemeClr val="bg1">
+                      <a:lumMod val="50000"/>
+                      <a:alpha val="70276"/>
+                    </a:schemeClr>
+                  </a:solidFill>
+                  <a:ln>
+                    <a:noFill/>
+                  </a:ln>
+                </p:spPr>
+                <p:style>
+                  <a:lnRef idx="2">
+                    <a:schemeClr val="accent1">
+                      <a:shade val="15000"/>
+                    </a:schemeClr>
+                  </a:lnRef>
+                  <a:fillRef idx="1">
+                    <a:schemeClr val="accent1"/>
+                  </a:fillRef>
+                  <a:effectRef idx="0">
+                    <a:schemeClr val="accent1"/>
+                  </a:effectRef>
+                  <a:fontRef idx="minor">
+                    <a:schemeClr val="lt1"/>
+                  </a:fontRef>
+                </p:style>
+                <p:txBody>
+                  <a:bodyPr vert="vert270" rtlCol="0" anchor="ctr"/>
+                  <a:lstStyle/>
+                  <a:p>
+                    <a:pPr algn="ctr"/>
+                    <a14:m>
+                      <m:oMathPara xmlns:m="http://schemas.openxmlformats.org/officeDocument/2006/math">
+                        <m:oMathParaPr>
+                          <m:jc m:val="centerGroup"/>
+                        </m:oMathParaPr>
+                        <m:oMath xmlns:m="http://schemas.openxmlformats.org/officeDocument/2006/math">
                           <m:r>
-                            <a:rPr lang="en-US" sz="2000" b="0" i="1" smtClean="0">
+                            <a:rPr lang="en-US" b="0" i="1" smtClean="0">
+                              <a:latin typeface="Cambria Math" panose="02040503050406030204" pitchFamily="18" charset="0"/>
+                            </a:rPr>
+                            <m:t>∆</m:t>
+                          </m:r>
+                          <m:r>
+                            <a:rPr lang="en-US" b="0" i="1" smtClean="0">
+                              <a:latin typeface="Cambria Math" panose="02040503050406030204" pitchFamily="18" charset="0"/>
+                            </a:rPr>
+                            <m:t>𝑥</m:t>
+                          </m:r>
+                          <m:r>
+                            <a:rPr lang="en-US" b="0" i="1" smtClean="0">
+                              <a:latin typeface="Cambria Math" panose="02040503050406030204" pitchFamily="18" charset="0"/>
+                            </a:rPr>
+                            <m:t>=</m:t>
+                          </m:r>
+                          <m:r>
+                            <a:rPr lang="en-US" b="0" i="1" smtClean="0">
+                              <a:latin typeface="Cambria Math" panose="02040503050406030204" pitchFamily="18" charset="0"/>
+                            </a:rPr>
+                            <m:t>𝜆</m:t>
+                          </m:r>
+                          <m:f>
+                            <m:fPr>
+                              <m:ctrlPr>
+                                <a:rPr lang="en-US" b="0" i="1" smtClean="0">
+                                  <a:latin typeface="Cambria Math" panose="02040503050406030204" pitchFamily="18" charset="0"/>
+                                </a:rPr>
+                              </m:ctrlPr>
+                            </m:fPr>
+                            <m:num>
+                              <m:r>
+                                <a:rPr lang="en-US" b="0" i="1" smtClean="0">
+                                  <a:latin typeface="Cambria Math" panose="02040503050406030204" pitchFamily="18" charset="0"/>
+                                </a:rPr>
+                                <m:t>𝐿</m:t>
+                              </m:r>
+                            </m:num>
+                            <m:den>
+                              <m:r>
+                                <a:rPr lang="en-US" b="0" i="1" smtClean="0">
+                                  <a:latin typeface="Cambria Math" panose="02040503050406030204" pitchFamily="18" charset="0"/>
+                                </a:rPr>
+                                <m:t>𝑑</m:t>
+                              </m:r>
+                            </m:den>
+                          </m:f>
+                        </m:oMath>
+                      </m:oMathPara>
+                    </a14:m>
+                    <a:endParaRPr lang="en-US" dirty="0"/>
+                  </a:p>
+                </p:txBody>
+              </p:sp>
+            </mc:Choice>
+            <mc:Fallback xmlns="">
+              <p:sp>
+                <p:nvSpPr>
+                  <p:cNvPr id="23" name="Left Arrow Callout 22">
+                    <a:extLst>
+                      <a:ext uri="{FF2B5EF4-FFF2-40B4-BE49-F238E27FC236}">
+                        <a16:creationId xmlns:a16="http://schemas.microsoft.com/office/drawing/2014/main" id="{D5118B6C-422D-8D9A-34B8-D33203665BF6}"/>
+                      </a:ext>
+                    </a:extLst>
+                  </p:cNvPr>
+                  <p:cNvSpPr>
+                    <a:spLocks noRot="1" noChangeAspect="1" noMove="1" noResize="1" noEditPoints="1" noAdjustHandles="1" noChangeArrowheads="1" noChangeShapeType="1" noTextEdit="1"/>
+                  </p:cNvSpPr>
+                  <p:nvPr/>
+                </p:nvSpPr>
+                <p:spPr>
+                  <a:xfrm rot="5400000">
+                    <a:off x="6717398" y="3905416"/>
+                    <a:ext cx="1031940" cy="1463039"/>
+                  </a:xfrm>
+                  <a:prstGeom prst="leftArrowCallout">
+                    <a:avLst>
+                      <a:gd name="adj1" fmla="val 11350"/>
+                      <a:gd name="adj2" fmla="val 12986"/>
+                      <a:gd name="adj3" fmla="val 29517"/>
+                      <a:gd name="adj4" fmla="val 60818"/>
+                    </a:avLst>
+                  </a:prstGeom>
+                  <a:blipFill>
+                    <a:blip r:embed="rId13"/>
+                    <a:stretch>
+                      <a:fillRect b="-2439"/>
+                    </a:stretch>
+                  </a:blipFill>
+                  <a:ln>
+                    <a:noFill/>
+                  </a:ln>
+                </p:spPr>
+                <p:txBody>
+                  <a:bodyPr/>
+                  <a:lstStyle/>
+                  <a:p>
+                    <a:r>
+                      <a:rPr lang="en-US">
+                        <a:noFill/>
+                      </a:rPr>
+                      <a:t> </a:t>
+                    </a:r>
+                  </a:p>
+                </p:txBody>
+              </p:sp>
+            </mc:Fallback>
+          </mc:AlternateContent>
+          <mc:AlternateContent xmlns:mc="http://schemas.openxmlformats.org/markup-compatibility/2006" xmlns:a14="http://schemas.microsoft.com/office/drawing/2010/main">
+            <mc:Choice Requires="a14">
+              <p:sp>
+                <p:nvSpPr>
+                  <p:cNvPr id="24" name="Left Arrow Callout 23">
+                    <a:extLst>
+                      <a:ext uri="{FF2B5EF4-FFF2-40B4-BE49-F238E27FC236}">
+                        <a16:creationId xmlns:a16="http://schemas.microsoft.com/office/drawing/2014/main" id="{5FE341FF-8897-870D-96A4-AFFCC462530B}"/>
+                      </a:ext>
+                    </a:extLst>
+                  </p:cNvPr>
+                  <p:cNvSpPr>
+                    <a:spLocks/>
+                  </p:cNvSpPr>
+                  <p:nvPr/>
+                </p:nvSpPr>
+                <p:spPr>
+                  <a:xfrm rot="5400000">
+                    <a:off x="9290309" y="3905417"/>
+                    <a:ext cx="1031940" cy="1463039"/>
+                  </a:xfrm>
+                  <a:prstGeom prst="leftArrowCallout">
+                    <a:avLst>
+                      <a:gd name="adj1" fmla="val 11350"/>
+                      <a:gd name="adj2" fmla="val 12986"/>
+                      <a:gd name="adj3" fmla="val 29517"/>
+                      <a:gd name="adj4" fmla="val 58212"/>
+                    </a:avLst>
+                  </a:prstGeom>
+                  <a:solidFill>
+                    <a:schemeClr val="bg1">
+                      <a:lumMod val="50000"/>
+                      <a:alpha val="70276"/>
+                    </a:schemeClr>
+                  </a:solidFill>
+                  <a:ln>
+                    <a:noFill/>
+                  </a:ln>
+                </p:spPr>
+                <p:style>
+                  <a:lnRef idx="2">
+                    <a:schemeClr val="accent1">
+                      <a:shade val="15000"/>
+                    </a:schemeClr>
+                  </a:lnRef>
+                  <a:fillRef idx="1">
+                    <a:schemeClr val="accent1"/>
+                  </a:fillRef>
+                  <a:effectRef idx="0">
+                    <a:schemeClr val="accent1"/>
+                  </a:effectRef>
+                  <a:fontRef idx="minor">
+                    <a:schemeClr val="lt1"/>
+                  </a:fontRef>
+                </p:style>
+                <p:txBody>
+                  <a:bodyPr vert="vert270" rtlCol="0" anchor="ctr"/>
+                  <a:lstStyle/>
+                  <a:p>
+                    <a:pPr algn="ctr"/>
+                    <a14:m>
+                      <m:oMathPara xmlns:m="http://schemas.openxmlformats.org/officeDocument/2006/math">
+                        <m:oMathParaPr>
+                          <m:jc m:val="centerGroup"/>
+                        </m:oMathParaPr>
+                        <m:oMath xmlns:m="http://schemas.openxmlformats.org/officeDocument/2006/math">
+                          <m:r>
+                            <a:rPr lang="en-US" b="0" i="1" smtClean="0">
+                              <a:latin typeface="Cambria Math" panose="02040503050406030204" pitchFamily="18" charset="0"/>
+                            </a:rPr>
+                            <m:t>𝑝</m:t>
+                          </m:r>
+                          <m:r>
+                            <a:rPr lang="en-US" b="0" i="1" smtClean="0">
+                              <a:latin typeface="Cambria Math" panose="02040503050406030204" pitchFamily="18" charset="0"/>
+                            </a:rPr>
+                            <m:t>=</m:t>
+                          </m:r>
+                          <m:f>
+                            <m:fPr>
+                              <m:ctrlPr>
+                                <a:rPr lang="en-US" b="0" i="1" smtClean="0">
+                                  <a:latin typeface="Cambria Math" panose="02040503050406030204" pitchFamily="18" charset="0"/>
+                                </a:rPr>
+                              </m:ctrlPr>
+                            </m:fPr>
+                            <m:num>
+                              <m:r>
+                                <a:rPr lang="en-US" b="0" i="1" smtClean="0">
+                                  <a:latin typeface="Cambria Math" panose="02040503050406030204" pitchFamily="18" charset="0"/>
+                                </a:rPr>
+                                <m:t>h</m:t>
+                              </m:r>
+                            </m:num>
+                            <m:den>
+                              <m:r>
+                                <a:rPr lang="en-US" b="0" i="1" smtClean="0">
+                                  <a:latin typeface="Cambria Math" panose="02040503050406030204" pitchFamily="18" charset="0"/>
+                                </a:rPr>
+                                <m:t>𝜆</m:t>
+                              </m:r>
+                            </m:den>
+                          </m:f>
+                        </m:oMath>
+                      </m:oMathPara>
+                    </a14:m>
+                    <a:endParaRPr lang="en-US" dirty="0"/>
+                  </a:p>
+                </p:txBody>
+              </p:sp>
+            </mc:Choice>
+            <mc:Fallback xmlns="">
+              <p:sp>
+                <p:nvSpPr>
+                  <p:cNvPr id="24" name="Left Arrow Callout 23">
+                    <a:extLst>
+                      <a:ext uri="{FF2B5EF4-FFF2-40B4-BE49-F238E27FC236}">
+                        <a16:creationId xmlns:a16="http://schemas.microsoft.com/office/drawing/2014/main" id="{5FE341FF-8897-870D-96A4-AFFCC462530B}"/>
+                      </a:ext>
+                    </a:extLst>
+                  </p:cNvPr>
+                  <p:cNvSpPr>
+                    <a:spLocks noRot="1" noChangeAspect="1" noMove="1" noResize="1" noEditPoints="1" noAdjustHandles="1" noChangeArrowheads="1" noChangeShapeType="1" noTextEdit="1"/>
+                  </p:cNvSpPr>
+                  <p:nvPr/>
+                </p:nvSpPr>
+                <p:spPr>
+                  <a:xfrm rot="5400000">
+                    <a:off x="9290309" y="3905417"/>
+                    <a:ext cx="1031940" cy="1463039"/>
+                  </a:xfrm>
+                  <a:prstGeom prst="leftArrowCallout">
+                    <a:avLst>
+                      <a:gd name="adj1" fmla="val 11350"/>
+                      <a:gd name="adj2" fmla="val 12986"/>
+                      <a:gd name="adj3" fmla="val 29517"/>
+                      <a:gd name="adj4" fmla="val 58212"/>
+                    </a:avLst>
+                  </a:prstGeom>
+                  <a:blipFill>
+                    <a:blip r:embed="rId14"/>
+                    <a:stretch>
+                      <a:fillRect b="-4878"/>
+                    </a:stretch>
+                  </a:blipFill>
+                  <a:ln>
+                    <a:noFill/>
+                  </a:ln>
+                </p:spPr>
+                <p:txBody>
+                  <a:bodyPr/>
+                  <a:lstStyle/>
+                  <a:p>
+                    <a:r>
+                      <a:rPr lang="en-US">
+                        <a:noFill/>
+                      </a:rPr>
+                      <a:t> </a:t>
+                    </a:r>
+                  </a:p>
+                </p:txBody>
+              </p:sp>
+            </mc:Fallback>
+          </mc:AlternateContent>
+          <p:sp>
+            <p:nvSpPr>
+              <p:cNvPr id="25" name="Right Brace 24">
+                <a:extLst>
+                  <a:ext uri="{FF2B5EF4-FFF2-40B4-BE49-F238E27FC236}">
+                    <a16:creationId xmlns:a16="http://schemas.microsoft.com/office/drawing/2014/main" id="{9D00A515-7555-2BC8-0086-C00ACECD6FFF}"/>
+                  </a:ext>
+                </a:extLst>
+              </p:cNvPr>
+              <p:cNvSpPr/>
+              <p:nvPr/>
+            </p:nvSpPr>
+            <p:spPr>
+              <a:xfrm rot="5400000">
+                <a:off x="8002004" y="480485"/>
+                <a:ext cx="939208" cy="5324957"/>
+              </a:xfrm>
+              <a:prstGeom prst="rightBrace">
+                <a:avLst>
+                  <a:gd name="adj1" fmla="val 59013"/>
+                  <a:gd name="adj2" fmla="val 50758"/>
+                </a:avLst>
+              </a:prstGeom>
+              <a:ln w="25400">
+                <a:solidFill>
+                  <a:schemeClr val="tx1"/>
+                </a:solidFill>
+              </a:ln>
+            </p:spPr>
+            <p:style>
+              <a:lnRef idx="2">
+                <a:schemeClr val="accent1"/>
+              </a:lnRef>
+              <a:fillRef idx="0">
+                <a:schemeClr val="accent1"/>
+              </a:fillRef>
+              <a:effectRef idx="1">
+                <a:schemeClr val="accent1"/>
+              </a:effectRef>
+              <a:fontRef idx="minor">
+                <a:schemeClr val="tx1"/>
+              </a:fontRef>
+            </p:style>
+            <p:txBody>
+              <a:bodyPr rtlCol="0" anchor="ctr"/>
+              <a:lstStyle/>
+              <a:p>
+                <a:pPr algn="ctr"/>
+                <a:endParaRPr lang="en-US"/>
+              </a:p>
+            </p:txBody>
+          </p:sp>
+          <mc:AlternateContent xmlns:mc="http://schemas.openxmlformats.org/markup-compatibility/2006" xmlns:a14="http://schemas.microsoft.com/office/drawing/2010/main">
+            <mc:Choice Requires="a14">
+              <p:sp>
+                <p:nvSpPr>
+                  <p:cNvPr id="26" name="Left Arrow Callout 25">
+                    <a:extLst>
+                      <a:ext uri="{FF2B5EF4-FFF2-40B4-BE49-F238E27FC236}">
+                        <a16:creationId xmlns:a16="http://schemas.microsoft.com/office/drawing/2014/main" id="{05534705-FEB9-81D6-B58F-E3CB7E0E8044}"/>
+                      </a:ext>
+                    </a:extLst>
+                  </p:cNvPr>
+                  <p:cNvSpPr/>
+                  <p:nvPr/>
+                </p:nvSpPr>
+                <p:spPr>
+                  <a:xfrm>
+                    <a:off x="3143154" y="2858280"/>
+                    <a:ext cx="2033957" cy="673198"/>
+                  </a:xfrm>
+                  <a:prstGeom prst="leftArrowCallout">
+                    <a:avLst>
+                      <a:gd name="adj1" fmla="val 18978"/>
+                      <a:gd name="adj2" fmla="val 25000"/>
+                      <a:gd name="adj3" fmla="val 29517"/>
+                      <a:gd name="adj4" fmla="val 73721"/>
+                    </a:avLst>
+                  </a:prstGeom>
+                  <a:solidFill>
+                    <a:schemeClr val="bg1">
+                      <a:lumMod val="50000"/>
+                      <a:alpha val="70276"/>
+                    </a:schemeClr>
+                  </a:solidFill>
+                  <a:ln>
+                    <a:noFill/>
+                  </a:ln>
+                </p:spPr>
+                <p:style>
+                  <a:lnRef idx="2">
+                    <a:schemeClr val="accent1">
+                      <a:shade val="15000"/>
+                    </a:schemeClr>
+                  </a:lnRef>
+                  <a:fillRef idx="1">
+                    <a:schemeClr val="accent1"/>
+                  </a:fillRef>
+                  <a:effectRef idx="0">
+                    <a:schemeClr val="accent1"/>
+                  </a:effectRef>
+                  <a:fontRef idx="minor">
+                    <a:schemeClr val="lt1"/>
+                  </a:fontRef>
+                </p:style>
+                <p:txBody>
+                  <a:bodyPr rtlCol="0" anchor="ctr"/>
+                  <a:lstStyle/>
+                  <a:p>
+                    <a:pPr algn="ctr"/>
+                    <a14:m>
+                      <m:oMathPara xmlns:m="http://schemas.openxmlformats.org/officeDocument/2006/math">
+                        <m:oMathParaPr>
+                          <m:jc m:val="centerGroup"/>
+                        </m:oMathParaPr>
+                        <m:oMath xmlns:m="http://schemas.openxmlformats.org/officeDocument/2006/math">
+                          <m:sSub>
+                            <m:sSubPr>
+                              <m:ctrlPr>
+                                <a:rPr lang="en-US" i="1">
+                                  <a:latin typeface="Cambria Math" panose="02040503050406030204" pitchFamily="18" charset="0"/>
+                                </a:rPr>
+                              </m:ctrlPr>
+                            </m:sSubPr>
+                            <m:e>
+                              <m:r>
+                                <a:rPr lang="en-US" i="1">
+                                  <a:latin typeface="Cambria Math" panose="02040503050406030204" pitchFamily="18" charset="0"/>
+                                </a:rPr>
+                                <m:t>𝐸</m:t>
+                              </m:r>
+                            </m:e>
+                            <m:sub>
+                              <m:r>
+                                <a:rPr lang="en-US" i="1">
+                                  <a:latin typeface="Cambria Math" panose="02040503050406030204" pitchFamily="18" charset="0"/>
+                                </a:rPr>
+                                <m:t>𝑘</m:t>
+                              </m:r>
+                            </m:sub>
+                          </m:sSub>
+                          <m:r>
+                            <a:rPr lang="en-US" i="1">
+                              <a:latin typeface="Cambria Math" panose="02040503050406030204" pitchFamily="18" charset="0"/>
+                            </a:rPr>
+                            <m:t>=</m:t>
+                          </m:r>
+                          <m:r>
+                            <a:rPr lang="en-US" i="1">
                               <a:latin typeface="Cambria Math" panose="02040503050406030204" pitchFamily="18" charset="0"/>
                             </a:rPr>
                             <m:t>𝜀</m:t>
                           </m:r>
-                        </m:e>
-                        <m:sub>
                           <m:r>
-                            <a:rPr lang="en-US" sz="2000" b="0" i="1" smtClean="0">
+                            <a:rPr lang="en-US" i="1">
                               <a:latin typeface="Cambria Math" panose="02040503050406030204" pitchFamily="18" charset="0"/>
                             </a:rPr>
-                            <m:t>2</m:t>
+                            <m:t> −</m:t>
                           </m:r>
-                        </m:sub>
-                      </m:sSub>
-                    </m:oMath>
-                  </a14:m>
-                  <a:r>
-                    <a:rPr lang="en-US" sz="2000" dirty="0"/>
-                    <a:t> </a:t>
-                  </a:r>
-                </a:p>
-              </p:txBody>
-            </p:sp>
-          </mc:Choice>
-          <mc:Fallback xmlns="">
+                          <m:sSub>
+                            <m:sSubPr>
+                              <m:ctrlPr>
+                                <a:rPr lang="en-US" i="1">
+                                  <a:latin typeface="Cambria Math" panose="02040503050406030204" pitchFamily="18" charset="0"/>
+                                </a:rPr>
+                              </m:ctrlPr>
+                            </m:sSubPr>
+                            <m:e>
+                              <m:r>
+                                <a:rPr lang="en-US" i="1">
+                                  <a:latin typeface="Cambria Math" panose="02040503050406030204" pitchFamily="18" charset="0"/>
+                                </a:rPr>
+                                <m:t>𝑤</m:t>
+                              </m:r>
+                            </m:e>
+                            <m:sub>
+                              <m:r>
+                                <a:rPr lang="en-US" i="1">
+                                  <a:latin typeface="Cambria Math" panose="02040503050406030204" pitchFamily="18" charset="0"/>
+                                </a:rPr>
+                                <m:t>0</m:t>
+                              </m:r>
+                            </m:sub>
+                          </m:sSub>
+                        </m:oMath>
+                      </m:oMathPara>
+                    </a14:m>
+                    <a:endParaRPr lang="en-US" dirty="0"/>
+                  </a:p>
+                </p:txBody>
+              </p:sp>
+            </mc:Choice>
+            <mc:Fallback xmlns="">
+              <p:sp>
+                <p:nvSpPr>
+                  <p:cNvPr id="26" name="Left Arrow Callout 25">
+                    <a:extLst>
+                      <a:ext uri="{FF2B5EF4-FFF2-40B4-BE49-F238E27FC236}">
+                        <a16:creationId xmlns:a16="http://schemas.microsoft.com/office/drawing/2014/main" id="{05534705-FEB9-81D6-B58F-E3CB7E0E8044}"/>
+                      </a:ext>
+                    </a:extLst>
+                  </p:cNvPr>
+                  <p:cNvSpPr>
+                    <a:spLocks noRot="1" noChangeAspect="1" noMove="1" noResize="1" noEditPoints="1" noAdjustHandles="1" noChangeArrowheads="1" noChangeShapeType="1" noTextEdit="1"/>
+                  </p:cNvSpPr>
+                  <p:nvPr/>
+                </p:nvSpPr>
+                <p:spPr>
+                  <a:xfrm>
+                    <a:off x="3143154" y="2858280"/>
+                    <a:ext cx="2033957" cy="673198"/>
+                  </a:xfrm>
+                  <a:prstGeom prst="leftArrowCallout">
+                    <a:avLst>
+                      <a:gd name="adj1" fmla="val 18978"/>
+                      <a:gd name="adj2" fmla="val 25000"/>
+                      <a:gd name="adj3" fmla="val 29517"/>
+                      <a:gd name="adj4" fmla="val 73721"/>
+                    </a:avLst>
+                  </a:prstGeom>
+                  <a:blipFill>
+                    <a:blip r:embed="rId15"/>
+                    <a:stretch>
+                      <a:fillRect/>
+                    </a:stretch>
+                  </a:blipFill>
+                  <a:ln>
+                    <a:noFill/>
+                  </a:ln>
+                </p:spPr>
+                <p:txBody>
+                  <a:bodyPr/>
+                  <a:lstStyle/>
+                  <a:p>
+                    <a:r>
+                      <a:rPr lang="en-US">
+                        <a:noFill/>
+                      </a:rPr>
+                      <a:t> </a:t>
+                    </a:r>
+                  </a:p>
+                </p:txBody>
+              </p:sp>
+            </mc:Fallback>
+          </mc:AlternateContent>
+          <mc:AlternateContent xmlns:mc="http://schemas.openxmlformats.org/markup-compatibility/2006" xmlns:a14="http://schemas.microsoft.com/office/drawing/2010/main">
+            <mc:Choice Requires="a14">
+              <p:sp>
+                <p:nvSpPr>
+                  <p:cNvPr id="27" name="Rectangle 26">
+                    <a:extLst>
+                      <a:ext uri="{FF2B5EF4-FFF2-40B4-BE49-F238E27FC236}">
+                        <a16:creationId xmlns:a16="http://schemas.microsoft.com/office/drawing/2014/main" id="{12F8A579-987E-7412-BD18-CA07B027C33D}"/>
+                      </a:ext>
+                    </a:extLst>
+                  </p:cNvPr>
+                  <p:cNvSpPr/>
+                  <p:nvPr/>
+                </p:nvSpPr>
+                <p:spPr>
+                  <a:xfrm>
+                    <a:off x="8061472" y="2981951"/>
+                    <a:ext cx="820271" cy="591670"/>
+                  </a:xfrm>
+                  <a:prstGeom prst="rect">
+                    <a:avLst/>
+                  </a:prstGeom>
+                  <a:solidFill>
+                    <a:schemeClr val="bg1">
+                      <a:lumMod val="50000"/>
+                      <a:alpha val="70000"/>
+                    </a:schemeClr>
+                  </a:solidFill>
+                  <a:ln>
+                    <a:noFill/>
+                  </a:ln>
+                </p:spPr>
+                <p:style>
+                  <a:lnRef idx="2">
+                    <a:schemeClr val="accent1">
+                      <a:shade val="15000"/>
+                    </a:schemeClr>
+                  </a:lnRef>
+                  <a:fillRef idx="1">
+                    <a:schemeClr val="accent1"/>
+                  </a:fillRef>
+                  <a:effectRef idx="0">
+                    <a:schemeClr val="accent1"/>
+                  </a:effectRef>
+                  <a:fontRef idx="minor">
+                    <a:schemeClr val="lt1"/>
+                  </a:fontRef>
+                </p:style>
+                <p:txBody>
+                  <a:bodyPr rtlCol="0" anchor="ctr"/>
+                  <a:lstStyle/>
+                  <a:p>
+                    <a:pPr algn="ctr"/>
+                    <a14:m>
+                      <m:oMathPara xmlns:m="http://schemas.openxmlformats.org/officeDocument/2006/math">
+                        <m:oMathParaPr>
+                          <m:jc m:val="centerGroup"/>
+                        </m:oMathParaPr>
+                        <m:oMath xmlns:m="http://schemas.openxmlformats.org/officeDocument/2006/math">
+                          <m:r>
+                            <a:rPr lang="en-US" b="0" i="1" smtClean="0">
+                              <a:latin typeface="Cambria Math" panose="02040503050406030204" pitchFamily="18" charset="0"/>
+                            </a:rPr>
+                            <m:t>𝜆</m:t>
+                          </m:r>
+                          <m:r>
+                            <a:rPr lang="en-US" b="0" i="1" smtClean="0">
+                              <a:latin typeface="Cambria Math" panose="02040503050406030204" pitchFamily="18" charset="0"/>
+                            </a:rPr>
+                            <m:t>=</m:t>
+                          </m:r>
+                          <m:f>
+                            <m:fPr>
+                              <m:ctrlPr>
+                                <a:rPr lang="en-US" b="0" i="1" smtClean="0">
+                                  <a:latin typeface="Cambria Math" panose="02040503050406030204" pitchFamily="18" charset="0"/>
+                                </a:rPr>
+                              </m:ctrlPr>
+                            </m:fPr>
+                            <m:num>
+                              <m:r>
+                                <a:rPr lang="en-US" b="0" i="1" smtClean="0">
+                                  <a:latin typeface="Cambria Math" panose="02040503050406030204" pitchFamily="18" charset="0"/>
+                                </a:rPr>
+                                <m:t>𝑣</m:t>
+                              </m:r>
+                            </m:num>
+                            <m:den>
+                              <m:r>
+                                <a:rPr lang="en-US" b="0" i="1" smtClean="0">
+                                  <a:latin typeface="Cambria Math" panose="02040503050406030204" pitchFamily="18" charset="0"/>
+                                </a:rPr>
+                                <m:t>𝑓</m:t>
+                              </m:r>
+                            </m:den>
+                          </m:f>
+                        </m:oMath>
+                      </m:oMathPara>
+                    </a14:m>
+                    <a:endParaRPr lang="en-US" dirty="0"/>
+                  </a:p>
+                </p:txBody>
+              </p:sp>
+            </mc:Choice>
+            <mc:Fallback xmlns="">
+              <p:sp>
+                <p:nvSpPr>
+                  <p:cNvPr id="27" name="Rectangle 26">
+                    <a:extLst>
+                      <a:ext uri="{FF2B5EF4-FFF2-40B4-BE49-F238E27FC236}">
+                        <a16:creationId xmlns:a16="http://schemas.microsoft.com/office/drawing/2014/main" id="{12F8A579-987E-7412-BD18-CA07B027C33D}"/>
+                      </a:ext>
+                    </a:extLst>
+                  </p:cNvPr>
+                  <p:cNvSpPr>
+                    <a:spLocks noRot="1" noChangeAspect="1" noMove="1" noResize="1" noEditPoints="1" noAdjustHandles="1" noChangeArrowheads="1" noChangeShapeType="1" noTextEdit="1"/>
+                  </p:cNvSpPr>
+                  <p:nvPr/>
+                </p:nvSpPr>
+                <p:spPr>
+                  <a:xfrm>
+                    <a:off x="8061472" y="2981951"/>
+                    <a:ext cx="820271" cy="591670"/>
+                  </a:xfrm>
+                  <a:prstGeom prst="rect">
+                    <a:avLst/>
+                  </a:prstGeom>
+                  <a:blipFill>
+                    <a:blip r:embed="rId16"/>
+                    <a:stretch>
+                      <a:fillRect b="-12500"/>
+                    </a:stretch>
+                  </a:blipFill>
+                  <a:ln>
+                    <a:noFill/>
+                  </a:ln>
+                </p:spPr>
+                <p:txBody>
+                  <a:bodyPr/>
+                  <a:lstStyle/>
+                  <a:p>
+                    <a:r>
+                      <a:rPr lang="en-US">
+                        <a:noFill/>
+                      </a:rPr>
+                      <a:t> </a:t>
+                    </a:r>
+                  </a:p>
+                </p:txBody>
+              </p:sp>
+            </mc:Fallback>
+          </mc:AlternateContent>
+        </p:grpSp>
+        <mc:AlternateContent xmlns:mc="http://schemas.openxmlformats.org/markup-compatibility/2006">
+          <mc:Choice xmlns:a14="http://schemas.microsoft.com/office/drawing/2010/main" Requires="a14">
             <p:sp>
               <p:nvSpPr>
-                <p:cNvPr id="10" name="Rounded Rectangle 9">
+                <p:cNvPr id="3" name="Left Arrow Callout 2">
                   <a:extLst>
                     <a:ext uri="{FF2B5EF4-FFF2-40B4-BE49-F238E27FC236}">
-                      <a16:creationId xmlns:a16="http://schemas.microsoft.com/office/drawing/2014/main" id="{4EDEEB6E-EF71-A791-2118-31DD6BEC8B62}"/>
-                    </a:ext>
-                  </a:extLst>
-                </p:cNvPr>
-                <p:cNvSpPr>
-                  <a:spLocks noRot="1" noChangeAspect="1" noMove="1" noResize="1" noEditPoints="1" noAdjustHandles="1" noChangeArrowheads="1" noChangeShapeType="1" noTextEdit="1"/>
-                </p:cNvSpPr>
-                <p:nvPr/>
-              </p:nvSpPr>
-              <p:spPr>
-                <a:xfrm>
-                  <a:off x="2411635" y="2002416"/>
-                  <a:ext cx="1463040" cy="548640"/>
-                </a:xfrm>
-                <a:prstGeom prst="roundRect">
-                  <a:avLst/>
-                </a:prstGeom>
-                <a:blipFill>
-                  <a:blip r:embed="rId8"/>
-                  <a:stretch>
-                    <a:fillRect/>
-                  </a:stretch>
-                </a:blipFill>
-                <a:ln w="25400">
-                  <a:noFill/>
-                </a:ln>
-              </p:spPr>
-              <p:txBody>
-                <a:bodyPr/>
-                <a:lstStyle/>
-                <a:p>
-                  <a:r>
-                    <a:rPr lang="en-US">
-                      <a:noFill/>
-                    </a:rPr>
-                    <a:t> </a:t>
-                  </a:r>
-                </a:p>
-              </p:txBody>
-            </p:sp>
-          </mc:Fallback>
-        </mc:AlternateContent>
-        <mc:AlternateContent xmlns:mc="http://schemas.openxmlformats.org/markup-compatibility/2006" xmlns:a14="http://schemas.microsoft.com/office/drawing/2010/main">
-          <mc:Choice Requires="a14">
-            <p:sp>
-              <p:nvSpPr>
-                <p:cNvPr id="11" name="Rounded Rectangle 10">
-                  <a:extLst>
-                    <a:ext uri="{FF2B5EF4-FFF2-40B4-BE49-F238E27FC236}">
-                      <a16:creationId xmlns:a16="http://schemas.microsoft.com/office/drawing/2014/main" id="{6B9FD64E-886D-E7EA-74D8-FC43EFF0AEA8}"/>
-                    </a:ext>
-                  </a:extLst>
-                </p:cNvPr>
-                <p:cNvSpPr>
-                  <a:spLocks noChangeAspect="1"/>
-                </p:cNvSpPr>
-                <p:nvPr/>
-              </p:nvSpPr>
-              <p:spPr>
-                <a:xfrm>
-                  <a:off x="2411635" y="3724339"/>
-                  <a:ext cx="1463040" cy="548640"/>
-                </a:xfrm>
-                <a:prstGeom prst="roundRect">
-                  <a:avLst/>
-                </a:prstGeom>
-                <a:solidFill>
-                  <a:schemeClr val="accent1">
-                    <a:alpha val="80000"/>
-                  </a:schemeClr>
-                </a:solidFill>
-                <a:ln w="25400">
-                  <a:noFill/>
-                </a:ln>
-              </p:spPr>
-              <p:style>
-                <a:lnRef idx="2">
-                  <a:schemeClr val="accent1">
-                    <a:shade val="15000"/>
-                  </a:schemeClr>
-                </a:lnRef>
-                <a:fillRef idx="1">
-                  <a:schemeClr val="accent1"/>
-                </a:fillRef>
-                <a:effectRef idx="0">
-                  <a:schemeClr val="accent1"/>
-                </a:effectRef>
-                <a:fontRef idx="minor">
-                  <a:schemeClr val="lt1"/>
-                </a:fontRef>
-              </p:style>
-              <p:txBody>
-                <a:bodyPr rtlCol="0" anchor="ctr"/>
-                <a:lstStyle/>
-                <a:p>
-                  <a:pPr algn="ctr"/>
-                  <a14:m>
-                    <m:oMathPara xmlns:m="http://schemas.openxmlformats.org/officeDocument/2006/math">
-                      <m:oMathParaPr>
-                        <m:jc m:val="centerGroup"/>
-                      </m:oMathParaPr>
-                      <m:oMath xmlns:m="http://schemas.openxmlformats.org/officeDocument/2006/math">
-                        <m:sSub>
-                          <m:sSubPr>
-                            <m:ctrlPr>
-                              <a:rPr lang="en-US" b="0" i="1" smtClean="0">
-                                <a:latin typeface="Cambria Math" panose="02040503050406030204" pitchFamily="18" charset="0"/>
-                              </a:rPr>
-                            </m:ctrlPr>
-                          </m:sSubPr>
-                          <m:e>
-                            <m:r>
-                              <a:rPr lang="en-US" b="0" i="1" smtClean="0">
-                                <a:latin typeface="Cambria Math" panose="02040503050406030204" pitchFamily="18" charset="0"/>
-                              </a:rPr>
-                              <m:t>𝐸</m:t>
-                            </m:r>
-                          </m:e>
-                          <m:sub>
-                            <m:r>
-                              <a:rPr lang="en-US" b="0" i="1" smtClean="0">
-                                <a:latin typeface="Cambria Math" panose="02040503050406030204" pitchFamily="18" charset="0"/>
-                              </a:rPr>
-                              <m:t>𝑘</m:t>
-                            </m:r>
-                            <m:r>
-                              <a:rPr lang="en-US" b="0" i="1" smtClean="0">
-                                <a:latin typeface="Cambria Math" panose="02040503050406030204" pitchFamily="18" charset="0"/>
-                              </a:rPr>
-                              <m:t>1</m:t>
-                            </m:r>
-                          </m:sub>
-                        </m:sSub>
-                        <m:r>
-                          <a:rPr lang="en-US" b="0" i="1" smtClean="0">
-                            <a:latin typeface="Cambria Math" panose="02040503050406030204" pitchFamily="18" charset="0"/>
-                          </a:rPr>
-                          <m:t>&gt;</m:t>
-                        </m:r>
-                        <m:sSub>
-                          <m:sSubPr>
-                            <m:ctrlPr>
-                              <a:rPr lang="en-US" b="0" i="1" smtClean="0">
-                                <a:latin typeface="Cambria Math" panose="02040503050406030204" pitchFamily="18" charset="0"/>
-                              </a:rPr>
-                            </m:ctrlPr>
-                          </m:sSubPr>
-                          <m:e>
-                            <m:r>
-                              <a:rPr lang="en-US" b="0" i="1" smtClean="0">
-                                <a:latin typeface="Cambria Math" panose="02040503050406030204" pitchFamily="18" charset="0"/>
-                              </a:rPr>
-                              <m:t>𝐸</m:t>
-                            </m:r>
-                          </m:e>
-                          <m:sub>
-                            <m:r>
-                              <a:rPr lang="en-US" b="0" i="1" smtClean="0">
-                                <a:latin typeface="Cambria Math" panose="02040503050406030204" pitchFamily="18" charset="0"/>
-                              </a:rPr>
-                              <m:t>𝑘</m:t>
-                            </m:r>
-                            <m:r>
-                              <a:rPr lang="en-US" b="0" i="1" smtClean="0">
-                                <a:latin typeface="Cambria Math" panose="02040503050406030204" pitchFamily="18" charset="0"/>
-                              </a:rPr>
-                              <m:t>2</m:t>
-                            </m:r>
-                          </m:sub>
-                        </m:sSub>
-                      </m:oMath>
-                    </m:oMathPara>
-                  </a14:m>
-                  <a:endParaRPr lang="en-US" dirty="0"/>
-                </a:p>
-              </p:txBody>
-            </p:sp>
-          </mc:Choice>
-          <mc:Fallback xmlns="">
-            <p:sp>
-              <p:nvSpPr>
-                <p:cNvPr id="11" name="Rounded Rectangle 10">
-                  <a:extLst>
-                    <a:ext uri="{FF2B5EF4-FFF2-40B4-BE49-F238E27FC236}">
-                      <a16:creationId xmlns:a16="http://schemas.microsoft.com/office/drawing/2014/main" id="{6B9FD64E-886D-E7EA-74D8-FC43EFF0AEA8}"/>
-                    </a:ext>
-                  </a:extLst>
-                </p:cNvPr>
-                <p:cNvSpPr>
-                  <a:spLocks noRot="1" noChangeAspect="1" noMove="1" noResize="1" noEditPoints="1" noAdjustHandles="1" noChangeArrowheads="1" noChangeShapeType="1" noTextEdit="1"/>
-                </p:cNvSpPr>
-                <p:nvPr/>
-              </p:nvSpPr>
-              <p:spPr>
-                <a:xfrm>
-                  <a:off x="2411635" y="3724339"/>
-                  <a:ext cx="1463040" cy="548640"/>
-                </a:xfrm>
-                <a:prstGeom prst="roundRect">
-                  <a:avLst/>
-                </a:prstGeom>
-                <a:blipFill>
-                  <a:blip r:embed="rId9"/>
-                  <a:stretch>
-                    <a:fillRect/>
-                  </a:stretch>
-                </a:blipFill>
-                <a:ln w="25400">
-                  <a:noFill/>
-                </a:ln>
-              </p:spPr>
-              <p:txBody>
-                <a:bodyPr/>
-                <a:lstStyle/>
-                <a:p>
-                  <a:r>
-                    <a:rPr lang="en-US">
-                      <a:noFill/>
-                    </a:rPr>
-                    <a:t> </a:t>
-                  </a:r>
-                </a:p>
-              </p:txBody>
-            </p:sp>
-          </mc:Fallback>
-        </mc:AlternateContent>
-        <mc:AlternateContent xmlns:mc="http://schemas.openxmlformats.org/markup-compatibility/2006" xmlns:a14="http://schemas.microsoft.com/office/drawing/2010/main">
-          <mc:Choice Requires="a14">
-            <p:sp>
-              <p:nvSpPr>
-                <p:cNvPr id="12" name="Rounded Rectangle 11">
-                  <a:extLst>
-                    <a:ext uri="{FF2B5EF4-FFF2-40B4-BE49-F238E27FC236}">
-                      <a16:creationId xmlns:a16="http://schemas.microsoft.com/office/drawing/2014/main" id="{22D4228A-CB98-5066-0593-810A1B6042D1}"/>
-                    </a:ext>
-                  </a:extLst>
-                </p:cNvPr>
-                <p:cNvSpPr>
-                  <a:spLocks noChangeAspect="1"/>
-                </p:cNvSpPr>
-                <p:nvPr/>
-              </p:nvSpPr>
-              <p:spPr>
-                <a:xfrm>
-                  <a:off x="5076885" y="3724339"/>
-                  <a:ext cx="1463040" cy="548640"/>
-                </a:xfrm>
-                <a:prstGeom prst="roundRect">
-                  <a:avLst/>
-                </a:prstGeom>
-                <a:solidFill>
-                  <a:schemeClr val="accent1">
-                    <a:alpha val="80000"/>
-                  </a:schemeClr>
-                </a:solidFill>
-                <a:ln w="25400">
-                  <a:noFill/>
-                </a:ln>
-              </p:spPr>
-              <p:style>
-                <a:lnRef idx="2">
-                  <a:schemeClr val="accent1">
-                    <a:shade val="15000"/>
-                  </a:schemeClr>
-                </a:lnRef>
-                <a:fillRef idx="1">
-                  <a:schemeClr val="accent1"/>
-                </a:fillRef>
-                <a:effectRef idx="0">
-                  <a:schemeClr val="accent1"/>
-                </a:effectRef>
-                <a:fontRef idx="minor">
-                  <a:schemeClr val="lt1"/>
-                </a:fontRef>
-              </p:style>
-              <p:txBody>
-                <a:bodyPr rtlCol="0" anchor="ctr"/>
-                <a:lstStyle/>
-                <a:p>
-                  <a:pPr algn="ctr"/>
-                  <a14:m>
-                    <m:oMathPara xmlns:m="http://schemas.openxmlformats.org/officeDocument/2006/math">
-                      <m:oMathParaPr>
-                        <m:jc m:val="centerGroup"/>
-                      </m:oMathParaPr>
-                      <m:oMath xmlns:m="http://schemas.openxmlformats.org/officeDocument/2006/math">
-                        <m:r>
-                          <a:rPr lang="en-US" b="0" i="1" smtClean="0">
-                            <a:latin typeface="Cambria Math" panose="02040503050406030204" pitchFamily="18" charset="0"/>
-                            <a:ea typeface="Cambria Math" panose="02040503050406030204" pitchFamily="18" charset="0"/>
-                          </a:rPr>
-                          <m:t>∆</m:t>
-                        </m:r>
-                        <m:sSub>
-                          <m:sSubPr>
-                            <m:ctrlPr>
-                              <a:rPr lang="en-US" b="0" i="1" smtClean="0">
-                                <a:latin typeface="Cambria Math" panose="02040503050406030204" pitchFamily="18" charset="0"/>
-                                <a:ea typeface="Cambria Math" panose="02040503050406030204" pitchFamily="18" charset="0"/>
-                              </a:rPr>
-                            </m:ctrlPr>
-                          </m:sSubPr>
-                          <m:e>
-                            <m:r>
-                              <a:rPr lang="en-US" b="0" i="1" smtClean="0">
-                                <a:latin typeface="Cambria Math" panose="02040503050406030204" pitchFamily="18" charset="0"/>
-                                <a:ea typeface="Cambria Math" panose="02040503050406030204" pitchFamily="18" charset="0"/>
-                              </a:rPr>
-                              <m:t>𝑥</m:t>
-                            </m:r>
-                          </m:e>
-                          <m:sub>
-                            <m:r>
-                              <a:rPr lang="en-US" b="0" i="1" smtClean="0">
-                                <a:latin typeface="Cambria Math" panose="02040503050406030204" pitchFamily="18" charset="0"/>
-                                <a:ea typeface="Cambria Math" panose="02040503050406030204" pitchFamily="18" charset="0"/>
-                              </a:rPr>
-                              <m:t>1</m:t>
-                            </m:r>
-                          </m:sub>
-                        </m:sSub>
-                        <m:r>
-                          <a:rPr lang="en-US" b="0" i="1" smtClean="0">
-                            <a:latin typeface="Cambria Math" panose="02040503050406030204" pitchFamily="18" charset="0"/>
-                            <a:ea typeface="Cambria Math" panose="02040503050406030204" pitchFamily="18" charset="0"/>
-                          </a:rPr>
-                          <m:t>&lt;</m:t>
-                        </m:r>
-                        <m:r>
-                          <a:rPr lang="en-US" b="0" i="1" smtClean="0">
-                            <a:latin typeface="Cambria Math" panose="02040503050406030204" pitchFamily="18" charset="0"/>
-                          </a:rPr>
-                          <m:t>∆</m:t>
-                        </m:r>
-                        <m:sSub>
-                          <m:sSubPr>
-                            <m:ctrlPr>
-                              <a:rPr lang="en-US" b="0" i="1" smtClean="0">
-                                <a:latin typeface="Cambria Math" panose="02040503050406030204" pitchFamily="18" charset="0"/>
-                              </a:rPr>
-                            </m:ctrlPr>
-                          </m:sSubPr>
-                          <m:e>
-                            <m:r>
-                              <a:rPr lang="en-US" b="0" i="1" smtClean="0">
-                                <a:latin typeface="Cambria Math" panose="02040503050406030204" pitchFamily="18" charset="0"/>
-                              </a:rPr>
-                              <m:t>𝑥</m:t>
-                            </m:r>
-                          </m:e>
-                          <m:sub>
-                            <m:r>
-                              <a:rPr lang="en-US" b="0" i="1" smtClean="0">
-                                <a:latin typeface="Cambria Math" panose="02040503050406030204" pitchFamily="18" charset="0"/>
-                              </a:rPr>
-                              <m:t>2</m:t>
-                            </m:r>
-                          </m:sub>
-                        </m:sSub>
-                      </m:oMath>
-                    </m:oMathPara>
-                  </a14:m>
-                  <a:endParaRPr lang="en-US" dirty="0"/>
-                </a:p>
-              </p:txBody>
-            </p:sp>
-          </mc:Choice>
-          <mc:Fallback xmlns="">
-            <p:sp>
-              <p:nvSpPr>
-                <p:cNvPr id="12" name="Rounded Rectangle 11">
-                  <a:extLst>
-                    <a:ext uri="{FF2B5EF4-FFF2-40B4-BE49-F238E27FC236}">
-                      <a16:creationId xmlns:a16="http://schemas.microsoft.com/office/drawing/2014/main" id="{22D4228A-CB98-5066-0593-810A1B6042D1}"/>
-                    </a:ext>
-                  </a:extLst>
-                </p:cNvPr>
-                <p:cNvSpPr>
-                  <a:spLocks noRot="1" noChangeAspect="1" noMove="1" noResize="1" noEditPoints="1" noAdjustHandles="1" noChangeArrowheads="1" noChangeShapeType="1" noTextEdit="1"/>
-                </p:cNvSpPr>
-                <p:nvPr/>
-              </p:nvSpPr>
-              <p:spPr>
-                <a:xfrm>
-                  <a:off x="5076885" y="3724339"/>
-                  <a:ext cx="1463040" cy="548640"/>
-                </a:xfrm>
-                <a:prstGeom prst="roundRect">
-                  <a:avLst/>
-                </a:prstGeom>
-                <a:blipFill>
-                  <a:blip r:embed="rId10"/>
-                  <a:stretch>
-                    <a:fillRect/>
-                  </a:stretch>
-                </a:blipFill>
-                <a:ln w="25400">
-                  <a:noFill/>
-                </a:ln>
-              </p:spPr>
-              <p:txBody>
-                <a:bodyPr/>
-                <a:lstStyle/>
-                <a:p>
-                  <a:r>
-                    <a:rPr lang="en-US">
-                      <a:noFill/>
-                    </a:rPr>
-                    <a:t> </a:t>
-                  </a:r>
-                </a:p>
-              </p:txBody>
-            </p:sp>
-          </mc:Fallback>
-        </mc:AlternateContent>
-        <p:cxnSp>
-          <p:nvCxnSpPr>
-            <p:cNvPr id="13" name="Straight Arrow Connector 12">
-              <a:extLst>
-                <a:ext uri="{FF2B5EF4-FFF2-40B4-BE49-F238E27FC236}">
-                  <a16:creationId xmlns:a16="http://schemas.microsoft.com/office/drawing/2014/main" id="{AEA21AFD-5A4B-ACD4-03B5-C4CD82ED4F97}"/>
-                </a:ext>
-              </a:extLst>
-            </p:cNvPr>
-            <p:cNvCxnSpPr>
-              <a:cxnSpLocks/>
-              <a:stCxn id="5" idx="0"/>
-              <a:endCxn id="8" idx="2"/>
-            </p:cNvCxnSpPr>
-            <p:nvPr/>
-          </p:nvCxnSpPr>
-          <p:spPr>
-            <a:xfrm flipV="1">
-              <a:off x="8473655" y="829133"/>
-              <a:ext cx="0" cy="1173283"/>
-            </a:xfrm>
-            <a:prstGeom prst="straightConnector1">
-              <a:avLst/>
-            </a:prstGeom>
-            <a:ln w="25400">
-              <a:solidFill>
-                <a:schemeClr val="tx1"/>
-              </a:solidFill>
-              <a:tailEnd type="triangle"/>
-            </a:ln>
-          </p:spPr>
-          <p:style>
-            <a:lnRef idx="2">
-              <a:schemeClr val="accent1"/>
-            </a:lnRef>
-            <a:fillRef idx="0">
-              <a:schemeClr val="accent1"/>
-            </a:fillRef>
-            <a:effectRef idx="1">
-              <a:schemeClr val="accent1"/>
-            </a:effectRef>
-            <a:fontRef idx="minor">
-              <a:schemeClr val="tx1"/>
-            </a:fontRef>
-          </p:style>
-        </p:cxnSp>
-        <p:cxnSp>
-          <p:nvCxnSpPr>
-            <p:cNvPr id="14" name="Straight Arrow Connector 13">
-              <a:extLst>
-                <a:ext uri="{FF2B5EF4-FFF2-40B4-BE49-F238E27FC236}">
-                  <a16:creationId xmlns:a16="http://schemas.microsoft.com/office/drawing/2014/main" id="{9372F1D9-3EB9-064C-4633-BFD29648DBB5}"/>
-                </a:ext>
-              </a:extLst>
-            </p:cNvPr>
-            <p:cNvCxnSpPr>
-              <a:cxnSpLocks/>
-            </p:cNvCxnSpPr>
-            <p:nvPr/>
-          </p:nvCxnSpPr>
-          <p:spPr>
-            <a:xfrm rot="5400000" flipV="1">
-              <a:off x="7155494" y="1690095"/>
-              <a:ext cx="0" cy="1173283"/>
-            </a:xfrm>
-            <a:prstGeom prst="straightConnector1">
-              <a:avLst/>
-            </a:prstGeom>
-            <a:ln w="25400">
-              <a:solidFill>
-                <a:schemeClr val="tx1"/>
-              </a:solidFill>
-              <a:tailEnd type="triangle"/>
-            </a:ln>
-          </p:spPr>
-          <p:style>
-            <a:lnRef idx="2">
-              <a:schemeClr val="accent1"/>
-            </a:lnRef>
-            <a:fillRef idx="0">
-              <a:schemeClr val="accent1"/>
-            </a:fillRef>
-            <a:effectRef idx="1">
-              <a:schemeClr val="accent1"/>
-            </a:effectRef>
-            <a:fontRef idx="minor">
-              <a:schemeClr val="tx1"/>
-            </a:fontRef>
-          </p:style>
-        </p:cxnSp>
-        <p:cxnSp>
-          <p:nvCxnSpPr>
-            <p:cNvPr id="15" name="Straight Arrow Connector 14">
-              <a:extLst>
-                <a:ext uri="{FF2B5EF4-FFF2-40B4-BE49-F238E27FC236}">
-                  <a16:creationId xmlns:a16="http://schemas.microsoft.com/office/drawing/2014/main" id="{88303C9A-66EE-381E-B32A-8BD88D37F6FE}"/>
-                </a:ext>
-              </a:extLst>
-            </p:cNvPr>
-            <p:cNvCxnSpPr>
-              <a:cxnSpLocks/>
-            </p:cNvCxnSpPr>
-            <p:nvPr/>
-          </p:nvCxnSpPr>
-          <p:spPr>
-            <a:xfrm rot="5400000" flipV="1">
-              <a:off x="9806280" y="1690095"/>
-              <a:ext cx="0" cy="1173283"/>
-            </a:xfrm>
-            <a:prstGeom prst="straightConnector1">
-              <a:avLst/>
-            </a:prstGeom>
-            <a:ln w="25400">
-              <a:solidFill>
-                <a:schemeClr val="tx1"/>
-              </a:solidFill>
-              <a:tailEnd type="triangle"/>
-            </a:ln>
-          </p:spPr>
-          <p:style>
-            <a:lnRef idx="2">
-              <a:schemeClr val="accent1"/>
-            </a:lnRef>
-            <a:fillRef idx="0">
-              <a:schemeClr val="accent1"/>
-            </a:fillRef>
-            <a:effectRef idx="1">
-              <a:schemeClr val="accent1"/>
-            </a:effectRef>
-            <a:fontRef idx="minor">
-              <a:schemeClr val="tx1"/>
-            </a:fontRef>
-          </p:style>
-        </p:cxnSp>
-        <p:cxnSp>
-          <p:nvCxnSpPr>
-            <p:cNvPr id="16" name="Straight Arrow Connector 15">
-              <a:extLst>
-                <a:ext uri="{FF2B5EF4-FFF2-40B4-BE49-F238E27FC236}">
-                  <a16:creationId xmlns:a16="http://schemas.microsoft.com/office/drawing/2014/main" id="{785C30FC-7327-2BBF-477F-CB335814D5CB}"/>
-                </a:ext>
-              </a:extLst>
-            </p:cNvPr>
-            <p:cNvCxnSpPr>
-              <a:cxnSpLocks/>
-            </p:cNvCxnSpPr>
-            <p:nvPr/>
-          </p:nvCxnSpPr>
-          <p:spPr>
-            <a:xfrm rot="5400000" flipV="1">
-              <a:off x="9820744" y="3412018"/>
-              <a:ext cx="0" cy="1173283"/>
-            </a:xfrm>
-            <a:prstGeom prst="straightConnector1">
-              <a:avLst/>
-            </a:prstGeom>
-            <a:ln w="25400">
-              <a:solidFill>
-                <a:schemeClr val="tx1"/>
-              </a:solidFill>
-              <a:tailEnd type="triangle"/>
-            </a:ln>
-          </p:spPr>
-          <p:style>
-            <a:lnRef idx="2">
-              <a:schemeClr val="accent1"/>
-            </a:lnRef>
-            <a:fillRef idx="0">
-              <a:schemeClr val="accent1"/>
-            </a:fillRef>
-            <a:effectRef idx="1">
-              <a:schemeClr val="accent1"/>
-            </a:effectRef>
-            <a:fontRef idx="minor">
-              <a:schemeClr val="tx1"/>
-            </a:fontRef>
-          </p:style>
-        </p:cxnSp>
-        <p:cxnSp>
-          <p:nvCxnSpPr>
-            <p:cNvPr id="17" name="Straight Arrow Connector 16">
-              <a:extLst>
-                <a:ext uri="{FF2B5EF4-FFF2-40B4-BE49-F238E27FC236}">
-                  <a16:creationId xmlns:a16="http://schemas.microsoft.com/office/drawing/2014/main" id="{E39348CF-7D8F-7448-1E5E-66BE230A4F9F}"/>
-                </a:ext>
-              </a:extLst>
-            </p:cNvPr>
-            <p:cNvCxnSpPr>
-              <a:cxnSpLocks/>
-            </p:cNvCxnSpPr>
-            <p:nvPr/>
-          </p:nvCxnSpPr>
-          <p:spPr>
-            <a:xfrm rot="16200000" flipV="1">
-              <a:off x="7126566" y="3412017"/>
-              <a:ext cx="0" cy="1173283"/>
-            </a:xfrm>
-            <a:prstGeom prst="straightConnector1">
-              <a:avLst/>
-            </a:prstGeom>
-            <a:ln w="25400">
-              <a:solidFill>
-                <a:schemeClr val="tx1"/>
-              </a:solidFill>
-              <a:tailEnd type="triangle"/>
-            </a:ln>
-          </p:spPr>
-          <p:style>
-            <a:lnRef idx="2">
-              <a:schemeClr val="accent1"/>
-            </a:lnRef>
-            <a:fillRef idx="0">
-              <a:schemeClr val="accent1"/>
-            </a:fillRef>
-            <a:effectRef idx="1">
-              <a:schemeClr val="accent1"/>
-            </a:effectRef>
-            <a:fontRef idx="minor">
-              <a:schemeClr val="tx1"/>
-            </a:fontRef>
-          </p:style>
-        </p:cxnSp>
-        <p:cxnSp>
-          <p:nvCxnSpPr>
-            <p:cNvPr id="18" name="Straight Arrow Connector 17">
-              <a:extLst>
-                <a:ext uri="{FF2B5EF4-FFF2-40B4-BE49-F238E27FC236}">
-                  <a16:creationId xmlns:a16="http://schemas.microsoft.com/office/drawing/2014/main" id="{C4CF611C-3F3B-572E-3002-6D43DADA1080}"/>
-                </a:ext>
-              </a:extLst>
-            </p:cNvPr>
-            <p:cNvCxnSpPr>
-              <a:cxnSpLocks/>
-            </p:cNvCxnSpPr>
-            <p:nvPr/>
-          </p:nvCxnSpPr>
-          <p:spPr>
-            <a:xfrm rot="16200000" flipV="1">
-              <a:off x="4449867" y="1690093"/>
-              <a:ext cx="0" cy="1173283"/>
-            </a:xfrm>
-            <a:prstGeom prst="straightConnector1">
-              <a:avLst/>
-            </a:prstGeom>
-            <a:ln w="25400">
-              <a:solidFill>
-                <a:schemeClr val="tx1"/>
-              </a:solidFill>
-              <a:tailEnd type="triangle"/>
-            </a:ln>
-          </p:spPr>
-          <p:style>
-            <a:lnRef idx="2">
-              <a:schemeClr val="accent1"/>
-            </a:lnRef>
-            <a:fillRef idx="0">
-              <a:schemeClr val="accent1"/>
-            </a:fillRef>
-            <a:effectRef idx="1">
-              <a:schemeClr val="accent1"/>
-            </a:effectRef>
-            <a:fontRef idx="minor">
-              <a:schemeClr val="tx1"/>
-            </a:fontRef>
-          </p:style>
-        </p:cxnSp>
-        <p:cxnSp>
-          <p:nvCxnSpPr>
-            <p:cNvPr id="19" name="Straight Arrow Connector 18">
-              <a:extLst>
-                <a:ext uri="{FF2B5EF4-FFF2-40B4-BE49-F238E27FC236}">
-                  <a16:creationId xmlns:a16="http://schemas.microsoft.com/office/drawing/2014/main" id="{6C87813F-0282-1F88-E6A0-7DCE3907E4E6}"/>
-                </a:ext>
-              </a:extLst>
-            </p:cNvPr>
-            <p:cNvCxnSpPr>
-              <a:cxnSpLocks/>
-            </p:cNvCxnSpPr>
-            <p:nvPr/>
-          </p:nvCxnSpPr>
-          <p:spPr>
-            <a:xfrm rot="10800000" flipV="1">
-              <a:off x="3127325" y="2551056"/>
-              <a:ext cx="0" cy="1173283"/>
-            </a:xfrm>
-            <a:prstGeom prst="straightConnector1">
-              <a:avLst/>
-            </a:prstGeom>
-            <a:ln w="25400">
-              <a:solidFill>
-                <a:schemeClr val="tx1"/>
-              </a:solidFill>
-              <a:tailEnd type="triangle"/>
-            </a:ln>
-          </p:spPr>
-          <p:style>
-            <a:lnRef idx="2">
-              <a:schemeClr val="accent1"/>
-            </a:lnRef>
-            <a:fillRef idx="0">
-              <a:schemeClr val="accent1"/>
-            </a:fillRef>
-            <a:effectRef idx="1">
-              <a:schemeClr val="accent1"/>
-            </a:effectRef>
-            <a:fontRef idx="minor">
-              <a:schemeClr val="tx1"/>
-            </a:fontRef>
-          </p:style>
-        </p:cxnSp>
-        <mc:AlternateContent xmlns:mc="http://schemas.openxmlformats.org/markup-compatibility/2006" xmlns:a14="http://schemas.microsoft.com/office/drawing/2010/main">
-          <mc:Choice Requires="a14">
-            <p:sp>
-              <p:nvSpPr>
-                <p:cNvPr id="20" name="Left Arrow Callout 19">
-                  <a:extLst>
-                    <a:ext uri="{FF2B5EF4-FFF2-40B4-BE49-F238E27FC236}">
-                      <a16:creationId xmlns:a16="http://schemas.microsoft.com/office/drawing/2014/main" id="{01DD3C3D-E277-7D5E-20E6-0DF55B230697}"/>
-                    </a:ext>
-                  </a:extLst>
-                </p:cNvPr>
-                <p:cNvSpPr/>
-                <p:nvPr/>
-              </p:nvSpPr>
-              <p:spPr>
-                <a:xfrm>
-                  <a:off x="8477855" y="1079175"/>
-                  <a:ext cx="1698384" cy="673198"/>
-                </a:xfrm>
-                <a:prstGeom prst="leftArrowCallout">
-                  <a:avLst>
-                    <a:gd name="adj1" fmla="val 18978"/>
-                    <a:gd name="adj2" fmla="val 25000"/>
-                    <a:gd name="adj3" fmla="val 29517"/>
-                    <a:gd name="adj4" fmla="val 73721"/>
-                  </a:avLst>
-                </a:prstGeom>
-                <a:solidFill>
-                  <a:schemeClr val="bg1">
-                    <a:lumMod val="50000"/>
-                    <a:alpha val="70276"/>
-                  </a:schemeClr>
-                </a:solidFill>
-                <a:ln>
-                  <a:noFill/>
-                </a:ln>
-              </p:spPr>
-              <p:style>
-                <a:lnRef idx="2">
-                  <a:schemeClr val="accent1">
-                    <a:shade val="15000"/>
-                  </a:schemeClr>
-                </a:lnRef>
-                <a:fillRef idx="1">
-                  <a:schemeClr val="accent1"/>
-                </a:fillRef>
-                <a:effectRef idx="0">
-                  <a:schemeClr val="accent1"/>
-                </a:effectRef>
-                <a:fontRef idx="minor">
-                  <a:schemeClr val="lt1"/>
-                </a:fontRef>
-              </p:style>
-              <p:txBody>
-                <a:bodyPr rtlCol="0" anchor="ctr"/>
-                <a:lstStyle/>
-                <a:p>
-                  <a:pPr algn="ctr"/>
-                  <a14:m>
-                    <m:oMathPara xmlns:m="http://schemas.openxmlformats.org/officeDocument/2006/math">
-                      <m:oMathParaPr>
-                        <m:jc m:val="centerGroup"/>
-                      </m:oMathParaPr>
-                      <m:oMath xmlns:m="http://schemas.openxmlformats.org/officeDocument/2006/math">
-                        <m:r>
-                          <a:rPr lang="en-US" b="0" i="1" smtClean="0">
-                            <a:latin typeface="Cambria Math" panose="02040503050406030204" pitchFamily="18" charset="0"/>
-                          </a:rPr>
-                          <m:t>𝑠𝑖𝑛𝐶</m:t>
-                        </m:r>
-                        <m:r>
-                          <a:rPr lang="en-US" b="0" i="1" smtClean="0">
-                            <a:latin typeface="Cambria Math" panose="02040503050406030204" pitchFamily="18" charset="0"/>
-                          </a:rPr>
-                          <m:t>=</m:t>
-                        </m:r>
-                        <m:f>
-                          <m:fPr>
-                            <m:ctrlPr>
-                              <a:rPr lang="en-US" b="0" i="1" smtClean="0">
-                                <a:latin typeface="Cambria Math" panose="02040503050406030204" pitchFamily="18" charset="0"/>
-                              </a:rPr>
-                            </m:ctrlPr>
-                          </m:fPr>
-                          <m:num>
-                            <m:r>
-                              <a:rPr lang="en-US" b="0" i="1" smtClean="0">
-                                <a:latin typeface="Cambria Math" panose="02040503050406030204" pitchFamily="18" charset="0"/>
-                              </a:rPr>
-                              <m:t>1</m:t>
-                            </m:r>
-                          </m:num>
-                          <m:den>
-                            <m:r>
-                              <a:rPr lang="en-US" b="0" i="1" smtClean="0">
-                                <a:latin typeface="Cambria Math" panose="02040503050406030204" pitchFamily="18" charset="0"/>
-                              </a:rPr>
-                              <m:t>𝑛</m:t>
-                            </m:r>
-                          </m:den>
-                        </m:f>
-                      </m:oMath>
-                    </m:oMathPara>
-                  </a14:m>
-                  <a:endParaRPr lang="en-US" dirty="0"/>
-                </a:p>
-              </p:txBody>
-            </p:sp>
-          </mc:Choice>
-          <mc:Fallback xmlns="">
-            <p:sp>
-              <p:nvSpPr>
-                <p:cNvPr id="20" name="Left Arrow Callout 19">
-                  <a:extLst>
-                    <a:ext uri="{FF2B5EF4-FFF2-40B4-BE49-F238E27FC236}">
-                      <a16:creationId xmlns:a16="http://schemas.microsoft.com/office/drawing/2014/main" id="{01DD3C3D-E277-7D5E-20E6-0DF55B230697}"/>
-                    </a:ext>
-                  </a:extLst>
-                </p:cNvPr>
-                <p:cNvSpPr>
-                  <a:spLocks noRot="1" noChangeAspect="1" noMove="1" noResize="1" noEditPoints="1" noAdjustHandles="1" noChangeArrowheads="1" noChangeShapeType="1" noTextEdit="1"/>
-                </p:cNvSpPr>
-                <p:nvPr/>
-              </p:nvSpPr>
-              <p:spPr>
-                <a:xfrm>
-                  <a:off x="8477855" y="1079175"/>
-                  <a:ext cx="1698384" cy="673198"/>
-                </a:xfrm>
-                <a:prstGeom prst="leftArrowCallout">
-                  <a:avLst>
-                    <a:gd name="adj1" fmla="val 18978"/>
-                    <a:gd name="adj2" fmla="val 25000"/>
-                    <a:gd name="adj3" fmla="val 29517"/>
-                    <a:gd name="adj4" fmla="val 73721"/>
-                  </a:avLst>
-                </a:prstGeom>
-                <a:blipFill>
-                  <a:blip r:embed="rId11"/>
-                  <a:stretch>
-                    <a:fillRect/>
-                  </a:stretch>
-                </a:blipFill>
-                <a:ln>
-                  <a:noFill/>
-                </a:ln>
-              </p:spPr>
-              <p:txBody>
-                <a:bodyPr/>
-                <a:lstStyle/>
-                <a:p>
-                  <a:r>
-                    <a:rPr lang="en-US">
-                      <a:noFill/>
-                    </a:rPr>
-                    <a:t> </a:t>
-                  </a:r>
-                </a:p>
-              </p:txBody>
-            </p:sp>
-          </mc:Fallback>
-        </mc:AlternateContent>
-        <mc:AlternateContent xmlns:mc="http://schemas.openxmlformats.org/markup-compatibility/2006" xmlns:a14="http://schemas.microsoft.com/office/drawing/2010/main">
-          <mc:Choice Requires="a14">
-            <p:sp>
-              <p:nvSpPr>
-                <p:cNvPr id="21" name="Left Arrow Callout 20">
-                  <a:extLst>
-                    <a:ext uri="{FF2B5EF4-FFF2-40B4-BE49-F238E27FC236}">
-                      <a16:creationId xmlns:a16="http://schemas.microsoft.com/office/drawing/2014/main" id="{8BFC762E-627E-A80F-C754-134F6C092F4F}"/>
-                    </a:ext>
-                  </a:extLst>
-                </p:cNvPr>
-                <p:cNvSpPr>
-                  <a:spLocks/>
-                </p:cNvSpPr>
-                <p:nvPr/>
-              </p:nvSpPr>
-              <p:spPr>
-                <a:xfrm rot="-5400000">
-                  <a:off x="4011440" y="1103450"/>
-                  <a:ext cx="928679" cy="1173285"/>
-                </a:xfrm>
-                <a:prstGeom prst="leftArrowCallout">
-                  <a:avLst>
-                    <a:gd name="adj1" fmla="val 18070"/>
-                    <a:gd name="adj2" fmla="val 18586"/>
-                    <a:gd name="adj3" fmla="val 29517"/>
-                    <a:gd name="adj4" fmla="val 41919"/>
-                  </a:avLst>
-                </a:prstGeom>
-                <a:solidFill>
-                  <a:schemeClr val="bg1">
-                    <a:lumMod val="50000"/>
-                    <a:alpha val="70276"/>
-                  </a:schemeClr>
-                </a:solidFill>
-                <a:ln>
-                  <a:noFill/>
-                </a:ln>
-              </p:spPr>
-              <p:style>
-                <a:lnRef idx="2">
-                  <a:schemeClr val="accent1">
-                    <a:shade val="15000"/>
-                  </a:schemeClr>
-                </a:lnRef>
-                <a:fillRef idx="1">
-                  <a:schemeClr val="accent1"/>
-                </a:fillRef>
-                <a:effectRef idx="0">
-                  <a:schemeClr val="accent1"/>
-                </a:effectRef>
-                <a:fontRef idx="minor">
-                  <a:schemeClr val="lt1"/>
-                </a:fontRef>
-              </p:style>
-              <p:txBody>
-                <a:bodyPr vert="vert" rtlCol="0" anchor="ctr"/>
-                <a:lstStyle/>
-                <a:p>
-                  <a:pPr algn="ctr"/>
-                  <a14:m>
-                    <m:oMathPara xmlns:m="http://schemas.openxmlformats.org/officeDocument/2006/math">
-                      <m:oMathParaPr>
-                        <m:jc m:val="centerGroup"/>
-                      </m:oMathParaPr>
-                      <m:oMath xmlns:m="http://schemas.openxmlformats.org/officeDocument/2006/math">
-                        <m:r>
-                          <a:rPr lang="en-US" b="0" i="1" smtClean="0">
-                            <a:latin typeface="Cambria Math" panose="02040503050406030204" pitchFamily="18" charset="0"/>
-                          </a:rPr>
-                          <m:t>𝜀</m:t>
-                        </m:r>
-                        <m:r>
-                          <a:rPr lang="en-US" b="0" i="1" smtClean="0">
-                            <a:latin typeface="Cambria Math" panose="02040503050406030204" pitchFamily="18" charset="0"/>
-                          </a:rPr>
-                          <m:t>=</m:t>
-                        </m:r>
-                        <m:r>
-                          <a:rPr lang="en-US" b="0" i="1" smtClean="0">
-                            <a:latin typeface="Cambria Math" panose="02040503050406030204" pitchFamily="18" charset="0"/>
-                          </a:rPr>
-                          <m:t>h𝑓</m:t>
-                        </m:r>
-                      </m:oMath>
-                    </m:oMathPara>
-                  </a14:m>
-                  <a:endParaRPr lang="en-US" dirty="0"/>
-                </a:p>
-              </p:txBody>
-            </p:sp>
-          </mc:Choice>
-          <mc:Fallback xmlns="">
-            <p:sp>
-              <p:nvSpPr>
-                <p:cNvPr id="21" name="Left Arrow Callout 20">
-                  <a:extLst>
-                    <a:ext uri="{FF2B5EF4-FFF2-40B4-BE49-F238E27FC236}">
-                      <a16:creationId xmlns:a16="http://schemas.microsoft.com/office/drawing/2014/main" id="{8BFC762E-627E-A80F-C754-134F6C092F4F}"/>
-                    </a:ext>
-                  </a:extLst>
-                </p:cNvPr>
-                <p:cNvSpPr>
-                  <a:spLocks noRot="1" noChangeAspect="1" noMove="1" noResize="1" noEditPoints="1" noAdjustHandles="1" noChangeArrowheads="1" noChangeShapeType="1" noTextEdit="1"/>
-                </p:cNvSpPr>
-                <p:nvPr/>
-              </p:nvSpPr>
-              <p:spPr>
-                <a:xfrm rot="-5400000">
-                  <a:off x="4011440" y="1103450"/>
-                  <a:ext cx="928679" cy="1173285"/>
-                </a:xfrm>
-                <a:prstGeom prst="leftArrowCallout">
-                  <a:avLst>
-                    <a:gd name="adj1" fmla="val 18070"/>
-                    <a:gd name="adj2" fmla="val 18586"/>
-                    <a:gd name="adj3" fmla="val 29517"/>
-                    <a:gd name="adj4" fmla="val 41919"/>
-                  </a:avLst>
-                </a:prstGeom>
-                <a:blipFill>
-                  <a:blip r:embed="rId12"/>
-                  <a:stretch>
-                    <a:fillRect/>
-                  </a:stretch>
-                </a:blipFill>
-                <a:ln>
-                  <a:noFill/>
-                </a:ln>
-              </p:spPr>
-              <p:txBody>
-                <a:bodyPr/>
-                <a:lstStyle/>
-                <a:p>
-                  <a:r>
-                    <a:rPr lang="en-US">
-                      <a:noFill/>
-                    </a:rPr>
-                    <a:t> </a:t>
-                  </a:r>
-                </a:p>
-              </p:txBody>
-            </p:sp>
-          </mc:Fallback>
-        </mc:AlternateContent>
-        <p:sp>
-          <p:nvSpPr>
-            <p:cNvPr id="22" name="Left Arrow Callout 21">
-              <a:extLst>
-                <a:ext uri="{FF2B5EF4-FFF2-40B4-BE49-F238E27FC236}">
-                  <a16:creationId xmlns:a16="http://schemas.microsoft.com/office/drawing/2014/main" id="{AA733DE0-2E41-5563-BE42-2F8DF0B9F74C}"/>
-                </a:ext>
-              </a:extLst>
-            </p:cNvPr>
-            <p:cNvSpPr>
-              <a:spLocks/>
-            </p:cNvSpPr>
-            <p:nvPr/>
-          </p:nvSpPr>
-          <p:spPr>
-            <a:xfrm rot="-5400000">
-              <a:off x="6710191" y="992072"/>
-              <a:ext cx="928679" cy="1396039"/>
-            </a:xfrm>
-            <a:prstGeom prst="leftArrowCallout">
-              <a:avLst>
-                <a:gd name="adj1" fmla="val 18070"/>
-                <a:gd name="adj2" fmla="val 18586"/>
-                <a:gd name="adj3" fmla="val 29517"/>
-                <a:gd name="adj4" fmla="val 43458"/>
-              </a:avLst>
-            </a:prstGeom>
-            <a:solidFill>
-              <a:schemeClr val="bg1">
-                <a:lumMod val="50000"/>
-                <a:alpha val="70276"/>
-              </a:schemeClr>
-            </a:solidFill>
-            <a:ln>
-              <a:noFill/>
-            </a:ln>
-          </p:spPr>
-          <p:style>
-            <a:lnRef idx="2">
-              <a:schemeClr val="accent1">
-                <a:shade val="15000"/>
-              </a:schemeClr>
-            </a:lnRef>
-            <a:fillRef idx="1">
-              <a:schemeClr val="accent1"/>
-            </a:fillRef>
-            <a:effectRef idx="0">
-              <a:schemeClr val="accent1"/>
-            </a:effectRef>
-            <a:fontRef idx="minor">
-              <a:schemeClr val="lt1"/>
-            </a:fontRef>
-          </p:style>
-          <p:txBody>
-            <a:bodyPr vert="vert" rtlCol="0" anchor="ctr"/>
-            <a:lstStyle/>
-            <a:p>
-              <a:pPr algn="ctr"/>
-              <a:r>
-                <a:rPr lang="en-US" sz="1400" dirty="0"/>
-                <a:t>三棱镜分光结论</a:t>
-              </a:r>
-            </a:p>
-          </p:txBody>
-        </p:sp>
-        <mc:AlternateContent xmlns:mc="http://schemas.openxmlformats.org/markup-compatibility/2006" xmlns:a14="http://schemas.microsoft.com/office/drawing/2010/main">
-          <mc:Choice Requires="a14">
-            <p:sp>
-              <p:nvSpPr>
-                <p:cNvPr id="23" name="Left Arrow Callout 22">
-                  <a:extLst>
-                    <a:ext uri="{FF2B5EF4-FFF2-40B4-BE49-F238E27FC236}">
-                      <a16:creationId xmlns:a16="http://schemas.microsoft.com/office/drawing/2014/main" id="{D5118B6C-422D-8D9A-34B8-D33203665BF6}"/>
+                      <a16:creationId xmlns:a16="http://schemas.microsoft.com/office/drawing/2014/main" id="{2F326234-3BA6-0644-26A7-95DDE14E28A2}"/>
                     </a:ext>
                   </a:extLst>
                 </p:cNvPr>
@@ -16025,15 +16784,15 @@
               </p:nvSpPr>
               <p:spPr>
                 <a:xfrm rot="5400000">
-                  <a:off x="6717398" y="3905416"/>
-                  <a:ext cx="1031940" cy="1463039"/>
+                  <a:off x="8314185" y="3045410"/>
+                  <a:ext cx="762960" cy="701361"/>
                 </a:xfrm>
                 <a:prstGeom prst="leftArrowCallout">
                   <a:avLst>
                     <a:gd name="adj1" fmla="val 11350"/>
                     <a:gd name="adj2" fmla="val 12986"/>
-                    <a:gd name="adj3" fmla="val 29517"/>
-                    <a:gd name="adj4" fmla="val 60818"/>
+                    <a:gd name="adj3" fmla="val 27501"/>
+                    <a:gd name="adj4" fmla="val 66202"/>
                   </a:avLst>
                 </a:prstGeom>
                 <a:solidFill>
@@ -16077,183 +16836,7 @@
                           <a:rPr lang="en-US" b="0" i="1" smtClean="0">
                             <a:latin typeface="Cambria Math" panose="02040503050406030204" pitchFamily="18" charset="0"/>
                           </a:rPr>
-                          <m:t>∆</m:t>
-                        </m:r>
-                        <m:r>
-                          <a:rPr lang="en-US" b="0" i="1" smtClean="0">
-                            <a:latin typeface="Cambria Math" panose="02040503050406030204" pitchFamily="18" charset="0"/>
-                          </a:rPr>
-                          <m:t>𝑥</m:t>
-                        </m:r>
-                        <m:r>
-                          <a:rPr lang="en-US" b="0" i="1" smtClean="0">
-                            <a:latin typeface="Cambria Math" panose="02040503050406030204" pitchFamily="18" charset="0"/>
-                          </a:rPr>
-                          <m:t>=</m:t>
-                        </m:r>
-                        <m:r>
-                          <a:rPr lang="en-US" b="0" i="1" smtClean="0">
-                            <a:latin typeface="Cambria Math" panose="02040503050406030204" pitchFamily="18" charset="0"/>
-                          </a:rPr>
-                          <m:t>𝜆</m:t>
-                        </m:r>
-                        <m:f>
-                          <m:fPr>
-                            <m:ctrlPr>
-                              <a:rPr lang="en-US" b="0" i="1" smtClean="0">
-                                <a:latin typeface="Cambria Math" panose="02040503050406030204" pitchFamily="18" charset="0"/>
-                              </a:rPr>
-                            </m:ctrlPr>
-                          </m:fPr>
-                          <m:num>
-                            <m:r>
-                              <a:rPr lang="en-US" b="0" i="1" smtClean="0">
-                                <a:latin typeface="Cambria Math" panose="02040503050406030204" pitchFamily="18" charset="0"/>
-                              </a:rPr>
-                              <m:t>𝐿</m:t>
-                            </m:r>
-                          </m:num>
-                          <m:den>
-                            <m:r>
-                              <a:rPr lang="en-US" b="0" i="1" smtClean="0">
-                                <a:latin typeface="Cambria Math" panose="02040503050406030204" pitchFamily="18" charset="0"/>
-                              </a:rPr>
-                              <m:t>𝑑</m:t>
-                            </m:r>
-                          </m:den>
-                        </m:f>
-                      </m:oMath>
-                    </m:oMathPara>
-                  </a14:m>
-                  <a:endParaRPr lang="en-US" dirty="0"/>
-                </a:p>
-              </p:txBody>
-            </p:sp>
-          </mc:Choice>
-          <mc:Fallback xmlns="">
-            <p:sp>
-              <p:nvSpPr>
-                <p:cNvPr id="23" name="Left Arrow Callout 22">
-                  <a:extLst>
-                    <a:ext uri="{FF2B5EF4-FFF2-40B4-BE49-F238E27FC236}">
-                      <a16:creationId xmlns:a16="http://schemas.microsoft.com/office/drawing/2014/main" id="{D5118B6C-422D-8D9A-34B8-D33203665BF6}"/>
-                    </a:ext>
-                  </a:extLst>
-                </p:cNvPr>
-                <p:cNvSpPr>
-                  <a:spLocks noRot="1" noChangeAspect="1" noMove="1" noResize="1" noEditPoints="1" noAdjustHandles="1" noChangeArrowheads="1" noChangeShapeType="1" noTextEdit="1"/>
-                </p:cNvSpPr>
-                <p:nvPr/>
-              </p:nvSpPr>
-              <p:spPr>
-                <a:xfrm rot="5400000">
-                  <a:off x="6717398" y="3905416"/>
-                  <a:ext cx="1031940" cy="1463039"/>
-                </a:xfrm>
-                <a:prstGeom prst="leftArrowCallout">
-                  <a:avLst>
-                    <a:gd name="adj1" fmla="val 11350"/>
-                    <a:gd name="adj2" fmla="val 12986"/>
-                    <a:gd name="adj3" fmla="val 29517"/>
-                    <a:gd name="adj4" fmla="val 60818"/>
-                  </a:avLst>
-                </a:prstGeom>
-                <a:blipFill>
-                  <a:blip r:embed="rId13"/>
-                  <a:stretch>
-                    <a:fillRect b="-2439"/>
-                  </a:stretch>
-                </a:blipFill>
-                <a:ln>
-                  <a:noFill/>
-                </a:ln>
-              </p:spPr>
-              <p:txBody>
-                <a:bodyPr/>
-                <a:lstStyle/>
-                <a:p>
-                  <a:r>
-                    <a:rPr lang="en-US">
-                      <a:noFill/>
-                    </a:rPr>
-                    <a:t> </a:t>
-                  </a:r>
-                </a:p>
-              </p:txBody>
-            </p:sp>
-          </mc:Fallback>
-        </mc:AlternateContent>
-        <mc:AlternateContent xmlns:mc="http://schemas.openxmlformats.org/markup-compatibility/2006" xmlns:a14="http://schemas.microsoft.com/office/drawing/2010/main">
-          <mc:Choice Requires="a14">
-            <p:sp>
-              <p:nvSpPr>
-                <p:cNvPr id="24" name="Left Arrow Callout 23">
-                  <a:extLst>
-                    <a:ext uri="{FF2B5EF4-FFF2-40B4-BE49-F238E27FC236}">
-                      <a16:creationId xmlns:a16="http://schemas.microsoft.com/office/drawing/2014/main" id="{5FE341FF-8897-870D-96A4-AFFCC462530B}"/>
-                    </a:ext>
-                  </a:extLst>
-                </p:cNvPr>
-                <p:cNvSpPr>
-                  <a:spLocks/>
-                </p:cNvSpPr>
-                <p:nvPr/>
-              </p:nvSpPr>
-              <p:spPr>
-                <a:xfrm rot="5400000">
-                  <a:off x="9290309" y="3905417"/>
-                  <a:ext cx="1031940" cy="1463039"/>
-                </a:xfrm>
-                <a:prstGeom prst="leftArrowCallout">
-                  <a:avLst>
-                    <a:gd name="adj1" fmla="val 11350"/>
-                    <a:gd name="adj2" fmla="val 12986"/>
-                    <a:gd name="adj3" fmla="val 29517"/>
-                    <a:gd name="adj4" fmla="val 58212"/>
-                  </a:avLst>
-                </a:prstGeom>
-                <a:solidFill>
-                  <a:schemeClr val="bg1">
-                    <a:lumMod val="50000"/>
-                    <a:alpha val="70276"/>
-                  </a:schemeClr>
-                </a:solidFill>
-                <a:ln>
-                  <a:noFill/>
-                </a:ln>
-              </p:spPr>
-              <p:style>
-                <a:lnRef idx="2">
-                  <a:schemeClr val="accent1">
-                    <a:shade val="15000"/>
-                  </a:schemeClr>
-                </a:lnRef>
-                <a:fillRef idx="1">
-                  <a:schemeClr val="accent1"/>
-                </a:fillRef>
-                <a:effectRef idx="0">
-                  <a:schemeClr val="accent1"/>
-                </a:effectRef>
-                <a:fontRef idx="minor">
-                  <a:schemeClr val="lt1"/>
-                </a:fontRef>
-              </p:style>
-              <p:txBody>
-                <a:bodyPr vert="vert270" rtlCol="0" anchor="ctr"/>
-                <a:lstStyle/>
-                <a:p>
-                  <a:pPr algn="ctr"/>
-                  <a14:m>
-                    <m:oMathPara xmlns:m="http://schemas.openxmlformats.org/officeDocument/2006/math">
-                      <m:oMathParaPr>
-                        <m:jc m:val="centerGroup"/>
-                      </m:oMathParaPr>
-                      <m:oMath xmlns:m="http://schemas.openxmlformats.org/officeDocument/2006/math">
-                        <m:r>
-                          <a:rPr lang="en-US" b="0" i="1" smtClean="0">
-                            <a:latin typeface="Cambria Math" panose="02040503050406030204" pitchFamily="18" charset="0"/>
-                          </a:rPr>
-                          <m:t>𝑝</m:t>
+                          <m:t>𝑛</m:t>
                         </m:r>
                         <m:r>
                           <a:rPr lang="en-US" b="0" i="1" smtClean="0">
@@ -16274,7 +16857,7 @@
                               <a:rPr lang="en-US" b="0" i="1" smtClean="0">
                                 <a:latin typeface="Cambria Math" panose="02040503050406030204" pitchFamily="18" charset="0"/>
                               </a:rPr>
-                              <m:t>h</m:t>
+                              <m:t>𝑐</m:t>
                             </m:r>
                           </m:num>
                           <m:den>
@@ -16282,7 +16865,7 @@
                               <a:rPr lang="en-US" b="0" i="1" smtClean="0">
                                 <a:latin typeface="Cambria Math" panose="02040503050406030204" pitchFamily="18" charset="0"/>
                               </a:rPr>
-                              <m:t>𝜆</m:t>
+                              <m:t>𝑣</m:t>
                             </m:r>
                           </m:den>
                         </m:f>
@@ -16294,13 +16877,13 @@
               </p:txBody>
             </p:sp>
           </mc:Choice>
-          <mc:Fallback xmlns="">
+          <mc:Fallback>
             <p:sp>
               <p:nvSpPr>
-                <p:cNvPr id="24" name="Left Arrow Callout 23">
+                <p:cNvPr id="3" name="Left Arrow Callout 2">
                   <a:extLst>
                     <a:ext uri="{FF2B5EF4-FFF2-40B4-BE49-F238E27FC236}">
-                      <a16:creationId xmlns:a16="http://schemas.microsoft.com/office/drawing/2014/main" id="{5FE341FF-8897-870D-96A4-AFFCC462530B}"/>
+                      <a16:creationId xmlns:a16="http://schemas.microsoft.com/office/drawing/2014/main" id="{2F326234-3BA6-0644-26A7-95DDE14E28A2}"/>
                     </a:ext>
                   </a:extLst>
                 </p:cNvPr>
@@ -16311,418 +16894,21 @@
               </p:nvSpPr>
               <p:spPr>
                 <a:xfrm rot="5400000">
-                  <a:off x="9290309" y="3905417"/>
-                  <a:ext cx="1031940" cy="1463039"/>
+                  <a:off x="8314185" y="3045410"/>
+                  <a:ext cx="762960" cy="701361"/>
                 </a:xfrm>
                 <a:prstGeom prst="leftArrowCallout">
                   <a:avLst>
                     <a:gd name="adj1" fmla="val 11350"/>
                     <a:gd name="adj2" fmla="val 12986"/>
-                    <a:gd name="adj3" fmla="val 29517"/>
-                    <a:gd name="adj4" fmla="val 58212"/>
+                    <a:gd name="adj3" fmla="val 27501"/>
+                    <a:gd name="adj4" fmla="val 66202"/>
                   </a:avLst>
                 </a:prstGeom>
                 <a:blipFill>
-                  <a:blip r:embed="rId14"/>
+                  <a:blip r:embed="rId17"/>
                   <a:stretch>
-                    <a:fillRect b="-4878"/>
-                  </a:stretch>
-                </a:blipFill>
-                <a:ln>
-                  <a:noFill/>
-                </a:ln>
-              </p:spPr>
-              <p:txBody>
-                <a:bodyPr/>
-                <a:lstStyle/>
-                <a:p>
-                  <a:r>
-                    <a:rPr lang="en-US">
-                      <a:noFill/>
-                    </a:rPr>
-                    <a:t> </a:t>
-                  </a:r>
-                </a:p>
-              </p:txBody>
-            </p:sp>
-          </mc:Fallback>
-        </mc:AlternateContent>
-        <p:sp>
-          <p:nvSpPr>
-            <p:cNvPr id="25" name="Right Brace 24">
-              <a:extLst>
-                <a:ext uri="{FF2B5EF4-FFF2-40B4-BE49-F238E27FC236}">
-                  <a16:creationId xmlns:a16="http://schemas.microsoft.com/office/drawing/2014/main" id="{9D00A515-7555-2BC8-0086-C00ACECD6FFF}"/>
-                </a:ext>
-              </a:extLst>
-            </p:cNvPr>
-            <p:cNvSpPr/>
-            <p:nvPr/>
-          </p:nvSpPr>
-          <p:spPr>
-            <a:xfrm rot="5400000">
-              <a:off x="8002004" y="480485"/>
-              <a:ext cx="939208" cy="5324957"/>
-            </a:xfrm>
-            <a:prstGeom prst="rightBrace">
-              <a:avLst>
-                <a:gd name="adj1" fmla="val 59013"/>
-                <a:gd name="adj2" fmla="val 50758"/>
-              </a:avLst>
-            </a:prstGeom>
-            <a:ln w="25400">
-              <a:solidFill>
-                <a:schemeClr val="tx1"/>
-              </a:solidFill>
-            </a:ln>
-          </p:spPr>
-          <p:style>
-            <a:lnRef idx="2">
-              <a:schemeClr val="accent1"/>
-            </a:lnRef>
-            <a:fillRef idx="0">
-              <a:schemeClr val="accent1"/>
-            </a:fillRef>
-            <a:effectRef idx="1">
-              <a:schemeClr val="accent1"/>
-            </a:effectRef>
-            <a:fontRef idx="minor">
-              <a:schemeClr val="tx1"/>
-            </a:fontRef>
-          </p:style>
-          <p:txBody>
-            <a:bodyPr rtlCol="0" anchor="ctr"/>
-            <a:lstStyle/>
-            <a:p>
-              <a:pPr algn="ctr"/>
-              <a:endParaRPr lang="en-US"/>
-            </a:p>
-          </p:txBody>
-        </p:sp>
-        <mc:AlternateContent xmlns:mc="http://schemas.openxmlformats.org/markup-compatibility/2006" xmlns:a14="http://schemas.microsoft.com/office/drawing/2010/main">
-          <mc:Choice Requires="a14">
-            <p:sp>
-              <p:nvSpPr>
-                <p:cNvPr id="26" name="Left Arrow Callout 25">
-                  <a:extLst>
-                    <a:ext uri="{FF2B5EF4-FFF2-40B4-BE49-F238E27FC236}">
-                      <a16:creationId xmlns:a16="http://schemas.microsoft.com/office/drawing/2014/main" id="{05534705-FEB9-81D6-B58F-E3CB7E0E8044}"/>
-                    </a:ext>
-                  </a:extLst>
-                </p:cNvPr>
-                <p:cNvSpPr/>
-                <p:nvPr/>
-              </p:nvSpPr>
-              <p:spPr>
-                <a:xfrm>
-                  <a:off x="3143154" y="2858280"/>
-                  <a:ext cx="2033957" cy="673198"/>
-                </a:xfrm>
-                <a:prstGeom prst="leftArrowCallout">
-                  <a:avLst>
-                    <a:gd name="adj1" fmla="val 18978"/>
-                    <a:gd name="adj2" fmla="val 25000"/>
-                    <a:gd name="adj3" fmla="val 29517"/>
-                    <a:gd name="adj4" fmla="val 73721"/>
-                  </a:avLst>
-                </a:prstGeom>
-                <a:solidFill>
-                  <a:schemeClr val="bg1">
-                    <a:lumMod val="50000"/>
-                    <a:alpha val="70276"/>
-                  </a:schemeClr>
-                </a:solidFill>
-                <a:ln>
-                  <a:noFill/>
-                </a:ln>
-              </p:spPr>
-              <p:style>
-                <a:lnRef idx="2">
-                  <a:schemeClr val="accent1">
-                    <a:shade val="15000"/>
-                  </a:schemeClr>
-                </a:lnRef>
-                <a:fillRef idx="1">
-                  <a:schemeClr val="accent1"/>
-                </a:fillRef>
-                <a:effectRef idx="0">
-                  <a:schemeClr val="accent1"/>
-                </a:effectRef>
-                <a:fontRef idx="minor">
-                  <a:schemeClr val="lt1"/>
-                </a:fontRef>
-              </p:style>
-              <p:txBody>
-                <a:bodyPr rtlCol="0" anchor="ctr"/>
-                <a:lstStyle/>
-                <a:p>
-                  <a:pPr algn="ctr"/>
-                  <a14:m>
-                    <m:oMathPara xmlns:m="http://schemas.openxmlformats.org/officeDocument/2006/math">
-                      <m:oMathParaPr>
-                        <m:jc m:val="centerGroup"/>
-                      </m:oMathParaPr>
-                      <m:oMath xmlns:m="http://schemas.openxmlformats.org/officeDocument/2006/math">
-                        <m:sSub>
-                          <m:sSubPr>
-                            <m:ctrlPr>
-                              <a:rPr lang="en-US" i="1">
-                                <a:latin typeface="Cambria Math" panose="02040503050406030204" pitchFamily="18" charset="0"/>
-                              </a:rPr>
-                            </m:ctrlPr>
-                          </m:sSubPr>
-                          <m:e>
-                            <m:r>
-                              <a:rPr lang="en-US" i="1">
-                                <a:latin typeface="Cambria Math" panose="02040503050406030204" pitchFamily="18" charset="0"/>
-                              </a:rPr>
-                              <m:t>𝐸</m:t>
-                            </m:r>
-                          </m:e>
-                          <m:sub>
-                            <m:r>
-                              <a:rPr lang="en-US" i="1">
-                                <a:latin typeface="Cambria Math" panose="02040503050406030204" pitchFamily="18" charset="0"/>
-                              </a:rPr>
-                              <m:t>𝑘</m:t>
-                            </m:r>
-                          </m:sub>
-                        </m:sSub>
-                        <m:r>
-                          <a:rPr lang="en-US" i="1">
-                            <a:latin typeface="Cambria Math" panose="02040503050406030204" pitchFamily="18" charset="0"/>
-                          </a:rPr>
-                          <m:t>=</m:t>
-                        </m:r>
-                        <m:r>
-                          <a:rPr lang="en-US" i="1">
-                            <a:latin typeface="Cambria Math" panose="02040503050406030204" pitchFamily="18" charset="0"/>
-                          </a:rPr>
-                          <m:t>𝜀</m:t>
-                        </m:r>
-                        <m:r>
-                          <a:rPr lang="en-US" i="1">
-                            <a:latin typeface="Cambria Math" panose="02040503050406030204" pitchFamily="18" charset="0"/>
-                          </a:rPr>
-                          <m:t> −</m:t>
-                        </m:r>
-                        <m:sSub>
-                          <m:sSubPr>
-                            <m:ctrlPr>
-                              <a:rPr lang="en-US" i="1">
-                                <a:latin typeface="Cambria Math" panose="02040503050406030204" pitchFamily="18" charset="0"/>
-                              </a:rPr>
-                            </m:ctrlPr>
-                          </m:sSubPr>
-                          <m:e>
-                            <m:r>
-                              <a:rPr lang="en-US" i="1">
-                                <a:latin typeface="Cambria Math" panose="02040503050406030204" pitchFamily="18" charset="0"/>
-                              </a:rPr>
-                              <m:t>𝑤</m:t>
-                            </m:r>
-                          </m:e>
-                          <m:sub>
-                            <m:r>
-                              <a:rPr lang="en-US" i="1">
-                                <a:latin typeface="Cambria Math" panose="02040503050406030204" pitchFamily="18" charset="0"/>
-                              </a:rPr>
-                              <m:t>0</m:t>
-                            </m:r>
-                          </m:sub>
-                        </m:sSub>
-                      </m:oMath>
-                    </m:oMathPara>
-                  </a14:m>
-                  <a:endParaRPr lang="en-US" dirty="0"/>
-                </a:p>
-              </p:txBody>
-            </p:sp>
-          </mc:Choice>
-          <mc:Fallback xmlns="">
-            <p:sp>
-              <p:nvSpPr>
-                <p:cNvPr id="26" name="Left Arrow Callout 25">
-                  <a:extLst>
-                    <a:ext uri="{FF2B5EF4-FFF2-40B4-BE49-F238E27FC236}">
-                      <a16:creationId xmlns:a16="http://schemas.microsoft.com/office/drawing/2014/main" id="{05534705-FEB9-81D6-B58F-E3CB7E0E8044}"/>
-                    </a:ext>
-                  </a:extLst>
-                </p:cNvPr>
-                <p:cNvSpPr>
-                  <a:spLocks noRot="1" noChangeAspect="1" noMove="1" noResize="1" noEditPoints="1" noAdjustHandles="1" noChangeArrowheads="1" noChangeShapeType="1" noTextEdit="1"/>
-                </p:cNvSpPr>
-                <p:nvPr/>
-              </p:nvSpPr>
-              <p:spPr>
-                <a:xfrm>
-                  <a:off x="3143154" y="2858280"/>
-                  <a:ext cx="2033957" cy="673198"/>
-                </a:xfrm>
-                <a:prstGeom prst="leftArrowCallout">
-                  <a:avLst>
-                    <a:gd name="adj1" fmla="val 18978"/>
-                    <a:gd name="adj2" fmla="val 25000"/>
-                    <a:gd name="adj3" fmla="val 29517"/>
-                    <a:gd name="adj4" fmla="val 73721"/>
-                  </a:avLst>
-                </a:prstGeom>
-                <a:blipFill>
-                  <a:blip r:embed="rId15"/>
-                  <a:stretch>
-                    <a:fillRect/>
-                  </a:stretch>
-                </a:blipFill>
-                <a:ln>
-                  <a:noFill/>
-                </a:ln>
-              </p:spPr>
-              <p:txBody>
-                <a:bodyPr/>
-                <a:lstStyle/>
-                <a:p>
-                  <a:r>
-                    <a:rPr lang="en-US">
-                      <a:noFill/>
-                    </a:rPr>
-                    <a:t> </a:t>
-                  </a:r>
-                </a:p>
-              </p:txBody>
-            </p:sp>
-          </mc:Fallback>
-        </mc:AlternateContent>
-        <mc:AlternateContent xmlns:mc="http://schemas.openxmlformats.org/markup-compatibility/2006" xmlns:a14="http://schemas.microsoft.com/office/drawing/2010/main">
-          <mc:Choice Requires="a14">
-            <p:sp>
-              <p:nvSpPr>
-                <p:cNvPr id="27" name="Rectangle 26">
-                  <a:extLst>
-                    <a:ext uri="{FF2B5EF4-FFF2-40B4-BE49-F238E27FC236}">
-                      <a16:creationId xmlns:a16="http://schemas.microsoft.com/office/drawing/2014/main" id="{12F8A579-987E-7412-BD18-CA07B027C33D}"/>
-                    </a:ext>
-                  </a:extLst>
-                </p:cNvPr>
-                <p:cNvSpPr/>
-                <p:nvPr/>
-              </p:nvSpPr>
-              <p:spPr>
-                <a:xfrm>
-                  <a:off x="8061472" y="2981951"/>
-                  <a:ext cx="820271" cy="591670"/>
-                </a:xfrm>
-                <a:prstGeom prst="rect">
-                  <a:avLst/>
-                </a:prstGeom>
-                <a:solidFill>
-                  <a:schemeClr val="bg1">
-                    <a:lumMod val="50000"/>
-                    <a:alpha val="70000"/>
-                  </a:schemeClr>
-                </a:solidFill>
-                <a:ln>
-                  <a:noFill/>
-                </a:ln>
-              </p:spPr>
-              <p:style>
-                <a:lnRef idx="2">
-                  <a:schemeClr val="accent1">
-                    <a:shade val="15000"/>
-                  </a:schemeClr>
-                </a:lnRef>
-                <a:fillRef idx="1">
-                  <a:schemeClr val="accent1"/>
-                </a:fillRef>
-                <a:effectRef idx="0">
-                  <a:schemeClr val="accent1"/>
-                </a:effectRef>
-                <a:fontRef idx="minor">
-                  <a:schemeClr val="lt1"/>
-                </a:fontRef>
-              </p:style>
-              <p:txBody>
-                <a:bodyPr rtlCol="0" anchor="ctr"/>
-                <a:lstStyle/>
-                <a:p>
-                  <a:pPr algn="ctr"/>
-                  <a14:m>
-                    <m:oMathPara xmlns:m="http://schemas.openxmlformats.org/officeDocument/2006/math">
-                      <m:oMathParaPr>
-                        <m:jc m:val="centerGroup"/>
-                      </m:oMathParaPr>
-                      <m:oMath xmlns:m="http://schemas.openxmlformats.org/officeDocument/2006/math">
-                        <m:r>
-                          <a:rPr lang="en-US" b="0" i="1" smtClean="0">
-                            <a:latin typeface="Cambria Math" panose="02040503050406030204" pitchFamily="18" charset="0"/>
-                          </a:rPr>
-                          <m:t>𝜆</m:t>
-                        </m:r>
-                        <m:r>
-                          <a:rPr lang="en-US" b="0" i="1" smtClean="0">
-                            <a:latin typeface="Cambria Math" panose="02040503050406030204" pitchFamily="18" charset="0"/>
-                          </a:rPr>
-                          <m:t>=</m:t>
-                        </m:r>
-                        <m:f>
-                          <m:fPr>
-                            <m:ctrlPr>
-                              <a:rPr lang="en-US" b="0" i="1" smtClean="0">
-                                <a:latin typeface="Cambria Math" panose="02040503050406030204" pitchFamily="18" charset="0"/>
-                              </a:rPr>
-                            </m:ctrlPr>
-                          </m:fPr>
-                          <m:num>
-                            <m:r>
-                              <a:rPr lang="en-US" b="0" i="1" smtClean="0">
-                                <a:latin typeface="Cambria Math" panose="02040503050406030204" pitchFamily="18" charset="0"/>
-                              </a:rPr>
-                              <m:t>𝑣</m:t>
-                            </m:r>
-                          </m:num>
-                          <m:den>
-                            <m:r>
-                              <a:rPr lang="en-US" b="0" i="1" smtClean="0">
-                                <a:latin typeface="Cambria Math" panose="02040503050406030204" pitchFamily="18" charset="0"/>
-                              </a:rPr>
-                              <m:t>𝑓</m:t>
-                            </m:r>
-                          </m:den>
-                        </m:f>
-                      </m:oMath>
-                    </m:oMathPara>
-                  </a14:m>
-                  <a:endParaRPr lang="en-US" dirty="0"/>
-                </a:p>
-              </p:txBody>
-            </p:sp>
-          </mc:Choice>
-          <mc:Fallback xmlns="">
-            <p:sp>
-              <p:nvSpPr>
-                <p:cNvPr id="27" name="Rectangle 26">
-                  <a:extLst>
-                    <a:ext uri="{FF2B5EF4-FFF2-40B4-BE49-F238E27FC236}">
-                      <a16:creationId xmlns:a16="http://schemas.microsoft.com/office/drawing/2014/main" id="{12F8A579-987E-7412-BD18-CA07B027C33D}"/>
-                    </a:ext>
-                  </a:extLst>
-                </p:cNvPr>
-                <p:cNvSpPr>
-                  <a:spLocks noRot="1" noChangeAspect="1" noMove="1" noResize="1" noEditPoints="1" noAdjustHandles="1" noChangeArrowheads="1" noChangeShapeType="1" noTextEdit="1"/>
-                </p:cNvSpPr>
-                <p:nvPr/>
-              </p:nvSpPr>
-              <p:spPr>
-                <a:xfrm>
-                  <a:off x="8061472" y="2981951"/>
-                  <a:ext cx="820271" cy="591670"/>
-                </a:xfrm>
-                <a:prstGeom prst="rect">
-                  <a:avLst/>
-                </a:prstGeom>
-                <a:blipFill>
-                  <a:blip r:embed="rId16"/>
-                  <a:stretch>
-                    <a:fillRect b="-12500"/>
+                    <a:fillRect l="-3571" b="-4918"/>
                   </a:stretch>
                 </a:blipFill>
                 <a:ln>
@@ -18267,8 +18453,8 @@
             </a:p>
           </p:txBody>
         </p:sp>
-        <mc:AlternateContent xmlns:mc="http://schemas.openxmlformats.org/markup-compatibility/2006">
-          <mc:Choice xmlns:a14="http://schemas.microsoft.com/office/drawing/2010/main" Requires="a14">
+        <mc:AlternateContent xmlns:mc="http://schemas.openxmlformats.org/markup-compatibility/2006" xmlns:a14="http://schemas.microsoft.com/office/drawing/2010/main">
+          <mc:Choice Requires="a14">
             <p:sp>
               <p:nvSpPr>
                 <p:cNvPr id="10" name="TextBox 9">
@@ -18317,7 +18503,7 @@
               </p:txBody>
             </p:sp>
           </mc:Choice>
-          <mc:Fallback>
+          <mc:Fallback xmlns="">
             <p:sp>
               <p:nvSpPr>
                 <p:cNvPr id="10" name="TextBox 9">
@@ -18590,8 +18776,8 @@
             </a:p>
           </p:txBody>
         </p:sp>
-        <mc:AlternateContent xmlns:mc="http://schemas.openxmlformats.org/markup-compatibility/2006">
-          <mc:Choice xmlns:a14="http://schemas.microsoft.com/office/drawing/2010/main" Requires="a14">
+        <mc:AlternateContent xmlns:mc="http://schemas.openxmlformats.org/markup-compatibility/2006" xmlns:a14="http://schemas.microsoft.com/office/drawing/2010/main">
+          <mc:Choice Requires="a14">
             <p:sp>
               <p:nvSpPr>
                 <p:cNvPr id="11" name="TextBox 10">
@@ -18620,6 +18806,7 @@
                 </a:bodyPr>
                 <a:lstStyle/>
                 <a:p>
+                  <a:pPr/>
                   <a14:m>
                     <m:oMathPara xmlns:m="http://schemas.openxmlformats.org/officeDocument/2006/math">
                       <m:oMathParaPr>
@@ -18641,7 +18828,7 @@
               </p:txBody>
             </p:sp>
           </mc:Choice>
-          <mc:Fallback>
+          <mc:Fallback xmlns="">
             <p:sp>
               <p:nvSpPr>
                 <p:cNvPr id="11" name="TextBox 10">
@@ -19110,8 +19297,8 @@
             </a:p>
           </p:txBody>
         </p:sp>
-        <mc:AlternateContent xmlns:mc="http://schemas.openxmlformats.org/markup-compatibility/2006">
-          <mc:Choice xmlns:a14="http://schemas.microsoft.com/office/drawing/2010/main" Requires="a14">
+        <mc:AlternateContent xmlns:mc="http://schemas.openxmlformats.org/markup-compatibility/2006" xmlns:a14="http://schemas.microsoft.com/office/drawing/2010/main">
+          <mc:Choice Requires="a14">
             <p:sp>
               <p:nvSpPr>
                 <p:cNvPr id="29" name="TextBox 28">
@@ -19140,6 +19327,7 @@
                 </a:bodyPr>
                 <a:lstStyle/>
                 <a:p>
+                  <a:pPr/>
                   <a14:m>
                     <m:oMathPara xmlns:m="http://schemas.openxmlformats.org/officeDocument/2006/math">
                       <m:oMathParaPr>
@@ -19160,7 +19348,7 @@
               </p:txBody>
             </p:sp>
           </mc:Choice>
-          <mc:Fallback>
+          <mc:Fallback xmlns="">
             <p:sp>
               <p:nvSpPr>
                 <p:cNvPr id="29" name="TextBox 28">
@@ -19259,8 +19447,8 @@
             </a:p>
           </p:txBody>
         </p:sp>
-        <mc:AlternateContent xmlns:mc="http://schemas.openxmlformats.org/markup-compatibility/2006">
-          <mc:Choice xmlns:a14="http://schemas.microsoft.com/office/drawing/2010/main" Requires="a14">
+        <mc:AlternateContent xmlns:mc="http://schemas.openxmlformats.org/markup-compatibility/2006" xmlns:a14="http://schemas.microsoft.com/office/drawing/2010/main">
+          <mc:Choice Requires="a14">
             <p:sp>
               <p:nvSpPr>
                 <p:cNvPr id="31" name="TextBox 30">
@@ -19291,6 +19479,7 @@
                 </a:bodyPr>
                 <a:lstStyle/>
                 <a:p>
+                  <a:pPr/>
                   <a14:m>
                     <m:oMathPara xmlns:m="http://schemas.openxmlformats.org/officeDocument/2006/math">
                       <m:oMathParaPr>
@@ -19311,7 +19500,7 @@
               </p:txBody>
             </p:sp>
           </mc:Choice>
-          <mc:Fallback>
+          <mc:Fallback xmlns="">
             <p:sp>
               <p:nvSpPr>
                 <p:cNvPr id="31" name="TextBox 30">
@@ -19391,8 +19580,8 @@
             </a:p>
           </p:txBody>
         </p:sp>
-        <mc:AlternateContent xmlns:mc="http://schemas.openxmlformats.org/markup-compatibility/2006">
-          <mc:Choice xmlns:a14="http://schemas.microsoft.com/office/drawing/2010/main" Requires="a14">
+        <mc:AlternateContent xmlns:mc="http://schemas.openxmlformats.org/markup-compatibility/2006" xmlns:a14="http://schemas.microsoft.com/office/drawing/2010/main">
+          <mc:Choice Requires="a14">
             <p:sp>
               <p:nvSpPr>
                 <p:cNvPr id="35" name="TextBox 34">
@@ -19421,6 +19610,7 @@
                 </a:bodyPr>
                 <a:lstStyle/>
                 <a:p>
+                  <a:pPr/>
                   <a14:m>
                     <m:oMathPara xmlns:m="http://schemas.openxmlformats.org/officeDocument/2006/math">
                       <m:oMathParaPr>
@@ -19611,7 +19801,7 @@
               </p:txBody>
             </p:sp>
           </mc:Choice>
-          <mc:Fallback>
+          <mc:Fallback xmlns="">
             <p:sp>
               <p:nvSpPr>
                 <p:cNvPr id="35" name="TextBox 34">
@@ -19656,8 +19846,8 @@
             </p:sp>
           </mc:Fallback>
         </mc:AlternateContent>
-        <mc:AlternateContent xmlns:mc="http://schemas.openxmlformats.org/markup-compatibility/2006">
-          <mc:Choice xmlns:a14="http://schemas.microsoft.com/office/drawing/2010/main" Requires="a14">
+        <mc:AlternateContent xmlns:mc="http://schemas.openxmlformats.org/markup-compatibility/2006" xmlns:a14="http://schemas.microsoft.com/office/drawing/2010/main">
+          <mc:Choice Requires="a14">
             <p:sp>
               <p:nvSpPr>
                 <p:cNvPr id="37" name="TextBox 36">
@@ -19686,6 +19876,7 @@
                 </a:bodyPr>
                 <a:lstStyle/>
                 <a:p>
+                  <a:pPr/>
                   <a14:m>
                     <m:oMathPara xmlns:m="http://schemas.openxmlformats.org/officeDocument/2006/math">
                       <m:oMathParaPr>
@@ -19804,6 +19995,7 @@
                   </a:endParaRPr>
                 </a:p>
                 <a:p>
+                  <a:pPr/>
                   <a14:m>
                     <m:oMathPara xmlns:m="http://schemas.openxmlformats.org/officeDocument/2006/math">
                       <m:oMathParaPr>
@@ -19933,7 +20125,7 @@
               </p:txBody>
             </p:sp>
           </mc:Choice>
-          <mc:Fallback>
+          <mc:Fallback xmlns="">
             <p:sp>
               <p:nvSpPr>
                 <p:cNvPr id="37" name="TextBox 36">

--- a/Teacher/选修3-1/pictures/pictures.pptx
+++ b/Teacher/选修3-1/pictures/pictures.pptx
@@ -13,6 +13,7 @@
     <p:sldId id="261" r:id="rId7"/>
     <p:sldId id="262" r:id="rId8"/>
     <p:sldId id="263" r:id="rId9"/>
+    <p:sldId id="264" r:id="rId10"/>
   </p:sldIdLst>
   <p:sldSz cx="12192000" cy="6858000"/>
   <p:notesSz cx="6858000" cy="9144000"/>
@@ -16766,8 +16767,8 @@
             </mc:Fallback>
           </mc:AlternateContent>
         </p:grpSp>
-        <mc:AlternateContent xmlns:mc="http://schemas.openxmlformats.org/markup-compatibility/2006">
-          <mc:Choice xmlns:a14="http://schemas.microsoft.com/office/drawing/2010/main" Requires="a14">
+        <mc:AlternateContent xmlns:mc="http://schemas.openxmlformats.org/markup-compatibility/2006" xmlns:a14="http://schemas.microsoft.com/office/drawing/2010/main">
+          <mc:Choice Requires="a14">
             <p:sp>
               <p:nvSpPr>
                 <p:cNvPr id="3" name="Left Arrow Callout 2">
@@ -16877,7 +16878,7 @@
               </p:txBody>
             </p:sp>
           </mc:Choice>
-          <mc:Fallback>
+          <mc:Fallback xmlns="">
             <p:sp>
               <p:nvSpPr>
                 <p:cNvPr id="3" name="Left Arrow Callout 2">
@@ -20184,6 +20185,1768 @@
 </p:sld>
 </file>
 
+<file path=ppt/slides/slide9.xml><?xml version="1.0" encoding="utf-8"?>
+<p:sld xmlns:a="http://schemas.openxmlformats.org/drawingml/2006/main" xmlns:r="http://schemas.openxmlformats.org/officeDocument/2006/relationships" xmlns:p="http://schemas.openxmlformats.org/presentationml/2006/main">
+  <p:cSld>
+    <p:spTree>
+      <p:nvGrpSpPr>
+        <p:cNvPr id="1" name=""/>
+        <p:cNvGrpSpPr/>
+        <p:nvPr/>
+      </p:nvGrpSpPr>
+      <p:grpSpPr>
+        <a:xfrm>
+          <a:off x="0" y="0"/>
+          <a:ext cx="0" cy="0"/>
+          <a:chOff x="0" y="0"/>
+          <a:chExt cx="0" cy="0"/>
+        </a:xfrm>
+      </p:grpSpPr>
+      <p:grpSp>
+        <p:nvGrpSpPr>
+          <p:cNvPr id="2" name="Group 1">
+            <a:extLst>
+              <a:ext uri="{FF2B5EF4-FFF2-40B4-BE49-F238E27FC236}">
+                <a16:creationId xmlns:a16="http://schemas.microsoft.com/office/drawing/2014/main" id="{C389628C-0DBD-0AE3-3ACE-08DE1A77A610}"/>
+              </a:ext>
+            </a:extLst>
+          </p:cNvPr>
+          <p:cNvGrpSpPr/>
+          <p:nvPr/>
+        </p:nvGrpSpPr>
+        <p:grpSpPr>
+          <a:xfrm>
+            <a:off x="2438331" y="724226"/>
+            <a:ext cx="7315337" cy="5577690"/>
+            <a:chOff x="4769144" y="736102"/>
+            <a:chExt cx="7315337" cy="5577690"/>
+          </a:xfrm>
+        </p:grpSpPr>
+        <p:sp>
+          <p:nvSpPr>
+            <p:cNvPr id="30" name="Arc 29">
+              <a:extLst>
+                <a:ext uri="{FF2B5EF4-FFF2-40B4-BE49-F238E27FC236}">
+                  <a16:creationId xmlns:a16="http://schemas.microsoft.com/office/drawing/2014/main" id="{AA8B8284-045F-BDA1-F97B-6D6BDAEE976F}"/>
+                </a:ext>
+              </a:extLst>
+            </p:cNvPr>
+            <p:cNvSpPr>
+              <a:spLocks noChangeAspect="1"/>
+            </p:cNvSpPr>
+            <p:nvPr/>
+          </p:nvSpPr>
+          <p:spPr>
+            <a:xfrm rot="8100000">
+              <a:off x="5524793" y="736102"/>
+              <a:ext cx="2839627" cy="2839627"/>
+            </a:xfrm>
+            <a:prstGeom prst="arc">
+              <a:avLst/>
+            </a:prstGeom>
+            <a:ln w="38100">
+              <a:solidFill>
+                <a:schemeClr val="tx1"/>
+              </a:solidFill>
+              <a:prstDash val="dash"/>
+            </a:ln>
+          </p:spPr>
+          <p:style>
+            <a:lnRef idx="2">
+              <a:schemeClr val="accent1"/>
+            </a:lnRef>
+            <a:fillRef idx="0">
+              <a:schemeClr val="accent1"/>
+            </a:fillRef>
+            <a:effectRef idx="1">
+              <a:schemeClr val="accent1"/>
+            </a:effectRef>
+            <a:fontRef idx="minor">
+              <a:schemeClr val="tx1"/>
+            </a:fontRef>
+          </p:style>
+          <p:txBody>
+            <a:bodyPr rtlCol="0" anchor="ctr"/>
+            <a:lstStyle/>
+            <a:p>
+              <a:pPr algn="ctr"/>
+              <a:endParaRPr lang="en-US">
+                <a:solidFill>
+                  <a:schemeClr val="accent2"/>
+                </a:solidFill>
+              </a:endParaRPr>
+            </a:p>
+          </p:txBody>
+        </p:sp>
+        <p:grpSp>
+          <p:nvGrpSpPr>
+            <p:cNvPr id="52" name="Group 51">
+              <a:extLst>
+                <a:ext uri="{FF2B5EF4-FFF2-40B4-BE49-F238E27FC236}">
+                  <a16:creationId xmlns:a16="http://schemas.microsoft.com/office/drawing/2014/main" id="{37C405D8-DC4B-F082-9A3D-3775016AB27A}"/>
+                </a:ext>
+              </a:extLst>
+            </p:cNvPr>
+            <p:cNvGrpSpPr/>
+            <p:nvPr/>
+          </p:nvGrpSpPr>
+          <p:grpSpPr>
+            <a:xfrm>
+              <a:off x="4769144" y="2949941"/>
+              <a:ext cx="6934616" cy="2203950"/>
+              <a:chOff x="4769144" y="2949941"/>
+              <a:chExt cx="6934616" cy="2203950"/>
+            </a:xfrm>
+          </p:grpSpPr>
+          <p:grpSp>
+            <p:nvGrpSpPr>
+              <p:cNvPr id="12" name="Group 11">
+                <a:extLst>
+                  <a:ext uri="{FF2B5EF4-FFF2-40B4-BE49-F238E27FC236}">
+                    <a16:creationId xmlns:a16="http://schemas.microsoft.com/office/drawing/2014/main" id="{52422F32-6C89-2121-3097-302AD25287E0}"/>
+                  </a:ext>
+                </a:extLst>
+              </p:cNvPr>
+              <p:cNvGrpSpPr/>
+              <p:nvPr/>
+            </p:nvGrpSpPr>
+            <p:grpSpPr>
+              <a:xfrm>
+                <a:off x="5920443" y="3075709"/>
+                <a:ext cx="2078183" cy="2078182"/>
+                <a:chOff x="5920443" y="3075709"/>
+                <a:chExt cx="2078183" cy="2078182"/>
+              </a:xfrm>
+            </p:grpSpPr>
+            <p:grpSp>
+              <p:nvGrpSpPr>
+                <p:cNvPr id="9" name="Group 8">
+                  <a:extLst>
+                    <a:ext uri="{FF2B5EF4-FFF2-40B4-BE49-F238E27FC236}">
+                      <a16:creationId xmlns:a16="http://schemas.microsoft.com/office/drawing/2014/main" id="{E6E91547-8DA7-8388-907D-95E118E6434D}"/>
+                    </a:ext>
+                  </a:extLst>
+                </p:cNvPr>
+                <p:cNvGrpSpPr/>
+                <p:nvPr/>
+              </p:nvGrpSpPr>
+              <p:grpSpPr>
+                <a:xfrm>
+                  <a:off x="5920443" y="3075709"/>
+                  <a:ext cx="2078182" cy="2078182"/>
+                  <a:chOff x="4823163" y="2389909"/>
+                  <a:chExt cx="2078182" cy="2078182"/>
+                </a:xfrm>
+              </p:grpSpPr>
+              <p:cxnSp>
+                <p:nvCxnSpPr>
+                  <p:cNvPr id="5" name="Straight Connector 4">
+                    <a:extLst>
+                      <a:ext uri="{FF2B5EF4-FFF2-40B4-BE49-F238E27FC236}">
+                        <a16:creationId xmlns:a16="http://schemas.microsoft.com/office/drawing/2014/main" id="{5F7B21DE-1790-F7DC-5DEF-4B4EE25B7A5E}"/>
+                      </a:ext>
+                    </a:extLst>
+                  </p:cNvPr>
+                  <p:cNvCxnSpPr>
+                    <a:cxnSpLocks/>
+                  </p:cNvCxnSpPr>
+                  <p:nvPr/>
+                </p:nvCxnSpPr>
+                <p:spPr>
+                  <a:xfrm>
+                    <a:off x="4823163" y="2389909"/>
+                    <a:ext cx="0" cy="2078182"/>
+                  </a:xfrm>
+                  <a:prstGeom prst="line">
+                    <a:avLst/>
+                  </a:prstGeom>
+                  <a:ln w="38100">
+                    <a:solidFill>
+                      <a:schemeClr val="tx1"/>
+                    </a:solidFill>
+                  </a:ln>
+                </p:spPr>
+                <p:style>
+                  <a:lnRef idx="2">
+                    <a:schemeClr val="accent1"/>
+                  </a:lnRef>
+                  <a:fillRef idx="0">
+                    <a:schemeClr val="accent1"/>
+                  </a:fillRef>
+                  <a:effectRef idx="1">
+                    <a:schemeClr val="accent1"/>
+                  </a:effectRef>
+                  <a:fontRef idx="minor">
+                    <a:schemeClr val="tx1"/>
+                  </a:fontRef>
+                </p:style>
+              </p:cxnSp>
+              <p:cxnSp>
+                <p:nvCxnSpPr>
+                  <p:cNvPr id="7" name="Straight Connector 6">
+                    <a:extLst>
+                      <a:ext uri="{FF2B5EF4-FFF2-40B4-BE49-F238E27FC236}">
+                        <a16:creationId xmlns:a16="http://schemas.microsoft.com/office/drawing/2014/main" id="{0C02CB70-704C-158C-9924-4A2C2A8ABA45}"/>
+                      </a:ext>
+                    </a:extLst>
+                  </p:cNvPr>
+                  <p:cNvCxnSpPr>
+                    <a:cxnSpLocks/>
+                  </p:cNvCxnSpPr>
+                  <p:nvPr/>
+                </p:nvCxnSpPr>
+                <p:spPr>
+                  <a:xfrm>
+                    <a:off x="6901345" y="2389909"/>
+                    <a:ext cx="0" cy="2078182"/>
+                  </a:xfrm>
+                  <a:prstGeom prst="line">
+                    <a:avLst/>
+                  </a:prstGeom>
+                  <a:ln w="38100">
+                    <a:solidFill>
+                      <a:schemeClr val="tx1"/>
+                    </a:solidFill>
+                  </a:ln>
+                </p:spPr>
+                <p:style>
+                  <a:lnRef idx="2">
+                    <a:schemeClr val="accent1"/>
+                  </a:lnRef>
+                  <a:fillRef idx="0">
+                    <a:schemeClr val="accent1"/>
+                  </a:fillRef>
+                  <a:effectRef idx="1">
+                    <a:schemeClr val="accent1"/>
+                  </a:effectRef>
+                  <a:fontRef idx="minor">
+                    <a:schemeClr val="tx1"/>
+                  </a:fontRef>
+                </p:style>
+              </p:cxnSp>
+              <p:cxnSp>
+                <p:nvCxnSpPr>
+                  <p:cNvPr id="8" name="Straight Connector 7">
+                    <a:extLst>
+                      <a:ext uri="{FF2B5EF4-FFF2-40B4-BE49-F238E27FC236}">
+                        <a16:creationId xmlns:a16="http://schemas.microsoft.com/office/drawing/2014/main" id="{671F57E1-1C22-DF51-084A-906C1CEC0BEF}"/>
+                      </a:ext>
+                    </a:extLst>
+                  </p:cNvPr>
+                  <p:cNvCxnSpPr>
+                    <a:cxnSpLocks/>
+                  </p:cNvCxnSpPr>
+                  <p:nvPr/>
+                </p:nvCxnSpPr>
+                <p:spPr>
+                  <a:xfrm rot="5400000">
+                    <a:off x="5862254" y="3429000"/>
+                    <a:ext cx="0" cy="2078182"/>
+                  </a:xfrm>
+                  <a:prstGeom prst="line">
+                    <a:avLst/>
+                  </a:prstGeom>
+                  <a:ln w="38100">
+                    <a:solidFill>
+                      <a:schemeClr val="tx1"/>
+                    </a:solidFill>
+                  </a:ln>
+                </p:spPr>
+                <p:style>
+                  <a:lnRef idx="2">
+                    <a:schemeClr val="accent1"/>
+                  </a:lnRef>
+                  <a:fillRef idx="0">
+                    <a:schemeClr val="accent1"/>
+                  </a:fillRef>
+                  <a:effectRef idx="1">
+                    <a:schemeClr val="accent1"/>
+                  </a:effectRef>
+                  <a:fontRef idx="minor">
+                    <a:schemeClr val="tx1"/>
+                  </a:fontRef>
+                </p:style>
+              </p:cxnSp>
+            </p:grpSp>
+            <p:sp>
+              <p:nvSpPr>
+                <p:cNvPr id="10" name="Freeform 9">
+                  <a:extLst>
+                    <a:ext uri="{FF2B5EF4-FFF2-40B4-BE49-F238E27FC236}">
+                      <a16:creationId xmlns:a16="http://schemas.microsoft.com/office/drawing/2014/main" id="{F87F5A9C-4E47-A29A-90D8-4F59A70EAE23}"/>
+                    </a:ext>
+                  </a:extLst>
+                </p:cNvPr>
+                <p:cNvSpPr/>
+                <p:nvPr/>
+              </p:nvSpPr>
+              <p:spPr>
+                <a:xfrm>
+                  <a:off x="5920444" y="3429000"/>
+                  <a:ext cx="2078182" cy="214211"/>
+                </a:xfrm>
+                <a:custGeom>
+                  <a:avLst/>
+                  <a:gdLst>
+                    <a:gd name="connsiteX0" fmla="*/ 0 w 3642360"/>
+                    <a:gd name="connsiteY0" fmla="*/ 167640 h 320903"/>
+                    <a:gd name="connsiteX1" fmla="*/ 883920 w 3642360"/>
+                    <a:gd name="connsiteY1" fmla="*/ 320040 h 320903"/>
+                    <a:gd name="connsiteX2" fmla="*/ 1447800 w 3642360"/>
+                    <a:gd name="connsiteY2" fmla="*/ 106680 h 320903"/>
+                    <a:gd name="connsiteX3" fmla="*/ 2255520 w 3642360"/>
+                    <a:gd name="connsiteY3" fmla="*/ 228600 h 320903"/>
+                    <a:gd name="connsiteX4" fmla="*/ 2910840 w 3642360"/>
+                    <a:gd name="connsiteY4" fmla="*/ 0 h 320903"/>
+                    <a:gd name="connsiteX5" fmla="*/ 3642360 w 3642360"/>
+                    <a:gd name="connsiteY5" fmla="*/ 228600 h 320903"/>
+                  </a:gdLst>
+                  <a:ahLst/>
+                  <a:cxnLst>
+                    <a:cxn ang="0">
+                      <a:pos x="connsiteX0" y="connsiteY0"/>
+                    </a:cxn>
+                    <a:cxn ang="0">
+                      <a:pos x="connsiteX1" y="connsiteY1"/>
+                    </a:cxn>
+                    <a:cxn ang="0">
+                      <a:pos x="connsiteX2" y="connsiteY2"/>
+                    </a:cxn>
+                    <a:cxn ang="0">
+                      <a:pos x="connsiteX3" y="connsiteY3"/>
+                    </a:cxn>
+                    <a:cxn ang="0">
+                      <a:pos x="connsiteX4" y="connsiteY4"/>
+                    </a:cxn>
+                    <a:cxn ang="0">
+                      <a:pos x="connsiteX5" y="connsiteY5"/>
+                    </a:cxn>
+                  </a:cxnLst>
+                  <a:rect l="l" t="t" r="r" b="b"/>
+                  <a:pathLst>
+                    <a:path w="3642360" h="320903">
+                      <a:moveTo>
+                        <a:pt x="0" y="167640"/>
+                      </a:moveTo>
+                      <a:cubicBezTo>
+                        <a:pt x="321310" y="248920"/>
+                        <a:pt x="642620" y="330200"/>
+                        <a:pt x="883920" y="320040"/>
+                      </a:cubicBezTo>
+                      <a:cubicBezTo>
+                        <a:pt x="1125220" y="309880"/>
+                        <a:pt x="1219200" y="121920"/>
+                        <a:pt x="1447800" y="106680"/>
+                      </a:cubicBezTo>
+                      <a:cubicBezTo>
+                        <a:pt x="1676400" y="91440"/>
+                        <a:pt x="2011680" y="246380"/>
+                        <a:pt x="2255520" y="228600"/>
+                      </a:cubicBezTo>
+                      <a:cubicBezTo>
+                        <a:pt x="2499360" y="210820"/>
+                        <a:pt x="2679700" y="0"/>
+                        <a:pt x="2910840" y="0"/>
+                      </a:cubicBezTo>
+                      <a:cubicBezTo>
+                        <a:pt x="3141980" y="0"/>
+                        <a:pt x="3502660" y="187960"/>
+                        <a:pt x="3642360" y="228600"/>
+                      </a:cubicBezTo>
+                    </a:path>
+                  </a:pathLst>
+                </a:custGeom>
+                <a:noFill/>
+                <a:ln w="38100">
+                  <a:solidFill>
+                    <a:schemeClr val="tx2">
+                      <a:lumMod val="50000"/>
+                      <a:lumOff val="50000"/>
+                    </a:schemeClr>
+                  </a:solidFill>
+                </a:ln>
+              </p:spPr>
+              <p:style>
+                <a:lnRef idx="2">
+                  <a:schemeClr val="accent1">
+                    <a:shade val="15000"/>
+                  </a:schemeClr>
+                </a:lnRef>
+                <a:fillRef idx="1">
+                  <a:schemeClr val="accent1"/>
+                </a:fillRef>
+                <a:effectRef idx="0">
+                  <a:schemeClr val="accent1"/>
+                </a:effectRef>
+                <a:fontRef idx="minor">
+                  <a:schemeClr val="lt1"/>
+                </a:fontRef>
+              </p:style>
+              <p:txBody>
+                <a:bodyPr rtlCol="0" anchor="ctr"/>
+                <a:lstStyle/>
+                <a:p>
+                  <a:pPr algn="ctr"/>
+                  <a:endParaRPr lang="en-US" dirty="0"/>
+                </a:p>
+              </p:txBody>
+            </p:sp>
+          </p:grpSp>
+          <p:sp>
+            <p:nvSpPr>
+              <p:cNvPr id="13" name="Oval 12">
+                <a:extLst>
+                  <a:ext uri="{FF2B5EF4-FFF2-40B4-BE49-F238E27FC236}">
+                    <a16:creationId xmlns:a16="http://schemas.microsoft.com/office/drawing/2014/main" id="{5AEE00E4-A893-6414-4955-DA575B256614}"/>
+                  </a:ext>
+                </a:extLst>
+              </p:cNvPr>
+              <p:cNvSpPr/>
+              <p:nvPr/>
+            </p:nvSpPr>
+            <p:spPr>
+              <a:xfrm>
+                <a:off x="6024000" y="4824499"/>
+                <a:ext cx="144000" cy="144000"/>
+              </a:xfrm>
+              <a:prstGeom prst="ellipse">
+                <a:avLst/>
+              </a:prstGeom>
+              <a:noFill/>
+              <a:ln w="25400">
+                <a:solidFill>
+                  <a:schemeClr val="tx1"/>
+                </a:solidFill>
+              </a:ln>
+            </p:spPr>
+            <p:style>
+              <a:lnRef idx="2">
+                <a:schemeClr val="accent1">
+                  <a:shade val="15000"/>
+                </a:schemeClr>
+              </a:lnRef>
+              <a:fillRef idx="1">
+                <a:schemeClr val="accent1"/>
+              </a:fillRef>
+              <a:effectRef idx="0">
+                <a:schemeClr val="accent1"/>
+              </a:effectRef>
+              <a:fontRef idx="minor">
+                <a:schemeClr val="lt1"/>
+              </a:fontRef>
+            </p:style>
+            <p:txBody>
+              <a:bodyPr rtlCol="0" anchor="ctr"/>
+              <a:lstStyle/>
+              <a:p>
+                <a:pPr algn="ctr"/>
+                <a:endParaRPr lang="en-US" dirty="0"/>
+              </a:p>
+            </p:txBody>
+          </p:sp>
+          <p:sp>
+            <p:nvSpPr>
+              <p:cNvPr id="16" name="Oval 15">
+                <a:extLst>
+                  <a:ext uri="{FF2B5EF4-FFF2-40B4-BE49-F238E27FC236}">
+                    <a16:creationId xmlns:a16="http://schemas.microsoft.com/office/drawing/2014/main" id="{67A96B45-1DAF-FA37-93BA-FA325AB67707}"/>
+                  </a:ext>
+                </a:extLst>
+              </p:cNvPr>
+              <p:cNvSpPr/>
+              <p:nvPr/>
+            </p:nvSpPr>
+            <p:spPr>
+              <a:xfrm>
+                <a:off x="6024000" y="4587803"/>
+                <a:ext cx="144000" cy="144000"/>
+              </a:xfrm>
+              <a:prstGeom prst="ellipse">
+                <a:avLst/>
+              </a:prstGeom>
+              <a:noFill/>
+              <a:ln w="25400">
+                <a:solidFill>
+                  <a:schemeClr val="tx1"/>
+                </a:solidFill>
+              </a:ln>
+            </p:spPr>
+            <p:style>
+              <a:lnRef idx="2">
+                <a:schemeClr val="accent1">
+                  <a:shade val="15000"/>
+                </a:schemeClr>
+              </a:lnRef>
+              <a:fillRef idx="1">
+                <a:schemeClr val="accent1"/>
+              </a:fillRef>
+              <a:effectRef idx="0">
+                <a:schemeClr val="accent1"/>
+              </a:effectRef>
+              <a:fontRef idx="minor">
+                <a:schemeClr val="lt1"/>
+              </a:fontRef>
+            </p:style>
+            <p:txBody>
+              <a:bodyPr rtlCol="0" anchor="ctr"/>
+              <a:lstStyle/>
+              <a:p>
+                <a:pPr algn="ctr"/>
+                <a:endParaRPr lang="en-US" dirty="0"/>
+              </a:p>
+            </p:txBody>
+          </p:sp>
+          <p:sp>
+            <p:nvSpPr>
+              <p:cNvPr id="17" name="Oval 16">
+                <a:extLst>
+                  <a:ext uri="{FF2B5EF4-FFF2-40B4-BE49-F238E27FC236}">
+                    <a16:creationId xmlns:a16="http://schemas.microsoft.com/office/drawing/2014/main" id="{34220573-140E-1DD5-28B8-C6899C14FD0F}"/>
+                  </a:ext>
+                </a:extLst>
+              </p:cNvPr>
+              <p:cNvSpPr/>
+              <p:nvPr/>
+            </p:nvSpPr>
+            <p:spPr>
+              <a:xfrm>
+                <a:off x="6024000" y="4350041"/>
+                <a:ext cx="144000" cy="144000"/>
+              </a:xfrm>
+              <a:prstGeom prst="ellipse">
+                <a:avLst/>
+              </a:prstGeom>
+              <a:noFill/>
+              <a:ln w="25400">
+                <a:solidFill>
+                  <a:schemeClr val="tx1"/>
+                </a:solidFill>
+              </a:ln>
+            </p:spPr>
+            <p:style>
+              <a:lnRef idx="2">
+                <a:schemeClr val="accent1">
+                  <a:shade val="15000"/>
+                </a:schemeClr>
+              </a:lnRef>
+              <a:fillRef idx="1">
+                <a:schemeClr val="accent1"/>
+              </a:fillRef>
+              <a:effectRef idx="0">
+                <a:schemeClr val="accent1"/>
+              </a:effectRef>
+              <a:fontRef idx="minor">
+                <a:schemeClr val="lt1"/>
+              </a:fontRef>
+            </p:style>
+            <p:txBody>
+              <a:bodyPr rtlCol="0" anchor="ctr"/>
+              <a:lstStyle/>
+              <a:p>
+                <a:pPr algn="ctr"/>
+                <a:endParaRPr lang="en-US" dirty="0"/>
+              </a:p>
+            </p:txBody>
+          </p:sp>
+          <p:sp>
+            <p:nvSpPr>
+              <p:cNvPr id="18" name="Oval 17">
+                <a:extLst>
+                  <a:ext uri="{FF2B5EF4-FFF2-40B4-BE49-F238E27FC236}">
+                    <a16:creationId xmlns:a16="http://schemas.microsoft.com/office/drawing/2014/main" id="{8465F021-1A98-D085-9486-625F17E01652}"/>
+                  </a:ext>
+                </a:extLst>
+              </p:cNvPr>
+              <p:cNvSpPr/>
+              <p:nvPr/>
+            </p:nvSpPr>
+            <p:spPr>
+              <a:xfrm>
+                <a:off x="6024000" y="4112279"/>
+                <a:ext cx="144000" cy="144000"/>
+              </a:xfrm>
+              <a:prstGeom prst="ellipse">
+                <a:avLst/>
+              </a:prstGeom>
+              <a:noFill/>
+              <a:ln w="25400">
+                <a:solidFill>
+                  <a:schemeClr val="tx1"/>
+                </a:solidFill>
+              </a:ln>
+            </p:spPr>
+            <p:style>
+              <a:lnRef idx="2">
+                <a:schemeClr val="accent1">
+                  <a:shade val="15000"/>
+                </a:schemeClr>
+              </a:lnRef>
+              <a:fillRef idx="1">
+                <a:schemeClr val="accent1"/>
+              </a:fillRef>
+              <a:effectRef idx="0">
+                <a:schemeClr val="accent1"/>
+              </a:effectRef>
+              <a:fontRef idx="minor">
+                <a:schemeClr val="lt1"/>
+              </a:fontRef>
+            </p:style>
+            <p:txBody>
+              <a:bodyPr rtlCol="0" anchor="ctr"/>
+              <a:lstStyle/>
+              <a:p>
+                <a:pPr algn="ctr"/>
+                <a:endParaRPr lang="en-US" dirty="0"/>
+              </a:p>
+            </p:txBody>
+          </p:sp>
+          <p:sp>
+            <p:nvSpPr>
+              <p:cNvPr id="19" name="Oval 18">
+                <a:extLst>
+                  <a:ext uri="{FF2B5EF4-FFF2-40B4-BE49-F238E27FC236}">
+                    <a16:creationId xmlns:a16="http://schemas.microsoft.com/office/drawing/2014/main" id="{810DE81A-EAC5-1437-B833-28F28A2CFC82}"/>
+                  </a:ext>
+                </a:extLst>
+              </p:cNvPr>
+              <p:cNvSpPr/>
+              <p:nvPr/>
+            </p:nvSpPr>
+            <p:spPr>
+              <a:xfrm>
+                <a:off x="6024000" y="3873451"/>
+                <a:ext cx="144000" cy="144000"/>
+              </a:xfrm>
+              <a:prstGeom prst="ellipse">
+                <a:avLst/>
+              </a:prstGeom>
+              <a:noFill/>
+              <a:ln w="25400">
+                <a:solidFill>
+                  <a:schemeClr val="tx1"/>
+                </a:solidFill>
+              </a:ln>
+            </p:spPr>
+            <p:style>
+              <a:lnRef idx="2">
+                <a:schemeClr val="accent1">
+                  <a:shade val="15000"/>
+                </a:schemeClr>
+              </a:lnRef>
+              <a:fillRef idx="1">
+                <a:schemeClr val="accent1"/>
+              </a:fillRef>
+              <a:effectRef idx="0">
+                <a:schemeClr val="accent1"/>
+              </a:effectRef>
+              <a:fontRef idx="minor">
+                <a:schemeClr val="lt1"/>
+              </a:fontRef>
+            </p:style>
+            <p:txBody>
+              <a:bodyPr rtlCol="0" anchor="ctr"/>
+              <a:lstStyle/>
+              <a:p>
+                <a:pPr algn="ctr"/>
+                <a:endParaRPr lang="en-US" dirty="0"/>
+              </a:p>
+            </p:txBody>
+          </p:sp>
+          <p:sp>
+            <p:nvSpPr>
+              <p:cNvPr id="20" name="Oval 19">
+                <a:extLst>
+                  <a:ext uri="{FF2B5EF4-FFF2-40B4-BE49-F238E27FC236}">
+                    <a16:creationId xmlns:a16="http://schemas.microsoft.com/office/drawing/2014/main" id="{9C0CD8EF-870B-9E9A-DD9C-447BC4F398C9}"/>
+                  </a:ext>
+                </a:extLst>
+              </p:cNvPr>
+              <p:cNvSpPr/>
+              <p:nvPr/>
+            </p:nvSpPr>
+            <p:spPr>
+              <a:xfrm>
+                <a:off x="6024000" y="3632018"/>
+                <a:ext cx="144000" cy="144000"/>
+              </a:xfrm>
+              <a:prstGeom prst="ellipse">
+                <a:avLst/>
+              </a:prstGeom>
+              <a:noFill/>
+              <a:ln w="25400">
+                <a:solidFill>
+                  <a:schemeClr val="tx1"/>
+                </a:solidFill>
+              </a:ln>
+            </p:spPr>
+            <p:style>
+              <a:lnRef idx="2">
+                <a:schemeClr val="accent1">
+                  <a:shade val="15000"/>
+                </a:schemeClr>
+              </a:lnRef>
+              <a:fillRef idx="1">
+                <a:schemeClr val="accent1"/>
+              </a:fillRef>
+              <a:effectRef idx="0">
+                <a:schemeClr val="accent1"/>
+              </a:effectRef>
+              <a:fontRef idx="minor">
+                <a:schemeClr val="lt1"/>
+              </a:fontRef>
+            </p:style>
+            <p:txBody>
+              <a:bodyPr rtlCol="0" anchor="ctr"/>
+              <a:lstStyle/>
+              <a:p>
+                <a:pPr algn="ctr"/>
+                <a:endParaRPr lang="en-US" dirty="0"/>
+              </a:p>
+            </p:txBody>
+          </p:sp>
+          <p:cxnSp>
+            <p:nvCxnSpPr>
+              <p:cNvPr id="22" name="Straight Connector 21">
+                <a:extLst>
+                  <a:ext uri="{FF2B5EF4-FFF2-40B4-BE49-F238E27FC236}">
+                    <a16:creationId xmlns:a16="http://schemas.microsoft.com/office/drawing/2014/main" id="{7C5BA128-F9F2-31B6-3E16-F64703DF79B9}"/>
+                  </a:ext>
+                </a:extLst>
+              </p:cNvPr>
+              <p:cNvCxnSpPr>
+                <a:cxnSpLocks/>
+              </p:cNvCxnSpPr>
+              <p:nvPr/>
+            </p:nvCxnSpPr>
+            <p:spPr>
+              <a:xfrm>
+                <a:off x="6301409" y="3632018"/>
+                <a:ext cx="0" cy="1521873"/>
+              </a:xfrm>
+              <a:prstGeom prst="line">
+                <a:avLst/>
+              </a:prstGeom>
+              <a:ln w="25400">
+                <a:solidFill>
+                  <a:schemeClr val="tx1"/>
+                </a:solidFill>
+                <a:prstDash val="sysDash"/>
+              </a:ln>
+            </p:spPr>
+            <p:style>
+              <a:lnRef idx="2">
+                <a:schemeClr val="accent1"/>
+              </a:lnRef>
+              <a:fillRef idx="0">
+                <a:schemeClr val="accent1"/>
+              </a:fillRef>
+              <a:effectRef idx="1">
+                <a:schemeClr val="accent1"/>
+              </a:effectRef>
+              <a:fontRef idx="minor">
+                <a:schemeClr val="tx1"/>
+              </a:fontRef>
+            </p:style>
+          </p:cxnSp>
+          <p:cxnSp>
+            <p:nvCxnSpPr>
+              <p:cNvPr id="26" name="Straight Arrow Connector 25">
+                <a:extLst>
+                  <a:ext uri="{FF2B5EF4-FFF2-40B4-BE49-F238E27FC236}">
+                    <a16:creationId xmlns:a16="http://schemas.microsoft.com/office/drawing/2014/main" id="{4222EF4D-EDD8-CCD2-4702-52E3984F4CB2}"/>
+                  </a:ext>
+                </a:extLst>
+              </p:cNvPr>
+              <p:cNvCxnSpPr>
+                <a:cxnSpLocks/>
+              </p:cNvCxnSpPr>
+              <p:nvPr/>
+            </p:nvCxnSpPr>
+            <p:spPr>
+              <a:xfrm flipH="1" flipV="1">
+                <a:off x="5582995" y="4526290"/>
+                <a:ext cx="527931" cy="9399"/>
+              </a:xfrm>
+              <a:prstGeom prst="straightConnector1">
+                <a:avLst/>
+              </a:prstGeom>
+              <a:ln w="25400">
+                <a:solidFill>
+                  <a:schemeClr val="tx1"/>
+                </a:solidFill>
+                <a:prstDash val="sysDot"/>
+                <a:tailEnd type="triangle"/>
+              </a:ln>
+            </p:spPr>
+            <p:style>
+              <a:lnRef idx="2">
+                <a:schemeClr val="accent1"/>
+              </a:lnRef>
+              <a:fillRef idx="0">
+                <a:schemeClr val="accent1"/>
+              </a:fillRef>
+              <a:effectRef idx="1">
+                <a:schemeClr val="accent1"/>
+              </a:effectRef>
+              <a:fontRef idx="minor">
+                <a:schemeClr val="tx1"/>
+              </a:fontRef>
+            </p:style>
+          </p:cxnSp>
+          <p:sp>
+            <p:nvSpPr>
+              <p:cNvPr id="28" name="TextBox 27">
+                <a:extLst>
+                  <a:ext uri="{FF2B5EF4-FFF2-40B4-BE49-F238E27FC236}">
+                    <a16:creationId xmlns:a16="http://schemas.microsoft.com/office/drawing/2014/main" id="{600EC1A1-3A18-2516-9529-408D834E0CE2}"/>
+                  </a:ext>
+                </a:extLst>
+              </p:cNvPr>
+              <p:cNvSpPr txBox="1"/>
+              <p:nvPr/>
+            </p:nvSpPr>
+            <p:spPr>
+              <a:xfrm>
+                <a:off x="4769144" y="4341624"/>
+                <a:ext cx="894522" cy="369332"/>
+              </a:xfrm>
+              <a:prstGeom prst="rect">
+                <a:avLst/>
+              </a:prstGeom>
+              <a:noFill/>
+            </p:spPr>
+            <p:txBody>
+              <a:bodyPr wrap="square" rtlCol="0">
+                <a:spAutoFit/>
+              </a:bodyPr>
+              <a:lstStyle/>
+              <a:p>
+                <a:r>
+                  <a:rPr lang="en-US" dirty="0"/>
+                  <a:t>浸润层</a:t>
+                </a:r>
+              </a:p>
+            </p:txBody>
+          </p:sp>
+          <p:cxnSp>
+            <p:nvCxnSpPr>
+              <p:cNvPr id="32" name="Straight Arrow Connector 31">
+                <a:extLst>
+                  <a:ext uri="{FF2B5EF4-FFF2-40B4-BE49-F238E27FC236}">
+                    <a16:creationId xmlns:a16="http://schemas.microsoft.com/office/drawing/2014/main" id="{9FC784F1-FDCF-6498-49BB-AFB2932DD723}"/>
+                  </a:ext>
+                </a:extLst>
+              </p:cNvPr>
+              <p:cNvCxnSpPr/>
+              <p:nvPr/>
+            </p:nvCxnSpPr>
+            <p:spPr>
+              <a:xfrm flipV="1">
+                <a:off x="6096000" y="3226940"/>
+                <a:ext cx="0" cy="477078"/>
+              </a:xfrm>
+              <a:prstGeom prst="straightConnector1">
+                <a:avLst/>
+              </a:prstGeom>
+              <a:ln w="25400">
+                <a:solidFill>
+                  <a:schemeClr val="tx1"/>
+                </a:solidFill>
+                <a:tailEnd type="triangle"/>
+              </a:ln>
+            </p:spPr>
+            <p:style>
+              <a:lnRef idx="2">
+                <a:schemeClr val="accent1"/>
+              </a:lnRef>
+              <a:fillRef idx="0">
+                <a:schemeClr val="accent1"/>
+              </a:fillRef>
+              <a:effectRef idx="1">
+                <a:schemeClr val="accent1"/>
+              </a:effectRef>
+              <a:fontRef idx="minor">
+                <a:schemeClr val="tx1"/>
+              </a:fontRef>
+            </p:style>
+          </p:cxnSp>
+          <mc:AlternateContent xmlns:mc="http://schemas.openxmlformats.org/markup-compatibility/2006" xmlns:a14="http://schemas.microsoft.com/office/drawing/2010/main">
+            <mc:Choice Requires="a14">
+              <p:sp>
+                <p:nvSpPr>
+                  <p:cNvPr id="33" name="TextBox 32">
+                    <a:extLst>
+                      <a:ext uri="{FF2B5EF4-FFF2-40B4-BE49-F238E27FC236}">
+                        <a16:creationId xmlns:a16="http://schemas.microsoft.com/office/drawing/2014/main" id="{435EDE79-1F6E-7D13-2973-640E7877B01B}"/>
+                      </a:ext>
+                    </a:extLst>
+                  </p:cNvPr>
+                  <p:cNvSpPr txBox="1"/>
+                  <p:nvPr/>
+                </p:nvSpPr>
+                <p:spPr>
+                  <a:xfrm>
+                    <a:off x="6024000" y="2949941"/>
+                    <a:ext cx="196592" cy="276999"/>
+                  </a:xfrm>
+                  <a:prstGeom prst="rect">
+                    <a:avLst/>
+                  </a:prstGeom>
+                  <a:noFill/>
+                </p:spPr>
+                <p:txBody>
+                  <a:bodyPr wrap="none" lIns="0" tIns="0" rIns="0" bIns="0" rtlCol="0">
+                    <a:spAutoFit/>
+                  </a:bodyPr>
+                  <a:lstStyle/>
+                  <a:p>
+                    <a:pPr/>
+                    <a14:m>
+                      <m:oMathPara xmlns:m="http://schemas.openxmlformats.org/officeDocument/2006/math">
+                        <m:oMathParaPr>
+                          <m:jc m:val="centerGroup"/>
+                        </m:oMathParaPr>
+                        <m:oMath xmlns:m="http://schemas.openxmlformats.org/officeDocument/2006/math">
+                          <m:r>
+                            <a:rPr lang="en-US" b="0" i="1" smtClean="0">
+                              <a:latin typeface="Cambria Math" panose="02040503050406030204" pitchFamily="18" charset="0"/>
+                            </a:rPr>
+                            <m:t>𝐹</m:t>
+                          </m:r>
+                        </m:oMath>
+                      </m:oMathPara>
+                    </a14:m>
+                    <a:endParaRPr lang="en-US" b="0" dirty="0"/>
+                  </a:p>
+                </p:txBody>
+              </p:sp>
+            </mc:Choice>
+            <mc:Fallback xmlns="">
+              <p:sp>
+                <p:nvSpPr>
+                  <p:cNvPr id="33" name="TextBox 32">
+                    <a:extLst>
+                      <a:ext uri="{FF2B5EF4-FFF2-40B4-BE49-F238E27FC236}">
+                        <a16:creationId xmlns:a16="http://schemas.microsoft.com/office/drawing/2014/main" id="{435EDE79-1F6E-7D13-2973-640E7877B01B}"/>
+                      </a:ext>
+                    </a:extLst>
+                  </p:cNvPr>
+                  <p:cNvSpPr txBox="1">
+                    <a:spLocks noRot="1" noChangeAspect="1" noMove="1" noResize="1" noEditPoints="1" noAdjustHandles="1" noChangeArrowheads="1" noChangeShapeType="1" noTextEdit="1"/>
+                  </p:cNvSpPr>
+                  <p:nvPr/>
+                </p:nvSpPr>
+                <p:spPr>
+                  <a:xfrm>
+                    <a:off x="6024000" y="2949941"/>
+                    <a:ext cx="196592" cy="276999"/>
+                  </a:xfrm>
+                  <a:prstGeom prst="rect">
+                    <a:avLst/>
+                  </a:prstGeom>
+                  <a:blipFill>
+                    <a:blip r:embed="rId2"/>
+                    <a:stretch>
+                      <a:fillRect l="-31250" r="-25000" b="-9091"/>
+                    </a:stretch>
+                  </a:blipFill>
+                </p:spPr>
+                <p:txBody>
+                  <a:bodyPr/>
+                  <a:lstStyle/>
+                  <a:p>
+                    <a:r>
+                      <a:rPr lang="en-US">
+                        <a:noFill/>
+                      </a:rPr>
+                      <a:t> </a:t>
+                    </a:r>
+                  </a:p>
+                </p:txBody>
+              </p:sp>
+            </mc:Fallback>
+          </mc:AlternateContent>
+          <p:grpSp>
+            <p:nvGrpSpPr>
+              <p:cNvPr id="34" name="Group 33">
+                <a:extLst>
+                  <a:ext uri="{FF2B5EF4-FFF2-40B4-BE49-F238E27FC236}">
+                    <a16:creationId xmlns:a16="http://schemas.microsoft.com/office/drawing/2014/main" id="{5F790BF3-6AB2-E3E7-9121-89A520FFA9E3}"/>
+                  </a:ext>
+                </a:extLst>
+              </p:cNvPr>
+              <p:cNvGrpSpPr/>
+              <p:nvPr/>
+            </p:nvGrpSpPr>
+            <p:grpSpPr>
+              <a:xfrm>
+                <a:off x="9625577" y="3073188"/>
+                <a:ext cx="2078183" cy="2078182"/>
+                <a:chOff x="5920443" y="3075709"/>
+                <a:chExt cx="2078183" cy="2078182"/>
+              </a:xfrm>
+            </p:grpSpPr>
+            <p:grpSp>
+              <p:nvGrpSpPr>
+                <p:cNvPr id="35" name="Group 34">
+                  <a:extLst>
+                    <a:ext uri="{FF2B5EF4-FFF2-40B4-BE49-F238E27FC236}">
+                      <a16:creationId xmlns:a16="http://schemas.microsoft.com/office/drawing/2014/main" id="{6513C320-78B1-2FF0-B12D-D9054B755E61}"/>
+                    </a:ext>
+                  </a:extLst>
+                </p:cNvPr>
+                <p:cNvGrpSpPr/>
+                <p:nvPr/>
+              </p:nvGrpSpPr>
+              <p:grpSpPr>
+                <a:xfrm>
+                  <a:off x="5920443" y="3075709"/>
+                  <a:ext cx="2078182" cy="2078182"/>
+                  <a:chOff x="4823163" y="2389909"/>
+                  <a:chExt cx="2078182" cy="2078182"/>
+                </a:xfrm>
+              </p:grpSpPr>
+              <p:cxnSp>
+                <p:nvCxnSpPr>
+                  <p:cNvPr id="37" name="Straight Connector 36">
+                    <a:extLst>
+                      <a:ext uri="{FF2B5EF4-FFF2-40B4-BE49-F238E27FC236}">
+                        <a16:creationId xmlns:a16="http://schemas.microsoft.com/office/drawing/2014/main" id="{0935A15E-DD62-73CF-5B3C-4FE927E73E8C}"/>
+                      </a:ext>
+                    </a:extLst>
+                  </p:cNvPr>
+                  <p:cNvCxnSpPr>
+                    <a:cxnSpLocks/>
+                  </p:cNvCxnSpPr>
+                  <p:nvPr/>
+                </p:nvCxnSpPr>
+                <p:spPr>
+                  <a:xfrm>
+                    <a:off x="4823163" y="2389909"/>
+                    <a:ext cx="0" cy="2078182"/>
+                  </a:xfrm>
+                  <a:prstGeom prst="line">
+                    <a:avLst/>
+                  </a:prstGeom>
+                  <a:ln w="38100">
+                    <a:solidFill>
+                      <a:schemeClr val="tx1"/>
+                    </a:solidFill>
+                  </a:ln>
+                </p:spPr>
+                <p:style>
+                  <a:lnRef idx="2">
+                    <a:schemeClr val="accent1"/>
+                  </a:lnRef>
+                  <a:fillRef idx="0">
+                    <a:schemeClr val="accent1"/>
+                  </a:fillRef>
+                  <a:effectRef idx="1">
+                    <a:schemeClr val="accent1"/>
+                  </a:effectRef>
+                  <a:fontRef idx="minor">
+                    <a:schemeClr val="tx1"/>
+                  </a:fontRef>
+                </p:style>
+              </p:cxnSp>
+              <p:cxnSp>
+                <p:nvCxnSpPr>
+                  <p:cNvPr id="38" name="Straight Connector 37">
+                    <a:extLst>
+                      <a:ext uri="{FF2B5EF4-FFF2-40B4-BE49-F238E27FC236}">
+                        <a16:creationId xmlns:a16="http://schemas.microsoft.com/office/drawing/2014/main" id="{6D8EDC05-821C-A309-4956-097D837218E0}"/>
+                      </a:ext>
+                    </a:extLst>
+                  </p:cNvPr>
+                  <p:cNvCxnSpPr>
+                    <a:cxnSpLocks/>
+                  </p:cNvCxnSpPr>
+                  <p:nvPr/>
+                </p:nvCxnSpPr>
+                <p:spPr>
+                  <a:xfrm>
+                    <a:off x="6901345" y="2389909"/>
+                    <a:ext cx="0" cy="2078182"/>
+                  </a:xfrm>
+                  <a:prstGeom prst="line">
+                    <a:avLst/>
+                  </a:prstGeom>
+                  <a:ln w="38100">
+                    <a:solidFill>
+                      <a:schemeClr val="tx1"/>
+                    </a:solidFill>
+                  </a:ln>
+                </p:spPr>
+                <p:style>
+                  <a:lnRef idx="2">
+                    <a:schemeClr val="accent1"/>
+                  </a:lnRef>
+                  <a:fillRef idx="0">
+                    <a:schemeClr val="accent1"/>
+                  </a:fillRef>
+                  <a:effectRef idx="1">
+                    <a:schemeClr val="accent1"/>
+                  </a:effectRef>
+                  <a:fontRef idx="minor">
+                    <a:schemeClr val="tx1"/>
+                  </a:fontRef>
+                </p:style>
+              </p:cxnSp>
+              <p:cxnSp>
+                <p:nvCxnSpPr>
+                  <p:cNvPr id="39" name="Straight Connector 38">
+                    <a:extLst>
+                      <a:ext uri="{FF2B5EF4-FFF2-40B4-BE49-F238E27FC236}">
+                        <a16:creationId xmlns:a16="http://schemas.microsoft.com/office/drawing/2014/main" id="{4A58636D-628C-E305-7C10-E6DE1DD7509E}"/>
+                      </a:ext>
+                    </a:extLst>
+                  </p:cNvPr>
+                  <p:cNvCxnSpPr>
+                    <a:cxnSpLocks/>
+                  </p:cNvCxnSpPr>
+                  <p:nvPr/>
+                </p:nvCxnSpPr>
+                <p:spPr>
+                  <a:xfrm rot="5400000">
+                    <a:off x="5862254" y="3429000"/>
+                    <a:ext cx="0" cy="2078182"/>
+                  </a:xfrm>
+                  <a:prstGeom prst="line">
+                    <a:avLst/>
+                  </a:prstGeom>
+                  <a:ln w="38100">
+                    <a:solidFill>
+                      <a:schemeClr val="tx1"/>
+                    </a:solidFill>
+                  </a:ln>
+                </p:spPr>
+                <p:style>
+                  <a:lnRef idx="2">
+                    <a:schemeClr val="accent1"/>
+                  </a:lnRef>
+                  <a:fillRef idx="0">
+                    <a:schemeClr val="accent1"/>
+                  </a:fillRef>
+                  <a:effectRef idx="1">
+                    <a:schemeClr val="accent1"/>
+                  </a:effectRef>
+                  <a:fontRef idx="minor">
+                    <a:schemeClr val="tx1"/>
+                  </a:fontRef>
+                </p:style>
+              </p:cxnSp>
+            </p:grpSp>
+            <p:sp>
+              <p:nvSpPr>
+                <p:cNvPr id="36" name="Freeform 35">
+                  <a:extLst>
+                    <a:ext uri="{FF2B5EF4-FFF2-40B4-BE49-F238E27FC236}">
+                      <a16:creationId xmlns:a16="http://schemas.microsoft.com/office/drawing/2014/main" id="{F137FE90-0980-4F60-04FC-83894D13DCC6}"/>
+                    </a:ext>
+                  </a:extLst>
+                </p:cNvPr>
+                <p:cNvSpPr/>
+                <p:nvPr/>
+              </p:nvSpPr>
+              <p:spPr>
+                <a:xfrm>
+                  <a:off x="5920444" y="3429000"/>
+                  <a:ext cx="2078182" cy="214211"/>
+                </a:xfrm>
+                <a:custGeom>
+                  <a:avLst/>
+                  <a:gdLst>
+                    <a:gd name="connsiteX0" fmla="*/ 0 w 3642360"/>
+                    <a:gd name="connsiteY0" fmla="*/ 167640 h 320903"/>
+                    <a:gd name="connsiteX1" fmla="*/ 883920 w 3642360"/>
+                    <a:gd name="connsiteY1" fmla="*/ 320040 h 320903"/>
+                    <a:gd name="connsiteX2" fmla="*/ 1447800 w 3642360"/>
+                    <a:gd name="connsiteY2" fmla="*/ 106680 h 320903"/>
+                    <a:gd name="connsiteX3" fmla="*/ 2255520 w 3642360"/>
+                    <a:gd name="connsiteY3" fmla="*/ 228600 h 320903"/>
+                    <a:gd name="connsiteX4" fmla="*/ 2910840 w 3642360"/>
+                    <a:gd name="connsiteY4" fmla="*/ 0 h 320903"/>
+                    <a:gd name="connsiteX5" fmla="*/ 3642360 w 3642360"/>
+                    <a:gd name="connsiteY5" fmla="*/ 228600 h 320903"/>
+                  </a:gdLst>
+                  <a:ahLst/>
+                  <a:cxnLst>
+                    <a:cxn ang="0">
+                      <a:pos x="connsiteX0" y="connsiteY0"/>
+                    </a:cxn>
+                    <a:cxn ang="0">
+                      <a:pos x="connsiteX1" y="connsiteY1"/>
+                    </a:cxn>
+                    <a:cxn ang="0">
+                      <a:pos x="connsiteX2" y="connsiteY2"/>
+                    </a:cxn>
+                    <a:cxn ang="0">
+                      <a:pos x="connsiteX3" y="connsiteY3"/>
+                    </a:cxn>
+                    <a:cxn ang="0">
+                      <a:pos x="connsiteX4" y="connsiteY4"/>
+                    </a:cxn>
+                    <a:cxn ang="0">
+                      <a:pos x="connsiteX5" y="connsiteY5"/>
+                    </a:cxn>
+                  </a:cxnLst>
+                  <a:rect l="l" t="t" r="r" b="b"/>
+                  <a:pathLst>
+                    <a:path w="3642360" h="320903">
+                      <a:moveTo>
+                        <a:pt x="0" y="167640"/>
+                      </a:moveTo>
+                      <a:cubicBezTo>
+                        <a:pt x="321310" y="248920"/>
+                        <a:pt x="642620" y="330200"/>
+                        <a:pt x="883920" y="320040"/>
+                      </a:cubicBezTo>
+                      <a:cubicBezTo>
+                        <a:pt x="1125220" y="309880"/>
+                        <a:pt x="1219200" y="121920"/>
+                        <a:pt x="1447800" y="106680"/>
+                      </a:cubicBezTo>
+                      <a:cubicBezTo>
+                        <a:pt x="1676400" y="91440"/>
+                        <a:pt x="2011680" y="246380"/>
+                        <a:pt x="2255520" y="228600"/>
+                      </a:cubicBezTo>
+                      <a:cubicBezTo>
+                        <a:pt x="2499360" y="210820"/>
+                        <a:pt x="2679700" y="0"/>
+                        <a:pt x="2910840" y="0"/>
+                      </a:cubicBezTo>
+                      <a:cubicBezTo>
+                        <a:pt x="3141980" y="0"/>
+                        <a:pt x="3502660" y="187960"/>
+                        <a:pt x="3642360" y="228600"/>
+                      </a:cubicBezTo>
+                    </a:path>
+                  </a:pathLst>
+                </a:custGeom>
+                <a:noFill/>
+                <a:ln w="38100">
+                  <a:solidFill>
+                    <a:schemeClr val="tx2">
+                      <a:lumMod val="50000"/>
+                      <a:lumOff val="50000"/>
+                    </a:schemeClr>
+                  </a:solidFill>
+                </a:ln>
+              </p:spPr>
+              <p:style>
+                <a:lnRef idx="2">
+                  <a:schemeClr val="accent1">
+                    <a:shade val="15000"/>
+                  </a:schemeClr>
+                </a:lnRef>
+                <a:fillRef idx="1">
+                  <a:schemeClr val="accent1"/>
+                </a:fillRef>
+                <a:effectRef idx="0">
+                  <a:schemeClr val="accent1"/>
+                </a:effectRef>
+                <a:fontRef idx="minor">
+                  <a:schemeClr val="lt1"/>
+                </a:fontRef>
+              </p:style>
+              <p:txBody>
+                <a:bodyPr rtlCol="0" anchor="ctr"/>
+                <a:lstStyle/>
+                <a:p>
+                  <a:pPr algn="ctr"/>
+                  <a:endParaRPr lang="en-US"/>
+                </a:p>
+              </p:txBody>
+            </p:sp>
+          </p:grpSp>
+          <p:sp>
+            <p:nvSpPr>
+              <p:cNvPr id="40" name="Oval 39">
+                <a:extLst>
+                  <a:ext uri="{FF2B5EF4-FFF2-40B4-BE49-F238E27FC236}">
+                    <a16:creationId xmlns:a16="http://schemas.microsoft.com/office/drawing/2014/main" id="{485DA34C-C8C6-8006-0B89-60F1BF0BB864}"/>
+                  </a:ext>
+                </a:extLst>
+              </p:cNvPr>
+              <p:cNvSpPr/>
+              <p:nvPr/>
+            </p:nvSpPr>
+            <p:spPr>
+              <a:xfrm>
+                <a:off x="9729134" y="4821978"/>
+                <a:ext cx="144000" cy="144000"/>
+              </a:xfrm>
+              <a:prstGeom prst="ellipse">
+                <a:avLst/>
+              </a:prstGeom>
+              <a:noFill/>
+              <a:ln w="25400">
+                <a:solidFill>
+                  <a:schemeClr val="tx1"/>
+                </a:solidFill>
+              </a:ln>
+            </p:spPr>
+            <p:style>
+              <a:lnRef idx="2">
+                <a:schemeClr val="accent1">
+                  <a:shade val="15000"/>
+                </a:schemeClr>
+              </a:lnRef>
+              <a:fillRef idx="1">
+                <a:schemeClr val="accent1"/>
+              </a:fillRef>
+              <a:effectRef idx="0">
+                <a:schemeClr val="accent1"/>
+              </a:effectRef>
+              <a:fontRef idx="minor">
+                <a:schemeClr val="lt1"/>
+              </a:fontRef>
+            </p:style>
+            <p:txBody>
+              <a:bodyPr rtlCol="0" anchor="ctr"/>
+              <a:lstStyle/>
+              <a:p>
+                <a:pPr algn="ctr"/>
+                <a:endParaRPr lang="en-US" dirty="0"/>
+              </a:p>
+            </p:txBody>
+          </p:sp>
+          <p:sp>
+            <p:nvSpPr>
+              <p:cNvPr id="43" name="Oval 42">
+                <a:extLst>
+                  <a:ext uri="{FF2B5EF4-FFF2-40B4-BE49-F238E27FC236}">
+                    <a16:creationId xmlns:a16="http://schemas.microsoft.com/office/drawing/2014/main" id="{CA6B51F2-6A33-D848-63D0-F834F8602486}"/>
+                  </a:ext>
+                </a:extLst>
+              </p:cNvPr>
+              <p:cNvSpPr/>
+              <p:nvPr/>
+            </p:nvSpPr>
+            <p:spPr>
+              <a:xfrm>
+                <a:off x="9729134" y="4250512"/>
+                <a:ext cx="144000" cy="144000"/>
+              </a:xfrm>
+              <a:prstGeom prst="ellipse">
+                <a:avLst/>
+              </a:prstGeom>
+              <a:noFill/>
+              <a:ln w="25400">
+                <a:solidFill>
+                  <a:schemeClr val="tx1"/>
+                </a:solidFill>
+              </a:ln>
+            </p:spPr>
+            <p:style>
+              <a:lnRef idx="2">
+                <a:schemeClr val="accent1">
+                  <a:shade val="15000"/>
+                </a:schemeClr>
+              </a:lnRef>
+              <a:fillRef idx="1">
+                <a:schemeClr val="accent1"/>
+              </a:fillRef>
+              <a:effectRef idx="0">
+                <a:schemeClr val="accent1"/>
+              </a:effectRef>
+              <a:fontRef idx="minor">
+                <a:schemeClr val="lt1"/>
+              </a:fontRef>
+            </p:style>
+            <p:txBody>
+              <a:bodyPr rtlCol="0" anchor="ctr"/>
+              <a:lstStyle/>
+              <a:p>
+                <a:pPr algn="ctr"/>
+                <a:endParaRPr lang="en-US" dirty="0"/>
+              </a:p>
+            </p:txBody>
+          </p:sp>
+          <p:sp>
+            <p:nvSpPr>
+              <p:cNvPr id="45" name="Oval 44">
+                <a:extLst>
+                  <a:ext uri="{FF2B5EF4-FFF2-40B4-BE49-F238E27FC236}">
+                    <a16:creationId xmlns:a16="http://schemas.microsoft.com/office/drawing/2014/main" id="{8B337F29-88C7-FCD3-F661-813150FE818B}"/>
+                  </a:ext>
+                </a:extLst>
+              </p:cNvPr>
+              <p:cNvSpPr/>
+              <p:nvPr/>
+            </p:nvSpPr>
+            <p:spPr>
+              <a:xfrm>
+                <a:off x="9729134" y="3629497"/>
+                <a:ext cx="144000" cy="144000"/>
+              </a:xfrm>
+              <a:prstGeom prst="ellipse">
+                <a:avLst/>
+              </a:prstGeom>
+              <a:noFill/>
+              <a:ln w="25400">
+                <a:solidFill>
+                  <a:schemeClr val="tx1"/>
+                </a:solidFill>
+              </a:ln>
+            </p:spPr>
+            <p:style>
+              <a:lnRef idx="2">
+                <a:schemeClr val="accent1">
+                  <a:shade val="15000"/>
+                </a:schemeClr>
+              </a:lnRef>
+              <a:fillRef idx="1">
+                <a:schemeClr val="accent1"/>
+              </a:fillRef>
+              <a:effectRef idx="0">
+                <a:schemeClr val="accent1"/>
+              </a:effectRef>
+              <a:fontRef idx="minor">
+                <a:schemeClr val="lt1"/>
+              </a:fontRef>
+            </p:style>
+            <p:txBody>
+              <a:bodyPr rtlCol="0" anchor="ctr"/>
+              <a:lstStyle/>
+              <a:p>
+                <a:pPr algn="ctr"/>
+                <a:endParaRPr lang="en-US" dirty="0"/>
+              </a:p>
+            </p:txBody>
+          </p:sp>
+          <p:cxnSp>
+            <p:nvCxnSpPr>
+              <p:cNvPr id="46" name="Straight Connector 45">
+                <a:extLst>
+                  <a:ext uri="{FF2B5EF4-FFF2-40B4-BE49-F238E27FC236}">
+                    <a16:creationId xmlns:a16="http://schemas.microsoft.com/office/drawing/2014/main" id="{29465392-B194-EDC5-793D-9CDDEDD1912F}"/>
+                  </a:ext>
+                </a:extLst>
+              </p:cNvPr>
+              <p:cNvCxnSpPr>
+                <a:cxnSpLocks/>
+              </p:cNvCxnSpPr>
+              <p:nvPr/>
+            </p:nvCxnSpPr>
+            <p:spPr>
+              <a:xfrm>
+                <a:off x="10006543" y="3629497"/>
+                <a:ext cx="0" cy="1521873"/>
+              </a:xfrm>
+              <a:prstGeom prst="line">
+                <a:avLst/>
+              </a:prstGeom>
+              <a:ln w="25400">
+                <a:solidFill>
+                  <a:schemeClr val="tx1"/>
+                </a:solidFill>
+                <a:prstDash val="sysDash"/>
+              </a:ln>
+            </p:spPr>
+            <p:style>
+              <a:lnRef idx="2">
+                <a:schemeClr val="accent1"/>
+              </a:lnRef>
+              <a:fillRef idx="0">
+                <a:schemeClr val="accent1"/>
+              </a:fillRef>
+              <a:effectRef idx="1">
+                <a:schemeClr val="accent1"/>
+              </a:effectRef>
+              <a:fontRef idx="minor">
+                <a:schemeClr val="tx1"/>
+              </a:fontRef>
+            </p:style>
+          </p:cxnSp>
+          <p:cxnSp>
+            <p:nvCxnSpPr>
+              <p:cNvPr id="47" name="Straight Arrow Connector 46">
+                <a:extLst>
+                  <a:ext uri="{FF2B5EF4-FFF2-40B4-BE49-F238E27FC236}">
+                    <a16:creationId xmlns:a16="http://schemas.microsoft.com/office/drawing/2014/main" id="{8AC5608F-7AA2-2B7E-EDE5-87B3A6929561}"/>
+                  </a:ext>
+                </a:extLst>
+              </p:cNvPr>
+              <p:cNvCxnSpPr>
+                <a:cxnSpLocks/>
+              </p:cNvCxnSpPr>
+              <p:nvPr/>
+            </p:nvCxnSpPr>
+            <p:spPr>
+              <a:xfrm flipH="1" flipV="1">
+                <a:off x="9288129" y="4523769"/>
+                <a:ext cx="527931" cy="9399"/>
+              </a:xfrm>
+              <a:prstGeom prst="straightConnector1">
+                <a:avLst/>
+              </a:prstGeom>
+              <a:ln w="25400">
+                <a:solidFill>
+                  <a:schemeClr val="tx1"/>
+                </a:solidFill>
+                <a:prstDash val="sysDot"/>
+                <a:tailEnd type="triangle"/>
+              </a:ln>
+            </p:spPr>
+            <p:style>
+              <a:lnRef idx="2">
+                <a:schemeClr val="accent1"/>
+              </a:lnRef>
+              <a:fillRef idx="0">
+                <a:schemeClr val="accent1"/>
+              </a:fillRef>
+              <a:effectRef idx="1">
+                <a:schemeClr val="accent1"/>
+              </a:effectRef>
+              <a:fontRef idx="minor">
+                <a:schemeClr val="tx1"/>
+              </a:fontRef>
+            </p:style>
+          </p:cxnSp>
+          <p:sp>
+            <p:nvSpPr>
+              <p:cNvPr id="48" name="TextBox 47">
+                <a:extLst>
+                  <a:ext uri="{FF2B5EF4-FFF2-40B4-BE49-F238E27FC236}">
+                    <a16:creationId xmlns:a16="http://schemas.microsoft.com/office/drawing/2014/main" id="{4564CD17-8D7C-B89F-C07F-EBFEE5214130}"/>
+                  </a:ext>
+                </a:extLst>
+              </p:cNvPr>
+              <p:cNvSpPr txBox="1"/>
+              <p:nvPr/>
+            </p:nvSpPr>
+            <p:spPr>
+              <a:xfrm>
+                <a:off x="8204034" y="4339103"/>
+                <a:ext cx="1164766" cy="369332"/>
+              </a:xfrm>
+              <a:prstGeom prst="rect">
+                <a:avLst/>
+              </a:prstGeom>
+              <a:noFill/>
+            </p:spPr>
+            <p:txBody>
+              <a:bodyPr wrap="square" rtlCol="0">
+                <a:spAutoFit/>
+              </a:bodyPr>
+              <a:lstStyle/>
+              <a:p>
+                <a:r>
+                  <a:rPr lang="en-US" dirty="0"/>
+                  <a:t>不浸润层</a:t>
+                </a:r>
+              </a:p>
+            </p:txBody>
+          </p:sp>
+          <p:cxnSp>
+            <p:nvCxnSpPr>
+              <p:cNvPr id="49" name="Straight Arrow Connector 48">
+                <a:extLst>
+                  <a:ext uri="{FF2B5EF4-FFF2-40B4-BE49-F238E27FC236}">
+                    <a16:creationId xmlns:a16="http://schemas.microsoft.com/office/drawing/2014/main" id="{D503D2AF-EB69-5729-693D-5B98C97D8371}"/>
+                  </a:ext>
+                </a:extLst>
+              </p:cNvPr>
+              <p:cNvCxnSpPr>
+                <a:cxnSpLocks/>
+              </p:cNvCxnSpPr>
+              <p:nvPr/>
+            </p:nvCxnSpPr>
+            <p:spPr>
+              <a:xfrm rot="10800000" flipV="1">
+                <a:off x="9801134" y="3696611"/>
+                <a:ext cx="0" cy="477078"/>
+              </a:xfrm>
+              <a:prstGeom prst="straightConnector1">
+                <a:avLst/>
+              </a:prstGeom>
+              <a:ln w="25400">
+                <a:solidFill>
+                  <a:schemeClr val="tx1"/>
+                </a:solidFill>
+                <a:tailEnd type="triangle"/>
+              </a:ln>
+            </p:spPr>
+            <p:style>
+              <a:lnRef idx="2">
+                <a:schemeClr val="accent1"/>
+              </a:lnRef>
+              <a:fillRef idx="0">
+                <a:schemeClr val="accent1"/>
+              </a:fillRef>
+              <a:effectRef idx="1">
+                <a:schemeClr val="accent1"/>
+              </a:effectRef>
+              <a:fontRef idx="minor">
+                <a:schemeClr val="tx1"/>
+              </a:fontRef>
+            </p:style>
+          </p:cxnSp>
+          <mc:AlternateContent xmlns:mc="http://schemas.openxmlformats.org/markup-compatibility/2006" xmlns:a14="http://schemas.microsoft.com/office/drawing/2010/main">
+            <mc:Choice Requires="a14">
+              <p:sp>
+                <p:nvSpPr>
+                  <p:cNvPr id="50" name="TextBox 49">
+                    <a:extLst>
+                      <a:ext uri="{FF2B5EF4-FFF2-40B4-BE49-F238E27FC236}">
+                        <a16:creationId xmlns:a16="http://schemas.microsoft.com/office/drawing/2014/main" id="{E6F1EA02-D438-07C8-A323-8C530B61D40C}"/>
+                      </a:ext>
+                    </a:extLst>
+                  </p:cNvPr>
+                  <p:cNvSpPr txBox="1"/>
+                  <p:nvPr/>
+                </p:nvSpPr>
+                <p:spPr>
+                  <a:xfrm>
+                    <a:off x="9816060" y="3935101"/>
+                    <a:ext cx="196592" cy="276999"/>
+                  </a:xfrm>
+                  <a:prstGeom prst="rect">
+                    <a:avLst/>
+                  </a:prstGeom>
+                  <a:noFill/>
+                </p:spPr>
+                <p:txBody>
+                  <a:bodyPr wrap="none" lIns="0" tIns="0" rIns="0" bIns="0" rtlCol="0">
+                    <a:spAutoFit/>
+                  </a:bodyPr>
+                  <a:lstStyle/>
+                  <a:p>
+                    <a:pPr/>
+                    <a14:m>
+                      <m:oMathPara xmlns:m="http://schemas.openxmlformats.org/officeDocument/2006/math">
+                        <m:oMathParaPr>
+                          <m:jc m:val="centerGroup"/>
+                        </m:oMathParaPr>
+                        <m:oMath xmlns:m="http://schemas.openxmlformats.org/officeDocument/2006/math">
+                          <m:r>
+                            <a:rPr lang="en-US" b="0" i="1" smtClean="0">
+                              <a:latin typeface="Cambria Math" panose="02040503050406030204" pitchFamily="18" charset="0"/>
+                            </a:rPr>
+                            <m:t>𝐹</m:t>
+                          </m:r>
+                        </m:oMath>
+                      </m:oMathPara>
+                    </a14:m>
+                    <a:endParaRPr lang="en-US" b="0" dirty="0"/>
+                  </a:p>
+                </p:txBody>
+              </p:sp>
+            </mc:Choice>
+            <mc:Fallback xmlns="">
+              <p:sp>
+                <p:nvSpPr>
+                  <p:cNvPr id="50" name="TextBox 49">
+                    <a:extLst>
+                      <a:ext uri="{FF2B5EF4-FFF2-40B4-BE49-F238E27FC236}">
+                        <a16:creationId xmlns:a16="http://schemas.microsoft.com/office/drawing/2014/main" id="{E6F1EA02-D438-07C8-A323-8C530B61D40C}"/>
+                      </a:ext>
+                    </a:extLst>
+                  </p:cNvPr>
+                  <p:cNvSpPr txBox="1">
+                    <a:spLocks noRot="1" noChangeAspect="1" noMove="1" noResize="1" noEditPoints="1" noAdjustHandles="1" noChangeArrowheads="1" noChangeShapeType="1" noTextEdit="1"/>
+                  </p:cNvSpPr>
+                  <p:nvPr/>
+                </p:nvSpPr>
+                <p:spPr>
+                  <a:xfrm>
+                    <a:off x="9816060" y="3935101"/>
+                    <a:ext cx="196592" cy="276999"/>
+                  </a:xfrm>
+                  <a:prstGeom prst="rect">
+                    <a:avLst/>
+                  </a:prstGeom>
+                  <a:blipFill>
+                    <a:blip r:embed="rId3"/>
+                    <a:stretch>
+                      <a:fillRect l="-23529" r="-17647" b="-9091"/>
+                    </a:stretch>
+                  </a:blipFill>
+                </p:spPr>
+                <p:txBody>
+                  <a:bodyPr/>
+                  <a:lstStyle/>
+                  <a:p>
+                    <a:r>
+                      <a:rPr lang="en-US">
+                        <a:noFill/>
+                      </a:rPr>
+                      <a:t> </a:t>
+                    </a:r>
+                  </a:p>
+                </p:txBody>
+              </p:sp>
+            </mc:Fallback>
+          </mc:AlternateContent>
+        </p:grpSp>
+        <p:sp>
+          <p:nvSpPr>
+            <p:cNvPr id="51" name="Arc 50">
+              <a:extLst>
+                <a:ext uri="{FF2B5EF4-FFF2-40B4-BE49-F238E27FC236}">
+                  <a16:creationId xmlns:a16="http://schemas.microsoft.com/office/drawing/2014/main" id="{72933313-C182-CF7A-EAA4-A85F8673CFF6}"/>
+                </a:ext>
+              </a:extLst>
+            </p:cNvPr>
+            <p:cNvSpPr>
+              <a:spLocks noChangeAspect="1"/>
+            </p:cNvSpPr>
+            <p:nvPr/>
+          </p:nvSpPr>
+          <p:spPr>
+            <a:xfrm rot="18900000">
+              <a:off x="9244854" y="3474165"/>
+              <a:ext cx="2839627" cy="2839627"/>
+            </a:xfrm>
+            <a:prstGeom prst="arc">
+              <a:avLst/>
+            </a:prstGeom>
+            <a:ln w="38100">
+              <a:solidFill>
+                <a:schemeClr val="tx1"/>
+              </a:solidFill>
+              <a:prstDash val="dash"/>
+            </a:ln>
+          </p:spPr>
+          <p:style>
+            <a:lnRef idx="2">
+              <a:schemeClr val="accent1"/>
+            </a:lnRef>
+            <a:fillRef idx="0">
+              <a:schemeClr val="accent1"/>
+            </a:fillRef>
+            <a:effectRef idx="1">
+              <a:schemeClr val="accent1"/>
+            </a:effectRef>
+            <a:fontRef idx="minor">
+              <a:schemeClr val="tx1"/>
+            </a:fontRef>
+          </p:style>
+          <p:txBody>
+            <a:bodyPr rtlCol="0" anchor="ctr"/>
+            <a:lstStyle/>
+            <a:p>
+              <a:pPr algn="ctr"/>
+              <a:endParaRPr lang="en-US"/>
+            </a:p>
+          </p:txBody>
+        </p:sp>
+      </p:grpSp>
+    </p:spTree>
+    <p:extLst>
+      <p:ext uri="{BB962C8B-B14F-4D97-AF65-F5344CB8AC3E}">
+        <p14:creationId xmlns:p14="http://schemas.microsoft.com/office/powerpoint/2010/main" val="881970986"/>
+      </p:ext>
+    </p:extLst>
+  </p:cSld>
+  <p:clrMapOvr>
+    <a:masterClrMapping/>
+  </p:clrMapOvr>
+</p:sld>
+</file>
+
 <file path=ppt/theme/theme1.xml><?xml version="1.0" encoding="utf-8"?>
 <a:theme xmlns:a="http://schemas.openxmlformats.org/drawingml/2006/main" name="Office Theme">
   <a:themeElements>

--- a/Teacher/选修3-1/pictures/pictures.pptx
+++ b/Teacher/选修3-1/pictures/pictures.pptx
@@ -14,6 +14,7 @@
     <p:sldId id="262" r:id="rId8"/>
     <p:sldId id="263" r:id="rId9"/>
     <p:sldId id="264" r:id="rId10"/>
+    <p:sldId id="265" r:id="rId11"/>
   </p:sldIdLst>
   <p:sldSz cx="12192000" cy="6858000"/>
   <p:notesSz cx="6858000" cy="9144000"/>
@@ -267,7 +268,7 @@
           <a:p>
             <a:fld id="{D02A42A2-4E5D-294D-8B4F-940B3377311C}" type="datetimeFigureOut">
               <a:rPr lang="en-US" smtClean="0"/>
-              <a:t>5/25/24</a:t>
+              <a:t>6/14/24</a:t>
             </a:fld>
             <a:endParaRPr lang="en-US"/>
           </a:p>
@@ -465,7 +466,7 @@
           <a:p>
             <a:fld id="{D02A42A2-4E5D-294D-8B4F-940B3377311C}" type="datetimeFigureOut">
               <a:rPr lang="en-US" smtClean="0"/>
-              <a:t>5/25/24</a:t>
+              <a:t>6/14/24</a:t>
             </a:fld>
             <a:endParaRPr lang="en-US"/>
           </a:p>
@@ -673,7 +674,7 @@
           <a:p>
             <a:fld id="{D02A42A2-4E5D-294D-8B4F-940B3377311C}" type="datetimeFigureOut">
               <a:rPr lang="en-US" smtClean="0"/>
-              <a:t>5/25/24</a:t>
+              <a:t>6/14/24</a:t>
             </a:fld>
             <a:endParaRPr lang="en-US"/>
           </a:p>
@@ -871,7 +872,7 @@
           <a:p>
             <a:fld id="{D02A42A2-4E5D-294D-8B4F-940B3377311C}" type="datetimeFigureOut">
               <a:rPr lang="en-US" smtClean="0"/>
-              <a:t>5/25/24</a:t>
+              <a:t>6/14/24</a:t>
             </a:fld>
             <a:endParaRPr lang="en-US"/>
           </a:p>
@@ -1146,7 +1147,7 @@
           <a:p>
             <a:fld id="{D02A42A2-4E5D-294D-8B4F-940B3377311C}" type="datetimeFigureOut">
               <a:rPr lang="en-US" smtClean="0"/>
-              <a:t>5/25/24</a:t>
+              <a:t>6/14/24</a:t>
             </a:fld>
             <a:endParaRPr lang="en-US"/>
           </a:p>
@@ -1411,7 +1412,7 @@
           <a:p>
             <a:fld id="{D02A42A2-4E5D-294D-8B4F-940B3377311C}" type="datetimeFigureOut">
               <a:rPr lang="en-US" smtClean="0"/>
-              <a:t>5/25/24</a:t>
+              <a:t>6/14/24</a:t>
             </a:fld>
             <a:endParaRPr lang="en-US"/>
           </a:p>
@@ -1823,7 +1824,7 @@
           <a:p>
             <a:fld id="{D02A42A2-4E5D-294D-8B4F-940B3377311C}" type="datetimeFigureOut">
               <a:rPr lang="en-US" smtClean="0"/>
-              <a:t>5/25/24</a:t>
+              <a:t>6/14/24</a:t>
             </a:fld>
             <a:endParaRPr lang="en-US"/>
           </a:p>
@@ -1964,7 +1965,7 @@
           <a:p>
             <a:fld id="{D02A42A2-4E5D-294D-8B4F-940B3377311C}" type="datetimeFigureOut">
               <a:rPr lang="en-US" smtClean="0"/>
-              <a:t>5/25/24</a:t>
+              <a:t>6/14/24</a:t>
             </a:fld>
             <a:endParaRPr lang="en-US"/>
           </a:p>
@@ -2077,7 +2078,7 @@
           <a:p>
             <a:fld id="{D02A42A2-4E5D-294D-8B4F-940B3377311C}" type="datetimeFigureOut">
               <a:rPr lang="en-US" smtClean="0"/>
-              <a:t>5/25/24</a:t>
+              <a:t>6/14/24</a:t>
             </a:fld>
             <a:endParaRPr lang="en-US"/>
           </a:p>
@@ -2388,7 +2389,7 @@
           <a:p>
             <a:fld id="{D02A42A2-4E5D-294D-8B4F-940B3377311C}" type="datetimeFigureOut">
               <a:rPr lang="en-US" smtClean="0"/>
-              <a:t>5/25/24</a:t>
+              <a:t>6/14/24</a:t>
             </a:fld>
             <a:endParaRPr lang="en-US"/>
           </a:p>
@@ -2676,7 +2677,7 @@
           <a:p>
             <a:fld id="{D02A42A2-4E5D-294D-8B4F-940B3377311C}" type="datetimeFigureOut">
               <a:rPr lang="en-US" smtClean="0"/>
-              <a:t>5/25/24</a:t>
+              <a:t>6/14/24</a:t>
             </a:fld>
             <a:endParaRPr lang="en-US"/>
           </a:p>
@@ -2917,7 +2918,7 @@
           <a:p>
             <a:fld id="{D02A42A2-4E5D-294D-8B4F-940B3377311C}" type="datetimeFigureOut">
               <a:rPr lang="en-US" smtClean="0"/>
-              <a:t>5/25/24</a:t>
+              <a:t>6/14/24</a:t>
             </a:fld>
             <a:endParaRPr lang="en-US"/>
           </a:p>
@@ -4694,6 +4695,893 @@
     <p:extLst>
       <p:ext uri="{BB962C8B-B14F-4D97-AF65-F5344CB8AC3E}">
         <p14:creationId xmlns:p14="http://schemas.microsoft.com/office/powerpoint/2010/main" val="3853056409"/>
+      </p:ext>
+    </p:extLst>
+  </p:cSld>
+  <p:clrMapOvr>
+    <a:masterClrMapping/>
+  </p:clrMapOvr>
+</p:sld>
+</file>
+
+<file path=ppt/slides/slide10.xml><?xml version="1.0" encoding="utf-8"?>
+<p:sld xmlns:a="http://schemas.openxmlformats.org/drawingml/2006/main" xmlns:r="http://schemas.openxmlformats.org/officeDocument/2006/relationships" xmlns:p="http://schemas.openxmlformats.org/presentationml/2006/main">
+  <p:cSld>
+    <p:spTree>
+      <p:nvGrpSpPr>
+        <p:cNvPr id="1" name=""/>
+        <p:cNvGrpSpPr/>
+        <p:nvPr/>
+      </p:nvGrpSpPr>
+      <p:grpSpPr>
+        <a:xfrm>
+          <a:off x="0" y="0"/>
+          <a:ext cx="0" cy="0"/>
+          <a:chOff x="0" y="0"/>
+          <a:chExt cx="0" cy="0"/>
+        </a:xfrm>
+      </p:grpSpPr>
+      <p:grpSp>
+        <p:nvGrpSpPr>
+          <p:cNvPr id="27" name="Group 26">
+            <a:extLst>
+              <a:ext uri="{FF2B5EF4-FFF2-40B4-BE49-F238E27FC236}">
+                <a16:creationId xmlns:a16="http://schemas.microsoft.com/office/drawing/2014/main" id="{29193317-D8E0-F7BD-3D28-1F902E595E3A}"/>
+              </a:ext>
+            </a:extLst>
+          </p:cNvPr>
+          <p:cNvGrpSpPr/>
+          <p:nvPr/>
+        </p:nvGrpSpPr>
+        <p:grpSpPr>
+          <a:xfrm>
+            <a:off x="4256945" y="1690417"/>
+            <a:ext cx="1117039" cy="3924000"/>
+            <a:chOff x="4256945" y="1690417"/>
+            <a:chExt cx="1117039" cy="3924000"/>
+          </a:xfrm>
+        </p:grpSpPr>
+        <p:grpSp>
+          <p:nvGrpSpPr>
+            <p:cNvPr id="9" name="Group 8">
+              <a:extLst>
+                <a:ext uri="{FF2B5EF4-FFF2-40B4-BE49-F238E27FC236}">
+                  <a16:creationId xmlns:a16="http://schemas.microsoft.com/office/drawing/2014/main" id="{1EB530A1-FF41-534A-3EC9-0FE33C1AB4F2}"/>
+                </a:ext>
+              </a:extLst>
+            </p:cNvPr>
+            <p:cNvGrpSpPr/>
+            <p:nvPr/>
+          </p:nvGrpSpPr>
+          <p:grpSpPr>
+            <a:xfrm>
+              <a:off x="4272407" y="1690417"/>
+              <a:ext cx="1080000" cy="3924000"/>
+              <a:chOff x="7229363" y="2034802"/>
+              <a:chExt cx="1080000" cy="3924000"/>
+            </a:xfrm>
+          </p:grpSpPr>
+          <p:cxnSp>
+            <p:nvCxnSpPr>
+              <p:cNvPr id="5" name="Straight Connector 4">
+                <a:extLst>
+                  <a:ext uri="{FF2B5EF4-FFF2-40B4-BE49-F238E27FC236}">
+                    <a16:creationId xmlns:a16="http://schemas.microsoft.com/office/drawing/2014/main" id="{0B4FD8F0-C656-9650-C678-FB36B04DC9D1}"/>
+                  </a:ext>
+                </a:extLst>
+              </p:cNvPr>
+              <p:cNvCxnSpPr/>
+              <p:nvPr/>
+            </p:nvCxnSpPr>
+            <p:spPr>
+              <a:xfrm>
+                <a:off x="7229363" y="2034802"/>
+                <a:ext cx="0" cy="3384000"/>
+              </a:xfrm>
+              <a:prstGeom prst="line">
+                <a:avLst/>
+              </a:prstGeom>
+              <a:ln w="31750">
+                <a:solidFill>
+                  <a:schemeClr val="tx1"/>
+                </a:solidFill>
+              </a:ln>
+            </p:spPr>
+            <p:style>
+              <a:lnRef idx="2">
+                <a:schemeClr val="accent1"/>
+              </a:lnRef>
+              <a:fillRef idx="0">
+                <a:schemeClr val="accent1"/>
+              </a:fillRef>
+              <a:effectRef idx="1">
+                <a:schemeClr val="accent1"/>
+              </a:effectRef>
+              <a:fontRef idx="minor">
+                <a:schemeClr val="tx1"/>
+              </a:fontRef>
+            </p:style>
+          </p:cxnSp>
+          <p:cxnSp>
+            <p:nvCxnSpPr>
+              <p:cNvPr id="6" name="Straight Connector 5">
+                <a:extLst>
+                  <a:ext uri="{FF2B5EF4-FFF2-40B4-BE49-F238E27FC236}">
+                    <a16:creationId xmlns:a16="http://schemas.microsoft.com/office/drawing/2014/main" id="{6202DB4B-B6FE-C0E4-12FB-22098C7D4259}"/>
+                  </a:ext>
+                </a:extLst>
+              </p:cNvPr>
+              <p:cNvCxnSpPr/>
+              <p:nvPr/>
+            </p:nvCxnSpPr>
+            <p:spPr>
+              <a:xfrm>
+                <a:off x="8309363" y="2034802"/>
+                <a:ext cx="0" cy="3384000"/>
+              </a:xfrm>
+              <a:prstGeom prst="line">
+                <a:avLst/>
+              </a:prstGeom>
+              <a:ln w="31750">
+                <a:solidFill>
+                  <a:schemeClr val="tx1"/>
+                </a:solidFill>
+              </a:ln>
+            </p:spPr>
+            <p:style>
+              <a:lnRef idx="2">
+                <a:schemeClr val="accent1"/>
+              </a:lnRef>
+              <a:fillRef idx="0">
+                <a:schemeClr val="accent1"/>
+              </a:fillRef>
+              <a:effectRef idx="1">
+                <a:schemeClr val="accent1"/>
+              </a:effectRef>
+              <a:fontRef idx="minor">
+                <a:schemeClr val="tx1"/>
+              </a:fontRef>
+            </p:style>
+          </p:cxnSp>
+          <p:sp>
+            <p:nvSpPr>
+              <p:cNvPr id="8" name="Arc 7">
+                <a:extLst>
+                  <a:ext uri="{FF2B5EF4-FFF2-40B4-BE49-F238E27FC236}">
+                    <a16:creationId xmlns:a16="http://schemas.microsoft.com/office/drawing/2014/main" id="{72E88110-0FCD-037F-036A-DA937C351CA9}"/>
+                  </a:ext>
+                </a:extLst>
+              </p:cNvPr>
+              <p:cNvSpPr>
+                <a:spLocks noChangeAspect="1"/>
+              </p:cNvSpPr>
+              <p:nvPr/>
+            </p:nvSpPr>
+            <p:spPr>
+              <a:xfrm rot="10800000">
+                <a:off x="7229363" y="4878802"/>
+                <a:ext cx="1080000" cy="1080000"/>
+              </a:xfrm>
+              <a:prstGeom prst="arc">
+                <a:avLst>
+                  <a:gd name="adj1" fmla="val 10737794"/>
+                  <a:gd name="adj2" fmla="val 0"/>
+                </a:avLst>
+              </a:prstGeom>
+              <a:ln w="31750">
+                <a:solidFill>
+                  <a:schemeClr val="tx1"/>
+                </a:solidFill>
+              </a:ln>
+            </p:spPr>
+            <p:style>
+              <a:lnRef idx="2">
+                <a:schemeClr val="accent1"/>
+              </a:lnRef>
+              <a:fillRef idx="0">
+                <a:schemeClr val="accent1"/>
+              </a:fillRef>
+              <a:effectRef idx="1">
+                <a:schemeClr val="accent1"/>
+              </a:effectRef>
+              <a:fontRef idx="minor">
+                <a:schemeClr val="tx1"/>
+              </a:fontRef>
+            </p:style>
+            <p:txBody>
+              <a:bodyPr rtlCol="0" anchor="ctr"/>
+              <a:lstStyle/>
+              <a:p>
+                <a:pPr algn="ctr"/>
+                <a:endParaRPr lang="en-US"/>
+              </a:p>
+            </p:txBody>
+          </p:sp>
+        </p:grpSp>
+        <p:grpSp>
+          <p:nvGrpSpPr>
+            <p:cNvPr id="26" name="Group 25">
+              <a:extLst>
+                <a:ext uri="{FF2B5EF4-FFF2-40B4-BE49-F238E27FC236}">
+                  <a16:creationId xmlns:a16="http://schemas.microsoft.com/office/drawing/2014/main" id="{04D89BAB-6EC5-E252-8FD6-1467694BB2B7}"/>
+                </a:ext>
+              </a:extLst>
+            </p:cNvPr>
+            <p:cNvGrpSpPr/>
+            <p:nvPr/>
+          </p:nvGrpSpPr>
+          <p:grpSpPr>
+            <a:xfrm>
+              <a:off x="4256945" y="2565000"/>
+              <a:ext cx="1117039" cy="875641"/>
+              <a:chOff x="4256945" y="2565000"/>
+              <a:chExt cx="1117039" cy="875641"/>
+            </a:xfrm>
+          </p:grpSpPr>
+          <p:sp>
+            <p:nvSpPr>
+              <p:cNvPr id="10" name="Rectangle 9">
+                <a:extLst>
+                  <a:ext uri="{FF2B5EF4-FFF2-40B4-BE49-F238E27FC236}">
+                    <a16:creationId xmlns:a16="http://schemas.microsoft.com/office/drawing/2014/main" id="{A6E2F289-53C6-A542-8D97-5715970BE29D}"/>
+                  </a:ext>
+                </a:extLst>
+              </p:cNvPr>
+              <p:cNvSpPr>
+                <a:spLocks noChangeAspect="1"/>
+              </p:cNvSpPr>
+              <p:nvPr/>
+            </p:nvSpPr>
+            <p:spPr>
+              <a:xfrm>
+                <a:off x="4272407" y="2565000"/>
+                <a:ext cx="1080000" cy="864000"/>
+              </a:xfrm>
+              <a:prstGeom prst="rect">
+                <a:avLst/>
+              </a:prstGeom>
+              <a:noFill/>
+              <a:ln w="31750">
+                <a:solidFill>
+                  <a:schemeClr val="accent1">
+                    <a:shade val="15000"/>
+                  </a:schemeClr>
+                </a:solidFill>
+              </a:ln>
+            </p:spPr>
+            <p:style>
+              <a:lnRef idx="2">
+                <a:schemeClr val="accent1">
+                  <a:shade val="15000"/>
+                </a:schemeClr>
+              </a:lnRef>
+              <a:fillRef idx="1">
+                <a:schemeClr val="accent1"/>
+              </a:fillRef>
+              <a:effectRef idx="0">
+                <a:schemeClr val="accent1"/>
+              </a:effectRef>
+              <a:fontRef idx="minor">
+                <a:schemeClr val="lt1"/>
+              </a:fontRef>
+            </p:style>
+            <p:txBody>
+              <a:bodyPr rtlCol="0" anchor="ctr"/>
+              <a:lstStyle/>
+              <a:p>
+                <a:pPr algn="ctr"/>
+                <a:endParaRPr lang="en-US"/>
+              </a:p>
+            </p:txBody>
+          </p:sp>
+          <p:cxnSp>
+            <p:nvCxnSpPr>
+              <p:cNvPr id="12" name="Straight Connector 11">
+                <a:extLst>
+                  <a:ext uri="{FF2B5EF4-FFF2-40B4-BE49-F238E27FC236}">
+                    <a16:creationId xmlns:a16="http://schemas.microsoft.com/office/drawing/2014/main" id="{FD6D5156-7AA4-86E9-6039-979B2047D4D6}"/>
+                  </a:ext>
+                </a:extLst>
+              </p:cNvPr>
+              <p:cNvCxnSpPr>
+                <a:cxnSpLocks noChangeAspect="1"/>
+              </p:cNvCxnSpPr>
+              <p:nvPr/>
+            </p:nvCxnSpPr>
+            <p:spPr>
+              <a:xfrm flipH="1">
+                <a:off x="4272406" y="2565000"/>
+                <a:ext cx="360000" cy="360000"/>
+              </a:xfrm>
+              <a:prstGeom prst="line">
+                <a:avLst/>
+              </a:prstGeom>
+              <a:ln w="25400">
+                <a:solidFill>
+                  <a:schemeClr val="tx1"/>
+                </a:solidFill>
+              </a:ln>
+            </p:spPr>
+            <p:style>
+              <a:lnRef idx="2">
+                <a:schemeClr val="accent1"/>
+              </a:lnRef>
+              <a:fillRef idx="0">
+                <a:schemeClr val="accent1"/>
+              </a:fillRef>
+              <a:effectRef idx="1">
+                <a:schemeClr val="accent1"/>
+              </a:effectRef>
+              <a:fontRef idx="minor">
+                <a:schemeClr val="tx1"/>
+              </a:fontRef>
+            </p:style>
+          </p:cxnSp>
+          <p:cxnSp>
+            <p:nvCxnSpPr>
+              <p:cNvPr id="13" name="Straight Connector 12">
+                <a:extLst>
+                  <a:ext uri="{FF2B5EF4-FFF2-40B4-BE49-F238E27FC236}">
+                    <a16:creationId xmlns:a16="http://schemas.microsoft.com/office/drawing/2014/main" id="{3ABE4180-F1E6-21F2-EDBA-6D4EFC45DDB8}"/>
+                  </a:ext>
+                </a:extLst>
+              </p:cNvPr>
+              <p:cNvCxnSpPr>
+                <a:cxnSpLocks noChangeAspect="1"/>
+              </p:cNvCxnSpPr>
+              <p:nvPr/>
+            </p:nvCxnSpPr>
+            <p:spPr>
+              <a:xfrm flipH="1">
+                <a:off x="4260813" y="2565000"/>
+                <a:ext cx="504000" cy="504000"/>
+              </a:xfrm>
+              <a:prstGeom prst="line">
+                <a:avLst/>
+              </a:prstGeom>
+              <a:ln w="25400">
+                <a:solidFill>
+                  <a:schemeClr val="tx1"/>
+                </a:solidFill>
+              </a:ln>
+            </p:spPr>
+            <p:style>
+              <a:lnRef idx="2">
+                <a:schemeClr val="accent1"/>
+              </a:lnRef>
+              <a:fillRef idx="0">
+                <a:schemeClr val="accent1"/>
+              </a:fillRef>
+              <a:effectRef idx="1">
+                <a:schemeClr val="accent1"/>
+              </a:effectRef>
+              <a:fontRef idx="minor">
+                <a:schemeClr val="tx1"/>
+              </a:fontRef>
+            </p:style>
+          </p:cxnSp>
+          <p:cxnSp>
+            <p:nvCxnSpPr>
+              <p:cNvPr id="14" name="Straight Connector 13">
+                <a:extLst>
+                  <a:ext uri="{FF2B5EF4-FFF2-40B4-BE49-F238E27FC236}">
+                    <a16:creationId xmlns:a16="http://schemas.microsoft.com/office/drawing/2014/main" id="{32DAC532-8003-FB23-01D2-BD35452B17E6}"/>
+                  </a:ext>
+                </a:extLst>
+              </p:cNvPr>
+              <p:cNvCxnSpPr>
+                <a:cxnSpLocks noChangeAspect="1"/>
+              </p:cNvCxnSpPr>
+              <p:nvPr/>
+            </p:nvCxnSpPr>
+            <p:spPr>
+              <a:xfrm flipH="1">
+                <a:off x="4260812" y="2565000"/>
+                <a:ext cx="251999" cy="251999"/>
+              </a:xfrm>
+              <a:prstGeom prst="line">
+                <a:avLst/>
+              </a:prstGeom>
+              <a:ln w="25400">
+                <a:solidFill>
+                  <a:schemeClr val="tx1"/>
+                </a:solidFill>
+              </a:ln>
+            </p:spPr>
+            <p:style>
+              <a:lnRef idx="2">
+                <a:schemeClr val="accent1"/>
+              </a:lnRef>
+              <a:fillRef idx="0">
+                <a:schemeClr val="accent1"/>
+              </a:fillRef>
+              <a:effectRef idx="1">
+                <a:schemeClr val="accent1"/>
+              </a:effectRef>
+              <a:fontRef idx="minor">
+                <a:schemeClr val="tx1"/>
+              </a:fontRef>
+            </p:style>
+          </p:cxnSp>
+          <p:cxnSp>
+            <p:nvCxnSpPr>
+              <p:cNvPr id="15" name="Straight Connector 14">
+                <a:extLst>
+                  <a:ext uri="{FF2B5EF4-FFF2-40B4-BE49-F238E27FC236}">
+                    <a16:creationId xmlns:a16="http://schemas.microsoft.com/office/drawing/2014/main" id="{8994D43C-759D-C917-8F50-4BA64810A2CB}"/>
+                  </a:ext>
+                </a:extLst>
+              </p:cNvPr>
+              <p:cNvCxnSpPr>
+                <a:cxnSpLocks noChangeAspect="1"/>
+              </p:cNvCxnSpPr>
+              <p:nvPr/>
+            </p:nvCxnSpPr>
+            <p:spPr>
+              <a:xfrm flipH="1">
+                <a:off x="4256945" y="2581921"/>
+                <a:ext cx="648000" cy="648000"/>
+              </a:xfrm>
+              <a:prstGeom prst="line">
+                <a:avLst/>
+              </a:prstGeom>
+              <a:ln w="25400">
+                <a:solidFill>
+                  <a:schemeClr val="tx1"/>
+                </a:solidFill>
+              </a:ln>
+            </p:spPr>
+            <p:style>
+              <a:lnRef idx="2">
+                <a:schemeClr val="accent1"/>
+              </a:lnRef>
+              <a:fillRef idx="0">
+                <a:schemeClr val="accent1"/>
+              </a:fillRef>
+              <a:effectRef idx="1">
+                <a:schemeClr val="accent1"/>
+              </a:effectRef>
+              <a:fontRef idx="minor">
+                <a:schemeClr val="tx1"/>
+              </a:fontRef>
+            </p:style>
+          </p:cxnSp>
+          <p:cxnSp>
+            <p:nvCxnSpPr>
+              <p:cNvPr id="16" name="Straight Connector 15">
+                <a:extLst>
+                  <a:ext uri="{FF2B5EF4-FFF2-40B4-BE49-F238E27FC236}">
+                    <a16:creationId xmlns:a16="http://schemas.microsoft.com/office/drawing/2014/main" id="{BC2FF689-89F7-A87B-11E0-991E119E7283}"/>
+                  </a:ext>
+                </a:extLst>
+              </p:cNvPr>
+              <p:cNvCxnSpPr>
+                <a:cxnSpLocks noChangeAspect="1"/>
+              </p:cNvCxnSpPr>
+              <p:nvPr/>
+            </p:nvCxnSpPr>
+            <p:spPr>
+              <a:xfrm flipH="1">
+                <a:off x="4272405" y="2581921"/>
+                <a:ext cx="756000" cy="756000"/>
+              </a:xfrm>
+              <a:prstGeom prst="line">
+                <a:avLst/>
+              </a:prstGeom>
+              <a:ln w="25400">
+                <a:solidFill>
+                  <a:schemeClr val="tx1"/>
+                </a:solidFill>
+              </a:ln>
+            </p:spPr>
+            <p:style>
+              <a:lnRef idx="2">
+                <a:schemeClr val="accent1"/>
+              </a:lnRef>
+              <a:fillRef idx="0">
+                <a:schemeClr val="accent1"/>
+              </a:fillRef>
+              <a:effectRef idx="1">
+                <a:schemeClr val="accent1"/>
+              </a:effectRef>
+              <a:fontRef idx="minor">
+                <a:schemeClr val="tx1"/>
+              </a:fontRef>
+            </p:style>
+          </p:cxnSp>
+          <p:cxnSp>
+            <p:nvCxnSpPr>
+              <p:cNvPr id="17" name="Straight Connector 16">
+                <a:extLst>
+                  <a:ext uri="{FF2B5EF4-FFF2-40B4-BE49-F238E27FC236}">
+                    <a16:creationId xmlns:a16="http://schemas.microsoft.com/office/drawing/2014/main" id="{9A089DD6-2F77-BF33-38B5-75F8068A6A32}"/>
+                  </a:ext>
+                </a:extLst>
+              </p:cNvPr>
+              <p:cNvCxnSpPr>
+                <a:cxnSpLocks noChangeAspect="1"/>
+              </p:cNvCxnSpPr>
+              <p:nvPr/>
+            </p:nvCxnSpPr>
+            <p:spPr>
+              <a:xfrm flipH="1">
+                <a:off x="4323148" y="2581921"/>
+                <a:ext cx="827999" cy="827999"/>
+              </a:xfrm>
+              <a:prstGeom prst="line">
+                <a:avLst/>
+              </a:prstGeom>
+              <a:ln w="25400">
+                <a:solidFill>
+                  <a:schemeClr val="tx1"/>
+                </a:solidFill>
+              </a:ln>
+            </p:spPr>
+            <p:style>
+              <a:lnRef idx="2">
+                <a:schemeClr val="accent1"/>
+              </a:lnRef>
+              <a:fillRef idx="0">
+                <a:schemeClr val="accent1"/>
+              </a:fillRef>
+              <a:effectRef idx="1">
+                <a:schemeClr val="accent1"/>
+              </a:effectRef>
+              <a:fontRef idx="minor">
+                <a:schemeClr val="tx1"/>
+              </a:fontRef>
+            </p:style>
+          </p:cxnSp>
+          <p:cxnSp>
+            <p:nvCxnSpPr>
+              <p:cNvPr id="18" name="Straight Connector 17">
+                <a:extLst>
+                  <a:ext uri="{FF2B5EF4-FFF2-40B4-BE49-F238E27FC236}">
+                    <a16:creationId xmlns:a16="http://schemas.microsoft.com/office/drawing/2014/main" id="{311F29C9-777B-42A6-3640-45EDDC42A4E3}"/>
+                  </a:ext>
+                </a:extLst>
+              </p:cNvPr>
+              <p:cNvCxnSpPr>
+                <a:cxnSpLocks noChangeAspect="1"/>
+              </p:cNvCxnSpPr>
+              <p:nvPr/>
+            </p:nvCxnSpPr>
+            <p:spPr>
+              <a:xfrm flipH="1">
+                <a:off x="4440626" y="2565000"/>
+                <a:ext cx="864000" cy="864000"/>
+              </a:xfrm>
+              <a:prstGeom prst="line">
+                <a:avLst/>
+              </a:prstGeom>
+              <a:ln w="25400">
+                <a:solidFill>
+                  <a:schemeClr val="tx1"/>
+                </a:solidFill>
+              </a:ln>
+            </p:spPr>
+            <p:style>
+              <a:lnRef idx="2">
+                <a:schemeClr val="accent1"/>
+              </a:lnRef>
+              <a:fillRef idx="0">
+                <a:schemeClr val="accent1"/>
+              </a:fillRef>
+              <a:effectRef idx="1">
+                <a:schemeClr val="accent1"/>
+              </a:effectRef>
+              <a:fontRef idx="minor">
+                <a:schemeClr val="tx1"/>
+              </a:fontRef>
+            </p:style>
+          </p:cxnSp>
+          <p:cxnSp>
+            <p:nvCxnSpPr>
+              <p:cNvPr id="19" name="Straight Connector 18">
+                <a:extLst>
+                  <a:ext uri="{FF2B5EF4-FFF2-40B4-BE49-F238E27FC236}">
+                    <a16:creationId xmlns:a16="http://schemas.microsoft.com/office/drawing/2014/main" id="{25B0471C-F3C4-4B7B-7330-8F776407E14D}"/>
+                  </a:ext>
+                </a:extLst>
+              </p:cNvPr>
+              <p:cNvCxnSpPr>
+                <a:cxnSpLocks noChangeAspect="1"/>
+              </p:cNvCxnSpPr>
+              <p:nvPr/>
+            </p:nvCxnSpPr>
+            <p:spPr>
+              <a:xfrm flipH="1">
+                <a:off x="4556726" y="2636748"/>
+                <a:ext cx="792000" cy="792000"/>
+              </a:xfrm>
+              <a:prstGeom prst="line">
+                <a:avLst/>
+              </a:prstGeom>
+              <a:ln w="25400">
+                <a:solidFill>
+                  <a:schemeClr val="tx1"/>
+                </a:solidFill>
+              </a:ln>
+            </p:spPr>
+            <p:style>
+              <a:lnRef idx="2">
+                <a:schemeClr val="accent1"/>
+              </a:lnRef>
+              <a:fillRef idx="0">
+                <a:schemeClr val="accent1"/>
+              </a:fillRef>
+              <a:effectRef idx="1">
+                <a:schemeClr val="accent1"/>
+              </a:effectRef>
+              <a:fontRef idx="minor">
+                <a:schemeClr val="tx1"/>
+              </a:fontRef>
+            </p:style>
+          </p:cxnSp>
+          <p:cxnSp>
+            <p:nvCxnSpPr>
+              <p:cNvPr id="20" name="Straight Connector 19">
+                <a:extLst>
+                  <a:ext uri="{FF2B5EF4-FFF2-40B4-BE49-F238E27FC236}">
+                    <a16:creationId xmlns:a16="http://schemas.microsoft.com/office/drawing/2014/main" id="{B201E156-AB25-E4E9-E6C3-9933A4082587}"/>
+                  </a:ext>
+                </a:extLst>
+              </p:cNvPr>
+              <p:cNvCxnSpPr>
+                <a:cxnSpLocks noChangeAspect="1"/>
+              </p:cNvCxnSpPr>
+              <p:nvPr/>
+            </p:nvCxnSpPr>
+            <p:spPr>
+              <a:xfrm flipH="1">
+                <a:off x="4646988" y="2719561"/>
+                <a:ext cx="720000" cy="720000"/>
+              </a:xfrm>
+              <a:prstGeom prst="line">
+                <a:avLst/>
+              </a:prstGeom>
+              <a:ln w="25400">
+                <a:solidFill>
+                  <a:schemeClr val="tx1"/>
+                </a:solidFill>
+              </a:ln>
+            </p:spPr>
+            <p:style>
+              <a:lnRef idx="2">
+                <a:schemeClr val="accent1"/>
+              </a:lnRef>
+              <a:fillRef idx="0">
+                <a:schemeClr val="accent1"/>
+              </a:fillRef>
+              <a:effectRef idx="1">
+                <a:schemeClr val="accent1"/>
+              </a:effectRef>
+              <a:fontRef idx="minor">
+                <a:schemeClr val="tx1"/>
+              </a:fontRef>
+            </p:style>
+          </p:cxnSp>
+          <p:cxnSp>
+            <p:nvCxnSpPr>
+              <p:cNvPr id="21" name="Straight Connector 20">
+                <a:extLst>
+                  <a:ext uri="{FF2B5EF4-FFF2-40B4-BE49-F238E27FC236}">
+                    <a16:creationId xmlns:a16="http://schemas.microsoft.com/office/drawing/2014/main" id="{B43558B9-2C53-3EA4-0B09-63D424529BEF}"/>
+                  </a:ext>
+                </a:extLst>
+              </p:cNvPr>
+              <p:cNvCxnSpPr>
+                <a:cxnSpLocks noChangeAspect="1"/>
+              </p:cNvCxnSpPr>
+              <p:nvPr/>
+            </p:nvCxnSpPr>
+            <p:spPr>
+              <a:xfrm flipH="1">
+                <a:off x="4761825" y="2861449"/>
+                <a:ext cx="576000" cy="576000"/>
+              </a:xfrm>
+              <a:prstGeom prst="line">
+                <a:avLst/>
+              </a:prstGeom>
+              <a:ln w="25400">
+                <a:solidFill>
+                  <a:schemeClr val="tx1"/>
+                </a:solidFill>
+              </a:ln>
+            </p:spPr>
+            <p:style>
+              <a:lnRef idx="2">
+                <a:schemeClr val="accent1"/>
+              </a:lnRef>
+              <a:fillRef idx="0">
+                <a:schemeClr val="accent1"/>
+              </a:fillRef>
+              <a:effectRef idx="1">
+                <a:schemeClr val="accent1"/>
+              </a:effectRef>
+              <a:fontRef idx="minor">
+                <a:schemeClr val="tx1"/>
+              </a:fontRef>
+            </p:style>
+          </p:cxnSp>
+          <p:cxnSp>
+            <p:nvCxnSpPr>
+              <p:cNvPr id="22" name="Straight Connector 21">
+                <a:extLst>
+                  <a:ext uri="{FF2B5EF4-FFF2-40B4-BE49-F238E27FC236}">
+                    <a16:creationId xmlns:a16="http://schemas.microsoft.com/office/drawing/2014/main" id="{68BCB1BA-1519-12AF-C681-D32F40D09736}"/>
+                  </a:ext>
+                </a:extLst>
+              </p:cNvPr>
+              <p:cNvCxnSpPr>
+                <a:cxnSpLocks noChangeAspect="1"/>
+              </p:cNvCxnSpPr>
+              <p:nvPr/>
+            </p:nvCxnSpPr>
+            <p:spPr>
+              <a:xfrm flipH="1">
+                <a:off x="4871858" y="2952414"/>
+                <a:ext cx="486000" cy="486000"/>
+              </a:xfrm>
+              <a:prstGeom prst="line">
+                <a:avLst/>
+              </a:prstGeom>
+              <a:ln w="25400">
+                <a:solidFill>
+                  <a:schemeClr val="tx1"/>
+                </a:solidFill>
+              </a:ln>
+            </p:spPr>
+            <p:style>
+              <a:lnRef idx="2">
+                <a:schemeClr val="accent1"/>
+              </a:lnRef>
+              <a:fillRef idx="0">
+                <a:schemeClr val="accent1"/>
+              </a:fillRef>
+              <a:effectRef idx="1">
+                <a:schemeClr val="accent1"/>
+              </a:effectRef>
+              <a:fontRef idx="minor">
+                <a:schemeClr val="tx1"/>
+              </a:fontRef>
+            </p:style>
+          </p:cxnSp>
+          <p:cxnSp>
+            <p:nvCxnSpPr>
+              <p:cNvPr id="23" name="Straight Connector 22">
+                <a:extLst>
+                  <a:ext uri="{FF2B5EF4-FFF2-40B4-BE49-F238E27FC236}">
+                    <a16:creationId xmlns:a16="http://schemas.microsoft.com/office/drawing/2014/main" id="{C189FCE8-4B46-3EF2-3733-95A78CBBC742}"/>
+                  </a:ext>
+                </a:extLst>
+              </p:cNvPr>
+              <p:cNvCxnSpPr>
+                <a:cxnSpLocks noChangeAspect="1"/>
+              </p:cNvCxnSpPr>
+              <p:nvPr/>
+            </p:nvCxnSpPr>
+            <p:spPr>
+              <a:xfrm flipH="1">
+                <a:off x="4974404" y="3038281"/>
+                <a:ext cx="396000" cy="396000"/>
+              </a:xfrm>
+              <a:prstGeom prst="line">
+                <a:avLst/>
+              </a:prstGeom>
+              <a:ln w="25400">
+                <a:solidFill>
+                  <a:schemeClr val="tx1"/>
+                </a:solidFill>
+              </a:ln>
+            </p:spPr>
+            <p:style>
+              <a:lnRef idx="2">
+                <a:schemeClr val="accent1"/>
+              </a:lnRef>
+              <a:fillRef idx="0">
+                <a:schemeClr val="accent1"/>
+              </a:fillRef>
+              <a:effectRef idx="1">
+                <a:schemeClr val="accent1"/>
+              </a:effectRef>
+              <a:fontRef idx="minor">
+                <a:schemeClr val="tx1"/>
+              </a:fontRef>
+            </p:style>
+          </p:cxnSp>
+          <p:cxnSp>
+            <p:nvCxnSpPr>
+              <p:cNvPr id="24" name="Straight Connector 23">
+                <a:extLst>
+                  <a:ext uri="{FF2B5EF4-FFF2-40B4-BE49-F238E27FC236}">
+                    <a16:creationId xmlns:a16="http://schemas.microsoft.com/office/drawing/2014/main" id="{B3CE627D-EF47-F697-01E5-BA2D19BAE8C1}"/>
+                  </a:ext>
+                </a:extLst>
+              </p:cNvPr>
+              <p:cNvCxnSpPr>
+                <a:cxnSpLocks noChangeAspect="1"/>
+              </p:cNvCxnSpPr>
+              <p:nvPr/>
+            </p:nvCxnSpPr>
+            <p:spPr>
+              <a:xfrm flipH="1">
+                <a:off x="5071698" y="3138841"/>
+                <a:ext cx="288000" cy="288000"/>
+              </a:xfrm>
+              <a:prstGeom prst="line">
+                <a:avLst/>
+              </a:prstGeom>
+              <a:ln w="25400">
+                <a:solidFill>
+                  <a:schemeClr val="tx1"/>
+                </a:solidFill>
+              </a:ln>
+            </p:spPr>
+            <p:style>
+              <a:lnRef idx="2">
+                <a:schemeClr val="accent1"/>
+              </a:lnRef>
+              <a:fillRef idx="0">
+                <a:schemeClr val="accent1"/>
+              </a:fillRef>
+              <a:effectRef idx="1">
+                <a:schemeClr val="accent1"/>
+              </a:effectRef>
+              <a:fontRef idx="minor">
+                <a:schemeClr val="tx1"/>
+              </a:fontRef>
+            </p:style>
+          </p:cxnSp>
+          <p:cxnSp>
+            <p:nvCxnSpPr>
+              <p:cNvPr id="25" name="Straight Connector 24">
+                <a:extLst>
+                  <a:ext uri="{FF2B5EF4-FFF2-40B4-BE49-F238E27FC236}">
+                    <a16:creationId xmlns:a16="http://schemas.microsoft.com/office/drawing/2014/main" id="{552920CF-1991-06E5-9E59-0D304F1FAFB2}"/>
+                  </a:ext>
+                </a:extLst>
+              </p:cNvPr>
+              <p:cNvCxnSpPr>
+                <a:cxnSpLocks noChangeAspect="1"/>
+              </p:cNvCxnSpPr>
+              <p:nvPr/>
+            </p:nvCxnSpPr>
+            <p:spPr>
+              <a:xfrm flipH="1">
+                <a:off x="5157984" y="3224641"/>
+                <a:ext cx="216000" cy="216000"/>
+              </a:xfrm>
+              <a:prstGeom prst="line">
+                <a:avLst/>
+              </a:prstGeom>
+              <a:ln w="25400">
+                <a:solidFill>
+                  <a:schemeClr val="tx1"/>
+                </a:solidFill>
+              </a:ln>
+            </p:spPr>
+            <p:style>
+              <a:lnRef idx="2">
+                <a:schemeClr val="accent1"/>
+              </a:lnRef>
+              <a:fillRef idx="0">
+                <a:schemeClr val="accent1"/>
+              </a:fillRef>
+              <a:effectRef idx="1">
+                <a:schemeClr val="accent1"/>
+              </a:effectRef>
+              <a:fontRef idx="minor">
+                <a:schemeClr val="tx1"/>
+              </a:fontRef>
+            </p:style>
+          </p:cxnSp>
+        </p:grpSp>
+      </p:grpSp>
+    </p:spTree>
+    <p:extLst>
+      <p:ext uri="{BB962C8B-B14F-4D97-AF65-F5344CB8AC3E}">
+        <p14:creationId xmlns:p14="http://schemas.microsoft.com/office/powerpoint/2010/main" val="4078713004"/>
       </p:ext>
     </p:extLst>
   </p:cSld>

--- a/Teacher/选修3-1/pictures/pictures.pptx
+++ b/Teacher/选修3-1/pictures/pictures.pptx
@@ -268,7 +268,7 @@
           <a:p>
             <a:fld id="{D02A42A2-4E5D-294D-8B4F-940B3377311C}" type="datetimeFigureOut">
               <a:rPr lang="en-US" smtClean="0"/>
-              <a:t>6/14/24</a:t>
+              <a:t>6/22/24</a:t>
             </a:fld>
             <a:endParaRPr lang="en-US"/>
           </a:p>
@@ -466,7 +466,7 @@
           <a:p>
             <a:fld id="{D02A42A2-4E5D-294D-8B4F-940B3377311C}" type="datetimeFigureOut">
               <a:rPr lang="en-US" smtClean="0"/>
-              <a:t>6/14/24</a:t>
+              <a:t>6/22/24</a:t>
             </a:fld>
             <a:endParaRPr lang="en-US"/>
           </a:p>
@@ -674,7 +674,7 @@
           <a:p>
             <a:fld id="{D02A42A2-4E5D-294D-8B4F-940B3377311C}" type="datetimeFigureOut">
               <a:rPr lang="en-US" smtClean="0"/>
-              <a:t>6/14/24</a:t>
+              <a:t>6/22/24</a:t>
             </a:fld>
             <a:endParaRPr lang="en-US"/>
           </a:p>
@@ -872,7 +872,7 @@
           <a:p>
             <a:fld id="{D02A42A2-4E5D-294D-8B4F-940B3377311C}" type="datetimeFigureOut">
               <a:rPr lang="en-US" smtClean="0"/>
-              <a:t>6/14/24</a:t>
+              <a:t>6/22/24</a:t>
             </a:fld>
             <a:endParaRPr lang="en-US"/>
           </a:p>
@@ -1147,7 +1147,7 @@
           <a:p>
             <a:fld id="{D02A42A2-4E5D-294D-8B4F-940B3377311C}" type="datetimeFigureOut">
               <a:rPr lang="en-US" smtClean="0"/>
-              <a:t>6/14/24</a:t>
+              <a:t>6/22/24</a:t>
             </a:fld>
             <a:endParaRPr lang="en-US"/>
           </a:p>
@@ -1412,7 +1412,7 @@
           <a:p>
             <a:fld id="{D02A42A2-4E5D-294D-8B4F-940B3377311C}" type="datetimeFigureOut">
               <a:rPr lang="en-US" smtClean="0"/>
-              <a:t>6/14/24</a:t>
+              <a:t>6/22/24</a:t>
             </a:fld>
             <a:endParaRPr lang="en-US"/>
           </a:p>
@@ -1824,7 +1824,7 @@
           <a:p>
             <a:fld id="{D02A42A2-4E5D-294D-8B4F-940B3377311C}" type="datetimeFigureOut">
               <a:rPr lang="en-US" smtClean="0"/>
-              <a:t>6/14/24</a:t>
+              <a:t>6/22/24</a:t>
             </a:fld>
             <a:endParaRPr lang="en-US"/>
           </a:p>
@@ -1965,7 +1965,7 @@
           <a:p>
             <a:fld id="{D02A42A2-4E5D-294D-8B4F-940B3377311C}" type="datetimeFigureOut">
               <a:rPr lang="en-US" smtClean="0"/>
-              <a:t>6/14/24</a:t>
+              <a:t>6/22/24</a:t>
             </a:fld>
             <a:endParaRPr lang="en-US"/>
           </a:p>
@@ -2078,7 +2078,7 @@
           <a:p>
             <a:fld id="{D02A42A2-4E5D-294D-8B4F-940B3377311C}" type="datetimeFigureOut">
               <a:rPr lang="en-US" smtClean="0"/>
-              <a:t>6/14/24</a:t>
+              <a:t>6/22/24</a:t>
             </a:fld>
             <a:endParaRPr lang="en-US"/>
           </a:p>
@@ -2389,7 +2389,7 @@
           <a:p>
             <a:fld id="{D02A42A2-4E5D-294D-8B4F-940B3377311C}" type="datetimeFigureOut">
               <a:rPr lang="en-US" smtClean="0"/>
-              <a:t>6/14/24</a:t>
+              <a:t>6/22/24</a:t>
             </a:fld>
             <a:endParaRPr lang="en-US"/>
           </a:p>
@@ -2677,7 +2677,7 @@
           <a:p>
             <a:fld id="{D02A42A2-4E5D-294D-8B4F-940B3377311C}" type="datetimeFigureOut">
               <a:rPr lang="en-US" smtClean="0"/>
-              <a:t>6/14/24</a:t>
+              <a:t>6/22/24</a:t>
             </a:fld>
             <a:endParaRPr lang="en-US"/>
           </a:p>
@@ -2918,7 +2918,7 @@
           <a:p>
             <a:fld id="{D02A42A2-4E5D-294D-8B4F-940B3377311C}" type="datetimeFigureOut">
               <a:rPr lang="en-US" smtClean="0"/>
-              <a:t>6/14/24</a:t>
+              <a:t>6/22/24</a:t>
             </a:fld>
             <a:endParaRPr lang="en-US"/>
           </a:p>
@@ -6297,8 +6297,8 @@
           </p:sp>
         </mc:Fallback>
       </mc:AlternateContent>
-      <mc:AlternateContent xmlns:mc="http://schemas.openxmlformats.org/markup-compatibility/2006" xmlns:a14="http://schemas.microsoft.com/office/drawing/2010/main">
-        <mc:Choice Requires="a14">
+      <mc:AlternateContent xmlns:mc="http://schemas.openxmlformats.org/markup-compatibility/2006">
+        <mc:Choice xmlns:a14="http://schemas.microsoft.com/office/drawing/2010/main" Requires="a14">
           <p:sp>
             <p:nvSpPr>
               <p:cNvPr id="8" name="Rounded Rectangle 7">
@@ -6386,7 +6386,7 @@
                         <a:rPr lang="en-US" sz="2000" b="0" i="1" smtClean="0">
                           <a:latin typeface="Cambria Math" panose="02040503050406030204" pitchFamily="18" charset="0"/>
                         </a:rPr>
-                        <m:t>&gt;</m:t>
+                        <m:t>&lt;</m:t>
                       </m:r>
                       <m:sSub>
                         <m:sSubPr>
@@ -6421,7 +6421,7 @@
             </p:txBody>
           </p:sp>
         </mc:Choice>
-        <mc:Fallback xmlns="">
+        <mc:Fallback>
           <p:sp>
             <p:nvSpPr>
               <p:cNvPr id="8" name="Rounded Rectangle 7">
@@ -9323,8 +9323,8 @@
           </p:sp>
         </mc:Fallback>
       </mc:AlternateContent>
-      <mc:AlternateContent xmlns:mc="http://schemas.openxmlformats.org/markup-compatibility/2006" xmlns:a14="http://schemas.microsoft.com/office/drawing/2010/main">
-        <mc:Choice Requires="a14">
+      <mc:AlternateContent xmlns:mc="http://schemas.openxmlformats.org/markup-compatibility/2006">
+        <mc:Choice xmlns:a14="http://schemas.microsoft.com/office/drawing/2010/main" Requires="a14">
           <p:sp>
             <p:nvSpPr>
               <p:cNvPr id="8" name="Rounded Rectangle 7">
@@ -9412,7 +9412,7 @@
                         <a:rPr lang="en-US" sz="2000" b="0" i="1" smtClean="0">
                           <a:latin typeface="Cambria Math" panose="02040503050406030204" pitchFamily="18" charset="0"/>
                         </a:rPr>
-                        <m:t>&gt;</m:t>
+                        <m:t>&lt;</m:t>
                       </m:r>
                       <m:sSub>
                         <m:sSubPr>
@@ -9447,7 +9447,7 @@
             </p:txBody>
           </p:sp>
         </mc:Choice>
-        <mc:Fallback xmlns="">
+        <mc:Fallback>
           <p:sp>
             <p:nvSpPr>
               <p:cNvPr id="8" name="Rounded Rectangle 7">
@@ -12325,8 +12325,8 @@
             </p:sp>
           </mc:Fallback>
         </mc:AlternateContent>
-        <mc:AlternateContent xmlns:mc="http://schemas.openxmlformats.org/markup-compatibility/2006" xmlns:a14="http://schemas.microsoft.com/office/drawing/2010/main">
-          <mc:Choice Requires="a14">
+        <mc:AlternateContent xmlns:mc="http://schemas.openxmlformats.org/markup-compatibility/2006">
+          <mc:Choice xmlns:a14="http://schemas.microsoft.com/office/drawing/2010/main" Requires="a14">
             <p:sp>
               <p:nvSpPr>
                 <p:cNvPr id="8" name="Rounded Rectangle 7">
@@ -12414,7 +12414,7 @@
                           <a:rPr lang="en-US" sz="2000" b="0" i="1" smtClean="0">
                             <a:latin typeface="Cambria Math" panose="02040503050406030204" pitchFamily="18" charset="0"/>
                           </a:rPr>
-                          <m:t>&gt;</m:t>
+                          <m:t>&lt;</m:t>
                         </m:r>
                         <m:sSub>
                           <m:sSubPr>
@@ -12449,7 +12449,7 @@
               </p:txBody>
             </p:sp>
           </mc:Choice>
-          <mc:Fallback xmlns="">
+          <mc:Fallback>
             <p:sp>
               <p:nvSpPr>
                 <p:cNvPr id="8" name="Rounded Rectangle 7">
@@ -15347,8 +15347,8 @@
               </p:sp>
             </mc:Fallback>
           </mc:AlternateContent>
-          <mc:AlternateContent xmlns:mc="http://schemas.openxmlformats.org/markup-compatibility/2006" xmlns:a14="http://schemas.microsoft.com/office/drawing/2010/main">
-            <mc:Choice Requires="a14">
+          <mc:AlternateContent xmlns:mc="http://schemas.openxmlformats.org/markup-compatibility/2006">
+            <mc:Choice xmlns:a14="http://schemas.microsoft.com/office/drawing/2010/main" Requires="a14">
               <p:sp>
                 <p:nvSpPr>
                   <p:cNvPr id="8" name="Rounded Rectangle 7">
@@ -15436,7 +15436,7 @@
                             <a:rPr lang="en-US" sz="2000" b="0" i="1" smtClean="0">
                               <a:latin typeface="Cambria Math" panose="02040503050406030204" pitchFamily="18" charset="0"/>
                             </a:rPr>
-                            <m:t>&gt;</m:t>
+                            <m:t>&lt;</m:t>
                           </m:r>
                           <m:sSub>
                             <m:sSubPr>
@@ -15471,7 +15471,7 @@
                 </p:txBody>
               </p:sp>
             </mc:Choice>
-            <mc:Fallback xmlns="">
+            <mc:Fallback>
               <p:sp>
                 <p:nvSpPr>
                   <p:cNvPr id="8" name="Rounded Rectangle 7">
@@ -17864,10 +17864,10 @@
         </p:nvGrpSpPr>
         <p:grpSpPr>
           <a:xfrm>
-            <a:off x="3171656" y="2500321"/>
-            <a:ext cx="6709954" cy="2969082"/>
-            <a:chOff x="3171656" y="2500321"/>
-            <a:chExt cx="6709954" cy="2969082"/>
+            <a:off x="3171656" y="839959"/>
+            <a:ext cx="7422620" cy="4629442"/>
+            <a:chOff x="3171656" y="839959"/>
+            <a:chExt cx="7422620" cy="4629442"/>
           </a:xfrm>
         </p:grpSpPr>
         <p:grpSp>
@@ -17884,10 +17884,10 @@
           </p:nvGrpSpPr>
           <p:grpSpPr>
             <a:xfrm>
-              <a:off x="3171656" y="2500321"/>
-              <a:ext cx="6709954" cy="2969082"/>
-              <a:chOff x="3171656" y="2500321"/>
-              <a:chExt cx="6709954" cy="2969082"/>
+              <a:off x="3171656" y="839959"/>
+              <a:ext cx="7422620" cy="4629442"/>
+              <a:chOff x="3171656" y="839959"/>
+              <a:chExt cx="7422620" cy="4629442"/>
             </a:xfrm>
           </p:grpSpPr>
           <p:grpSp>
@@ -18032,8 +18032,8 @@
                 </p:sp>
               </mc:Fallback>
             </mc:AlternateContent>
-            <mc:AlternateContent xmlns:mc="http://schemas.openxmlformats.org/markup-compatibility/2006" xmlns:a14="http://schemas.microsoft.com/office/drawing/2010/main">
-              <mc:Choice Requires="a14">
+            <mc:AlternateContent xmlns:mc="http://schemas.openxmlformats.org/markup-compatibility/2006">
+              <mc:Choice xmlns:a14="http://schemas.microsoft.com/office/drawing/2010/main" Requires="a14">
                 <p:sp>
                   <p:nvSpPr>
                     <p:cNvPr id="6" name="Left Arrow Callout 5">
@@ -18099,16 +18099,16 @@
                           </m:oMathParaPr>
                           <m:oMath xmlns:m="http://schemas.openxmlformats.org/officeDocument/2006/math">
                             <m:r>
+                              <a:rPr lang="en-US" i="1">
+                                <a:latin typeface="Cambria Math" panose="02040503050406030204" pitchFamily="18" charset="0"/>
+                              </a:rPr>
+                              <m:t>末</m:t>
+                            </m:r>
+                            <m:r>
                               <a:rPr lang="en-US" i="1" smtClean="0">
                                 <a:latin typeface="Cambria Math" panose="02040503050406030204" pitchFamily="18" charset="0"/>
                               </a:rPr>
                               <m:t>状态</m:t>
-                            </m:r>
-                            <m:r>
-                              <a:rPr lang="en-US" b="0" i="1" smtClean="0">
-                                <a:latin typeface="Cambria Math" panose="02040503050406030204" pitchFamily="18" charset="0"/>
-                              </a:rPr>
-                              <m:t>𝐴</m:t>
                             </m:r>
                           </m:oMath>
                         </m:oMathPara>
@@ -18118,7 +18118,7 @@
                   </p:txBody>
                 </p:sp>
               </mc:Choice>
-              <mc:Fallback xmlns="">
+              <mc:Fallback>
                 <p:sp>
                   <p:nvSpPr>
                     <p:cNvPr id="6" name="Left Arrow Callout 5">
@@ -18186,14 +18186,14 @@
             </p:nvGrpSpPr>
             <p:grpSpPr>
               <a:xfrm>
-                <a:off x="8418570" y="2500321"/>
+                <a:off x="5364480" y="2500321"/>
                 <a:ext cx="1463040" cy="1477319"/>
-                <a:chOff x="8418570" y="2500321"/>
+                <a:chOff x="5364480" y="2500321"/>
                 <a:chExt cx="1463040" cy="1477319"/>
               </a:xfrm>
             </p:grpSpPr>
-            <mc:AlternateContent xmlns:mc="http://schemas.openxmlformats.org/markup-compatibility/2006" xmlns:a14="http://schemas.microsoft.com/office/drawing/2010/main">
-              <mc:Choice Requires="a14">
+            <mc:AlternateContent xmlns:mc="http://schemas.openxmlformats.org/markup-compatibility/2006">
+              <mc:Choice xmlns:a14="http://schemas.microsoft.com/office/drawing/2010/main" Requires="a14">
                 <p:sp>
                   <p:nvSpPr>
                     <p:cNvPr id="7" name="Rounded Rectangle 6">
@@ -18210,7 +18210,7 @@
                   </p:nvSpPr>
                   <p:spPr>
                     <a:xfrm>
-                      <a:off x="8418570" y="3429000"/>
+                      <a:off x="5364480" y="3429000"/>
                       <a:ext cx="1463040" cy="548640"/>
                     </a:xfrm>
                     <a:prstGeom prst="roundRect">
@@ -18266,7 +18266,7 @@
                   </p:txBody>
                 </p:sp>
               </mc:Choice>
-              <mc:Fallback xmlns="">
+              <mc:Fallback>
                 <p:sp>
                   <p:nvSpPr>
                     <p:cNvPr id="7" name="Rounded Rectangle 6">
@@ -18283,7 +18283,7 @@
                   </p:nvSpPr>
                   <p:spPr>
                     <a:xfrm>
-                      <a:off x="8418570" y="3429000"/>
+                      <a:off x="5364480" y="3429000"/>
                       <a:ext cx="1463040" cy="548640"/>
                     </a:xfrm>
                     <a:prstGeom prst="roundRect">
@@ -18314,8 +18314,8 @@
                 </p:sp>
               </mc:Fallback>
             </mc:AlternateContent>
-            <mc:AlternateContent xmlns:mc="http://schemas.openxmlformats.org/markup-compatibility/2006" xmlns:a14="http://schemas.microsoft.com/office/drawing/2010/main">
-              <mc:Choice Requires="a14">
+            <mc:AlternateContent xmlns:mc="http://schemas.openxmlformats.org/markup-compatibility/2006">
+              <mc:Choice xmlns:a14="http://schemas.microsoft.com/office/drawing/2010/main" Requires="a14">
                 <p:sp>
                   <p:nvSpPr>
                     <p:cNvPr id="8" name="Left Arrow Callout 7">
@@ -18331,8 +18331,8 @@
                     <p:nvPr/>
                   </p:nvSpPr>
                   <p:spPr>
-                    <a:xfrm rot="-5400000">
-                      <a:off x="8685750" y="2378018"/>
+                    <a:xfrm rot="16200000">
+                      <a:off x="5631660" y="2378018"/>
                       <a:ext cx="928679" cy="1173285"/>
                     </a:xfrm>
                     <a:prstGeom prst="leftArrowCallout">
@@ -18384,13 +18384,13 @@
                               <a:rPr lang="en-US" i="1" smtClean="0">
                                 <a:latin typeface="Cambria Math" panose="02040503050406030204" pitchFamily="18" charset="0"/>
                               </a:rPr>
-                              <m:t>状态</m:t>
+                              <m:t>初</m:t>
                             </m:r>
                             <m:r>
-                              <a:rPr lang="en-US" b="0" i="1" smtClean="0">
+                              <a:rPr lang="en-US" i="1" smtClean="0">
                                 <a:latin typeface="Cambria Math" panose="02040503050406030204" pitchFamily="18" charset="0"/>
                               </a:rPr>
-                              <m:t>𝐵</m:t>
+                              <m:t>状态</m:t>
                             </m:r>
                           </m:oMath>
                         </m:oMathPara>
@@ -18400,7 +18400,7 @@
                   </p:txBody>
                 </p:sp>
               </mc:Choice>
-              <mc:Fallback xmlns="">
+              <mc:Fallback>
                 <p:sp>
                   <p:nvSpPr>
                     <p:cNvPr id="8" name="Left Arrow Callout 7">
@@ -18416,8 +18416,8 @@
                     <p:nvPr/>
                   </p:nvSpPr>
                   <p:spPr>
-                    <a:xfrm rot="-5400000">
-                      <a:off x="8685750" y="2378018"/>
+                    <a:xfrm rot="16200000">
+                      <a:off x="5631660" y="2378018"/>
                       <a:ext cx="928679" cy="1173285"/>
                     </a:xfrm>
                     <a:prstGeom prst="leftArrowCallout">
@@ -18454,8 +18454,8 @@
               </mc:Fallback>
             </mc:AlternateContent>
           </p:grpSp>
-          <mc:AlternateContent xmlns:mc="http://schemas.openxmlformats.org/markup-compatibility/2006" xmlns:a14="http://schemas.microsoft.com/office/drawing/2010/main">
-            <mc:Choice Requires="a14">
+          <mc:AlternateContent xmlns:mc="http://schemas.openxmlformats.org/markup-compatibility/2006">
+            <mc:Choice xmlns:a14="http://schemas.microsoft.com/office/drawing/2010/main" Requires="a14">
               <p:sp>
                 <p:nvSpPr>
                   <p:cNvPr id="14" name="Left Arrow Callout 13">
@@ -18471,8 +18471,8 @@
                   <p:nvPr/>
                 </p:nvSpPr>
                 <p:spPr>
-                  <a:xfrm rot="21600000">
-                    <a:off x="4779573" y="3429000"/>
+                  <a:xfrm>
+                    <a:off x="6491901" y="839959"/>
                     <a:ext cx="1712330" cy="548640"/>
                   </a:xfrm>
                   <a:prstGeom prst="leftArrowCallout">
@@ -18540,7 +18540,7 @@
                 </p:txBody>
               </p:sp>
             </mc:Choice>
-            <mc:Fallback xmlns="">
+            <mc:Fallback>
               <p:sp>
                 <p:nvSpPr>
                   <p:cNvPr id="14" name="Left Arrow Callout 13">
@@ -18556,8 +18556,8 @@
                   <p:nvPr/>
                 </p:nvSpPr>
                 <p:spPr>
-                  <a:xfrm rot="21600000">
-                    <a:off x="4779573" y="3429000"/>
+                  <a:xfrm>
+                    <a:off x="6491901" y="839959"/>
                     <a:ext cx="1712330" cy="548640"/>
                   </a:xfrm>
                   <a:prstGeom prst="leftArrowCallout">
@@ -18607,7 +18607,7 @@
             </p:nvSpPr>
             <p:spPr>
               <a:xfrm>
-                <a:off x="6464253" y="3048960"/>
+                <a:off x="10301410" y="3048958"/>
                 <a:ext cx="292866" cy="2420443"/>
               </a:xfrm>
               <a:prstGeom prst="rightBracket">
@@ -18642,8 +18642,8 @@
               </a:p>
             </p:txBody>
           </p:sp>
-          <mc:AlternateContent xmlns:mc="http://schemas.openxmlformats.org/markup-compatibility/2006" xmlns:a14="http://schemas.microsoft.com/office/drawing/2010/main">
-            <mc:Choice Requires="a14">
+          <mc:AlternateContent xmlns:mc="http://schemas.openxmlformats.org/markup-compatibility/2006">
+            <mc:Choice xmlns:a14="http://schemas.microsoft.com/office/drawing/2010/main" Requires="a14">
               <p:sp>
                 <p:nvSpPr>
                   <p:cNvPr id="19" name="Rounded Rectangle 18">
@@ -18660,7 +18660,7 @@
                 </p:nvSpPr>
                 <p:spPr>
                   <a:xfrm>
-                    <a:off x="5308270" y="4040650"/>
+                    <a:off x="8977746" y="839959"/>
                     <a:ext cx="1183633" cy="408551"/>
                   </a:xfrm>
                   <a:prstGeom prst="roundRect">
@@ -18736,7 +18736,7 @@
                 </p:txBody>
               </p:sp>
             </mc:Choice>
-            <mc:Fallback xmlns="">
+            <mc:Fallback>
               <p:sp>
                 <p:nvSpPr>
                   <p:cNvPr id="19" name="Rounded Rectangle 18">
@@ -18753,7 +18753,7 @@
                 </p:nvSpPr>
                 <p:spPr>
                   <a:xfrm>
-                    <a:off x="5308270" y="4040650"/>
+                    <a:off x="8977746" y="839959"/>
                     <a:ext cx="1183633" cy="408551"/>
                   </a:xfrm>
                   <a:prstGeom prst="roundRect">
@@ -18845,8 +18845,8 @@
             </p:txBody>
           </p:sp>
         </p:grpSp>
-        <mc:AlternateContent xmlns:mc="http://schemas.openxmlformats.org/markup-compatibility/2006" xmlns:a14="http://schemas.microsoft.com/office/drawing/2010/main">
-          <mc:Choice Requires="a14">
+        <mc:AlternateContent xmlns:mc="http://schemas.openxmlformats.org/markup-compatibility/2006">
+          <mc:Choice xmlns:a14="http://schemas.microsoft.com/office/drawing/2010/main" Requires="a14">
             <p:sp>
               <p:nvSpPr>
                 <p:cNvPr id="4" name="Rounded Rectangle 3">
@@ -18863,7 +18863,7 @@
               </p:nvSpPr>
               <p:spPr>
                 <a:xfrm>
-                  <a:off x="5308269" y="4550750"/>
+                  <a:off x="8977745" y="1367349"/>
                   <a:ext cx="1183633" cy="408551"/>
                 </a:xfrm>
                 <a:prstGeom prst="roundRect">
@@ -18939,7 +18939,7 @@
               </p:txBody>
             </p:sp>
           </mc:Choice>
-          <mc:Fallback xmlns="">
+          <mc:Fallback>
             <p:sp>
               <p:nvSpPr>
                 <p:cNvPr id="4" name="Rounded Rectangle 3">
@@ -18956,7 +18956,7 @@
               </p:nvSpPr>
               <p:spPr>
                 <a:xfrm>
-                  <a:off x="5308269" y="4550750"/>
+                  <a:off x="8977745" y="1367349"/>
                   <a:ext cx="1183633" cy="408551"/>
                 </a:xfrm>
                 <a:prstGeom prst="roundRect">
@@ -18989,8 +18989,8 @@
             </p:sp>
           </mc:Fallback>
         </mc:AlternateContent>
-        <mc:AlternateContent xmlns:mc="http://schemas.openxmlformats.org/markup-compatibility/2006" xmlns:a14="http://schemas.microsoft.com/office/drawing/2010/main">
-          <mc:Choice Requires="a14">
+        <mc:AlternateContent xmlns:mc="http://schemas.openxmlformats.org/markup-compatibility/2006">
+          <mc:Choice xmlns:a14="http://schemas.microsoft.com/office/drawing/2010/main" Requires="a14">
             <p:sp>
               <p:nvSpPr>
                 <p:cNvPr id="11" name="Rounded Rectangle 10">
@@ -19007,7 +19007,7 @@
               </p:nvSpPr>
               <p:spPr>
                 <a:xfrm>
-                  <a:off x="5308268" y="5060850"/>
+                  <a:off x="8977745" y="1861075"/>
                   <a:ext cx="1183633" cy="408551"/>
                 </a:xfrm>
                 <a:prstGeom prst="roundRect">
@@ -19089,7 +19089,7 @@
               </p:txBody>
             </p:sp>
           </mc:Choice>
-          <mc:Fallback xmlns="">
+          <mc:Fallback>
             <p:sp>
               <p:nvSpPr>
                 <p:cNvPr id="11" name="Rounded Rectangle 10">
@@ -19106,7 +19106,7 @@
               </p:nvSpPr>
               <p:spPr>
                 <a:xfrm>
-                  <a:off x="5308268" y="5060850"/>
+                  <a:off x="8977745" y="1861075"/>
                   <a:ext cx="1183633" cy="408551"/>
                 </a:xfrm>
                 <a:prstGeom prst="roundRect">
@@ -19140,6 +19140,150 @@
           </mc:Fallback>
         </mc:AlternateContent>
       </p:grpSp>
+      <mc:AlternateContent xmlns:mc="http://schemas.openxmlformats.org/markup-compatibility/2006">
+        <mc:Choice xmlns:a14="http://schemas.microsoft.com/office/drawing/2010/main" Requires="a14">
+          <p:sp>
+            <p:nvSpPr>
+              <p:cNvPr id="13" name="Rounded Rectangle 12">
+                <a:extLst>
+                  <a:ext uri="{FF2B5EF4-FFF2-40B4-BE49-F238E27FC236}">
+                    <a16:creationId xmlns:a16="http://schemas.microsoft.com/office/drawing/2014/main" id="{6DCB31F4-024C-A005-2532-35C1C6C61481}"/>
+                  </a:ext>
+                </a:extLst>
+              </p:cNvPr>
+              <p:cNvSpPr>
+                <a:spLocks noChangeAspect="1"/>
+              </p:cNvSpPr>
+              <p:nvPr/>
+            </p:nvSpPr>
+            <p:spPr>
+              <a:xfrm>
+                <a:off x="8977744" y="2354801"/>
+                <a:ext cx="1183633" cy="408551"/>
+              </a:xfrm>
+              <a:prstGeom prst="roundRect">
+                <a:avLst>
+                  <a:gd name="adj" fmla="val 50000"/>
+                </a:avLst>
+              </a:prstGeom>
+              <a:solidFill>
+                <a:schemeClr val="accent1">
+                  <a:alpha val="80000"/>
+                </a:schemeClr>
+              </a:solidFill>
+              <a:ln w="25400">
+                <a:noFill/>
+              </a:ln>
+            </p:spPr>
+            <p:style>
+              <a:lnRef idx="2">
+                <a:schemeClr val="accent1">
+                  <a:shade val="15000"/>
+                </a:schemeClr>
+              </a:lnRef>
+              <a:fillRef idx="1">
+                <a:schemeClr val="accent1"/>
+              </a:fillRef>
+              <a:effectRef idx="0">
+                <a:schemeClr val="accent1"/>
+              </a:effectRef>
+              <a:fontRef idx="minor">
+                <a:schemeClr val="lt1"/>
+              </a:fontRef>
+            </p:style>
+            <p:txBody>
+              <a:bodyPr rtlCol="0" anchor="ctr"/>
+              <a:lstStyle/>
+              <a:p>
+                <a:pPr algn="ctr"/>
+                <a14:m>
+                  <m:oMathPara xmlns:m="http://schemas.openxmlformats.org/officeDocument/2006/math">
+                    <m:oMathParaPr>
+                      <m:jc m:val="centerGroup"/>
+                    </m:oMathParaPr>
+                    <m:oMath xmlns:m="http://schemas.openxmlformats.org/officeDocument/2006/math">
+                      <m:r>
+                        <a:rPr lang="zh-CN" altLang="en-US" sz="1400" b="0" i="1" smtClean="0">
+                          <a:latin typeface="Cambria Math" panose="02040503050406030204" pitchFamily="18" charset="0"/>
+                        </a:rPr>
+                        <m:t>（</m:t>
+                      </m:r>
+                      <m:r>
+                        <a:rPr lang="en-US" altLang="zh-CN" sz="1400" b="0" i="1" smtClean="0">
+                          <a:latin typeface="Cambria Math" panose="02040503050406030204" pitchFamily="18" charset="0"/>
+                        </a:rPr>
+                        <m:t>+</m:t>
+                      </m:r>
+                      <m:r>
+                        <a:rPr lang="zh-CN" altLang="en-US" sz="1400" b="0" i="1" smtClean="0">
+                          <a:latin typeface="Cambria Math" panose="02040503050406030204" pitchFamily="18" charset="0"/>
+                        </a:rPr>
+                        <m:t>）</m:t>
+                      </m:r>
+                      <m:r>
+                        <a:rPr lang="zh-CN" altLang="en-US" sz="1400" i="1">
+                          <a:latin typeface="Cambria Math" panose="02040503050406030204" pitchFamily="18" charset="0"/>
+                        </a:rPr>
+                        <m:t>进步</m:t>
+                      </m:r>
+                    </m:oMath>
+                  </m:oMathPara>
+                </a14:m>
+                <a:endParaRPr lang="en-US" sz="1400" dirty="0"/>
+              </a:p>
+            </p:txBody>
+          </p:sp>
+        </mc:Choice>
+        <mc:Fallback>
+          <p:sp>
+            <p:nvSpPr>
+              <p:cNvPr id="13" name="Rounded Rectangle 12">
+                <a:extLst>
+                  <a:ext uri="{FF2B5EF4-FFF2-40B4-BE49-F238E27FC236}">
+                    <a16:creationId xmlns:a16="http://schemas.microsoft.com/office/drawing/2014/main" id="{6DCB31F4-024C-A005-2532-35C1C6C61481}"/>
+                  </a:ext>
+                </a:extLst>
+              </p:cNvPr>
+              <p:cNvSpPr>
+                <a:spLocks noRot="1" noChangeAspect="1" noMove="1" noResize="1" noEditPoints="1" noAdjustHandles="1" noChangeArrowheads="1" noChangeShapeType="1" noTextEdit="1"/>
+              </p:cNvSpPr>
+              <p:nvPr/>
+            </p:nvSpPr>
+            <p:spPr>
+              <a:xfrm>
+                <a:off x="8977744" y="2354801"/>
+                <a:ext cx="1183633" cy="408551"/>
+              </a:xfrm>
+              <a:prstGeom prst="roundRect">
+                <a:avLst>
+                  <a:gd name="adj" fmla="val 50000"/>
+                </a:avLst>
+              </a:prstGeom>
+              <a:blipFill>
+                <a:blip r:embed="rId10"/>
+                <a:stretch>
+                  <a:fillRect/>
+                </a:stretch>
+              </a:blipFill>
+              <a:ln w="25400">
+                <a:noFill/>
+              </a:ln>
+            </p:spPr>
+            <p:txBody>
+              <a:bodyPr/>
+              <a:lstStyle/>
+              <a:p>
+                <a:r>
+                  <a:rPr lang="en-US">
+                    <a:noFill/>
+                  </a:rPr>
+                  <a:t> </a:t>
+                </a:r>
+              </a:p>
+            </p:txBody>
+          </p:sp>
+        </mc:Fallback>
+      </mc:AlternateContent>
     </p:spTree>
     <p:extLst>
       <p:ext uri="{BB962C8B-B14F-4D97-AF65-F5344CB8AC3E}">

--- a/Teacher/选修3-1/pictures/pictures.pptx
+++ b/Teacher/选修3-1/pictures/pictures.pptx
@@ -17852,10 +17852,10 @@
       </p:grpSpPr>
       <p:grpSp>
         <p:nvGrpSpPr>
-          <p:cNvPr id="12" name="Group 11">
+          <p:cNvPr id="17" name="Group 16">
             <a:extLst>
               <a:ext uri="{FF2B5EF4-FFF2-40B4-BE49-F238E27FC236}">
-                <a16:creationId xmlns:a16="http://schemas.microsoft.com/office/drawing/2014/main" id="{FEFC6DD1-F6A4-62F9-224E-EE7E22C9997B}"/>
+                <a16:creationId xmlns:a16="http://schemas.microsoft.com/office/drawing/2014/main" id="{1718240E-24F9-A97B-52D0-4460439B16B3}"/>
               </a:ext>
             </a:extLst>
           </p:cNvPr>
@@ -17864,18 +17864,18 @@
         </p:nvGrpSpPr>
         <p:grpSpPr>
           <a:xfrm>
-            <a:off x="3171656" y="839959"/>
-            <a:ext cx="7422620" cy="4629442"/>
-            <a:chOff x="3171656" y="839959"/>
-            <a:chExt cx="7422620" cy="4629442"/>
+            <a:off x="2274920" y="2432325"/>
+            <a:ext cx="9209613" cy="2420443"/>
+            <a:chOff x="2274920" y="2432325"/>
+            <a:chExt cx="9209613" cy="2420443"/>
           </a:xfrm>
         </p:grpSpPr>
         <p:grpSp>
           <p:nvGrpSpPr>
-            <p:cNvPr id="21" name="Group 20">
+            <p:cNvPr id="9" name="Group 8">
               <a:extLst>
                 <a:ext uri="{FF2B5EF4-FFF2-40B4-BE49-F238E27FC236}">
-                  <a16:creationId xmlns:a16="http://schemas.microsoft.com/office/drawing/2014/main" id="{602284E6-D03D-9036-6E62-FD7BDCF2BF65}"/>
+                  <a16:creationId xmlns:a16="http://schemas.microsoft.com/office/drawing/2014/main" id="{970945FA-2BFC-5F2B-50E2-F39F89B97E80}"/>
                 </a:ext>
               </a:extLst>
             </p:cNvPr>
@@ -17884,584 +17884,20 @@
           </p:nvGrpSpPr>
           <p:grpSpPr>
             <a:xfrm>
-              <a:off x="3171656" y="839959"/>
-              <a:ext cx="7422620" cy="4629442"/>
-              <a:chOff x="3171656" y="839959"/>
-              <a:chExt cx="7422620" cy="4629442"/>
+              <a:off x="2274920" y="2500321"/>
+              <a:ext cx="1463040" cy="1477319"/>
+              <a:chOff x="4347313" y="2500321"/>
+              <a:chExt cx="1463040" cy="1477319"/>
             </a:xfrm>
           </p:grpSpPr>
-          <p:grpSp>
-            <p:nvGrpSpPr>
-              <p:cNvPr id="9" name="Group 8">
-                <a:extLst>
-                  <a:ext uri="{FF2B5EF4-FFF2-40B4-BE49-F238E27FC236}">
-                    <a16:creationId xmlns:a16="http://schemas.microsoft.com/office/drawing/2014/main" id="{970945FA-2BFC-5F2B-50E2-F39F89B97E80}"/>
-                  </a:ext>
-                </a:extLst>
-              </p:cNvPr>
-              <p:cNvGrpSpPr/>
-              <p:nvPr/>
-            </p:nvGrpSpPr>
-            <p:grpSpPr>
-              <a:xfrm>
-                <a:off x="3171656" y="2500321"/>
-                <a:ext cx="1463040" cy="1477319"/>
-                <a:chOff x="4347313" y="2500321"/>
-                <a:chExt cx="1463040" cy="1477319"/>
-              </a:xfrm>
-            </p:grpSpPr>
-            <mc:AlternateContent xmlns:mc="http://schemas.openxmlformats.org/markup-compatibility/2006" xmlns:a14="http://schemas.microsoft.com/office/drawing/2010/main">
-              <mc:Choice Requires="a14">
-                <p:sp>
-                  <p:nvSpPr>
-                    <p:cNvPr id="5" name="Rounded Rectangle 4">
-                      <a:extLst>
-                        <a:ext uri="{FF2B5EF4-FFF2-40B4-BE49-F238E27FC236}">
-                          <a16:creationId xmlns:a16="http://schemas.microsoft.com/office/drawing/2014/main" id="{E896815B-0314-E521-2331-C3AE78E5ECDE}"/>
-                        </a:ext>
-                      </a:extLst>
-                    </p:cNvPr>
-                    <p:cNvSpPr>
-                      <a:spLocks noChangeAspect="1"/>
-                    </p:cNvSpPr>
-                    <p:nvPr/>
-                  </p:nvSpPr>
-                  <p:spPr>
-                    <a:xfrm>
-                      <a:off x="4347313" y="3429000"/>
-                      <a:ext cx="1463040" cy="548640"/>
-                    </a:xfrm>
-                    <a:prstGeom prst="roundRect">
-                      <a:avLst/>
-                    </a:prstGeom>
-                    <a:solidFill>
-                      <a:schemeClr val="accent1">
-                        <a:alpha val="80000"/>
-                      </a:schemeClr>
-                    </a:solidFill>
-                    <a:ln w="25400">
-                      <a:noFill/>
-                    </a:ln>
-                  </p:spPr>
-                  <p:style>
-                    <a:lnRef idx="2">
-                      <a:schemeClr val="accent1">
-                        <a:shade val="15000"/>
-                      </a:schemeClr>
-                    </a:lnRef>
-                    <a:fillRef idx="1">
-                      <a:schemeClr val="accent1"/>
-                    </a:fillRef>
-                    <a:effectRef idx="0">
-                      <a:schemeClr val="accent1"/>
-                    </a:effectRef>
-                    <a:fontRef idx="minor">
-                      <a:schemeClr val="lt1"/>
-                    </a:fontRef>
-                  </p:style>
-                  <p:txBody>
-                    <a:bodyPr rtlCol="0" anchor="ctr"/>
-                    <a:lstStyle/>
-                    <a:p>
-                      <a:pPr algn="ctr"/>
-                      <a14:m>
-                        <m:oMathPara xmlns:m="http://schemas.openxmlformats.org/officeDocument/2006/math">
-                          <m:oMathParaPr>
-                            <m:jc m:val="centerGroup"/>
-                          </m:oMathParaPr>
-                          <m:oMath xmlns:m="http://schemas.openxmlformats.org/officeDocument/2006/math">
-                            <m:r>
-                              <a:rPr lang="en-US" sz="2000" i="1">
-                                <a:latin typeface="Cambria Math" panose="02040503050406030204" pitchFamily="18" charset="0"/>
-                              </a:rPr>
-                              <m:t>开心</m:t>
-                            </m:r>
-                          </m:oMath>
-                        </m:oMathPara>
-                      </a14:m>
-                      <a:endParaRPr lang="en-US" sz="2000" dirty="0"/>
-                    </a:p>
-                  </p:txBody>
-                </p:sp>
-              </mc:Choice>
-              <mc:Fallback xmlns="">
-                <p:sp>
-                  <p:nvSpPr>
-                    <p:cNvPr id="5" name="Rounded Rectangle 4">
-                      <a:extLst>
-                        <a:ext uri="{FF2B5EF4-FFF2-40B4-BE49-F238E27FC236}">
-                          <a16:creationId xmlns:a16="http://schemas.microsoft.com/office/drawing/2014/main" id="{E896815B-0314-E521-2331-C3AE78E5ECDE}"/>
-                        </a:ext>
-                      </a:extLst>
-                    </p:cNvPr>
-                    <p:cNvSpPr>
-                      <a:spLocks noRot="1" noChangeAspect="1" noMove="1" noResize="1" noEditPoints="1" noAdjustHandles="1" noChangeArrowheads="1" noChangeShapeType="1" noTextEdit="1"/>
-                    </p:cNvSpPr>
-                    <p:nvPr/>
-                  </p:nvSpPr>
-                  <p:spPr>
-                    <a:xfrm>
-                      <a:off x="4347313" y="3429000"/>
-                      <a:ext cx="1463040" cy="548640"/>
-                    </a:xfrm>
-                    <a:prstGeom prst="roundRect">
-                      <a:avLst/>
-                    </a:prstGeom>
-                    <a:blipFill>
-                      <a:blip r:embed="rId2"/>
-                      <a:stretch>
-                        <a:fillRect/>
-                      </a:stretch>
-                    </a:blipFill>
-                    <a:ln w="25400">
-                      <a:noFill/>
-                    </a:ln>
-                  </p:spPr>
-                  <p:txBody>
-                    <a:bodyPr/>
-                    <a:lstStyle/>
-                    <a:p>
-                      <a:r>
-                        <a:rPr lang="en-US">
-                          <a:noFill/>
-                        </a:rPr>
-                        <a:t> </a:t>
-                      </a:r>
-                    </a:p>
-                  </p:txBody>
-                </p:sp>
-              </mc:Fallback>
-            </mc:AlternateContent>
-            <mc:AlternateContent xmlns:mc="http://schemas.openxmlformats.org/markup-compatibility/2006">
-              <mc:Choice xmlns:a14="http://schemas.microsoft.com/office/drawing/2010/main" Requires="a14">
-                <p:sp>
-                  <p:nvSpPr>
-                    <p:cNvPr id="6" name="Left Arrow Callout 5">
-                      <a:extLst>
-                        <a:ext uri="{FF2B5EF4-FFF2-40B4-BE49-F238E27FC236}">
-                          <a16:creationId xmlns:a16="http://schemas.microsoft.com/office/drawing/2014/main" id="{40A3D50B-1119-5E75-F1AD-DB7352158A8F}"/>
-                        </a:ext>
-                      </a:extLst>
-                    </p:cNvPr>
-                    <p:cNvSpPr>
-                      <a:spLocks/>
-                    </p:cNvSpPr>
-                    <p:nvPr/>
-                  </p:nvSpPr>
-                  <p:spPr>
-                    <a:xfrm rot="-5400000">
-                      <a:off x="4614493" y="2378018"/>
-                      <a:ext cx="928679" cy="1173285"/>
-                    </a:xfrm>
-                    <a:prstGeom prst="leftArrowCallout">
-                      <a:avLst>
-                        <a:gd name="adj1" fmla="val 18070"/>
-                        <a:gd name="adj2" fmla="val 18586"/>
-                        <a:gd name="adj3" fmla="val 29517"/>
-                        <a:gd name="adj4" fmla="val 41919"/>
-                      </a:avLst>
-                    </a:prstGeom>
-                    <a:solidFill>
-                      <a:schemeClr val="accent2">
-                        <a:lumMod val="75000"/>
-                        <a:alpha val="80000"/>
-                      </a:schemeClr>
-                    </a:solidFill>
-                    <a:ln>
-                      <a:noFill/>
-                    </a:ln>
-                  </p:spPr>
-                  <p:style>
-                    <a:lnRef idx="2">
-                      <a:schemeClr val="accent1">
-                        <a:shade val="15000"/>
-                      </a:schemeClr>
-                    </a:lnRef>
-                    <a:fillRef idx="1">
-                      <a:schemeClr val="accent1"/>
-                    </a:fillRef>
-                    <a:effectRef idx="0">
-                      <a:schemeClr val="accent1"/>
-                    </a:effectRef>
-                    <a:fontRef idx="minor">
-                      <a:schemeClr val="lt1"/>
-                    </a:fontRef>
-                  </p:style>
-                  <p:txBody>
-                    <a:bodyPr vert="vert" rtlCol="0" anchor="ctr"/>
-                    <a:lstStyle/>
-                    <a:p>
-                      <a:pPr algn="ctr"/>
-                      <a14:m>
-                        <m:oMathPara xmlns:m="http://schemas.openxmlformats.org/officeDocument/2006/math">
-                          <m:oMathParaPr>
-                            <m:jc m:val="centerGroup"/>
-                          </m:oMathParaPr>
-                          <m:oMath xmlns:m="http://schemas.openxmlformats.org/officeDocument/2006/math">
-                            <m:r>
-                              <a:rPr lang="en-US" i="1">
-                                <a:latin typeface="Cambria Math" panose="02040503050406030204" pitchFamily="18" charset="0"/>
-                              </a:rPr>
-                              <m:t>末</m:t>
-                            </m:r>
-                            <m:r>
-                              <a:rPr lang="en-US" i="1" smtClean="0">
-                                <a:latin typeface="Cambria Math" panose="02040503050406030204" pitchFamily="18" charset="0"/>
-                              </a:rPr>
-                              <m:t>状态</m:t>
-                            </m:r>
-                          </m:oMath>
-                        </m:oMathPara>
-                      </a14:m>
-                      <a:endParaRPr lang="en-US" dirty="0"/>
-                    </a:p>
-                  </p:txBody>
-                </p:sp>
-              </mc:Choice>
-              <mc:Fallback>
-                <p:sp>
-                  <p:nvSpPr>
-                    <p:cNvPr id="6" name="Left Arrow Callout 5">
-                      <a:extLst>
-                        <a:ext uri="{FF2B5EF4-FFF2-40B4-BE49-F238E27FC236}">
-                          <a16:creationId xmlns:a16="http://schemas.microsoft.com/office/drawing/2014/main" id="{40A3D50B-1119-5E75-F1AD-DB7352158A8F}"/>
-                        </a:ext>
-                      </a:extLst>
-                    </p:cNvPr>
-                    <p:cNvSpPr>
-                      <a:spLocks noRot="1" noChangeAspect="1" noMove="1" noResize="1" noEditPoints="1" noAdjustHandles="1" noChangeArrowheads="1" noChangeShapeType="1" noTextEdit="1"/>
-                    </p:cNvSpPr>
-                    <p:nvPr/>
-                  </p:nvSpPr>
-                  <p:spPr>
-                    <a:xfrm rot="-5400000">
-                      <a:off x="4614493" y="2378018"/>
-                      <a:ext cx="928679" cy="1173285"/>
-                    </a:xfrm>
-                    <a:prstGeom prst="leftArrowCallout">
-                      <a:avLst>
-                        <a:gd name="adj1" fmla="val 18070"/>
-                        <a:gd name="adj2" fmla="val 18586"/>
-                        <a:gd name="adj3" fmla="val 29517"/>
-                        <a:gd name="adj4" fmla="val 41919"/>
-                      </a:avLst>
-                    </a:prstGeom>
-                    <a:blipFill>
-                      <a:blip r:embed="rId3"/>
-                      <a:stretch>
-                        <a:fillRect/>
-                      </a:stretch>
-                    </a:blipFill>
-                    <a:ln>
-                      <a:noFill/>
-                    </a:ln>
-                  </p:spPr>
-                  <p:txBody>
-                    <a:bodyPr/>
-                    <a:lstStyle/>
-                    <a:p>
-                      <a:r>
-                        <a:rPr lang="en-US">
-                          <a:noFill/>
-                        </a:rPr>
-                        <a:t> </a:t>
-                      </a:r>
-                    </a:p>
-                  </p:txBody>
-                </p:sp>
-              </mc:Fallback>
-            </mc:AlternateContent>
-          </p:grpSp>
-          <p:grpSp>
-            <p:nvGrpSpPr>
-              <p:cNvPr id="10" name="Group 9">
-                <a:extLst>
-                  <a:ext uri="{FF2B5EF4-FFF2-40B4-BE49-F238E27FC236}">
-                    <a16:creationId xmlns:a16="http://schemas.microsoft.com/office/drawing/2014/main" id="{E5AF7C11-BBAA-1C08-7E7D-48E844D5B74D}"/>
-                  </a:ext>
-                </a:extLst>
-              </p:cNvPr>
-              <p:cNvGrpSpPr/>
-              <p:nvPr/>
-            </p:nvGrpSpPr>
-            <p:grpSpPr>
-              <a:xfrm>
-                <a:off x="5364480" y="2500321"/>
-                <a:ext cx="1463040" cy="1477319"/>
-                <a:chOff x="5364480" y="2500321"/>
-                <a:chExt cx="1463040" cy="1477319"/>
-              </a:xfrm>
-            </p:grpSpPr>
-            <mc:AlternateContent xmlns:mc="http://schemas.openxmlformats.org/markup-compatibility/2006">
-              <mc:Choice xmlns:a14="http://schemas.microsoft.com/office/drawing/2010/main" Requires="a14">
-                <p:sp>
-                  <p:nvSpPr>
-                    <p:cNvPr id="7" name="Rounded Rectangle 6">
-                      <a:extLst>
-                        <a:ext uri="{FF2B5EF4-FFF2-40B4-BE49-F238E27FC236}">
-                          <a16:creationId xmlns:a16="http://schemas.microsoft.com/office/drawing/2014/main" id="{FAD9AE59-4049-6153-52EA-BDE79A5B152D}"/>
-                        </a:ext>
-                      </a:extLst>
-                    </p:cNvPr>
-                    <p:cNvSpPr>
-                      <a:spLocks noChangeAspect="1"/>
-                    </p:cNvSpPr>
-                    <p:nvPr/>
-                  </p:nvSpPr>
-                  <p:spPr>
-                    <a:xfrm>
-                      <a:off x="5364480" y="3429000"/>
-                      <a:ext cx="1463040" cy="548640"/>
-                    </a:xfrm>
-                    <a:prstGeom prst="roundRect">
-                      <a:avLst/>
-                    </a:prstGeom>
-                    <a:solidFill>
-                      <a:schemeClr val="accent1">
-                        <a:alpha val="80000"/>
-                      </a:schemeClr>
-                    </a:solidFill>
-                    <a:ln w="25400">
-                      <a:noFill/>
-                    </a:ln>
-                  </p:spPr>
-                  <p:style>
-                    <a:lnRef idx="2">
-                      <a:schemeClr val="accent1">
-                        <a:shade val="15000"/>
-                      </a:schemeClr>
-                    </a:lnRef>
-                    <a:fillRef idx="1">
-                      <a:schemeClr val="accent1"/>
-                    </a:fillRef>
-                    <a:effectRef idx="0">
-                      <a:schemeClr val="accent1"/>
-                    </a:effectRef>
-                    <a:fontRef idx="minor">
-                      <a:schemeClr val="lt1"/>
-                    </a:fontRef>
-                  </p:style>
-                  <p:txBody>
-                    <a:bodyPr rtlCol="0" anchor="ctr"/>
-                    <a:lstStyle/>
-                    <a:p>
-                      <a:pPr algn="ctr"/>
-                      <a14:m>
-                        <m:oMathPara xmlns:m="http://schemas.openxmlformats.org/officeDocument/2006/math">
-                          <m:oMathParaPr>
-                            <m:jc m:val="centerGroup"/>
-                          </m:oMathParaPr>
-                          <m:oMath xmlns:m="http://schemas.openxmlformats.org/officeDocument/2006/math">
-                            <m:r>
-                              <a:rPr lang="en-US" sz="2000" i="1">
-                                <a:latin typeface="Cambria Math" panose="02040503050406030204" pitchFamily="18" charset="0"/>
-                              </a:rPr>
-                              <m:t>难过</m:t>
-                            </m:r>
-                          </m:oMath>
-                        </m:oMathPara>
-                      </a14:m>
-                      <a:endParaRPr lang="en-US" sz="2000" dirty="0"/>
-                    </a:p>
-                  </p:txBody>
-                </p:sp>
-              </mc:Choice>
-              <mc:Fallback>
-                <p:sp>
-                  <p:nvSpPr>
-                    <p:cNvPr id="7" name="Rounded Rectangle 6">
-                      <a:extLst>
-                        <a:ext uri="{FF2B5EF4-FFF2-40B4-BE49-F238E27FC236}">
-                          <a16:creationId xmlns:a16="http://schemas.microsoft.com/office/drawing/2014/main" id="{FAD9AE59-4049-6153-52EA-BDE79A5B152D}"/>
-                        </a:ext>
-                      </a:extLst>
-                    </p:cNvPr>
-                    <p:cNvSpPr>
-                      <a:spLocks noRot="1" noChangeAspect="1" noMove="1" noResize="1" noEditPoints="1" noAdjustHandles="1" noChangeArrowheads="1" noChangeShapeType="1" noTextEdit="1"/>
-                    </p:cNvSpPr>
-                    <p:nvPr/>
-                  </p:nvSpPr>
-                  <p:spPr>
-                    <a:xfrm>
-                      <a:off x="5364480" y="3429000"/>
-                      <a:ext cx="1463040" cy="548640"/>
-                    </a:xfrm>
-                    <a:prstGeom prst="roundRect">
-                      <a:avLst/>
-                    </a:prstGeom>
-                    <a:blipFill>
-                      <a:blip r:embed="rId4"/>
-                      <a:stretch>
-                        <a:fillRect/>
-                      </a:stretch>
-                    </a:blipFill>
-                    <a:ln w="25400">
-                      <a:noFill/>
-                    </a:ln>
-                  </p:spPr>
-                  <p:txBody>
-                    <a:bodyPr/>
-                    <a:lstStyle/>
-                    <a:p>
-                      <a:r>
-                        <a:rPr lang="en-US">
-                          <a:noFill/>
-                        </a:rPr>
-                        <a:t> </a:t>
-                      </a:r>
-                    </a:p>
-                  </p:txBody>
-                </p:sp>
-              </mc:Fallback>
-            </mc:AlternateContent>
-            <mc:AlternateContent xmlns:mc="http://schemas.openxmlformats.org/markup-compatibility/2006">
-              <mc:Choice xmlns:a14="http://schemas.microsoft.com/office/drawing/2010/main" Requires="a14">
-                <p:sp>
-                  <p:nvSpPr>
-                    <p:cNvPr id="8" name="Left Arrow Callout 7">
-                      <a:extLst>
-                        <a:ext uri="{FF2B5EF4-FFF2-40B4-BE49-F238E27FC236}">
-                          <a16:creationId xmlns:a16="http://schemas.microsoft.com/office/drawing/2014/main" id="{D99EE361-2246-8BA3-126E-5A19C28DEEE8}"/>
-                        </a:ext>
-                      </a:extLst>
-                    </p:cNvPr>
-                    <p:cNvSpPr>
-                      <a:spLocks/>
-                    </p:cNvSpPr>
-                    <p:nvPr/>
-                  </p:nvSpPr>
-                  <p:spPr>
-                    <a:xfrm rot="16200000">
-                      <a:off x="5631660" y="2378018"/>
-                      <a:ext cx="928679" cy="1173285"/>
-                    </a:xfrm>
-                    <a:prstGeom prst="leftArrowCallout">
-                      <a:avLst>
-                        <a:gd name="adj1" fmla="val 18070"/>
-                        <a:gd name="adj2" fmla="val 18586"/>
-                        <a:gd name="adj3" fmla="val 29517"/>
-                        <a:gd name="adj4" fmla="val 41919"/>
-                      </a:avLst>
-                    </a:prstGeom>
-                    <a:solidFill>
-                      <a:schemeClr val="accent2">
-                        <a:lumMod val="75000"/>
-                        <a:alpha val="80000"/>
-                      </a:schemeClr>
-                    </a:solidFill>
-                    <a:ln>
-                      <a:noFill/>
-                    </a:ln>
-                  </p:spPr>
-                  <p:style>
-                    <a:lnRef idx="2">
-                      <a:schemeClr val="accent1">
-                        <a:shade val="15000"/>
-                      </a:schemeClr>
-                    </a:lnRef>
-                    <a:fillRef idx="1">
-                      <a:schemeClr val="accent1"/>
-                    </a:fillRef>
-                    <a:effectRef idx="0">
-                      <a:schemeClr val="accent1"/>
-                    </a:effectRef>
-                    <a:fontRef idx="minor">
-                      <a:schemeClr val="lt1"/>
-                    </a:fontRef>
-                  </p:style>
-                  <p:txBody>
-                    <a:bodyPr vert="vert" rtlCol="0" anchor="ctr"/>
-                    <a:lstStyle/>
-                    <a:p>
-                      <a:pPr algn="ctr"/>
-                      <a14:m>
-                        <m:oMathPara xmlns:m="http://schemas.openxmlformats.org/officeDocument/2006/math">
-                          <m:oMathParaPr>
-                            <m:jc m:val="centerGroup"/>
-                          </m:oMathParaPr>
-                          <m:oMath xmlns:m="http://schemas.openxmlformats.org/officeDocument/2006/math">
-                            <m:r>
-                              <a:rPr lang="en-US" i="1" smtClean="0">
-                                <a:latin typeface="Cambria Math" panose="02040503050406030204" pitchFamily="18" charset="0"/>
-                              </a:rPr>
-                              <m:t>初</m:t>
-                            </m:r>
-                            <m:r>
-                              <a:rPr lang="en-US" i="1" smtClean="0">
-                                <a:latin typeface="Cambria Math" panose="02040503050406030204" pitchFamily="18" charset="0"/>
-                              </a:rPr>
-                              <m:t>状态</m:t>
-                            </m:r>
-                          </m:oMath>
-                        </m:oMathPara>
-                      </a14:m>
-                      <a:endParaRPr lang="en-US" dirty="0"/>
-                    </a:p>
-                  </p:txBody>
-                </p:sp>
-              </mc:Choice>
-              <mc:Fallback>
-                <p:sp>
-                  <p:nvSpPr>
-                    <p:cNvPr id="8" name="Left Arrow Callout 7">
-                      <a:extLst>
-                        <a:ext uri="{FF2B5EF4-FFF2-40B4-BE49-F238E27FC236}">
-                          <a16:creationId xmlns:a16="http://schemas.microsoft.com/office/drawing/2014/main" id="{D99EE361-2246-8BA3-126E-5A19C28DEEE8}"/>
-                        </a:ext>
-                      </a:extLst>
-                    </p:cNvPr>
-                    <p:cNvSpPr>
-                      <a:spLocks noRot="1" noChangeAspect="1" noMove="1" noResize="1" noEditPoints="1" noAdjustHandles="1" noChangeArrowheads="1" noChangeShapeType="1" noTextEdit="1"/>
-                    </p:cNvSpPr>
-                    <p:nvPr/>
-                  </p:nvSpPr>
-                  <p:spPr>
-                    <a:xfrm rot="16200000">
-                      <a:off x="5631660" y="2378018"/>
-                      <a:ext cx="928679" cy="1173285"/>
-                    </a:xfrm>
-                    <a:prstGeom prst="leftArrowCallout">
-                      <a:avLst>
-                        <a:gd name="adj1" fmla="val 18070"/>
-                        <a:gd name="adj2" fmla="val 18586"/>
-                        <a:gd name="adj3" fmla="val 29517"/>
-                        <a:gd name="adj4" fmla="val 41919"/>
-                      </a:avLst>
-                    </a:prstGeom>
-                    <a:blipFill>
-                      <a:blip r:embed="rId5"/>
-                      <a:stretch>
-                        <a:fillRect/>
-                      </a:stretch>
-                    </a:blipFill>
-                    <a:ln>
-                      <a:noFill/>
-                    </a:ln>
-                  </p:spPr>
-                  <p:txBody>
-                    <a:bodyPr/>
-                    <a:lstStyle/>
-                    <a:p>
-                      <a:r>
-                        <a:rPr lang="en-US">
-                          <a:noFill/>
-                        </a:rPr>
-                        <a:t> </a:t>
-                      </a:r>
-                    </a:p>
-                  </p:txBody>
-                </p:sp>
-              </mc:Fallback>
-            </mc:AlternateContent>
-          </p:grpSp>
-          <mc:AlternateContent xmlns:mc="http://schemas.openxmlformats.org/markup-compatibility/2006">
-            <mc:Choice xmlns:a14="http://schemas.microsoft.com/office/drawing/2010/main" Requires="a14">
+          <mc:AlternateContent xmlns:mc="http://schemas.openxmlformats.org/markup-compatibility/2006" xmlns:a14="http://schemas.microsoft.com/office/drawing/2010/main">
+            <mc:Choice Requires="a14">
               <p:sp>
                 <p:nvSpPr>
-                  <p:cNvPr id="14" name="Left Arrow Callout 13">
+                  <p:cNvPr id="5" name="Rounded Rectangle 4">
                     <a:extLst>
                       <a:ext uri="{FF2B5EF4-FFF2-40B4-BE49-F238E27FC236}">
-                        <a16:creationId xmlns:a16="http://schemas.microsoft.com/office/drawing/2014/main" id="{13BD3838-6A0C-9704-91C2-A9E49ACFB4EB}"/>
+                        <a16:creationId xmlns:a16="http://schemas.microsoft.com/office/drawing/2014/main" id="{E896815B-0314-E521-2331-C3AE78E5ECDE}"/>
                       </a:ext>
                     </a:extLst>
                   </p:cNvPr>
@@ -18472,15 +17908,137 @@
                 </p:nvSpPr>
                 <p:spPr>
                   <a:xfrm>
-                    <a:off x="6491901" y="839959"/>
-                    <a:ext cx="1712330" cy="548640"/>
+                    <a:off x="4347313" y="3429000"/>
+                    <a:ext cx="1463040" cy="548640"/>
+                  </a:xfrm>
+                  <a:prstGeom prst="roundRect">
+                    <a:avLst/>
+                  </a:prstGeom>
+                  <a:solidFill>
+                    <a:schemeClr val="accent1">
+                      <a:alpha val="80000"/>
+                    </a:schemeClr>
+                  </a:solidFill>
+                  <a:ln w="25400">
+                    <a:noFill/>
+                  </a:ln>
+                </p:spPr>
+                <p:style>
+                  <a:lnRef idx="2">
+                    <a:schemeClr val="accent1">
+                      <a:shade val="15000"/>
+                    </a:schemeClr>
+                  </a:lnRef>
+                  <a:fillRef idx="1">
+                    <a:schemeClr val="accent1"/>
+                  </a:fillRef>
+                  <a:effectRef idx="0">
+                    <a:schemeClr val="accent1"/>
+                  </a:effectRef>
+                  <a:fontRef idx="minor">
+                    <a:schemeClr val="lt1"/>
+                  </a:fontRef>
+                </p:style>
+                <p:txBody>
+                  <a:bodyPr rtlCol="0" anchor="ctr"/>
+                  <a:lstStyle/>
+                  <a:p>
+                    <a:pPr algn="ctr"/>
+                    <a14:m>
+                      <m:oMathPara xmlns:m="http://schemas.openxmlformats.org/officeDocument/2006/math">
+                        <m:oMathParaPr>
+                          <m:jc m:val="centerGroup"/>
+                        </m:oMathParaPr>
+                        <m:oMath xmlns:m="http://schemas.openxmlformats.org/officeDocument/2006/math">
+                          <m:r>
+                            <a:rPr lang="en-US" sz="2000" i="1">
+                              <a:latin typeface="Cambria Math" panose="02040503050406030204" pitchFamily="18" charset="0"/>
+                            </a:rPr>
+                            <m:t>开心</m:t>
+                          </m:r>
+                        </m:oMath>
+                      </m:oMathPara>
+                    </a14:m>
+                    <a:endParaRPr lang="en-US" sz="2000" dirty="0"/>
+                  </a:p>
+                </p:txBody>
+              </p:sp>
+            </mc:Choice>
+            <mc:Fallback xmlns="">
+              <p:sp>
+                <p:nvSpPr>
+                  <p:cNvPr id="5" name="Rounded Rectangle 4">
+                    <a:extLst>
+                      <a:ext uri="{FF2B5EF4-FFF2-40B4-BE49-F238E27FC236}">
+                        <a16:creationId xmlns:a16="http://schemas.microsoft.com/office/drawing/2014/main" id="{E896815B-0314-E521-2331-C3AE78E5ECDE}"/>
+                      </a:ext>
+                    </a:extLst>
+                  </p:cNvPr>
+                  <p:cNvSpPr>
+                    <a:spLocks noRot="1" noChangeAspect="1" noMove="1" noResize="1" noEditPoints="1" noAdjustHandles="1" noChangeArrowheads="1" noChangeShapeType="1" noTextEdit="1"/>
+                  </p:cNvSpPr>
+                  <p:nvPr/>
+                </p:nvSpPr>
+                <p:spPr>
+                  <a:xfrm>
+                    <a:off x="4347313" y="3429000"/>
+                    <a:ext cx="1463040" cy="548640"/>
+                  </a:xfrm>
+                  <a:prstGeom prst="roundRect">
+                    <a:avLst/>
+                  </a:prstGeom>
+                  <a:blipFill>
+                    <a:blip r:embed="rId2"/>
+                    <a:stretch>
+                      <a:fillRect/>
+                    </a:stretch>
+                  </a:blipFill>
+                  <a:ln w="25400">
+                    <a:noFill/>
+                  </a:ln>
+                </p:spPr>
+                <p:txBody>
+                  <a:bodyPr/>
+                  <a:lstStyle/>
+                  <a:p>
+                    <a:r>
+                      <a:rPr lang="en-US">
+                        <a:noFill/>
+                      </a:rPr>
+                      <a:t> </a:t>
+                    </a:r>
+                  </a:p>
+                </p:txBody>
+              </p:sp>
+            </mc:Fallback>
+          </mc:AlternateContent>
+          <mc:AlternateContent xmlns:mc="http://schemas.openxmlformats.org/markup-compatibility/2006">
+            <mc:Choice xmlns:a14="http://schemas.microsoft.com/office/drawing/2010/main" Requires="a14">
+              <p:sp>
+                <p:nvSpPr>
+                  <p:cNvPr id="6" name="Left Arrow Callout 5">
+                    <a:extLst>
+                      <a:ext uri="{FF2B5EF4-FFF2-40B4-BE49-F238E27FC236}">
+                        <a16:creationId xmlns:a16="http://schemas.microsoft.com/office/drawing/2014/main" id="{40A3D50B-1119-5E75-F1AD-DB7352158A8F}"/>
+                      </a:ext>
+                    </a:extLst>
+                  </p:cNvPr>
+                  <p:cNvSpPr>
+                    <a:spLocks/>
+                  </p:cNvSpPr>
+                  <p:nvPr/>
+                </p:nvSpPr>
+                <p:spPr>
+                  <a:xfrm rot="-5400000">
+                    <a:off x="4614493" y="2378018"/>
+                    <a:ext cx="928679" cy="1173285"/>
                   </a:xfrm>
                   <a:prstGeom prst="leftArrowCallout">
                     <a:avLst>
                       <a:gd name="adj1" fmla="val 18070"/>
                       <a:gd name="adj2" fmla="val 18586"/>
                       <a:gd name="adj3" fmla="val 29517"/>
-                      <a:gd name="adj4" fmla="val 69938"/>
+                      <a:gd name="adj4" fmla="val 41919"/>
                     </a:avLst>
                   </a:prstGeom>
                   <a:solidFill>
@@ -18510,7 +18068,7 @@
                   </a:fontRef>
                 </p:style>
                 <p:txBody>
-                  <a:bodyPr vert="horz" rtlCol="0" anchor="ctr"/>
+                  <a:bodyPr vert="vert" rtlCol="0" anchor="ctr"/>
                   <a:lstStyle/>
                   <a:p>
                     <a:pPr algn="ctr"/>
@@ -18521,16 +18079,16 @@
                         </m:oMathParaPr>
                         <m:oMath xmlns:m="http://schemas.openxmlformats.org/officeDocument/2006/math">
                           <m:r>
+                            <a:rPr lang="en-US" i="1">
+                              <a:latin typeface="Cambria Math" panose="02040503050406030204" pitchFamily="18" charset="0"/>
+                            </a:rPr>
+                            <m:t>末</m:t>
+                          </m:r>
+                          <m:r>
                             <a:rPr lang="en-US" i="1" smtClean="0">
                               <a:latin typeface="Cambria Math" panose="02040503050406030204" pitchFamily="18" charset="0"/>
                             </a:rPr>
-                            <m:t>外部</m:t>
-                          </m:r>
-                          <m:r>
-                            <a:rPr lang="en-US" i="1">
-                              <a:latin typeface="Cambria Math" panose="02040503050406030204" pitchFamily="18" charset="0"/>
-                            </a:rPr>
-                            <m:t>事件</m:t>
+                            <m:t>状态</m:t>
                           </m:r>
                         </m:oMath>
                       </m:oMathPara>
@@ -18543,10 +18101,10 @@
             <mc:Fallback>
               <p:sp>
                 <p:nvSpPr>
-                  <p:cNvPr id="14" name="Left Arrow Callout 13">
+                  <p:cNvPr id="6" name="Left Arrow Callout 5">
                     <a:extLst>
                       <a:ext uri="{FF2B5EF4-FFF2-40B4-BE49-F238E27FC236}">
-                        <a16:creationId xmlns:a16="http://schemas.microsoft.com/office/drawing/2014/main" id="{13BD3838-6A0C-9704-91C2-A9E49ACFB4EB}"/>
+                        <a16:creationId xmlns:a16="http://schemas.microsoft.com/office/drawing/2014/main" id="{40A3D50B-1119-5E75-F1AD-DB7352158A8F}"/>
                       </a:ext>
                     </a:extLst>
                   </p:cNvPr>
@@ -18556,20 +18114,20 @@
                   <p:nvPr/>
                 </p:nvSpPr>
                 <p:spPr>
-                  <a:xfrm>
-                    <a:off x="6491901" y="839959"/>
-                    <a:ext cx="1712330" cy="548640"/>
+                  <a:xfrm rot="-5400000">
+                    <a:off x="4614493" y="2378018"/>
+                    <a:ext cx="928679" cy="1173285"/>
                   </a:xfrm>
                   <a:prstGeom prst="leftArrowCallout">
                     <a:avLst>
                       <a:gd name="adj1" fmla="val 18070"/>
                       <a:gd name="adj2" fmla="val 18586"/>
                       <a:gd name="adj3" fmla="val 29517"/>
-                      <a:gd name="adj4" fmla="val 69938"/>
+                      <a:gd name="adj4" fmla="val 41919"/>
                     </a:avLst>
                   </a:prstGeom>
                   <a:blipFill>
-                    <a:blip r:embed="rId6"/>
+                    <a:blip r:embed="rId3"/>
                     <a:stretch>
                       <a:fillRect/>
                     </a:stretch>
@@ -18593,6 +18151,506 @@
               </p:sp>
             </mc:Fallback>
           </mc:AlternateContent>
+        </p:grpSp>
+        <p:grpSp>
+          <p:nvGrpSpPr>
+            <p:cNvPr id="10" name="Group 9">
+              <a:extLst>
+                <a:ext uri="{FF2B5EF4-FFF2-40B4-BE49-F238E27FC236}">
+                  <a16:creationId xmlns:a16="http://schemas.microsoft.com/office/drawing/2014/main" id="{E5AF7C11-BBAA-1C08-7E7D-48E844D5B74D}"/>
+                </a:ext>
+              </a:extLst>
+            </p:cNvPr>
+            <p:cNvGrpSpPr/>
+            <p:nvPr/>
+          </p:nvGrpSpPr>
+          <p:grpSpPr>
+            <a:xfrm>
+              <a:off x="5102217" y="2458524"/>
+              <a:ext cx="1463040" cy="1477319"/>
+              <a:chOff x="5364480" y="2500321"/>
+              <a:chExt cx="1463040" cy="1477319"/>
+            </a:xfrm>
+          </p:grpSpPr>
+          <mc:AlternateContent xmlns:mc="http://schemas.openxmlformats.org/markup-compatibility/2006">
+            <mc:Choice xmlns:a14="http://schemas.microsoft.com/office/drawing/2010/main" Requires="a14">
+              <p:sp>
+                <p:nvSpPr>
+                  <p:cNvPr id="7" name="Rounded Rectangle 6">
+                    <a:extLst>
+                      <a:ext uri="{FF2B5EF4-FFF2-40B4-BE49-F238E27FC236}">
+                        <a16:creationId xmlns:a16="http://schemas.microsoft.com/office/drawing/2014/main" id="{FAD9AE59-4049-6153-52EA-BDE79A5B152D}"/>
+                      </a:ext>
+                    </a:extLst>
+                  </p:cNvPr>
+                  <p:cNvSpPr>
+                    <a:spLocks noChangeAspect="1"/>
+                  </p:cNvSpPr>
+                  <p:nvPr/>
+                </p:nvSpPr>
+                <p:spPr>
+                  <a:xfrm>
+                    <a:off x="5364480" y="3429000"/>
+                    <a:ext cx="1463040" cy="548640"/>
+                  </a:xfrm>
+                  <a:prstGeom prst="roundRect">
+                    <a:avLst/>
+                  </a:prstGeom>
+                  <a:solidFill>
+                    <a:schemeClr val="accent1">
+                      <a:alpha val="80000"/>
+                    </a:schemeClr>
+                  </a:solidFill>
+                  <a:ln w="25400">
+                    <a:noFill/>
+                  </a:ln>
+                </p:spPr>
+                <p:style>
+                  <a:lnRef idx="2">
+                    <a:schemeClr val="accent1">
+                      <a:shade val="15000"/>
+                    </a:schemeClr>
+                  </a:lnRef>
+                  <a:fillRef idx="1">
+                    <a:schemeClr val="accent1"/>
+                  </a:fillRef>
+                  <a:effectRef idx="0">
+                    <a:schemeClr val="accent1"/>
+                  </a:effectRef>
+                  <a:fontRef idx="minor">
+                    <a:schemeClr val="lt1"/>
+                  </a:fontRef>
+                </p:style>
+                <p:txBody>
+                  <a:bodyPr rtlCol="0" anchor="ctr"/>
+                  <a:lstStyle/>
+                  <a:p>
+                    <a:pPr algn="ctr"/>
+                    <a14:m>
+                      <m:oMathPara xmlns:m="http://schemas.openxmlformats.org/officeDocument/2006/math">
+                        <m:oMathParaPr>
+                          <m:jc m:val="centerGroup"/>
+                        </m:oMathParaPr>
+                        <m:oMath xmlns:m="http://schemas.openxmlformats.org/officeDocument/2006/math">
+                          <m:r>
+                            <a:rPr lang="en-US" sz="2000" i="1">
+                              <a:latin typeface="Cambria Math" panose="02040503050406030204" pitchFamily="18" charset="0"/>
+                            </a:rPr>
+                            <m:t>难过</m:t>
+                          </m:r>
+                        </m:oMath>
+                      </m:oMathPara>
+                    </a14:m>
+                    <a:endParaRPr lang="en-US" sz="2000" dirty="0"/>
+                  </a:p>
+                </p:txBody>
+              </p:sp>
+            </mc:Choice>
+            <mc:Fallback>
+              <p:sp>
+                <p:nvSpPr>
+                  <p:cNvPr id="7" name="Rounded Rectangle 6">
+                    <a:extLst>
+                      <a:ext uri="{FF2B5EF4-FFF2-40B4-BE49-F238E27FC236}">
+                        <a16:creationId xmlns:a16="http://schemas.microsoft.com/office/drawing/2014/main" id="{FAD9AE59-4049-6153-52EA-BDE79A5B152D}"/>
+                      </a:ext>
+                    </a:extLst>
+                  </p:cNvPr>
+                  <p:cNvSpPr>
+                    <a:spLocks noRot="1" noChangeAspect="1" noMove="1" noResize="1" noEditPoints="1" noAdjustHandles="1" noChangeArrowheads="1" noChangeShapeType="1" noTextEdit="1"/>
+                  </p:cNvSpPr>
+                  <p:nvPr/>
+                </p:nvSpPr>
+                <p:spPr>
+                  <a:xfrm>
+                    <a:off x="5364480" y="3429000"/>
+                    <a:ext cx="1463040" cy="548640"/>
+                  </a:xfrm>
+                  <a:prstGeom prst="roundRect">
+                    <a:avLst/>
+                  </a:prstGeom>
+                  <a:blipFill>
+                    <a:blip r:embed="rId4"/>
+                    <a:stretch>
+                      <a:fillRect/>
+                    </a:stretch>
+                  </a:blipFill>
+                  <a:ln w="25400">
+                    <a:noFill/>
+                  </a:ln>
+                </p:spPr>
+                <p:txBody>
+                  <a:bodyPr/>
+                  <a:lstStyle/>
+                  <a:p>
+                    <a:r>
+                      <a:rPr lang="en-US">
+                        <a:noFill/>
+                      </a:rPr>
+                      <a:t> </a:t>
+                    </a:r>
+                  </a:p>
+                </p:txBody>
+              </p:sp>
+            </mc:Fallback>
+          </mc:AlternateContent>
+          <mc:AlternateContent xmlns:mc="http://schemas.openxmlformats.org/markup-compatibility/2006">
+            <mc:Choice xmlns:a14="http://schemas.microsoft.com/office/drawing/2010/main" Requires="a14">
+              <p:sp>
+                <p:nvSpPr>
+                  <p:cNvPr id="8" name="Left Arrow Callout 7">
+                    <a:extLst>
+                      <a:ext uri="{FF2B5EF4-FFF2-40B4-BE49-F238E27FC236}">
+                        <a16:creationId xmlns:a16="http://schemas.microsoft.com/office/drawing/2014/main" id="{D99EE361-2246-8BA3-126E-5A19C28DEEE8}"/>
+                      </a:ext>
+                    </a:extLst>
+                  </p:cNvPr>
+                  <p:cNvSpPr>
+                    <a:spLocks/>
+                  </p:cNvSpPr>
+                  <p:nvPr/>
+                </p:nvSpPr>
+                <p:spPr>
+                  <a:xfrm rot="16200000">
+                    <a:off x="5631660" y="2378018"/>
+                    <a:ext cx="928679" cy="1173285"/>
+                  </a:xfrm>
+                  <a:prstGeom prst="leftArrowCallout">
+                    <a:avLst>
+                      <a:gd name="adj1" fmla="val 18070"/>
+                      <a:gd name="adj2" fmla="val 18586"/>
+                      <a:gd name="adj3" fmla="val 29517"/>
+                      <a:gd name="adj4" fmla="val 41919"/>
+                    </a:avLst>
+                  </a:prstGeom>
+                  <a:solidFill>
+                    <a:schemeClr val="accent2">
+                      <a:lumMod val="75000"/>
+                      <a:alpha val="80000"/>
+                    </a:schemeClr>
+                  </a:solidFill>
+                  <a:ln>
+                    <a:noFill/>
+                  </a:ln>
+                </p:spPr>
+                <p:style>
+                  <a:lnRef idx="2">
+                    <a:schemeClr val="accent1">
+                      <a:shade val="15000"/>
+                    </a:schemeClr>
+                  </a:lnRef>
+                  <a:fillRef idx="1">
+                    <a:schemeClr val="accent1"/>
+                  </a:fillRef>
+                  <a:effectRef idx="0">
+                    <a:schemeClr val="accent1"/>
+                  </a:effectRef>
+                  <a:fontRef idx="minor">
+                    <a:schemeClr val="lt1"/>
+                  </a:fontRef>
+                </p:style>
+                <p:txBody>
+                  <a:bodyPr vert="vert" rtlCol="0" anchor="ctr"/>
+                  <a:lstStyle/>
+                  <a:p>
+                    <a:pPr algn="ctr"/>
+                    <a14:m>
+                      <m:oMathPara xmlns:m="http://schemas.openxmlformats.org/officeDocument/2006/math">
+                        <m:oMathParaPr>
+                          <m:jc m:val="centerGroup"/>
+                        </m:oMathParaPr>
+                        <m:oMath xmlns:m="http://schemas.openxmlformats.org/officeDocument/2006/math">
+                          <m:r>
+                            <a:rPr lang="en-US" i="1" smtClean="0">
+                              <a:latin typeface="Cambria Math" panose="02040503050406030204" pitchFamily="18" charset="0"/>
+                            </a:rPr>
+                            <m:t>初</m:t>
+                          </m:r>
+                          <m:r>
+                            <a:rPr lang="en-US" i="1" smtClean="0">
+                              <a:latin typeface="Cambria Math" panose="02040503050406030204" pitchFamily="18" charset="0"/>
+                            </a:rPr>
+                            <m:t>状态</m:t>
+                          </m:r>
+                        </m:oMath>
+                      </m:oMathPara>
+                    </a14:m>
+                    <a:endParaRPr lang="en-US" dirty="0"/>
+                  </a:p>
+                </p:txBody>
+              </p:sp>
+            </mc:Choice>
+            <mc:Fallback>
+              <p:sp>
+                <p:nvSpPr>
+                  <p:cNvPr id="8" name="Left Arrow Callout 7">
+                    <a:extLst>
+                      <a:ext uri="{FF2B5EF4-FFF2-40B4-BE49-F238E27FC236}">
+                        <a16:creationId xmlns:a16="http://schemas.microsoft.com/office/drawing/2014/main" id="{D99EE361-2246-8BA3-126E-5A19C28DEEE8}"/>
+                      </a:ext>
+                    </a:extLst>
+                  </p:cNvPr>
+                  <p:cNvSpPr>
+                    <a:spLocks noRot="1" noChangeAspect="1" noMove="1" noResize="1" noEditPoints="1" noAdjustHandles="1" noChangeArrowheads="1" noChangeShapeType="1" noTextEdit="1"/>
+                  </p:cNvSpPr>
+                  <p:nvPr/>
+                </p:nvSpPr>
+                <p:spPr>
+                  <a:xfrm rot="16200000">
+                    <a:off x="5631660" y="2378018"/>
+                    <a:ext cx="928679" cy="1173285"/>
+                  </a:xfrm>
+                  <a:prstGeom prst="leftArrowCallout">
+                    <a:avLst>
+                      <a:gd name="adj1" fmla="val 18070"/>
+                      <a:gd name="adj2" fmla="val 18586"/>
+                      <a:gd name="adj3" fmla="val 29517"/>
+                      <a:gd name="adj4" fmla="val 41919"/>
+                    </a:avLst>
+                  </a:prstGeom>
+                  <a:blipFill>
+                    <a:blip r:embed="rId5"/>
+                    <a:stretch>
+                      <a:fillRect/>
+                    </a:stretch>
+                  </a:blipFill>
+                  <a:ln>
+                    <a:noFill/>
+                  </a:ln>
+                </p:spPr>
+                <p:txBody>
+                  <a:bodyPr/>
+                  <a:lstStyle/>
+                  <a:p>
+                    <a:r>
+                      <a:rPr lang="en-US">
+                        <a:noFill/>
+                      </a:rPr>
+                      <a:t> </a:t>
+                    </a:r>
+                  </a:p>
+                </p:txBody>
+              </p:sp>
+            </mc:Fallback>
+          </mc:AlternateContent>
+        </p:grpSp>
+        <mc:AlternateContent xmlns:mc="http://schemas.openxmlformats.org/markup-compatibility/2006">
+          <mc:Choice xmlns:a14="http://schemas.microsoft.com/office/drawing/2010/main" Requires="a14">
+            <p:sp>
+              <p:nvSpPr>
+                <p:cNvPr id="14" name="Left Arrow Callout 13">
+                  <a:extLst>
+                    <a:ext uri="{FF2B5EF4-FFF2-40B4-BE49-F238E27FC236}">
+                      <a16:creationId xmlns:a16="http://schemas.microsoft.com/office/drawing/2014/main" id="{13BD3838-6A0C-9704-91C2-A9E49ACFB4EB}"/>
+                    </a:ext>
+                  </a:extLst>
+                </p:cNvPr>
+                <p:cNvSpPr>
+                  <a:spLocks noChangeAspect="1"/>
+                </p:cNvSpPr>
+                <p:nvPr/>
+              </p:nvSpPr>
+              <p:spPr>
+                <a:xfrm>
+                  <a:off x="9772203" y="3368227"/>
+                  <a:ext cx="1712330" cy="548640"/>
+                </a:xfrm>
+                <a:prstGeom prst="leftArrowCallout">
+                  <a:avLst>
+                    <a:gd name="adj1" fmla="val 18070"/>
+                    <a:gd name="adj2" fmla="val 18586"/>
+                    <a:gd name="adj3" fmla="val 29517"/>
+                    <a:gd name="adj4" fmla="val 69938"/>
+                  </a:avLst>
+                </a:prstGeom>
+                <a:solidFill>
+                  <a:schemeClr val="accent2">
+                    <a:lumMod val="75000"/>
+                    <a:alpha val="80000"/>
+                  </a:schemeClr>
+                </a:solidFill>
+                <a:ln>
+                  <a:noFill/>
+                </a:ln>
+              </p:spPr>
+              <p:style>
+                <a:lnRef idx="2">
+                  <a:schemeClr val="accent1">
+                    <a:shade val="15000"/>
+                  </a:schemeClr>
+                </a:lnRef>
+                <a:fillRef idx="1">
+                  <a:schemeClr val="accent1"/>
+                </a:fillRef>
+                <a:effectRef idx="0">
+                  <a:schemeClr val="accent1"/>
+                </a:effectRef>
+                <a:fontRef idx="minor">
+                  <a:schemeClr val="lt1"/>
+                </a:fontRef>
+              </p:style>
+              <p:txBody>
+                <a:bodyPr vert="horz" rtlCol="0" anchor="ctr"/>
+                <a:lstStyle/>
+                <a:p>
+                  <a:pPr algn="ctr"/>
+                  <a14:m>
+                    <m:oMathPara xmlns:m="http://schemas.openxmlformats.org/officeDocument/2006/math">
+                      <m:oMathParaPr>
+                        <m:jc m:val="centerGroup"/>
+                      </m:oMathParaPr>
+                      <m:oMath xmlns:m="http://schemas.openxmlformats.org/officeDocument/2006/math">
+                        <m:r>
+                          <a:rPr lang="en-US" i="1" smtClean="0">
+                            <a:latin typeface="Cambria Math" panose="02040503050406030204" pitchFamily="18" charset="0"/>
+                          </a:rPr>
+                          <m:t>外部</m:t>
+                        </m:r>
+                        <m:r>
+                          <a:rPr lang="en-US" i="1">
+                            <a:latin typeface="Cambria Math" panose="02040503050406030204" pitchFamily="18" charset="0"/>
+                          </a:rPr>
+                          <m:t>事件</m:t>
+                        </m:r>
+                      </m:oMath>
+                    </m:oMathPara>
+                  </a14:m>
+                  <a:endParaRPr lang="en-US" dirty="0"/>
+                </a:p>
+              </p:txBody>
+            </p:sp>
+          </mc:Choice>
+          <mc:Fallback>
+            <p:sp>
+              <p:nvSpPr>
+                <p:cNvPr id="14" name="Left Arrow Callout 13">
+                  <a:extLst>
+                    <a:ext uri="{FF2B5EF4-FFF2-40B4-BE49-F238E27FC236}">
+                      <a16:creationId xmlns:a16="http://schemas.microsoft.com/office/drawing/2014/main" id="{13BD3838-6A0C-9704-91C2-A9E49ACFB4EB}"/>
+                    </a:ext>
+                  </a:extLst>
+                </p:cNvPr>
+                <p:cNvSpPr>
+                  <a:spLocks noRot="1" noChangeAspect="1" noMove="1" noResize="1" noEditPoints="1" noAdjustHandles="1" noChangeArrowheads="1" noChangeShapeType="1" noTextEdit="1"/>
+                </p:cNvSpPr>
+                <p:nvPr/>
+              </p:nvSpPr>
+              <p:spPr>
+                <a:xfrm>
+                  <a:off x="9772203" y="3368227"/>
+                  <a:ext cx="1712330" cy="548640"/>
+                </a:xfrm>
+                <a:prstGeom prst="leftArrowCallout">
+                  <a:avLst>
+                    <a:gd name="adj1" fmla="val 18070"/>
+                    <a:gd name="adj2" fmla="val 18586"/>
+                    <a:gd name="adj3" fmla="val 29517"/>
+                    <a:gd name="adj4" fmla="val 69938"/>
+                  </a:avLst>
+                </a:prstGeom>
+                <a:blipFill>
+                  <a:blip r:embed="rId6"/>
+                  <a:stretch>
+                    <a:fillRect/>
+                  </a:stretch>
+                </a:blipFill>
+                <a:ln>
+                  <a:noFill/>
+                </a:ln>
+              </p:spPr>
+              <p:txBody>
+                <a:bodyPr/>
+                <a:lstStyle/>
+                <a:p>
+                  <a:r>
+                    <a:rPr lang="en-US">
+                      <a:noFill/>
+                    </a:rPr>
+                    <a:t> </a:t>
+                  </a:r>
+                </a:p>
+              </p:txBody>
+            </p:sp>
+          </mc:Fallback>
+        </mc:AlternateContent>
+        <p:sp>
+          <p:nvSpPr>
+            <p:cNvPr id="20" name="Equal 19">
+              <a:extLst>
+                <a:ext uri="{FF2B5EF4-FFF2-40B4-BE49-F238E27FC236}">
+                  <a16:creationId xmlns:a16="http://schemas.microsoft.com/office/drawing/2014/main" id="{27C24031-6C72-0F7D-CFA6-59FF68F4E7DA}"/>
+                </a:ext>
+              </a:extLst>
+            </p:cNvPr>
+            <p:cNvSpPr/>
+            <p:nvPr/>
+          </p:nvSpPr>
+          <p:spPr>
+            <a:xfrm>
+              <a:off x="6916649" y="3468318"/>
+              <a:ext cx="900000" cy="360000"/>
+            </a:xfrm>
+            <a:prstGeom prst="mathEqual">
+              <a:avLst/>
+            </a:prstGeom>
+            <a:solidFill>
+              <a:schemeClr val="tx1">
+                <a:alpha val="50000"/>
+              </a:schemeClr>
+            </a:solidFill>
+            <a:ln>
+              <a:noFill/>
+            </a:ln>
+          </p:spPr>
+          <p:style>
+            <a:lnRef idx="2">
+              <a:schemeClr val="accent1">
+                <a:shade val="15000"/>
+              </a:schemeClr>
+            </a:lnRef>
+            <a:fillRef idx="1">
+              <a:schemeClr val="accent1"/>
+            </a:fillRef>
+            <a:effectRef idx="0">
+              <a:schemeClr val="accent1"/>
+            </a:effectRef>
+            <a:fontRef idx="minor">
+              <a:schemeClr val="lt1"/>
+            </a:fontRef>
+          </p:style>
+          <p:txBody>
+            <a:bodyPr rtlCol="0" anchor="ctr"/>
+            <a:lstStyle/>
+            <a:p>
+              <a:pPr algn="ctr"/>
+              <a:endParaRPr lang="en-US" dirty="0">
+                <a:solidFill>
+                  <a:schemeClr val="tx1"/>
+                </a:solidFill>
+              </a:endParaRPr>
+            </a:p>
+          </p:txBody>
+        </p:sp>
+        <p:grpSp>
+          <p:nvGrpSpPr>
+            <p:cNvPr id="16" name="Group 15">
+              <a:extLst>
+                <a:ext uri="{FF2B5EF4-FFF2-40B4-BE49-F238E27FC236}">
+                  <a16:creationId xmlns:a16="http://schemas.microsoft.com/office/drawing/2014/main" id="{0640FC0B-46D7-159A-B2F4-A9FF3BDA58DA}"/>
+                </a:ext>
+              </a:extLst>
+            </p:cNvPr>
+            <p:cNvGrpSpPr/>
+            <p:nvPr/>
+          </p:nvGrpSpPr>
+          <p:grpSpPr>
+            <a:xfrm>
+              <a:off x="8091016" y="2432325"/>
+              <a:ext cx="1406819" cy="2420443"/>
+              <a:chOff x="8177838" y="2364374"/>
+              <a:chExt cx="1406819" cy="2420443"/>
+            </a:xfrm>
+          </p:grpSpPr>
           <p:sp>
             <p:nvSpPr>
               <p:cNvPr id="18" name="Right Bracket 17">
@@ -18607,7 +18665,7 @@
             </p:nvSpPr>
             <p:spPr>
               <a:xfrm>
-                <a:off x="10301410" y="3048958"/>
+                <a:off x="9291791" y="2364374"/>
                 <a:ext cx="292866" cy="2420443"/>
               </a:xfrm>
               <a:prstGeom prst="rightBracket">
@@ -18660,7 +18718,7 @@
                 </p:nvSpPr>
                 <p:spPr>
                   <a:xfrm>
-                    <a:off x="8977746" y="839959"/>
+                    <a:off x="8177840" y="2640407"/>
                     <a:ext cx="1183633" cy="408551"/>
                   </a:xfrm>
                   <a:prstGeom prst="roundRect">
@@ -18753,7 +18811,7 @@
                 </p:nvSpPr>
                 <p:spPr>
                   <a:xfrm>
-                    <a:off x="8977746" y="839959"/>
+                    <a:off x="8177840" y="2640407"/>
                     <a:ext cx="1183633" cy="408551"/>
                   </a:xfrm>
                   <a:prstGeom prst="roundRect">
@@ -18786,504 +18844,502 @@
               </p:sp>
             </mc:Fallback>
           </mc:AlternateContent>
-          <p:sp>
-            <p:nvSpPr>
-              <p:cNvPr id="20" name="Equal 19">
-                <a:extLst>
-                  <a:ext uri="{FF2B5EF4-FFF2-40B4-BE49-F238E27FC236}">
-                    <a16:creationId xmlns:a16="http://schemas.microsoft.com/office/drawing/2014/main" id="{27C24031-6C72-0F7D-CFA6-59FF68F4E7DA}"/>
-                  </a:ext>
-                </a:extLst>
-              </p:cNvPr>
-              <p:cNvSpPr/>
-              <p:nvPr/>
-            </p:nvSpPr>
-            <p:spPr>
-              <a:xfrm>
-                <a:off x="7008144" y="3429000"/>
-                <a:ext cx="989070" cy="528637"/>
-              </a:xfrm>
-              <a:prstGeom prst="mathEqual">
-                <a:avLst/>
-              </a:prstGeom>
-              <a:solidFill>
-                <a:schemeClr val="tx1">
-                  <a:alpha val="50000"/>
-                </a:schemeClr>
-              </a:solidFill>
-              <a:ln>
-                <a:noFill/>
-              </a:ln>
-            </p:spPr>
-            <p:style>
-              <a:lnRef idx="2">
-                <a:schemeClr val="accent1">
-                  <a:shade val="15000"/>
-                </a:schemeClr>
-              </a:lnRef>
-              <a:fillRef idx="1">
-                <a:schemeClr val="accent1"/>
-              </a:fillRef>
-              <a:effectRef idx="0">
-                <a:schemeClr val="accent1"/>
-              </a:effectRef>
-              <a:fontRef idx="minor">
-                <a:schemeClr val="lt1"/>
-              </a:fontRef>
-            </p:style>
-            <p:txBody>
-              <a:bodyPr rtlCol="0" anchor="ctr"/>
-              <a:lstStyle/>
-              <a:p>
-                <a:pPr algn="ctr"/>
-                <a:endParaRPr lang="en-US">
+          <mc:AlternateContent xmlns:mc="http://schemas.openxmlformats.org/markup-compatibility/2006">
+            <mc:Choice xmlns:a14="http://schemas.microsoft.com/office/drawing/2010/main" Requires="a14">
+              <p:sp>
+                <p:nvSpPr>
+                  <p:cNvPr id="4" name="Rounded Rectangle 3">
+                    <a:extLst>
+                      <a:ext uri="{FF2B5EF4-FFF2-40B4-BE49-F238E27FC236}">
+                        <a16:creationId xmlns:a16="http://schemas.microsoft.com/office/drawing/2014/main" id="{AC231E6D-EB79-7D8D-29FF-8171F9D53270}"/>
+                      </a:ext>
+                    </a:extLst>
+                  </p:cNvPr>
+                  <p:cNvSpPr>
+                    <a:spLocks noChangeAspect="1"/>
+                  </p:cNvSpPr>
+                  <p:nvPr/>
+                </p:nvSpPr>
+                <p:spPr>
+                  <a:xfrm>
+                    <a:off x="8177839" y="3167797"/>
+                    <a:ext cx="1178557" cy="406799"/>
+                  </a:xfrm>
+                  <a:prstGeom prst="roundRect">
+                    <a:avLst>
+                      <a:gd name="adj" fmla="val 50000"/>
+                    </a:avLst>
+                  </a:prstGeom>
                   <a:solidFill>
-                    <a:schemeClr val="tx1"/>
+                    <a:schemeClr val="accent1">
+                      <a:alpha val="80000"/>
+                    </a:schemeClr>
                   </a:solidFill>
-                </a:endParaRPr>
-              </a:p>
-            </p:txBody>
-          </p:sp>
+                  <a:ln w="25400">
+                    <a:noFill/>
+                  </a:ln>
+                </p:spPr>
+                <p:style>
+                  <a:lnRef idx="2">
+                    <a:schemeClr val="accent1">
+                      <a:shade val="15000"/>
+                    </a:schemeClr>
+                  </a:lnRef>
+                  <a:fillRef idx="1">
+                    <a:schemeClr val="accent1"/>
+                  </a:fillRef>
+                  <a:effectRef idx="0">
+                    <a:schemeClr val="accent1"/>
+                  </a:effectRef>
+                  <a:fontRef idx="minor">
+                    <a:schemeClr val="lt1"/>
+                  </a:fontRef>
+                </p:style>
+                <p:txBody>
+                  <a:bodyPr rtlCol="0" anchor="ctr"/>
+                  <a:lstStyle/>
+                  <a:p>
+                    <a:pPr algn="ctr"/>
+                    <a14:m>
+                      <m:oMathPara xmlns:m="http://schemas.openxmlformats.org/officeDocument/2006/math">
+                        <m:oMathParaPr>
+                          <m:jc m:val="centerGroup"/>
+                        </m:oMathParaPr>
+                        <m:oMath xmlns:m="http://schemas.openxmlformats.org/officeDocument/2006/math">
+                          <m:r>
+                            <a:rPr lang="zh-CN" altLang="en-US" sz="1400" b="0" i="1" smtClean="0">
+                              <a:latin typeface="Cambria Math" panose="02040503050406030204" pitchFamily="18" charset="0"/>
+                            </a:rPr>
+                            <m:t>（</m:t>
+                          </m:r>
+                          <m:r>
+                            <a:rPr lang="en-US" altLang="zh-CN" sz="1400" b="0" i="1" smtClean="0">
+                              <a:latin typeface="Cambria Math" panose="02040503050406030204" pitchFamily="18" charset="0"/>
+                            </a:rPr>
+                            <m:t>+</m:t>
+                          </m:r>
+                          <m:r>
+                            <a:rPr lang="zh-CN" altLang="en-US" sz="1400" b="0" i="1" smtClean="0">
+                              <a:latin typeface="Cambria Math" panose="02040503050406030204" pitchFamily="18" charset="0"/>
+                            </a:rPr>
+                            <m:t>）</m:t>
+                          </m:r>
+                          <m:r>
+                            <a:rPr lang="zh-CN" altLang="en-US" sz="1400" i="1">
+                              <a:latin typeface="Cambria Math" panose="02040503050406030204" pitchFamily="18" charset="0"/>
+                            </a:rPr>
+                            <m:t>捡钱</m:t>
+                          </m:r>
+                        </m:oMath>
+                      </m:oMathPara>
+                    </a14:m>
+                    <a:endParaRPr lang="en-US" sz="1400" dirty="0"/>
+                  </a:p>
+                </p:txBody>
+              </p:sp>
+            </mc:Choice>
+            <mc:Fallback>
+              <p:sp>
+                <p:nvSpPr>
+                  <p:cNvPr id="4" name="Rounded Rectangle 3">
+                    <a:extLst>
+                      <a:ext uri="{FF2B5EF4-FFF2-40B4-BE49-F238E27FC236}">
+                        <a16:creationId xmlns:a16="http://schemas.microsoft.com/office/drawing/2014/main" id="{AC231E6D-EB79-7D8D-29FF-8171F9D53270}"/>
+                      </a:ext>
+                    </a:extLst>
+                  </p:cNvPr>
+                  <p:cNvSpPr>
+                    <a:spLocks noRot="1" noChangeAspect="1" noMove="1" noResize="1" noEditPoints="1" noAdjustHandles="1" noChangeArrowheads="1" noChangeShapeType="1" noTextEdit="1"/>
+                  </p:cNvSpPr>
+                  <p:nvPr/>
+                </p:nvSpPr>
+                <p:spPr>
+                  <a:xfrm>
+                    <a:off x="8177839" y="3167797"/>
+                    <a:ext cx="1178557" cy="406799"/>
+                  </a:xfrm>
+                  <a:prstGeom prst="roundRect">
+                    <a:avLst>
+                      <a:gd name="adj" fmla="val 50000"/>
+                    </a:avLst>
+                  </a:prstGeom>
+                  <a:blipFill>
+                    <a:blip r:embed="rId8"/>
+                    <a:stretch>
+                      <a:fillRect/>
+                    </a:stretch>
+                  </a:blipFill>
+                  <a:ln w="25400">
+                    <a:noFill/>
+                  </a:ln>
+                </p:spPr>
+                <p:txBody>
+                  <a:bodyPr/>
+                  <a:lstStyle/>
+                  <a:p>
+                    <a:r>
+                      <a:rPr lang="en-US">
+                        <a:noFill/>
+                      </a:rPr>
+                      <a:t> </a:t>
+                    </a:r>
+                  </a:p>
+                </p:txBody>
+              </p:sp>
+            </mc:Fallback>
+          </mc:AlternateContent>
+          <mc:AlternateContent xmlns:mc="http://schemas.openxmlformats.org/markup-compatibility/2006">
+            <mc:Choice xmlns:a14="http://schemas.microsoft.com/office/drawing/2010/main" Requires="a14">
+              <p:sp>
+                <p:nvSpPr>
+                  <p:cNvPr id="11" name="Rounded Rectangle 10">
+                    <a:extLst>
+                      <a:ext uri="{FF2B5EF4-FFF2-40B4-BE49-F238E27FC236}">
+                        <a16:creationId xmlns:a16="http://schemas.microsoft.com/office/drawing/2014/main" id="{B41006CA-490C-1285-5E0A-7AB02D46F246}"/>
+                      </a:ext>
+                    </a:extLst>
+                  </p:cNvPr>
+                  <p:cNvSpPr>
+                    <a:spLocks noChangeAspect="1"/>
+                  </p:cNvSpPr>
+                  <p:nvPr/>
+                </p:nvSpPr>
+                <p:spPr>
+                  <a:xfrm>
+                    <a:off x="8177839" y="3661523"/>
+                    <a:ext cx="1183633" cy="408551"/>
+                  </a:xfrm>
+                  <a:prstGeom prst="roundRect">
+                    <a:avLst>
+                      <a:gd name="adj" fmla="val 50000"/>
+                    </a:avLst>
+                  </a:prstGeom>
+                  <a:solidFill>
+                    <a:schemeClr val="accent1">
+                      <a:alpha val="80000"/>
+                    </a:schemeClr>
+                  </a:solidFill>
+                  <a:ln w="25400">
+                    <a:noFill/>
+                  </a:ln>
+                </p:spPr>
+                <p:style>
+                  <a:lnRef idx="2">
+                    <a:schemeClr val="accent1">
+                      <a:shade val="15000"/>
+                    </a:schemeClr>
+                  </a:lnRef>
+                  <a:fillRef idx="1">
+                    <a:schemeClr val="accent1"/>
+                  </a:fillRef>
+                  <a:effectRef idx="0">
+                    <a:schemeClr val="accent1"/>
+                  </a:effectRef>
+                  <a:fontRef idx="minor">
+                    <a:schemeClr val="lt1"/>
+                  </a:fontRef>
+                </p:style>
+                <p:txBody>
+                  <a:bodyPr rtlCol="0" anchor="ctr"/>
+                  <a:lstStyle/>
+                  <a:p>
+                    <a:pPr algn="ctr"/>
+                    <a14:m>
+                      <m:oMathPara xmlns:m="http://schemas.openxmlformats.org/officeDocument/2006/math">
+                        <m:oMathParaPr>
+                          <m:jc m:val="centerGroup"/>
+                        </m:oMathParaPr>
+                        <m:oMath xmlns:m="http://schemas.openxmlformats.org/officeDocument/2006/math">
+                          <m:r>
+                            <a:rPr lang="zh-CN" altLang="en-US" sz="1400" b="0" i="1" smtClean="0">
+                              <a:latin typeface="Cambria Math" panose="02040503050406030204" pitchFamily="18" charset="0"/>
+                            </a:rPr>
+                            <m:t>（</m:t>
+                          </m:r>
+                          <m:r>
+                            <a:rPr lang="en-US" altLang="zh-CN" sz="1400" b="0" i="1" smtClean="0">
+                              <a:latin typeface="Cambria Math" panose="02040503050406030204" pitchFamily="18" charset="0"/>
+                            </a:rPr>
+                            <m:t>−</m:t>
+                          </m:r>
+                          <m:r>
+                            <a:rPr lang="zh-CN" altLang="en-US" sz="1400" b="0" i="1" smtClean="0">
+                              <a:latin typeface="Cambria Math" panose="02040503050406030204" pitchFamily="18" charset="0"/>
+                            </a:rPr>
+                            <m:t>）</m:t>
+                          </m:r>
+                          <m:r>
+                            <a:rPr lang="zh-CN" altLang="en-US" sz="1400" i="1">
+                              <a:latin typeface="Cambria Math" panose="02040503050406030204" pitchFamily="18" charset="0"/>
+                            </a:rPr>
+                            <m:t>受</m:t>
+                          </m:r>
+                          <m:r>
+                            <a:rPr lang="zh-CN" altLang="en-US" sz="1400" i="1" smtClean="0">
+                              <a:latin typeface="Cambria Math" panose="02040503050406030204" pitchFamily="18" charset="0"/>
+                            </a:rPr>
+                            <m:t>批</m:t>
+                          </m:r>
+                        </m:oMath>
+                      </m:oMathPara>
+                    </a14:m>
+                    <a:endParaRPr lang="en-US" sz="1400" dirty="0"/>
+                  </a:p>
+                </p:txBody>
+              </p:sp>
+            </mc:Choice>
+            <mc:Fallback>
+              <p:sp>
+                <p:nvSpPr>
+                  <p:cNvPr id="11" name="Rounded Rectangle 10">
+                    <a:extLst>
+                      <a:ext uri="{FF2B5EF4-FFF2-40B4-BE49-F238E27FC236}">
+                        <a16:creationId xmlns:a16="http://schemas.microsoft.com/office/drawing/2014/main" id="{B41006CA-490C-1285-5E0A-7AB02D46F246}"/>
+                      </a:ext>
+                    </a:extLst>
+                  </p:cNvPr>
+                  <p:cNvSpPr>
+                    <a:spLocks noRot="1" noChangeAspect="1" noMove="1" noResize="1" noEditPoints="1" noAdjustHandles="1" noChangeArrowheads="1" noChangeShapeType="1" noTextEdit="1"/>
+                  </p:cNvSpPr>
+                  <p:nvPr/>
+                </p:nvSpPr>
+                <p:spPr>
+                  <a:xfrm>
+                    <a:off x="8177839" y="3661523"/>
+                    <a:ext cx="1183633" cy="408551"/>
+                  </a:xfrm>
+                  <a:prstGeom prst="roundRect">
+                    <a:avLst>
+                      <a:gd name="adj" fmla="val 50000"/>
+                    </a:avLst>
+                  </a:prstGeom>
+                  <a:blipFill>
+                    <a:blip r:embed="rId9"/>
+                    <a:stretch>
+                      <a:fillRect/>
+                    </a:stretch>
+                  </a:blipFill>
+                  <a:ln w="25400">
+                    <a:noFill/>
+                  </a:ln>
+                </p:spPr>
+                <p:txBody>
+                  <a:bodyPr/>
+                  <a:lstStyle/>
+                  <a:p>
+                    <a:r>
+                      <a:rPr lang="en-US">
+                        <a:noFill/>
+                      </a:rPr>
+                      <a:t> </a:t>
+                    </a:r>
+                  </a:p>
+                </p:txBody>
+              </p:sp>
+            </mc:Fallback>
+          </mc:AlternateContent>
+          <mc:AlternateContent xmlns:mc="http://schemas.openxmlformats.org/markup-compatibility/2006">
+            <mc:Choice xmlns:a14="http://schemas.microsoft.com/office/drawing/2010/main" Requires="a14">
+              <p:sp>
+                <p:nvSpPr>
+                  <p:cNvPr id="13" name="Rounded Rectangle 12">
+                    <a:extLst>
+                      <a:ext uri="{FF2B5EF4-FFF2-40B4-BE49-F238E27FC236}">
+                        <a16:creationId xmlns:a16="http://schemas.microsoft.com/office/drawing/2014/main" id="{6DCB31F4-024C-A005-2532-35C1C6C61481}"/>
+                      </a:ext>
+                    </a:extLst>
+                  </p:cNvPr>
+                  <p:cNvSpPr>
+                    <a:spLocks noChangeAspect="1"/>
+                  </p:cNvSpPr>
+                  <p:nvPr/>
+                </p:nvSpPr>
+                <p:spPr>
+                  <a:xfrm>
+                    <a:off x="8177838" y="4155249"/>
+                    <a:ext cx="1183633" cy="408551"/>
+                  </a:xfrm>
+                  <a:prstGeom prst="roundRect">
+                    <a:avLst>
+                      <a:gd name="adj" fmla="val 50000"/>
+                    </a:avLst>
+                  </a:prstGeom>
+                  <a:solidFill>
+                    <a:schemeClr val="accent1">
+                      <a:alpha val="80000"/>
+                    </a:schemeClr>
+                  </a:solidFill>
+                  <a:ln w="25400">
+                    <a:noFill/>
+                  </a:ln>
+                </p:spPr>
+                <p:style>
+                  <a:lnRef idx="2">
+                    <a:schemeClr val="accent1">
+                      <a:shade val="15000"/>
+                    </a:schemeClr>
+                  </a:lnRef>
+                  <a:fillRef idx="1">
+                    <a:schemeClr val="accent1"/>
+                  </a:fillRef>
+                  <a:effectRef idx="0">
+                    <a:schemeClr val="accent1"/>
+                  </a:effectRef>
+                  <a:fontRef idx="minor">
+                    <a:schemeClr val="lt1"/>
+                  </a:fontRef>
+                </p:style>
+                <p:txBody>
+                  <a:bodyPr rtlCol="0" anchor="ctr"/>
+                  <a:lstStyle/>
+                  <a:p>
+                    <a:pPr algn="ctr"/>
+                    <a14:m>
+                      <m:oMathPara xmlns:m="http://schemas.openxmlformats.org/officeDocument/2006/math">
+                        <m:oMathParaPr>
+                          <m:jc m:val="centerGroup"/>
+                        </m:oMathParaPr>
+                        <m:oMath xmlns:m="http://schemas.openxmlformats.org/officeDocument/2006/math">
+                          <m:r>
+                            <a:rPr lang="zh-CN" altLang="en-US" sz="1400" b="0" i="1" smtClean="0">
+                              <a:latin typeface="Cambria Math" panose="02040503050406030204" pitchFamily="18" charset="0"/>
+                            </a:rPr>
+                            <m:t>（</m:t>
+                          </m:r>
+                          <m:r>
+                            <a:rPr lang="en-US" altLang="zh-CN" sz="1400" b="0" i="1" smtClean="0">
+                              <a:latin typeface="Cambria Math" panose="02040503050406030204" pitchFamily="18" charset="0"/>
+                            </a:rPr>
+                            <m:t>+</m:t>
+                          </m:r>
+                          <m:r>
+                            <a:rPr lang="zh-CN" altLang="en-US" sz="1400" b="0" i="1" smtClean="0">
+                              <a:latin typeface="Cambria Math" panose="02040503050406030204" pitchFamily="18" charset="0"/>
+                            </a:rPr>
+                            <m:t>）</m:t>
+                          </m:r>
+                          <m:r>
+                            <a:rPr lang="zh-CN" altLang="en-US" sz="1400" i="1">
+                              <a:latin typeface="Cambria Math" panose="02040503050406030204" pitchFamily="18" charset="0"/>
+                            </a:rPr>
+                            <m:t>进步</m:t>
+                          </m:r>
+                        </m:oMath>
+                      </m:oMathPara>
+                    </a14:m>
+                    <a:endParaRPr lang="en-US" sz="1400" dirty="0"/>
+                  </a:p>
+                </p:txBody>
+              </p:sp>
+            </mc:Choice>
+            <mc:Fallback>
+              <p:sp>
+                <p:nvSpPr>
+                  <p:cNvPr id="13" name="Rounded Rectangle 12">
+                    <a:extLst>
+                      <a:ext uri="{FF2B5EF4-FFF2-40B4-BE49-F238E27FC236}">
+                        <a16:creationId xmlns:a16="http://schemas.microsoft.com/office/drawing/2014/main" id="{6DCB31F4-024C-A005-2532-35C1C6C61481}"/>
+                      </a:ext>
+                    </a:extLst>
+                  </p:cNvPr>
+                  <p:cNvSpPr>
+                    <a:spLocks noRot="1" noChangeAspect="1" noMove="1" noResize="1" noEditPoints="1" noAdjustHandles="1" noChangeArrowheads="1" noChangeShapeType="1" noTextEdit="1"/>
+                  </p:cNvSpPr>
+                  <p:nvPr/>
+                </p:nvSpPr>
+                <p:spPr>
+                  <a:xfrm>
+                    <a:off x="8177838" y="4155249"/>
+                    <a:ext cx="1183633" cy="408551"/>
+                  </a:xfrm>
+                  <a:prstGeom prst="roundRect">
+                    <a:avLst>
+                      <a:gd name="adj" fmla="val 50000"/>
+                    </a:avLst>
+                  </a:prstGeom>
+                  <a:blipFill>
+                    <a:blip r:embed="rId10"/>
+                    <a:stretch>
+                      <a:fillRect/>
+                    </a:stretch>
+                  </a:blipFill>
+                  <a:ln w="25400">
+                    <a:noFill/>
+                  </a:ln>
+                </p:spPr>
+                <p:txBody>
+                  <a:bodyPr/>
+                  <a:lstStyle/>
+                  <a:p>
+                    <a:r>
+                      <a:rPr lang="en-US">
+                        <a:noFill/>
+                      </a:rPr>
+                      <a:t> </a:t>
+                    </a:r>
+                  </a:p>
+                </p:txBody>
+              </p:sp>
+            </mc:Fallback>
+          </mc:AlternateContent>
         </p:grpSp>
-        <mc:AlternateContent xmlns:mc="http://schemas.openxmlformats.org/markup-compatibility/2006">
-          <mc:Choice xmlns:a14="http://schemas.microsoft.com/office/drawing/2010/main" Requires="a14">
-            <p:sp>
-              <p:nvSpPr>
-                <p:cNvPr id="4" name="Rounded Rectangle 3">
-                  <a:extLst>
-                    <a:ext uri="{FF2B5EF4-FFF2-40B4-BE49-F238E27FC236}">
-                      <a16:creationId xmlns:a16="http://schemas.microsoft.com/office/drawing/2014/main" id="{AC231E6D-EB79-7D8D-29FF-8171F9D53270}"/>
-                    </a:ext>
-                  </a:extLst>
-                </p:cNvPr>
-                <p:cNvSpPr>
-                  <a:spLocks noChangeAspect="1"/>
-                </p:cNvSpPr>
-                <p:nvPr/>
-              </p:nvSpPr>
-              <p:spPr>
-                <a:xfrm>
-                  <a:off x="8977745" y="1367349"/>
-                  <a:ext cx="1183633" cy="408551"/>
-                </a:xfrm>
-                <a:prstGeom prst="roundRect">
-                  <a:avLst>
-                    <a:gd name="adj" fmla="val 50000"/>
-                  </a:avLst>
-                </a:prstGeom>
-                <a:solidFill>
-                  <a:schemeClr val="accent1">
-                    <a:alpha val="80000"/>
-                  </a:schemeClr>
-                </a:solidFill>
-                <a:ln w="25400">
-                  <a:noFill/>
-                </a:ln>
-              </p:spPr>
-              <p:style>
-                <a:lnRef idx="2">
-                  <a:schemeClr val="accent1">
-                    <a:shade val="15000"/>
-                  </a:schemeClr>
-                </a:lnRef>
-                <a:fillRef idx="1">
-                  <a:schemeClr val="accent1"/>
-                </a:fillRef>
-                <a:effectRef idx="0">
-                  <a:schemeClr val="accent1"/>
-                </a:effectRef>
-                <a:fontRef idx="minor">
-                  <a:schemeClr val="lt1"/>
-                </a:fontRef>
-              </p:style>
-              <p:txBody>
-                <a:bodyPr rtlCol="0" anchor="ctr"/>
-                <a:lstStyle/>
-                <a:p>
-                  <a:pPr algn="ctr"/>
-                  <a14:m>
-                    <m:oMathPara xmlns:m="http://schemas.openxmlformats.org/officeDocument/2006/math">
-                      <m:oMathParaPr>
-                        <m:jc m:val="centerGroup"/>
-                      </m:oMathParaPr>
-                      <m:oMath xmlns:m="http://schemas.openxmlformats.org/officeDocument/2006/math">
-                        <m:r>
-                          <a:rPr lang="zh-CN" altLang="en-US" sz="1400" b="0" i="1" smtClean="0">
-                            <a:latin typeface="Cambria Math" panose="02040503050406030204" pitchFamily="18" charset="0"/>
-                          </a:rPr>
-                          <m:t>（</m:t>
-                        </m:r>
-                        <m:r>
-                          <a:rPr lang="en-US" altLang="zh-CN" sz="1400" b="0" i="1" smtClean="0">
-                            <a:latin typeface="Cambria Math" panose="02040503050406030204" pitchFamily="18" charset="0"/>
-                          </a:rPr>
-                          <m:t>+</m:t>
-                        </m:r>
-                        <m:r>
-                          <a:rPr lang="zh-CN" altLang="en-US" sz="1400" b="0" i="1" smtClean="0">
-                            <a:latin typeface="Cambria Math" panose="02040503050406030204" pitchFamily="18" charset="0"/>
-                          </a:rPr>
-                          <m:t>）</m:t>
-                        </m:r>
-                        <m:r>
-                          <a:rPr lang="zh-CN" altLang="en-US" sz="1400" i="1">
-                            <a:latin typeface="Cambria Math" panose="02040503050406030204" pitchFamily="18" charset="0"/>
-                          </a:rPr>
-                          <m:t>捡钱</m:t>
-                        </m:r>
-                      </m:oMath>
-                    </m:oMathPara>
-                  </a14:m>
-                  <a:endParaRPr lang="en-US" sz="1400" dirty="0"/>
-                </a:p>
-              </p:txBody>
-            </p:sp>
-          </mc:Choice>
-          <mc:Fallback>
-            <p:sp>
-              <p:nvSpPr>
-                <p:cNvPr id="4" name="Rounded Rectangle 3">
-                  <a:extLst>
-                    <a:ext uri="{FF2B5EF4-FFF2-40B4-BE49-F238E27FC236}">
-                      <a16:creationId xmlns:a16="http://schemas.microsoft.com/office/drawing/2014/main" id="{AC231E6D-EB79-7D8D-29FF-8171F9D53270}"/>
-                    </a:ext>
-                  </a:extLst>
-                </p:cNvPr>
-                <p:cNvSpPr>
-                  <a:spLocks noRot="1" noChangeAspect="1" noMove="1" noResize="1" noEditPoints="1" noAdjustHandles="1" noChangeArrowheads="1" noChangeShapeType="1" noTextEdit="1"/>
-                </p:cNvSpPr>
-                <p:nvPr/>
-              </p:nvSpPr>
-              <p:spPr>
-                <a:xfrm>
-                  <a:off x="8977745" y="1367349"/>
-                  <a:ext cx="1183633" cy="408551"/>
-                </a:xfrm>
-                <a:prstGeom prst="roundRect">
-                  <a:avLst>
-                    <a:gd name="adj" fmla="val 50000"/>
-                  </a:avLst>
-                </a:prstGeom>
-                <a:blipFill>
-                  <a:blip r:embed="rId8"/>
-                  <a:stretch>
-                    <a:fillRect/>
-                  </a:stretch>
-                </a:blipFill>
-                <a:ln w="25400">
-                  <a:noFill/>
-                </a:ln>
-              </p:spPr>
-              <p:txBody>
-                <a:bodyPr/>
-                <a:lstStyle/>
-                <a:p>
-                  <a:r>
-                    <a:rPr lang="en-US">
-                      <a:noFill/>
-                    </a:rPr>
-                    <a:t> </a:t>
-                  </a:r>
-                </a:p>
-              </p:txBody>
-            </p:sp>
-          </mc:Fallback>
-        </mc:AlternateContent>
-        <mc:AlternateContent xmlns:mc="http://schemas.openxmlformats.org/markup-compatibility/2006">
-          <mc:Choice xmlns:a14="http://schemas.microsoft.com/office/drawing/2010/main" Requires="a14">
-            <p:sp>
-              <p:nvSpPr>
-                <p:cNvPr id="11" name="Rounded Rectangle 10">
-                  <a:extLst>
-                    <a:ext uri="{FF2B5EF4-FFF2-40B4-BE49-F238E27FC236}">
-                      <a16:creationId xmlns:a16="http://schemas.microsoft.com/office/drawing/2014/main" id="{B41006CA-490C-1285-5E0A-7AB02D46F246}"/>
-                    </a:ext>
-                  </a:extLst>
-                </p:cNvPr>
-                <p:cNvSpPr>
-                  <a:spLocks noChangeAspect="1"/>
-                </p:cNvSpPr>
-                <p:nvPr/>
-              </p:nvSpPr>
-              <p:spPr>
-                <a:xfrm>
-                  <a:off x="8977745" y="1861075"/>
-                  <a:ext cx="1183633" cy="408551"/>
-                </a:xfrm>
-                <a:prstGeom prst="roundRect">
-                  <a:avLst>
-                    <a:gd name="adj" fmla="val 50000"/>
-                  </a:avLst>
-                </a:prstGeom>
-                <a:solidFill>
-                  <a:schemeClr val="accent1">
-                    <a:alpha val="80000"/>
-                  </a:schemeClr>
-                </a:solidFill>
-                <a:ln w="25400">
-                  <a:noFill/>
-                </a:ln>
-              </p:spPr>
-              <p:style>
-                <a:lnRef idx="2">
-                  <a:schemeClr val="accent1">
-                    <a:shade val="15000"/>
-                  </a:schemeClr>
-                </a:lnRef>
-                <a:fillRef idx="1">
-                  <a:schemeClr val="accent1"/>
-                </a:fillRef>
-                <a:effectRef idx="0">
-                  <a:schemeClr val="accent1"/>
-                </a:effectRef>
-                <a:fontRef idx="minor">
-                  <a:schemeClr val="lt1"/>
-                </a:fontRef>
-              </p:style>
-              <p:txBody>
-                <a:bodyPr rtlCol="0" anchor="ctr"/>
-                <a:lstStyle/>
-                <a:p>
-                  <a:pPr algn="ctr"/>
-                  <a14:m>
-                    <m:oMathPara xmlns:m="http://schemas.openxmlformats.org/officeDocument/2006/math">
-                      <m:oMathParaPr>
-                        <m:jc m:val="centerGroup"/>
-                      </m:oMathParaPr>
-                      <m:oMath xmlns:m="http://schemas.openxmlformats.org/officeDocument/2006/math">
-                        <m:r>
-                          <a:rPr lang="zh-CN" altLang="en-US" sz="1400" b="0" i="1" smtClean="0">
-                            <a:latin typeface="Cambria Math" panose="02040503050406030204" pitchFamily="18" charset="0"/>
-                          </a:rPr>
-                          <m:t>（</m:t>
-                        </m:r>
-                        <m:r>
-                          <a:rPr lang="en-US" altLang="zh-CN" sz="1400" b="0" i="1" smtClean="0">
-                            <a:latin typeface="Cambria Math" panose="02040503050406030204" pitchFamily="18" charset="0"/>
-                          </a:rPr>
-                          <m:t>−</m:t>
-                        </m:r>
-                        <m:r>
-                          <a:rPr lang="zh-CN" altLang="en-US" sz="1400" b="0" i="1" smtClean="0">
-                            <a:latin typeface="Cambria Math" panose="02040503050406030204" pitchFamily="18" charset="0"/>
-                          </a:rPr>
-                          <m:t>）</m:t>
-                        </m:r>
-                        <m:r>
-                          <a:rPr lang="zh-CN" altLang="en-US" sz="1400" i="1">
-                            <a:latin typeface="Cambria Math" panose="02040503050406030204" pitchFamily="18" charset="0"/>
-                          </a:rPr>
-                          <m:t>受</m:t>
-                        </m:r>
-                        <m:r>
-                          <a:rPr lang="zh-CN" altLang="en-US" sz="1400" i="1" smtClean="0">
-                            <a:latin typeface="Cambria Math" panose="02040503050406030204" pitchFamily="18" charset="0"/>
-                          </a:rPr>
-                          <m:t>批</m:t>
-                        </m:r>
-                      </m:oMath>
-                    </m:oMathPara>
-                  </a14:m>
-                  <a:endParaRPr lang="en-US" sz="1400" dirty="0"/>
-                </a:p>
-              </p:txBody>
-            </p:sp>
-          </mc:Choice>
-          <mc:Fallback>
-            <p:sp>
-              <p:nvSpPr>
-                <p:cNvPr id="11" name="Rounded Rectangle 10">
-                  <a:extLst>
-                    <a:ext uri="{FF2B5EF4-FFF2-40B4-BE49-F238E27FC236}">
-                      <a16:creationId xmlns:a16="http://schemas.microsoft.com/office/drawing/2014/main" id="{B41006CA-490C-1285-5E0A-7AB02D46F246}"/>
-                    </a:ext>
-                  </a:extLst>
-                </p:cNvPr>
-                <p:cNvSpPr>
-                  <a:spLocks noRot="1" noChangeAspect="1" noMove="1" noResize="1" noEditPoints="1" noAdjustHandles="1" noChangeArrowheads="1" noChangeShapeType="1" noTextEdit="1"/>
-                </p:cNvSpPr>
-                <p:nvPr/>
-              </p:nvSpPr>
-              <p:spPr>
-                <a:xfrm>
-                  <a:off x="8977745" y="1861075"/>
-                  <a:ext cx="1183633" cy="408551"/>
-                </a:xfrm>
-                <a:prstGeom prst="roundRect">
-                  <a:avLst>
-                    <a:gd name="adj" fmla="val 50000"/>
-                  </a:avLst>
-                </a:prstGeom>
-                <a:blipFill>
-                  <a:blip r:embed="rId9"/>
-                  <a:stretch>
-                    <a:fillRect/>
-                  </a:stretch>
-                </a:blipFill>
-                <a:ln w="25400">
-                  <a:noFill/>
-                </a:ln>
-              </p:spPr>
-              <p:txBody>
-                <a:bodyPr/>
-                <a:lstStyle/>
-                <a:p>
-                  <a:r>
-                    <a:rPr lang="en-US">
-                      <a:noFill/>
-                    </a:rPr>
-                    <a:t> </a:t>
-                  </a:r>
-                </a:p>
-              </p:txBody>
-            </p:sp>
-          </mc:Fallback>
-        </mc:AlternateContent>
+        <p:sp>
+          <p:nvSpPr>
+            <p:cNvPr id="15" name="Rectangle 14">
+              <a:extLst>
+                <a:ext uri="{FF2B5EF4-FFF2-40B4-BE49-F238E27FC236}">
+                  <a16:creationId xmlns:a16="http://schemas.microsoft.com/office/drawing/2014/main" id="{9A49952A-3EAA-0532-700A-6CF61ED8E685}"/>
+                </a:ext>
+              </a:extLst>
+            </p:cNvPr>
+            <p:cNvSpPr/>
+            <p:nvPr/>
+          </p:nvSpPr>
+          <p:spPr>
+            <a:xfrm>
+              <a:off x="4030825" y="3648318"/>
+              <a:ext cx="720000" cy="90000"/>
+            </a:xfrm>
+            <a:prstGeom prst="rect">
+              <a:avLst/>
+            </a:prstGeom>
+            <a:solidFill>
+              <a:schemeClr val="tx1">
+                <a:lumMod val="85000"/>
+                <a:lumOff val="15000"/>
+                <a:alpha val="50000"/>
+              </a:schemeClr>
+            </a:solidFill>
+            <a:ln>
+              <a:noFill/>
+            </a:ln>
+          </p:spPr>
+          <p:style>
+            <a:lnRef idx="2">
+              <a:schemeClr val="accent1">
+                <a:shade val="15000"/>
+              </a:schemeClr>
+            </a:lnRef>
+            <a:fillRef idx="1">
+              <a:schemeClr val="accent1"/>
+            </a:fillRef>
+            <a:effectRef idx="0">
+              <a:schemeClr val="accent1"/>
+            </a:effectRef>
+            <a:fontRef idx="minor">
+              <a:schemeClr val="lt1"/>
+            </a:fontRef>
+          </p:style>
+          <p:txBody>
+            <a:bodyPr rtlCol="0" anchor="ctr"/>
+            <a:lstStyle/>
+            <a:p>
+              <a:pPr algn="ctr"/>
+              <a:endParaRPr lang="en-US"/>
+            </a:p>
+          </p:txBody>
+        </p:sp>
       </p:grpSp>
-      <mc:AlternateContent xmlns:mc="http://schemas.openxmlformats.org/markup-compatibility/2006">
-        <mc:Choice xmlns:a14="http://schemas.microsoft.com/office/drawing/2010/main" Requires="a14">
-          <p:sp>
-            <p:nvSpPr>
-              <p:cNvPr id="13" name="Rounded Rectangle 12">
-                <a:extLst>
-                  <a:ext uri="{FF2B5EF4-FFF2-40B4-BE49-F238E27FC236}">
-                    <a16:creationId xmlns:a16="http://schemas.microsoft.com/office/drawing/2014/main" id="{6DCB31F4-024C-A005-2532-35C1C6C61481}"/>
-                  </a:ext>
-                </a:extLst>
-              </p:cNvPr>
-              <p:cNvSpPr>
-                <a:spLocks noChangeAspect="1"/>
-              </p:cNvSpPr>
-              <p:nvPr/>
-            </p:nvSpPr>
-            <p:spPr>
-              <a:xfrm>
-                <a:off x="8977744" y="2354801"/>
-                <a:ext cx="1183633" cy="408551"/>
-              </a:xfrm>
-              <a:prstGeom prst="roundRect">
-                <a:avLst>
-                  <a:gd name="adj" fmla="val 50000"/>
-                </a:avLst>
-              </a:prstGeom>
-              <a:solidFill>
-                <a:schemeClr val="accent1">
-                  <a:alpha val="80000"/>
-                </a:schemeClr>
-              </a:solidFill>
-              <a:ln w="25400">
-                <a:noFill/>
-              </a:ln>
-            </p:spPr>
-            <p:style>
-              <a:lnRef idx="2">
-                <a:schemeClr val="accent1">
-                  <a:shade val="15000"/>
-                </a:schemeClr>
-              </a:lnRef>
-              <a:fillRef idx="1">
-                <a:schemeClr val="accent1"/>
-              </a:fillRef>
-              <a:effectRef idx="0">
-                <a:schemeClr val="accent1"/>
-              </a:effectRef>
-              <a:fontRef idx="minor">
-                <a:schemeClr val="lt1"/>
-              </a:fontRef>
-            </p:style>
-            <p:txBody>
-              <a:bodyPr rtlCol="0" anchor="ctr"/>
-              <a:lstStyle/>
-              <a:p>
-                <a:pPr algn="ctr"/>
-                <a14:m>
-                  <m:oMathPara xmlns:m="http://schemas.openxmlformats.org/officeDocument/2006/math">
-                    <m:oMathParaPr>
-                      <m:jc m:val="centerGroup"/>
-                    </m:oMathParaPr>
-                    <m:oMath xmlns:m="http://schemas.openxmlformats.org/officeDocument/2006/math">
-                      <m:r>
-                        <a:rPr lang="zh-CN" altLang="en-US" sz="1400" b="0" i="1" smtClean="0">
-                          <a:latin typeface="Cambria Math" panose="02040503050406030204" pitchFamily="18" charset="0"/>
-                        </a:rPr>
-                        <m:t>（</m:t>
-                      </m:r>
-                      <m:r>
-                        <a:rPr lang="en-US" altLang="zh-CN" sz="1400" b="0" i="1" smtClean="0">
-                          <a:latin typeface="Cambria Math" panose="02040503050406030204" pitchFamily="18" charset="0"/>
-                        </a:rPr>
-                        <m:t>+</m:t>
-                      </m:r>
-                      <m:r>
-                        <a:rPr lang="zh-CN" altLang="en-US" sz="1400" b="0" i="1" smtClean="0">
-                          <a:latin typeface="Cambria Math" panose="02040503050406030204" pitchFamily="18" charset="0"/>
-                        </a:rPr>
-                        <m:t>）</m:t>
-                      </m:r>
-                      <m:r>
-                        <a:rPr lang="zh-CN" altLang="en-US" sz="1400" i="1">
-                          <a:latin typeface="Cambria Math" panose="02040503050406030204" pitchFamily="18" charset="0"/>
-                        </a:rPr>
-                        <m:t>进步</m:t>
-                      </m:r>
-                    </m:oMath>
-                  </m:oMathPara>
-                </a14:m>
-                <a:endParaRPr lang="en-US" sz="1400" dirty="0"/>
-              </a:p>
-            </p:txBody>
-          </p:sp>
-        </mc:Choice>
-        <mc:Fallback>
-          <p:sp>
-            <p:nvSpPr>
-              <p:cNvPr id="13" name="Rounded Rectangle 12">
-                <a:extLst>
-                  <a:ext uri="{FF2B5EF4-FFF2-40B4-BE49-F238E27FC236}">
-                    <a16:creationId xmlns:a16="http://schemas.microsoft.com/office/drawing/2014/main" id="{6DCB31F4-024C-A005-2532-35C1C6C61481}"/>
-                  </a:ext>
-                </a:extLst>
-              </p:cNvPr>
-              <p:cNvSpPr>
-                <a:spLocks noRot="1" noChangeAspect="1" noMove="1" noResize="1" noEditPoints="1" noAdjustHandles="1" noChangeArrowheads="1" noChangeShapeType="1" noTextEdit="1"/>
-              </p:cNvSpPr>
-              <p:nvPr/>
-            </p:nvSpPr>
-            <p:spPr>
-              <a:xfrm>
-                <a:off x="8977744" y="2354801"/>
-                <a:ext cx="1183633" cy="408551"/>
-              </a:xfrm>
-              <a:prstGeom prst="roundRect">
-                <a:avLst>
-                  <a:gd name="adj" fmla="val 50000"/>
-                </a:avLst>
-              </a:prstGeom>
-              <a:blipFill>
-                <a:blip r:embed="rId10"/>
-                <a:stretch>
-                  <a:fillRect/>
-                </a:stretch>
-              </a:blipFill>
-              <a:ln w="25400">
-                <a:noFill/>
-              </a:ln>
-            </p:spPr>
-            <p:txBody>
-              <a:bodyPr/>
-              <a:lstStyle/>
-              <a:p>
-                <a:r>
-                  <a:rPr lang="en-US">
-                    <a:noFill/>
-                  </a:rPr>
-                  <a:t> </a:t>
-                </a:r>
-              </a:p>
-            </p:txBody>
-          </p:sp>
-        </mc:Fallback>
-      </mc:AlternateContent>
     </p:spTree>
     <p:extLst>
       <p:ext uri="{BB962C8B-B14F-4D97-AF65-F5344CB8AC3E}">
